--- a/Diplomarbeit/doc/Presentations/DA-Präsentation2024_Erstpräsentation.pptx
+++ b/Diplomarbeit/doc/Presentations/DA-Präsentation2024_Erstpräsentation.pptx
@@ -5,10 +5,10 @@
     <p:sldMasterId id="2147483648" r:id="rId4"/>
   </p:sldMasterIdLst>
   <p:notesMasterIdLst>
-    <p:notesMasterId r:id="rId15"/>
+    <p:notesMasterId r:id="rId16"/>
   </p:notesMasterIdLst>
   <p:handoutMasterIdLst>
-    <p:handoutMasterId r:id="rId16"/>
+    <p:handoutMasterId r:id="rId17"/>
   </p:handoutMasterIdLst>
   <p:sldIdLst>
     <p:sldId id="256" r:id="rId5"/>
@@ -20,7 +20,8 @@
     <p:sldId id="2587" r:id="rId11"/>
     <p:sldId id="2586" r:id="rId12"/>
     <p:sldId id="2590" r:id="rId13"/>
-    <p:sldId id="2591" r:id="rId14"/>
+    <p:sldId id="2592" r:id="rId14"/>
+    <p:sldId id="2591" r:id="rId15"/>
   </p:sldIdLst>
   <p:sldSz cx="12192000" cy="6858000"/>
   <p:notesSz cx="7099300" cy="10234613"/>
@@ -245,7 +246,7 @@
             <a:fld id="{4597EA2D-D11E-4F11-940E-96FC3DC86B48}" type="datetimeFigureOut">
               <a:rPr lang="de-DE" smtClean="0"/>
               <a:pPr/>
-              <a:t>30.05.2024</a:t>
+              <a:t>04.06.2024</a:t>
             </a:fld>
             <a:endParaRPr lang="de-AT"/>
           </a:p>
@@ -412,7 +413,7 @@
             <a:fld id="{25FA59D5-1C02-4780-AF81-09ADAD492357}" type="datetimeFigureOut">
               <a:rPr lang="de-AT" smtClean="0"/>
               <a:pPr/>
-              <a:t>30.05.2024</a:t>
+              <a:t>04.06.2024</a:t>
             </a:fld>
             <a:endParaRPr lang="de-AT"/>
           </a:p>
@@ -1120,7 +1121,7 @@
           <a:p>
             <a:fld id="{903DBAB2-6CCA-40C7-8885-2C056A77E284}" type="datetime1">
               <a:rPr lang="de-AT" smtClean="0"/>
-              <a:t>30.05.2024</a:t>
+              <a:t>04.06.2024</a:t>
             </a:fld>
             <a:endParaRPr lang="de-AT"/>
           </a:p>
@@ -1292,13 +1293,13 @@
   <p:clrMapOvr>
     <a:masterClrMapping/>
   </p:clrMapOvr>
-  <mc:AlternateContent xmlns:mc="http://schemas.openxmlformats.org/markup-compatibility/2006">
-    <mc:Choice xmlns:p159="http://schemas.microsoft.com/office/powerpoint/2015/09/main" Requires="p159">
+  <mc:AlternateContent xmlns:mc="http://schemas.openxmlformats.org/markup-compatibility/2006" xmlns:p159="http://schemas.microsoft.com/office/powerpoint/2015/09/main">
+    <mc:Choice Requires="p159">
       <p:transition xmlns:p14="http://schemas.microsoft.com/office/powerpoint/2010/main" spd="slow" p14:dur="2000">
         <p159:morph option="byObject"/>
       </p:transition>
     </mc:Choice>
-    <mc:Fallback>
+    <mc:Fallback xmlns="">
       <p:transition spd="slow">
         <p:fade/>
       </p:transition>
@@ -1475,7 +1476,7 @@
           <a:p>
             <a:fld id="{CFFB591F-AE7F-406B-977E-415D708CD05B}" type="datetime1">
               <a:rPr lang="de-AT" smtClean="0"/>
-              <a:t>30.05.2024</a:t>
+              <a:t>04.06.2024</a:t>
             </a:fld>
             <a:endParaRPr lang="de-AT"/>
           </a:p>
@@ -1678,13 +1679,13 @@
   <p:clrMapOvr>
     <a:masterClrMapping/>
   </p:clrMapOvr>
-  <mc:AlternateContent xmlns:mc="http://schemas.openxmlformats.org/markup-compatibility/2006">
-    <mc:Choice xmlns:p159="http://schemas.microsoft.com/office/powerpoint/2015/09/main" Requires="p159">
+  <mc:AlternateContent xmlns:mc="http://schemas.openxmlformats.org/markup-compatibility/2006" xmlns:p159="http://schemas.microsoft.com/office/powerpoint/2015/09/main">
+    <mc:Choice Requires="p159">
       <p:transition xmlns:p14="http://schemas.microsoft.com/office/powerpoint/2010/main" spd="slow" p14:dur="2000">
         <p159:morph option="byObject"/>
       </p:transition>
     </mc:Choice>
-    <mc:Fallback>
+    <mc:Fallback xmlns="">
       <p:transition spd="slow">
         <p:fade/>
       </p:transition>
@@ -1955,7 +1956,7 @@
           <a:p>
             <a:fld id="{DDED4213-31A7-43A9-B381-650B72838F3D}" type="datetime1">
               <a:rPr lang="de-AT" smtClean="0"/>
-              <a:t>30.05.2024</a:t>
+              <a:t>04.06.2024</a:t>
             </a:fld>
             <a:endParaRPr lang="de-AT"/>
           </a:p>
@@ -2176,13 +2177,13 @@
   <p:clrMapOvr>
     <a:masterClrMapping/>
   </p:clrMapOvr>
-  <mc:AlternateContent xmlns:mc="http://schemas.openxmlformats.org/markup-compatibility/2006">
-    <mc:Choice xmlns:p159="http://schemas.microsoft.com/office/powerpoint/2015/09/main" Requires="p159">
+  <mc:AlternateContent xmlns:mc="http://schemas.openxmlformats.org/markup-compatibility/2006" xmlns:p159="http://schemas.microsoft.com/office/powerpoint/2015/09/main">
+    <mc:Choice Requires="p159">
       <p:transition xmlns:p14="http://schemas.microsoft.com/office/powerpoint/2010/main" spd="slow" p14:dur="2000">
         <p159:morph option="byObject"/>
       </p:transition>
     </mc:Choice>
-    <mc:Fallback>
+    <mc:Fallback xmlns="">
       <p:transition spd="slow">
         <p:fade/>
       </p:transition>
@@ -2587,7 +2588,7 @@
           <a:p>
             <a:fld id="{73623C63-4118-48BA-956A-11DEEC1AA07D}" type="datetime1">
               <a:rPr lang="de-AT" smtClean="0"/>
-              <a:t>30.05.2024</a:t>
+              <a:t>04.06.2024</a:t>
             </a:fld>
             <a:endParaRPr lang="de-AT"/>
           </a:p>
@@ -2808,13 +2809,13 @@
   <p:clrMapOvr>
     <a:masterClrMapping/>
   </p:clrMapOvr>
-  <mc:AlternateContent xmlns:mc="http://schemas.openxmlformats.org/markup-compatibility/2006">
-    <mc:Choice xmlns:p159="http://schemas.microsoft.com/office/powerpoint/2015/09/main" Requires="p159">
+  <mc:AlternateContent xmlns:mc="http://schemas.openxmlformats.org/markup-compatibility/2006" xmlns:p159="http://schemas.microsoft.com/office/powerpoint/2015/09/main">
+    <mc:Choice Requires="p159">
       <p:transition xmlns:p14="http://schemas.microsoft.com/office/powerpoint/2010/main" spd="slow" p14:dur="2000">
         <p159:morph option="byObject"/>
       </p:transition>
     </mc:Choice>
-    <mc:Fallback>
+    <mc:Fallback xmlns="">
       <p:transition spd="slow">
         <p:fade/>
       </p:transition>
@@ -2932,7 +2933,7 @@
           <a:p>
             <a:fld id="{D256D3EE-23A3-40C2-AAE3-0430D418E6CE}" type="datetime1">
               <a:rPr lang="de-AT" smtClean="0"/>
-              <a:t>30.05.2024</a:t>
+              <a:t>04.06.2024</a:t>
             </a:fld>
             <a:endParaRPr lang="de-AT"/>
           </a:p>
@@ -2994,13 +2995,13 @@
   <p:clrMapOvr>
     <a:masterClrMapping/>
   </p:clrMapOvr>
-  <mc:AlternateContent xmlns:mc="http://schemas.openxmlformats.org/markup-compatibility/2006">
-    <mc:Choice xmlns:p159="http://schemas.microsoft.com/office/powerpoint/2015/09/main" Requires="p159">
+  <mc:AlternateContent xmlns:mc="http://schemas.openxmlformats.org/markup-compatibility/2006" xmlns:p159="http://schemas.microsoft.com/office/powerpoint/2015/09/main">
+    <mc:Choice Requires="p159">
       <p:transition xmlns:p14="http://schemas.microsoft.com/office/powerpoint/2010/main" spd="slow" p14:dur="2000">
         <p159:morph option="byObject"/>
       </p:transition>
     </mc:Choice>
-    <mc:Fallback>
+    <mc:Fallback xmlns="">
       <p:transition spd="slow">
         <p:fade/>
       </p:transition>
@@ -3128,7 +3129,7 @@
           <a:p>
             <a:fld id="{3FE2F795-10B4-41AA-AEDE-F815B308DCDB}" type="datetime1">
               <a:rPr lang="de-AT" smtClean="0"/>
-              <a:t>30.05.2024</a:t>
+              <a:t>04.06.2024</a:t>
             </a:fld>
             <a:endParaRPr lang="de-AT"/>
           </a:p>
@@ -3190,13 +3191,13 @@
   <p:clrMapOvr>
     <a:masterClrMapping/>
   </p:clrMapOvr>
-  <mc:AlternateContent xmlns:mc="http://schemas.openxmlformats.org/markup-compatibility/2006">
-    <mc:Choice xmlns:p159="http://schemas.microsoft.com/office/powerpoint/2015/09/main" Requires="p159">
+  <mc:AlternateContent xmlns:mc="http://schemas.openxmlformats.org/markup-compatibility/2006" xmlns:p159="http://schemas.microsoft.com/office/powerpoint/2015/09/main">
+    <mc:Choice Requires="p159">
       <p:transition xmlns:p14="http://schemas.microsoft.com/office/powerpoint/2010/main" spd="slow" p14:dur="2000">
         <p159:morph option="byObject"/>
       </p:transition>
     </mc:Choice>
-    <mc:Fallback>
+    <mc:Fallback xmlns="">
       <p:transition spd="slow">
         <p:fade/>
       </p:transition>
@@ -3353,7 +3354,7 @@
           <a:p>
             <a:fld id="{03FB355E-663F-46F6-A58A-7E827B834F26}" type="datetime1">
               <a:rPr lang="de-AT" smtClean="0"/>
-              <a:t>30.05.2024</a:t>
+              <a:t>04.06.2024</a:t>
             </a:fld>
             <a:endParaRPr lang="de-AT"/>
           </a:p>
@@ -3457,13 +3458,13 @@
     <p:sldLayoutId id="2147483658" r:id="rId5"/>
     <p:sldLayoutId id="2147483659" r:id="rId6"/>
   </p:sldLayoutIdLst>
-  <mc:AlternateContent xmlns:mc="http://schemas.openxmlformats.org/markup-compatibility/2006">
-    <mc:Choice xmlns:p159="http://schemas.microsoft.com/office/powerpoint/2015/09/main" Requires="p159">
+  <mc:AlternateContent xmlns:mc="http://schemas.openxmlformats.org/markup-compatibility/2006" xmlns:p159="http://schemas.microsoft.com/office/powerpoint/2015/09/main">
+    <mc:Choice Requires="p159">
       <p:transition xmlns:p14="http://schemas.microsoft.com/office/powerpoint/2010/main" spd="slow" p14:dur="2000">
         <p159:morph option="byObject"/>
       </p:transition>
     </mc:Choice>
-    <mc:Fallback>
+    <mc:Fallback xmlns="">
       <p:transition spd="slow">
         <p:fade/>
       </p:transition>
@@ -3883,7 +3884,7 @@
             <a:pPr algn="r"/>
             <a:fld id="{8EA2BAE2-6757-47A9-8E17-82B3704991C6}" type="datetime4">
               <a:rPr lang="de-AT" smtClean="0"/>
-              <a:t>30. Mai 2024</a:t>
+              <a:t>4. Juni 2024</a:t>
             </a:fld>
             <a:endParaRPr lang="de-AT"/>
           </a:p>
@@ -4230,13 +4231,13 @@
   <p:clrMapOvr>
     <a:masterClrMapping/>
   </p:clrMapOvr>
-  <mc:AlternateContent xmlns:mc="http://schemas.openxmlformats.org/markup-compatibility/2006">
-    <mc:Choice xmlns:p159="http://schemas.microsoft.com/office/powerpoint/2015/09/main" Requires="p159">
+  <mc:AlternateContent xmlns:mc="http://schemas.openxmlformats.org/markup-compatibility/2006" xmlns:p159="http://schemas.microsoft.com/office/powerpoint/2015/09/main">
+    <mc:Choice Requires="p159">
       <p:transition xmlns:p14="http://schemas.microsoft.com/office/powerpoint/2010/main" spd="slow" p14:dur="2000">
         <p159:morph option="byObject"/>
       </p:transition>
     </mc:Choice>
-    <mc:Fallback>
+    <mc:Fallback xmlns="">
       <p:transition spd="slow">
         <p:fade/>
       </p:transition>
@@ -4267,6 +4268,172 @@
           <p:cNvPr id="2" name="Titel 1">
             <a:extLst>
               <a:ext uri="{FF2B5EF4-FFF2-40B4-BE49-F238E27FC236}">
+                <a16:creationId xmlns:a16="http://schemas.microsoft.com/office/drawing/2014/main" id="{41705578-676D-FCCF-F067-38289B99C507}"/>
+              </a:ext>
+            </a:extLst>
+          </p:cNvPr>
+          <p:cNvSpPr>
+            <a:spLocks noGrp="1"/>
+          </p:cNvSpPr>
+          <p:nvPr>
+            <p:ph type="title"/>
+          </p:nvPr>
+        </p:nvSpPr>
+        <p:spPr/>
+        <p:txBody>
+          <a:bodyPr/>
+          <a:lstStyle/>
+          <a:p>
+            <a:r>
+              <a:rPr lang="de-AT" dirty="0"/>
+              <a:t>Struktur</a:t>
+            </a:r>
+          </a:p>
+        </p:txBody>
+      </p:sp>
+      <p:pic>
+        <p:nvPicPr>
+          <p:cNvPr id="7" name="Inhaltsplatzhalter 6">
+            <a:extLst>
+              <a:ext uri="{FF2B5EF4-FFF2-40B4-BE49-F238E27FC236}">
+                <a16:creationId xmlns:a16="http://schemas.microsoft.com/office/drawing/2014/main" id="{AFE89A80-B440-BF16-0152-F50CC3E17FFA}"/>
+              </a:ext>
+            </a:extLst>
+          </p:cNvPr>
+          <p:cNvPicPr>
+            <a:picLocks noGrp="1" noChangeAspect="1"/>
+          </p:cNvPicPr>
+          <p:nvPr>
+            <p:ph idx="1"/>
+          </p:nvPr>
+        </p:nvPicPr>
+        <p:blipFill>
+          <a:blip r:embed="rId2">
+            <a:extLst>
+              <a:ext uri="{28A0092B-C50C-407E-A947-70E740481C1C}">
+                <a14:useLocalDpi xmlns:a14="http://schemas.microsoft.com/office/drawing/2010/main" val="0"/>
+              </a:ext>
+              <a:ext uri="{96DAC541-7B7A-43D3-8B79-37D633B846F1}">
+                <asvg:svgBlip xmlns:asvg="http://schemas.microsoft.com/office/drawing/2016/SVG/main" r:embed="rId3"/>
+              </a:ext>
+            </a:extLst>
+          </a:blip>
+          <a:stretch>
+            <a:fillRect/>
+          </a:stretch>
+        </p:blipFill>
+        <p:spPr>
+          <a:xfrm>
+            <a:off x="2173760" y="1095711"/>
+            <a:ext cx="7844479" cy="5073650"/>
+          </a:xfrm>
+        </p:spPr>
+      </p:pic>
+      <p:sp>
+        <p:nvSpPr>
+          <p:cNvPr id="4" name="Fußzeilenplatzhalter 3">
+            <a:extLst>
+              <a:ext uri="{FF2B5EF4-FFF2-40B4-BE49-F238E27FC236}">
+                <a16:creationId xmlns:a16="http://schemas.microsoft.com/office/drawing/2014/main" id="{68EE335B-B2E2-9F37-0D30-DC40083206F5}"/>
+              </a:ext>
+            </a:extLst>
+          </p:cNvPr>
+          <p:cNvSpPr>
+            <a:spLocks noGrp="1"/>
+          </p:cNvSpPr>
+          <p:nvPr>
+            <p:ph type="ftr" sz="quarter" idx="11"/>
+          </p:nvPr>
+        </p:nvSpPr>
+        <p:spPr/>
+        <p:txBody>
+          <a:bodyPr/>
+          <a:lstStyle/>
+          <a:p>
+            <a:r>
+              <a:rPr lang="de-AT" dirty="0"/>
+              <a:t>CONTRUDE Gekle, Kampl, Schrempf</a:t>
+            </a:r>
+          </a:p>
+        </p:txBody>
+      </p:sp>
+      <p:sp>
+        <p:nvSpPr>
+          <p:cNvPr id="5" name="Foliennummernplatzhalter 4">
+            <a:extLst>
+              <a:ext uri="{FF2B5EF4-FFF2-40B4-BE49-F238E27FC236}">
+                <a16:creationId xmlns:a16="http://schemas.microsoft.com/office/drawing/2014/main" id="{C505ED6E-17E1-8489-2A55-B1355FDF1AC1}"/>
+              </a:ext>
+            </a:extLst>
+          </p:cNvPr>
+          <p:cNvSpPr>
+            <a:spLocks noGrp="1"/>
+          </p:cNvSpPr>
+          <p:nvPr>
+            <p:ph type="sldNum" sz="quarter" idx="12"/>
+          </p:nvPr>
+        </p:nvSpPr>
+        <p:spPr/>
+        <p:txBody>
+          <a:bodyPr/>
+          <a:lstStyle/>
+          <a:p>
+            <a:fld id="{7DCD6803-3BAA-44F6-A698-23D950C9713B}" type="slidenum">
+              <a:rPr lang="de-AT" smtClean="0"/>
+              <a:pPr/>
+              <a:t>10</a:t>
+            </a:fld>
+            <a:endParaRPr lang="de-AT"/>
+          </a:p>
+        </p:txBody>
+      </p:sp>
+    </p:spTree>
+    <p:extLst>
+      <p:ext uri="{BB962C8B-B14F-4D97-AF65-F5344CB8AC3E}">
+        <p14:creationId xmlns:p14="http://schemas.microsoft.com/office/powerpoint/2010/main" val="3150432457"/>
+      </p:ext>
+    </p:extLst>
+  </p:cSld>
+  <p:clrMapOvr>
+    <a:masterClrMapping/>
+  </p:clrMapOvr>
+  <mc:AlternateContent xmlns:mc="http://schemas.openxmlformats.org/markup-compatibility/2006" xmlns:p159="http://schemas.microsoft.com/office/powerpoint/2015/09/main">
+    <mc:Choice Requires="p159">
+      <p:transition xmlns:p14="http://schemas.microsoft.com/office/powerpoint/2010/main" spd="slow" p14:dur="2000">
+        <p159:morph option="byObject"/>
+      </p:transition>
+    </mc:Choice>
+    <mc:Fallback xmlns="">
+      <p:transition spd="slow">
+        <p:fade/>
+      </p:transition>
+    </mc:Fallback>
+  </mc:AlternateContent>
+</p:sld>
+</file>
+
+<file path=ppt/slides/slide11.xml><?xml version="1.0" encoding="utf-8"?>
+<p:sld xmlns:a="http://schemas.openxmlformats.org/drawingml/2006/main" xmlns:r="http://schemas.openxmlformats.org/officeDocument/2006/relationships" xmlns:p="http://schemas.openxmlformats.org/presentationml/2006/main">
+  <p:cSld>
+    <p:spTree>
+      <p:nvGrpSpPr>
+        <p:cNvPr id="1" name=""/>
+        <p:cNvGrpSpPr/>
+        <p:nvPr/>
+      </p:nvGrpSpPr>
+      <p:grpSpPr>
+        <a:xfrm>
+          <a:off x="0" y="0"/>
+          <a:ext cx="0" cy="0"/>
+          <a:chOff x="0" y="0"/>
+          <a:chExt cx="0" cy="0"/>
+        </a:xfrm>
+      </p:grpSpPr>
+      <p:sp>
+        <p:nvSpPr>
+          <p:cNvPr id="2" name="Titel 1">
+            <a:extLst>
+              <a:ext uri="{FF2B5EF4-FFF2-40B4-BE49-F238E27FC236}">
                 <a16:creationId xmlns:a16="http://schemas.microsoft.com/office/drawing/2014/main" id="{49B75182-9F7E-DDB8-1BCE-29DCCA8443FA}"/>
               </a:ext>
             </a:extLst>
@@ -4391,7 +4558,7 @@
             <a:fld id="{7DCD6803-3BAA-44F6-A698-23D950C9713B}" type="slidenum">
               <a:rPr lang="de-AT" smtClean="0"/>
               <a:pPr/>
-              <a:t>10</a:t>
+              <a:t>11</a:t>
             </a:fld>
             <a:endParaRPr lang="de-AT"/>
           </a:p>
@@ -4407,13 +4574,13 @@
   <p:clrMapOvr>
     <a:masterClrMapping/>
   </p:clrMapOvr>
-  <mc:AlternateContent xmlns:mc="http://schemas.openxmlformats.org/markup-compatibility/2006">
-    <mc:Choice xmlns:p159="http://schemas.microsoft.com/office/powerpoint/2015/09/main" Requires="p159">
+  <mc:AlternateContent xmlns:mc="http://schemas.openxmlformats.org/markup-compatibility/2006" xmlns:p159="http://schemas.microsoft.com/office/powerpoint/2015/09/main">
+    <mc:Choice Requires="p159">
       <p:transition xmlns:p14="http://schemas.microsoft.com/office/powerpoint/2010/main" spd="slow" p14:dur="2000">
         <p159:morph option="byObject"/>
       </p:transition>
     </mc:Choice>
-    <mc:Fallback>
+    <mc:Fallback xmlns="">
       <p:transition spd="slow">
         <p:fade/>
       </p:transition>
@@ -4594,13 +4761,13 @@
   <p:clrMapOvr>
     <a:masterClrMapping/>
   </p:clrMapOvr>
-  <mc:AlternateContent xmlns:mc="http://schemas.openxmlformats.org/markup-compatibility/2006">
-    <mc:Choice xmlns:p159="http://schemas.microsoft.com/office/powerpoint/2015/09/main" Requires="p159">
+  <mc:AlternateContent xmlns:mc="http://schemas.openxmlformats.org/markup-compatibility/2006" xmlns:p159="http://schemas.microsoft.com/office/powerpoint/2015/09/main">
+    <mc:Choice Requires="p159">
       <p:transition xmlns:p14="http://schemas.microsoft.com/office/powerpoint/2010/main" spd="slow" p14:dur="2000">
         <p159:morph option="byObject"/>
       </p:transition>
     </mc:Choice>
-    <mc:Fallback>
+    <mc:Fallback xmlns="">
       <p:transition spd="slow">
         <p:fade/>
       </p:transition>
@@ -4809,13 +4976,13 @@
   <p:clrMapOvr>
     <a:masterClrMapping/>
   </p:clrMapOvr>
-  <mc:AlternateContent xmlns:mc="http://schemas.openxmlformats.org/markup-compatibility/2006">
-    <mc:Choice xmlns:p159="http://schemas.microsoft.com/office/powerpoint/2015/09/main" Requires="p159">
+  <mc:AlternateContent xmlns:mc="http://schemas.openxmlformats.org/markup-compatibility/2006" xmlns:p159="http://schemas.microsoft.com/office/powerpoint/2015/09/main">
+    <mc:Choice Requires="p159">
       <p:transition xmlns:p14="http://schemas.microsoft.com/office/powerpoint/2010/main" spd="slow" p14:dur="2000">
         <p159:morph option="byObject"/>
       </p:transition>
     </mc:Choice>
-    <mc:Fallback>
+    <mc:Fallback xmlns="">
       <p:transition spd="slow">
         <p:fade/>
       </p:transition>
@@ -4996,13 +5163,13 @@
   <p:clrMapOvr>
     <a:masterClrMapping/>
   </p:clrMapOvr>
-  <mc:AlternateContent xmlns:mc="http://schemas.openxmlformats.org/markup-compatibility/2006">
-    <mc:Choice xmlns:p159="http://schemas.microsoft.com/office/powerpoint/2015/09/main" Requires="p159">
+  <mc:AlternateContent xmlns:mc="http://schemas.openxmlformats.org/markup-compatibility/2006" xmlns:p159="http://schemas.microsoft.com/office/powerpoint/2015/09/main">
+    <mc:Choice Requires="p159">
       <p:transition xmlns:p14="http://schemas.microsoft.com/office/powerpoint/2010/main" spd="slow" p14:dur="2000">
         <p159:morph option="byObject"/>
       </p:transition>
     </mc:Choice>
-    <mc:Fallback>
+    <mc:Fallback xmlns="">
       <p:transition spd="slow">
         <p:fade/>
       </p:transition>
@@ -5231,13 +5398,13 @@
   <p:clrMapOvr>
     <a:masterClrMapping/>
   </p:clrMapOvr>
-  <mc:AlternateContent xmlns:mc="http://schemas.openxmlformats.org/markup-compatibility/2006">
-    <mc:Choice xmlns:p159="http://schemas.microsoft.com/office/powerpoint/2015/09/main" Requires="p159">
+  <mc:AlternateContent xmlns:mc="http://schemas.openxmlformats.org/markup-compatibility/2006" xmlns:p159="http://schemas.microsoft.com/office/powerpoint/2015/09/main">
+    <mc:Choice Requires="p159">
       <p:transition xmlns:p14="http://schemas.microsoft.com/office/powerpoint/2010/main" spd="slow" p14:dur="2000">
         <p159:morph option="byObject"/>
       </p:transition>
     </mc:Choice>
-    <mc:Fallback>
+    <mc:Fallback xmlns="">
       <p:transition spd="slow">
         <p:fade/>
       </p:transition>
@@ -5471,13 +5638,13 @@
   <p:clrMapOvr>
     <a:masterClrMapping/>
   </p:clrMapOvr>
-  <mc:AlternateContent xmlns:mc="http://schemas.openxmlformats.org/markup-compatibility/2006">
-    <mc:Choice xmlns:p159="http://schemas.microsoft.com/office/powerpoint/2015/09/main" Requires="p159">
+  <mc:AlternateContent xmlns:mc="http://schemas.openxmlformats.org/markup-compatibility/2006" xmlns:p159="http://schemas.microsoft.com/office/powerpoint/2015/09/main">
+    <mc:Choice Requires="p159">
       <p:transition xmlns:p14="http://schemas.microsoft.com/office/powerpoint/2010/main" spd="slow" p14:dur="2000">
         <p159:morph option="byObject"/>
       </p:transition>
     </mc:Choice>
-    <mc:Fallback>
+    <mc:Fallback xmlns="">
       <p:transition spd="slow">
         <p:fade/>
       </p:transition>
@@ -5706,13 +5873,13 @@
   <p:clrMapOvr>
     <a:masterClrMapping/>
   </p:clrMapOvr>
-  <mc:AlternateContent xmlns:mc="http://schemas.openxmlformats.org/markup-compatibility/2006">
-    <mc:Choice xmlns:p159="http://schemas.microsoft.com/office/powerpoint/2015/09/main" Requires="p159">
+  <mc:AlternateContent xmlns:mc="http://schemas.openxmlformats.org/markup-compatibility/2006" xmlns:p159="http://schemas.microsoft.com/office/powerpoint/2015/09/main">
+    <mc:Choice Requires="p159">
       <p:transition xmlns:p14="http://schemas.microsoft.com/office/powerpoint/2010/main" spd="slow" p14:dur="2000">
         <p159:morph option="byObject"/>
       </p:transition>
     </mc:Choice>
-    <mc:Fallback>
+    <mc:Fallback xmlns="">
       <p:transition spd="slow">
         <p:fade/>
       </p:transition>
@@ -5875,13 +6042,13 @@
   <p:clrMapOvr>
     <a:masterClrMapping/>
   </p:clrMapOvr>
-  <mc:AlternateContent xmlns:mc="http://schemas.openxmlformats.org/markup-compatibility/2006">
-    <mc:Choice xmlns:p159="http://schemas.microsoft.com/office/powerpoint/2015/09/main" Requires="p159">
+  <mc:AlternateContent xmlns:mc="http://schemas.openxmlformats.org/markup-compatibility/2006" xmlns:p159="http://schemas.microsoft.com/office/powerpoint/2015/09/main">
+    <mc:Choice Requires="p159">
       <p:transition xmlns:p14="http://schemas.microsoft.com/office/powerpoint/2010/main" spd="slow" p14:dur="2000">
         <p159:morph option="byObject"/>
       </p:transition>
     </mc:Choice>
-    <mc:Fallback>
+    <mc:Fallback xmlns="">
       <p:transition spd="slow">
         <p:fade/>
       </p:transition>
@@ -5961,7 +6128,7 @@
           <a:lstStyle/>
           <a:p>
             <a:r>
-              <a:rPr lang="de-AT"/>
+              <a:rPr lang="de-AT" dirty="0"/>
               <a:t>CONTRUDE Gekle, Kampl, Schrempf</a:t>
             </a:r>
           </a:p>
@@ -6036,13 +6203,13 @@
   <p:clrMapOvr>
     <a:masterClrMapping/>
   </p:clrMapOvr>
-  <mc:AlternateContent xmlns:mc="http://schemas.openxmlformats.org/markup-compatibility/2006">
-    <mc:Choice xmlns:p159="http://schemas.microsoft.com/office/powerpoint/2015/09/main" Requires="p159">
+  <mc:AlternateContent xmlns:mc="http://schemas.openxmlformats.org/markup-compatibility/2006" xmlns:p159="http://schemas.microsoft.com/office/powerpoint/2015/09/main">
+    <mc:Choice Requires="p159">
       <p:transition xmlns:p14="http://schemas.microsoft.com/office/powerpoint/2010/main" spd="slow" p14:dur="2000">
         <p159:morph option="byObject"/>
       </p:transition>
     </mc:Choice>
-    <mc:Fallback>
+    <mc:Fallback xmlns="">
       <p:transition spd="slow">
         <p:fade/>
       </p:transition>
@@ -6905,9 +7072,12 @@
 </file>
 
 <file path=customXml/item1.xml><?xml version="1.0" encoding="utf-8"?>
-<p:properties xmlns:p="http://schemas.microsoft.com/office/2006/metadata/properties" xmlns:xsi="http://www.w3.org/2001/XMLSchema-instance" xmlns:pc="http://schemas.microsoft.com/office/infopath/2007/PartnerControls">
-  <documentManagement/>
-</p:properties>
+<?mso-contentType ?>
+<FormTemplates xmlns="http://schemas.microsoft.com/sharepoint/v3/contenttype/forms">
+  <Display>DocumentLibraryForm</Display>
+  <Edit>DocumentLibraryForm</Edit>
+  <New>DocumentLibraryForm</New>
+</FormTemplates>
 </file>
 
 <file path=customXml/item2.xml><?xml version="1.0" encoding="utf-8"?>
@@ -7025,25 +7195,15 @@
 </file>
 
 <file path=customXml/item3.xml><?xml version="1.0" encoding="utf-8"?>
-<?mso-contentType ?>
-<FormTemplates xmlns="http://schemas.microsoft.com/sharepoint/v3/contenttype/forms">
-  <Display>DocumentLibraryForm</Display>
-  <Edit>DocumentLibraryForm</Edit>
-  <New>DocumentLibraryForm</New>
-</FormTemplates>
+<p:properties xmlns:p="http://schemas.microsoft.com/office/2006/metadata/properties" xmlns:xsi="http://www.w3.org/2001/XMLSchema-instance" xmlns:pc="http://schemas.microsoft.com/office/infopath/2007/PartnerControls">
+  <documentManagement/>
+</p:properties>
 </file>
 
 <file path=customXml/itemProps1.xml><?xml version="1.0" encoding="utf-8"?>
-<ds:datastoreItem xmlns:ds="http://schemas.openxmlformats.org/officeDocument/2006/customXml" ds:itemID="{91B09AE3-FA1D-40C8-A6CE-A2D9F55131C8}">
+<ds:datastoreItem xmlns:ds="http://schemas.openxmlformats.org/officeDocument/2006/customXml" ds:itemID="{A62B322D-2084-418A-8960-B074ADC5B6DB}">
   <ds:schemaRefs>
-    <ds:schemaRef ds:uri="http://purl.org/dc/dcmitype/"/>
-    <ds:schemaRef ds:uri="http://purl.org/dc/elements/1.1/"/>
-    <ds:schemaRef ds:uri="http://purl.org/dc/terms/"/>
-    <ds:schemaRef ds:uri="http://schemas.microsoft.com/office/2006/documentManagement/types"/>
-    <ds:schemaRef ds:uri="http://schemas.microsoft.com/office/2006/metadata/properties"/>
-    <ds:schemaRef ds:uri="http://schemas.microsoft.com/office/infopath/2007/PartnerControls"/>
-    <ds:schemaRef ds:uri="http://schemas.openxmlformats.org/package/2006/metadata/core-properties"/>
-    <ds:schemaRef ds:uri="http://www.w3.org/XML/1998/namespace"/>
+    <ds:schemaRef ds:uri="http://schemas.microsoft.com/sharepoint/v3/contenttype/forms"/>
   </ds:schemaRefs>
 </ds:datastoreItem>
 </file>
@@ -7065,9 +7225,16 @@
 </file>
 
 <file path=customXml/itemProps3.xml><?xml version="1.0" encoding="utf-8"?>
-<ds:datastoreItem xmlns:ds="http://schemas.openxmlformats.org/officeDocument/2006/customXml" ds:itemID="{A62B322D-2084-418A-8960-B074ADC5B6DB}">
+<ds:datastoreItem xmlns:ds="http://schemas.openxmlformats.org/officeDocument/2006/customXml" ds:itemID="{91B09AE3-FA1D-40C8-A6CE-A2D9F55131C8}">
   <ds:schemaRefs>
-    <ds:schemaRef ds:uri="http://schemas.microsoft.com/sharepoint/v3/contenttype/forms"/>
+    <ds:schemaRef ds:uri="http://purl.org/dc/dcmitype/"/>
+    <ds:schemaRef ds:uri="http://purl.org/dc/elements/1.1/"/>
+    <ds:schemaRef ds:uri="http://purl.org/dc/terms/"/>
+    <ds:schemaRef ds:uri="http://schemas.microsoft.com/office/2006/documentManagement/types"/>
+    <ds:schemaRef ds:uri="http://schemas.microsoft.com/office/2006/metadata/properties"/>
+    <ds:schemaRef ds:uri="http://schemas.microsoft.com/office/infopath/2007/PartnerControls"/>
+    <ds:schemaRef ds:uri="http://schemas.openxmlformats.org/package/2006/metadata/core-properties"/>
+    <ds:schemaRef ds:uri="http://www.w3.org/XML/1998/namespace"/>
   </ds:schemaRefs>
 </ds:datastoreItem>
 </file>
--- a/Diplomarbeit/doc/Presentations/DA-Präsentation2024_Erstpräsentation.pptx
+++ b/Diplomarbeit/doc/Presentations/DA-Präsentation2024_Erstpräsentation.pptx
@@ -13,8 +13,8 @@
   <p:sldIdLst>
     <p:sldId id="256" r:id="rId5"/>
     <p:sldId id="2582" r:id="rId6"/>
-    <p:sldId id="2589" r:id="rId7"/>
-    <p:sldId id="2583" r:id="rId8"/>
+    <p:sldId id="2583" r:id="rId7"/>
+    <p:sldId id="2589" r:id="rId8"/>
     <p:sldId id="2584" r:id="rId9"/>
     <p:sldId id="2585" r:id="rId10"/>
     <p:sldId id="2587" r:id="rId11"/>
@@ -246,7 +246,7 @@
             <a:fld id="{4597EA2D-D11E-4F11-940E-96FC3DC86B48}" type="datetimeFigureOut">
               <a:rPr lang="de-DE" smtClean="0"/>
               <a:pPr/>
-              <a:t>04.06.2024</a:t>
+              <a:t>06.06.2024</a:t>
             </a:fld>
             <a:endParaRPr lang="de-AT"/>
           </a:p>
@@ -413,7 +413,7 @@
             <a:fld id="{25FA59D5-1C02-4780-AF81-09ADAD492357}" type="datetimeFigureOut">
               <a:rPr lang="de-AT" smtClean="0"/>
               <a:pPr/>
-              <a:t>04.06.2024</a:t>
+              <a:t>06.06.2024</a:t>
             </a:fld>
             <a:endParaRPr lang="de-AT"/>
           </a:p>
@@ -850,7 +850,7 @@
           <a:lstStyle/>
           <a:p>
             <a:r>
-              <a:rPr lang="de-AT"/>
+              <a:rPr lang="de-AT" dirty="0"/>
               <a:t>Mündlich überliefert:</a:t>
             </a:r>
           </a:p>
@@ -860,7 +860,7 @@
               <a:buChar char="•"/>
             </a:pPr>
             <a:r>
-              <a:rPr lang="de-AT"/>
+              <a:rPr lang="de-AT" dirty="0"/>
               <a:t>Motivation der Themenwahl</a:t>
             </a:r>
           </a:p>
@@ -870,7 +870,7 @@
               <a:buChar char="•"/>
             </a:pPr>
             <a:r>
-              <a:rPr lang="de-AT"/>
+              <a:rPr lang="de-AT" dirty="0"/>
               <a:t>Erläuterung der Problemstellung</a:t>
             </a:r>
           </a:p>
@@ -880,7 +880,7 @@
               <a:buChar char="•"/>
             </a:pPr>
             <a:r>
-              <a:rPr lang="de-AT"/>
+              <a:rPr lang="de-AT" dirty="0"/>
               <a:t>Erläuterung des Lösungsansatzes</a:t>
             </a:r>
           </a:p>
@@ -1029,7 +1029,7 @@
             <a:fld id="{7AA6D168-C717-485B-B0C8-699ECBDF2CFF}" type="slidenum">
               <a:rPr lang="de-AT" smtClean="0"/>
               <a:pPr/>
-              <a:t>3</a:t>
+              <a:t>4</a:t>
             </a:fld>
             <a:endParaRPr lang="de-AT"/>
           </a:p>
@@ -1121,7 +1121,7 @@
           <a:p>
             <a:fld id="{903DBAB2-6CCA-40C7-8885-2C056A77E284}" type="datetime1">
               <a:rPr lang="de-AT" smtClean="0"/>
-              <a:t>04.06.2024</a:t>
+              <a:t>06.06.2024</a:t>
             </a:fld>
             <a:endParaRPr lang="de-AT"/>
           </a:p>
@@ -1476,7 +1476,7 @@
           <a:p>
             <a:fld id="{CFFB591F-AE7F-406B-977E-415D708CD05B}" type="datetime1">
               <a:rPr lang="de-AT" smtClean="0"/>
-              <a:t>04.06.2024</a:t>
+              <a:t>06.06.2024</a:t>
             </a:fld>
             <a:endParaRPr lang="de-AT"/>
           </a:p>
@@ -1956,7 +1956,7 @@
           <a:p>
             <a:fld id="{DDED4213-31A7-43A9-B381-650B72838F3D}" type="datetime1">
               <a:rPr lang="de-AT" smtClean="0"/>
-              <a:t>04.06.2024</a:t>
+              <a:t>06.06.2024</a:t>
             </a:fld>
             <a:endParaRPr lang="de-AT"/>
           </a:p>
@@ -2588,7 +2588,7 @@
           <a:p>
             <a:fld id="{73623C63-4118-48BA-956A-11DEEC1AA07D}" type="datetime1">
               <a:rPr lang="de-AT" smtClean="0"/>
-              <a:t>04.06.2024</a:t>
+              <a:t>06.06.2024</a:t>
             </a:fld>
             <a:endParaRPr lang="de-AT"/>
           </a:p>
@@ -2933,7 +2933,7 @@
           <a:p>
             <a:fld id="{D256D3EE-23A3-40C2-AAE3-0430D418E6CE}" type="datetime1">
               <a:rPr lang="de-AT" smtClean="0"/>
-              <a:t>04.06.2024</a:t>
+              <a:t>06.06.2024</a:t>
             </a:fld>
             <a:endParaRPr lang="de-AT"/>
           </a:p>
@@ -3129,7 +3129,7 @@
           <a:p>
             <a:fld id="{3FE2F795-10B4-41AA-AEDE-F815B308DCDB}" type="datetime1">
               <a:rPr lang="de-AT" smtClean="0"/>
-              <a:t>04.06.2024</a:t>
+              <a:t>06.06.2024</a:t>
             </a:fld>
             <a:endParaRPr lang="de-AT"/>
           </a:p>
@@ -3354,7 +3354,7 @@
           <a:p>
             <a:fld id="{03FB355E-663F-46F6-A58A-7E827B834F26}" type="datetime1">
               <a:rPr lang="de-AT" smtClean="0"/>
-              <a:t>04.06.2024</a:t>
+              <a:t>06.06.2024</a:t>
             </a:fld>
             <a:endParaRPr lang="de-AT"/>
           </a:p>
@@ -3884,7 +3884,7 @@
             <a:pPr algn="r"/>
             <a:fld id="{8EA2BAE2-6757-47A9-8E17-82B3704991C6}" type="datetime4">
               <a:rPr lang="de-AT" smtClean="0"/>
-              <a:t>4. Juni 2024</a:t>
+              <a:t>6. Juni 2024</a:t>
             </a:fld>
             <a:endParaRPr lang="de-AT"/>
           </a:p>
@@ -4669,61 +4669,69 @@
               <a:buNone/>
             </a:pPr>
             <a:r>
-              <a:rPr lang="de-AT"/>
+              <a:rPr lang="de-AT" dirty="0"/>
               <a:t>HTL Leoben</a:t>
             </a:r>
           </a:p>
           <a:p>
             <a:r>
-              <a:rPr lang="de-AT"/>
+              <a:rPr lang="de-AT" dirty="0"/>
               <a:t>Container Tracken</a:t>
             </a:r>
           </a:p>
           <a:p>
             <a:pPr lvl="1"/>
             <a:r>
-              <a:rPr lang="de-AT"/>
+              <a:rPr lang="de-AT" dirty="0"/>
               <a:t>Prototypen bauen (Kampl)</a:t>
             </a:r>
           </a:p>
           <a:p>
             <a:pPr lvl="1"/>
             <a:r>
-              <a:rPr lang="de-AT"/>
-              <a:t>Positionierung ermitteln (Gekle)</a:t>
-            </a:r>
-          </a:p>
-          <a:p>
-            <a:r>
-              <a:rPr lang="de-AT"/>
+              <a:rPr lang="de-AT" dirty="0"/>
+              <a:t>Positionierung ermitteln (</a:t>
+            </a:r>
+            <a:r>
+              <a:rPr lang="de-AT" dirty="0" err="1"/>
+              <a:t>Gekle</a:t>
+            </a:r>
+            <a:r>
+              <a:rPr lang="de-AT" dirty="0"/>
+              <a:t>)</a:t>
+            </a:r>
+          </a:p>
+          <a:p>
+            <a:r>
+              <a:rPr lang="de-AT" dirty="0"/>
               <a:t>Umweltdaten auslesen</a:t>
             </a:r>
           </a:p>
           <a:p>
             <a:pPr lvl="1"/>
             <a:r>
-              <a:rPr lang="de-AT"/>
+              <a:rPr lang="de-AT" dirty="0"/>
               <a:t>Daten persistieren (Schrempf)</a:t>
             </a:r>
           </a:p>
           <a:p>
             <a:pPr lvl="1"/>
             <a:r>
-              <a:rPr lang="de-AT"/>
+              <a:rPr lang="de-AT" dirty="0"/>
               <a:t>Daten in Webanwendung anzeigen</a:t>
             </a:r>
           </a:p>
           <a:p>
             <a:pPr lvl="1"/>
-            <a:endParaRPr lang="de-AT"/>
+            <a:endParaRPr lang="de-AT" dirty="0"/>
           </a:p>
           <a:p>
             <a:pPr lvl="1"/>
-            <a:endParaRPr lang="de-AT"/>
+            <a:endParaRPr lang="de-AT" dirty="0"/>
           </a:p>
           <a:p>
             <a:pPr lvl="1"/>
-            <a:endParaRPr lang="de-AT"/>
+            <a:endParaRPr lang="de-AT" dirty="0"/>
           </a:p>
         </p:txBody>
       </p:sp>
@@ -4810,7 +4818,7 @@
           <a:p>
             <a:r>
               <a:rPr lang="de-AT"/>
-              <a:t>Aufgabenverteilung</a:t>
+              <a:t>Ziele</a:t>
             </a:r>
           </a:p>
         </p:txBody>
@@ -4850,94 +4858,66 @@
         <p:spPr/>
         <p:txBody>
           <a:bodyPr>
-            <a:normAutofit fontScale="92500" lnSpcReduction="20000"/>
+            <a:normAutofit/>
           </a:bodyPr>
           <a:lstStyle/>
           <a:p>
             <a:r>
-              <a:rPr lang="de-AT"/>
-              <a:t>Luca Alexander Gekle</a:t>
+              <a:rPr lang="de-DE"/>
+              <a:t>Auslesen der Umweltdaten</a:t>
             </a:r>
           </a:p>
           <a:p>
             <a:pPr lvl="1"/>
             <a:r>
-              <a:rPr lang="de-AT"/>
-              <a:t>Graphentheorie</a:t>
+              <a:rPr lang="de-DE"/>
+              <a:t>Temperatur, Luftfeuchtigkeit und -druck, Erschütterung</a:t>
+            </a:r>
+          </a:p>
+          <a:p>
+            <a:r>
+              <a:rPr lang="de-DE"/>
+              <a:t>Bau von 3 Prototypen welche</a:t>
             </a:r>
           </a:p>
           <a:p>
             <a:pPr lvl="1"/>
             <a:r>
-              <a:rPr lang="de-AT"/>
-              <a:t>Positionsalgorithmus</a:t>
+              <a:rPr lang="de-DE"/>
+              <a:t>Umweltdaten auslesen</a:t>
             </a:r>
           </a:p>
           <a:p>
             <a:pPr lvl="1"/>
             <a:r>
-              <a:rPr lang="de-AT"/>
-              <a:t>Webanwendung</a:t>
-            </a:r>
-          </a:p>
-          <a:p>
-            <a:endParaRPr lang="de-AT"/>
-          </a:p>
-          <a:p>
-            <a:r>
-              <a:rPr lang="de-AT"/>
-              <a:t>Maximilian Silvester Kampl</a:t>
+              <a:rPr lang="de-DE"/>
+              <a:t>Position aussenden mittels Bluetooth</a:t>
             </a:r>
           </a:p>
           <a:p>
             <a:pPr lvl="1"/>
             <a:r>
-              <a:rPr lang="de-AT"/>
-              <a:t>Hardware</a:t>
+              <a:rPr lang="de-DE"/>
+              <a:t>Daten senden mittels MQTT</a:t>
+            </a:r>
+          </a:p>
+          <a:p>
+            <a:r>
+              <a:rPr lang="de-DE"/>
+              <a:t>Tracken von Container mittels GPS</a:t>
+            </a:r>
+          </a:p>
+          <a:p>
+            <a:r>
+              <a:rPr lang="de-DE"/>
+              <a:t>Ermittlung der Position der Container durch Dijkstra Algorithmus</a:t>
             </a:r>
           </a:p>
           <a:p>
             <a:pPr lvl="1"/>
             <a:r>
-              <a:rPr lang="de-AT"/>
-              <a:t>Sensorik</a:t>
-            </a:r>
-          </a:p>
-          <a:p>
-            <a:pPr lvl="1"/>
-            <a:r>
-              <a:rPr lang="de-AT"/>
-              <a:t>MQTT</a:t>
-            </a:r>
-          </a:p>
-          <a:p>
-            <a:endParaRPr lang="de-AT"/>
-          </a:p>
-          <a:p>
-            <a:r>
-              <a:rPr lang="de-AT"/>
-              <a:t>Marko Daniel Schrempf</a:t>
-            </a:r>
-          </a:p>
-          <a:p>
-            <a:pPr lvl="1"/>
-            <a:r>
-              <a:rPr lang="de-AT"/>
-              <a:t>Datenbanken</a:t>
-            </a:r>
-          </a:p>
-          <a:p>
-            <a:pPr lvl="1"/>
-            <a:r>
-              <a:rPr lang="de-AT"/>
-              <a:t>Server</a:t>
-            </a:r>
-          </a:p>
-          <a:p>
-            <a:pPr lvl="1"/>
-            <a:r>
-              <a:rPr lang="de-AT"/>
-              <a:t>REST</a:t>
+              <a:rPr lang="de-DE"/>
+              <a:t>Verminderung der Falschplatzierung, von Containern, auf nahezu 5%</a:t>
             </a:r>
           </a:p>
         </p:txBody>
@@ -4969,7 +4949,7 @@
     </p:spTree>
     <p:extLst>
       <p:ext uri="{BB962C8B-B14F-4D97-AF65-F5344CB8AC3E}">
-        <p14:creationId xmlns:p14="http://schemas.microsoft.com/office/powerpoint/2010/main" val="3173303318"/>
+        <p14:creationId xmlns:p14="http://schemas.microsoft.com/office/powerpoint/2010/main" val="3925678693"/>
       </p:ext>
     </p:extLst>
   </p:cSld>
@@ -5025,7 +5005,7 @@
           <a:p>
             <a:r>
               <a:rPr lang="de-AT"/>
-              <a:t>Ziele</a:t>
+              <a:t>Aufgabenverteilung</a:t>
             </a:r>
           </a:p>
         </p:txBody>
@@ -5065,66 +5045,115 @@
         <p:spPr/>
         <p:txBody>
           <a:bodyPr>
-            <a:normAutofit/>
+            <a:normAutofit fontScale="85000" lnSpcReduction="10000"/>
           </a:bodyPr>
           <a:lstStyle/>
           <a:p>
             <a:r>
-              <a:rPr lang="de-DE"/>
-              <a:t>Auslesen der Umweltdaten</a:t>
-            </a:r>
+              <a:rPr lang="de-AT" dirty="0"/>
+              <a:t>Luca Alexander </a:t>
+            </a:r>
+            <a:r>
+              <a:rPr lang="de-AT" dirty="0" err="1"/>
+              <a:t>Gekle</a:t>
+            </a:r>
+            <a:endParaRPr lang="de-AT" dirty="0"/>
           </a:p>
           <a:p>
             <a:pPr lvl="1"/>
             <a:r>
-              <a:rPr lang="de-DE"/>
-              <a:t>Temperatur, Luftfeuchtigkeit und -druck, Erschütterung</a:t>
-            </a:r>
-          </a:p>
-          <a:p>
-            <a:r>
-              <a:rPr lang="de-DE"/>
-              <a:t>Bau von 3 Prototypen welche</a:t>
+              <a:rPr lang="de-AT" dirty="0"/>
+              <a:t>Graphentheorie</a:t>
             </a:r>
           </a:p>
           <a:p>
             <a:pPr lvl="1"/>
             <a:r>
-              <a:rPr lang="de-DE"/>
-              <a:t>Umweltdaten auslesen</a:t>
+              <a:rPr lang="de-AT" dirty="0"/>
+              <a:t>Positionsalgorithmus</a:t>
             </a:r>
           </a:p>
           <a:p>
             <a:pPr lvl="1"/>
             <a:r>
-              <a:rPr lang="de-DE"/>
-              <a:t>Position aussenden mittels Bluetooth</a:t>
+              <a:rPr lang="de-AT" dirty="0"/>
+              <a:t>Webanwendung</a:t>
+            </a:r>
+          </a:p>
+          <a:p>
+            <a:endParaRPr lang="de-AT" dirty="0"/>
+          </a:p>
+          <a:p>
+            <a:r>
+              <a:rPr lang="de-AT" dirty="0"/>
+              <a:t>Maximilian Silvester Kampl </a:t>
+            </a:r>
+            <a:r>
+              <a:rPr lang="de-AT"/>
+              <a:t>TODO Grafik </a:t>
+            </a:r>
+            <a:r>
+              <a:rPr lang="de-AT" dirty="0"/>
+              <a:t>welche alles beschreibt (</a:t>
+            </a:r>
+            <a:r>
+              <a:rPr lang="de-AT" dirty="0" err="1"/>
+              <a:t>z.B</a:t>
+            </a:r>
+            <a:r>
+              <a:rPr lang="de-AT" dirty="0"/>
+              <a:t> Containerschiff)</a:t>
             </a:r>
           </a:p>
           <a:p>
             <a:pPr lvl="1"/>
             <a:r>
-              <a:rPr lang="de-DE"/>
-              <a:t>Daten senden mittels MQTT</a:t>
-            </a:r>
-          </a:p>
-          <a:p>
-            <a:r>
-              <a:rPr lang="de-DE"/>
-              <a:t>Tracken von Container mittels GPS</a:t>
-            </a:r>
-          </a:p>
-          <a:p>
-            <a:r>
-              <a:rPr lang="de-DE"/>
-              <a:t>Ermittlung der Position der Container durch Dijkstra Algorithmus</a:t>
+              <a:rPr lang="de-AT" dirty="0"/>
+              <a:t>Hardware</a:t>
             </a:r>
           </a:p>
           <a:p>
             <a:pPr lvl="1"/>
             <a:r>
-              <a:rPr lang="de-DE"/>
-              <a:t>Verminderung der Falschplatzierung, von Containern, auf nahezu 5%</a:t>
+              <a:rPr lang="de-AT" dirty="0"/>
+              <a:t>Sensorik</a:t>
+            </a:r>
+          </a:p>
+          <a:p>
+            <a:pPr lvl="1"/>
+            <a:r>
+              <a:rPr lang="de-AT" dirty="0"/>
+              <a:t>MQTT</a:t>
+            </a:r>
+          </a:p>
+          <a:p>
+            <a:endParaRPr lang="de-AT" dirty="0"/>
+          </a:p>
+          <a:p>
+            <a:r>
+              <a:rPr lang="de-AT" dirty="0"/>
+              <a:t>Marko Daniel Schrempf</a:t>
+            </a:r>
+          </a:p>
+          <a:p>
+            <a:pPr lvl="1"/>
+            <a:r>
+              <a:rPr lang="de-AT" dirty="0"/>
+              <a:t>Datenbanken</a:t>
+            </a:r>
+          </a:p>
+          <a:p>
+            <a:pPr lvl="1"/>
+            <a:r>
+              <a:rPr lang="de-AT" dirty="0"/>
+              <a:t>Server</a:t>
+            </a:r>
+          </a:p>
+          <a:p>
+            <a:pPr lvl="1"/>
+            <a:r>
+              <a:rPr lang="de-AT" dirty="0"/>
+              <a:t>REST</a:t>
             </a:r>
           </a:p>
         </p:txBody>
@@ -5156,7 +5185,7 @@
     </p:spTree>
     <p:extLst>
       <p:ext uri="{BB962C8B-B14F-4D97-AF65-F5344CB8AC3E}">
-        <p14:creationId xmlns:p14="http://schemas.microsoft.com/office/powerpoint/2010/main" val="3925678693"/>
+        <p14:creationId xmlns:p14="http://schemas.microsoft.com/office/powerpoint/2010/main" val="3173303318"/>
       </p:ext>
     </p:extLst>
   </p:cSld>
@@ -5246,15 +5275,15 @@
           <a:lstStyle/>
           <a:p>
             <a:r>
-              <a:rPr lang="de-DE"/>
+              <a:rPr lang="de-DE" dirty="0"/>
               <a:t>Bis dato durchgesehen:</a:t>
             </a:r>
-            <a:endParaRPr lang="de-AT"/>
+            <a:endParaRPr lang="de-AT" dirty="0"/>
           </a:p>
           <a:p>
             <a:pPr lvl="1"/>
             <a:r>
-              <a:rPr lang="de-AT" b="0" i="0">
+              <a:rPr lang="de-AT" b="0" i="0" dirty="0">
                 <a:solidFill>
                   <a:srgbClr val="002021"/>
                 </a:solidFill>
@@ -5267,7 +5296,7 @@
               <a:t>REST API Design </a:t>
             </a:r>
             <a:r>
-              <a:rPr lang="de-AT" b="0" i="0" err="1">
+              <a:rPr lang="de-AT" b="0" i="0" dirty="0" err="1">
                 <a:solidFill>
                   <a:srgbClr val="002021"/>
                 </a:solidFill>
@@ -5279,7 +5308,7 @@
               </a:rPr>
               <a:t>Rulebook</a:t>
             </a:r>
-            <a:endParaRPr lang="de-AT" b="0" i="0">
+            <a:endParaRPr lang="de-AT" b="0" i="0" dirty="0">
               <a:solidFill>
                 <a:srgbClr val="002021"/>
               </a:solidFill>
@@ -5292,7 +5321,7 @@
           </a:p>
           <a:p>
             <a:pPr lvl="1"/>
-            <a:endParaRPr lang="de-AT">
+            <a:endParaRPr lang="de-AT" dirty="0">
               <a:solidFill>
                 <a:srgbClr val="002021"/>
               </a:solidFill>
@@ -5304,7 +5333,7 @@
           </a:p>
           <a:p>
             <a:pPr lvl="1"/>
-            <a:endParaRPr lang="de-AT">
+            <a:endParaRPr lang="de-AT" dirty="0">
               <a:solidFill>
                 <a:srgbClr val="002021"/>
               </a:solidFill>
@@ -5316,7 +5345,7 @@
           </a:p>
           <a:p>
             <a:r>
-              <a:rPr lang="de-AT">
+              <a:rPr lang="de-AT" dirty="0">
                 <a:solidFill>
                   <a:srgbClr val="002021"/>
                 </a:solidFill>
@@ -6185,7 +6214,7 @@
         </p:blipFill>
         <p:spPr>
           <a:xfrm>
-            <a:off x="999181" y="1070808"/>
+            <a:off x="969158" y="1039706"/>
             <a:ext cx="10523195" cy="5086830"/>
           </a:xfrm>
           <a:prstGeom prst="rect">

--- a/Diplomarbeit/doc/Presentations/DA-Präsentation2024_Erstpräsentation.pptx
+++ b/Diplomarbeit/doc/Presentations/DA-Präsentation2024_Erstpräsentation.pptx
@@ -5,23 +5,26 @@
     <p:sldMasterId id="2147483648" r:id="rId4"/>
   </p:sldMasterIdLst>
   <p:notesMasterIdLst>
-    <p:notesMasterId r:id="rId16"/>
+    <p:notesMasterId r:id="rId19"/>
   </p:notesMasterIdLst>
   <p:handoutMasterIdLst>
-    <p:handoutMasterId r:id="rId17"/>
+    <p:handoutMasterId r:id="rId20"/>
   </p:handoutMasterIdLst>
   <p:sldIdLst>
     <p:sldId id="256" r:id="rId5"/>
     <p:sldId id="2582" r:id="rId6"/>
     <p:sldId id="2583" r:id="rId7"/>
     <p:sldId id="2589" r:id="rId8"/>
-    <p:sldId id="2584" r:id="rId9"/>
-    <p:sldId id="2585" r:id="rId10"/>
-    <p:sldId id="2587" r:id="rId11"/>
-    <p:sldId id="2586" r:id="rId12"/>
-    <p:sldId id="2590" r:id="rId13"/>
-    <p:sldId id="2592" r:id="rId14"/>
-    <p:sldId id="2591" r:id="rId15"/>
+    <p:sldId id="2593" r:id="rId9"/>
+    <p:sldId id="2594" r:id="rId10"/>
+    <p:sldId id="2595" r:id="rId11"/>
+    <p:sldId id="2584" r:id="rId12"/>
+    <p:sldId id="2585" r:id="rId13"/>
+    <p:sldId id="2587" r:id="rId14"/>
+    <p:sldId id="2586" r:id="rId15"/>
+    <p:sldId id="2590" r:id="rId16"/>
+    <p:sldId id="2592" r:id="rId17"/>
+    <p:sldId id="2591" r:id="rId18"/>
   </p:sldIdLst>
   <p:sldSz cx="12192000" cy="6858000"/>
   <p:notesSz cx="7099300" cy="10234613"/>
@@ -246,7 +249,7 @@
             <a:fld id="{4597EA2D-D11E-4F11-940E-96FC3DC86B48}" type="datetimeFigureOut">
               <a:rPr lang="de-DE" smtClean="0"/>
               <a:pPr/>
-              <a:t>06.06.2024</a:t>
+              <a:t>12.06.2024</a:t>
             </a:fld>
             <a:endParaRPr lang="de-AT"/>
           </a:p>
@@ -413,7 +416,7 @@
             <a:fld id="{25FA59D5-1C02-4780-AF81-09ADAD492357}" type="datetimeFigureOut">
               <a:rPr lang="de-AT" smtClean="0"/>
               <a:pPr/>
-              <a:t>06.06.2024</a:t>
+              <a:t>12.06.2024</a:t>
             </a:fld>
             <a:endParaRPr lang="de-AT"/>
           </a:p>
@@ -1048,6 +1051,176 @@
 </p:notes>
 </file>
 
+<file path=ppt/notesSlides/notesSlide4.xml><?xml version="1.0" encoding="utf-8"?>
+<p:notes xmlns:a="http://schemas.openxmlformats.org/drawingml/2006/main" xmlns:r="http://schemas.openxmlformats.org/officeDocument/2006/relationships" xmlns:p="http://schemas.openxmlformats.org/presentationml/2006/main">
+  <p:cSld>
+    <p:spTree>
+      <p:nvGrpSpPr>
+        <p:cNvPr id="1" name=""/>
+        <p:cNvGrpSpPr/>
+        <p:nvPr/>
+      </p:nvGrpSpPr>
+      <p:grpSpPr>
+        <a:xfrm>
+          <a:off x="0" y="0"/>
+          <a:ext cx="0" cy="0"/>
+          <a:chOff x="0" y="0"/>
+          <a:chExt cx="0" cy="0"/>
+        </a:xfrm>
+      </p:grpSpPr>
+      <p:sp>
+        <p:nvSpPr>
+          <p:cNvPr id="2" name="Folienbildplatzhalter 1"/>
+          <p:cNvSpPr>
+            <a:spLocks noGrp="1" noRot="1" noChangeAspect="1"/>
+          </p:cNvSpPr>
+          <p:nvPr>
+            <p:ph type="sldImg"/>
+          </p:nvPr>
+        </p:nvSpPr>
+        <p:spPr/>
+      </p:sp>
+      <p:sp>
+        <p:nvSpPr>
+          <p:cNvPr id="3" name="Notizenplatzhalter 2"/>
+          <p:cNvSpPr>
+            <a:spLocks noGrp="1"/>
+          </p:cNvSpPr>
+          <p:nvPr>
+            <p:ph type="body" idx="1"/>
+          </p:nvPr>
+        </p:nvSpPr>
+        <p:spPr/>
+        <p:txBody>
+          <a:bodyPr/>
+          <a:lstStyle/>
+          <a:p>
+            <a:endParaRPr lang="en-US" dirty="0"/>
+          </a:p>
+        </p:txBody>
+      </p:sp>
+      <p:sp>
+        <p:nvSpPr>
+          <p:cNvPr id="4" name="Foliennummernplatzhalter 3"/>
+          <p:cNvSpPr>
+            <a:spLocks noGrp="1"/>
+          </p:cNvSpPr>
+          <p:nvPr>
+            <p:ph type="sldNum" sz="quarter" idx="5"/>
+          </p:nvPr>
+        </p:nvSpPr>
+        <p:spPr/>
+        <p:txBody>
+          <a:bodyPr/>
+          <a:lstStyle/>
+          <a:p>
+            <a:fld id="{7AA6D168-C717-485B-B0C8-699ECBDF2CFF}" type="slidenum">
+              <a:rPr lang="de-AT" smtClean="0"/>
+              <a:pPr/>
+              <a:t>6</a:t>
+            </a:fld>
+            <a:endParaRPr lang="de-AT"/>
+          </a:p>
+        </p:txBody>
+      </p:sp>
+    </p:spTree>
+    <p:extLst>
+      <p:ext uri="{BB962C8B-B14F-4D97-AF65-F5344CB8AC3E}">
+        <p14:creationId xmlns:p14="http://schemas.microsoft.com/office/powerpoint/2010/main" val="2196158226"/>
+      </p:ext>
+    </p:extLst>
+  </p:cSld>
+  <p:clrMapOvr>
+    <a:masterClrMapping/>
+  </p:clrMapOvr>
+</p:notes>
+</file>
+
+<file path=ppt/notesSlides/notesSlide5.xml><?xml version="1.0" encoding="utf-8"?>
+<p:notes xmlns:a="http://schemas.openxmlformats.org/drawingml/2006/main" xmlns:r="http://schemas.openxmlformats.org/officeDocument/2006/relationships" xmlns:p="http://schemas.openxmlformats.org/presentationml/2006/main">
+  <p:cSld>
+    <p:spTree>
+      <p:nvGrpSpPr>
+        <p:cNvPr id="1" name=""/>
+        <p:cNvGrpSpPr/>
+        <p:nvPr/>
+      </p:nvGrpSpPr>
+      <p:grpSpPr>
+        <a:xfrm>
+          <a:off x="0" y="0"/>
+          <a:ext cx="0" cy="0"/>
+          <a:chOff x="0" y="0"/>
+          <a:chExt cx="0" cy="0"/>
+        </a:xfrm>
+      </p:grpSpPr>
+      <p:sp>
+        <p:nvSpPr>
+          <p:cNvPr id="2" name="Folienbildplatzhalter 1"/>
+          <p:cNvSpPr>
+            <a:spLocks noGrp="1" noRot="1" noChangeAspect="1"/>
+          </p:cNvSpPr>
+          <p:nvPr>
+            <p:ph type="sldImg"/>
+          </p:nvPr>
+        </p:nvSpPr>
+        <p:spPr/>
+      </p:sp>
+      <p:sp>
+        <p:nvSpPr>
+          <p:cNvPr id="3" name="Notizenplatzhalter 2"/>
+          <p:cNvSpPr>
+            <a:spLocks noGrp="1"/>
+          </p:cNvSpPr>
+          <p:nvPr>
+            <p:ph type="body" idx="1"/>
+          </p:nvPr>
+        </p:nvSpPr>
+        <p:spPr/>
+        <p:txBody>
+          <a:bodyPr/>
+          <a:lstStyle/>
+          <a:p>
+            <a:endParaRPr lang="en-US" dirty="0"/>
+          </a:p>
+        </p:txBody>
+      </p:sp>
+      <p:sp>
+        <p:nvSpPr>
+          <p:cNvPr id="4" name="Foliennummernplatzhalter 3"/>
+          <p:cNvSpPr>
+            <a:spLocks noGrp="1"/>
+          </p:cNvSpPr>
+          <p:nvPr>
+            <p:ph type="sldNum" sz="quarter" idx="5"/>
+          </p:nvPr>
+        </p:nvSpPr>
+        <p:spPr/>
+        <p:txBody>
+          <a:bodyPr/>
+          <a:lstStyle/>
+          <a:p>
+            <a:fld id="{7AA6D168-C717-485B-B0C8-699ECBDF2CFF}" type="slidenum">
+              <a:rPr lang="de-AT" smtClean="0"/>
+              <a:pPr/>
+              <a:t>7</a:t>
+            </a:fld>
+            <a:endParaRPr lang="de-AT"/>
+          </a:p>
+        </p:txBody>
+      </p:sp>
+    </p:spTree>
+    <p:extLst>
+      <p:ext uri="{BB962C8B-B14F-4D97-AF65-F5344CB8AC3E}">
+        <p14:creationId xmlns:p14="http://schemas.microsoft.com/office/powerpoint/2010/main" val="2169856794"/>
+      </p:ext>
+    </p:extLst>
+  </p:cSld>
+  <p:clrMapOvr>
+    <a:masterClrMapping/>
+  </p:clrMapOvr>
+</p:notes>
+</file>
+
 <file path=ppt/slideLayouts/slideLayout1.xml><?xml version="1.0" encoding="utf-8"?>
 <p:sldLayout xmlns:a="http://schemas.openxmlformats.org/drawingml/2006/main" xmlns:r="http://schemas.openxmlformats.org/officeDocument/2006/relationships" xmlns:p="http://schemas.openxmlformats.org/presentationml/2006/main" preserve="1" userDrawn="1">
   <p:cSld name="Titelfolie">
@@ -1121,7 +1294,7 @@
           <a:p>
             <a:fld id="{903DBAB2-6CCA-40C7-8885-2C056A77E284}" type="datetime1">
               <a:rPr lang="de-AT" smtClean="0"/>
-              <a:t>06.06.2024</a:t>
+              <a:t>12.06.2024</a:t>
             </a:fld>
             <a:endParaRPr lang="de-AT"/>
           </a:p>
@@ -1476,7 +1649,7 @@
           <a:p>
             <a:fld id="{CFFB591F-AE7F-406B-977E-415D708CD05B}" type="datetime1">
               <a:rPr lang="de-AT" smtClean="0"/>
-              <a:t>06.06.2024</a:t>
+              <a:t>12.06.2024</a:t>
             </a:fld>
             <a:endParaRPr lang="de-AT"/>
           </a:p>
@@ -1956,7 +2129,7 @@
           <a:p>
             <a:fld id="{DDED4213-31A7-43A9-B381-650B72838F3D}" type="datetime1">
               <a:rPr lang="de-AT" smtClean="0"/>
-              <a:t>06.06.2024</a:t>
+              <a:t>12.06.2024</a:t>
             </a:fld>
             <a:endParaRPr lang="de-AT"/>
           </a:p>
@@ -2588,7 +2761,7 @@
           <a:p>
             <a:fld id="{73623C63-4118-48BA-956A-11DEEC1AA07D}" type="datetime1">
               <a:rPr lang="de-AT" smtClean="0"/>
-              <a:t>06.06.2024</a:t>
+              <a:t>12.06.2024</a:t>
             </a:fld>
             <a:endParaRPr lang="de-AT"/>
           </a:p>
@@ -2933,7 +3106,7 @@
           <a:p>
             <a:fld id="{D256D3EE-23A3-40C2-AAE3-0430D418E6CE}" type="datetime1">
               <a:rPr lang="de-AT" smtClean="0"/>
-              <a:t>06.06.2024</a:t>
+              <a:t>12.06.2024</a:t>
             </a:fld>
             <a:endParaRPr lang="de-AT"/>
           </a:p>
@@ -3129,7 +3302,7 @@
           <a:p>
             <a:fld id="{3FE2F795-10B4-41AA-AEDE-F815B308DCDB}" type="datetime1">
               <a:rPr lang="de-AT" smtClean="0"/>
-              <a:t>06.06.2024</a:t>
+              <a:t>12.06.2024</a:t>
             </a:fld>
             <a:endParaRPr lang="de-AT"/>
           </a:p>
@@ -3354,7 +3527,7 @@
           <a:p>
             <a:fld id="{03FB355E-663F-46F6-A58A-7E827B834F26}" type="datetime1">
               <a:rPr lang="de-AT" smtClean="0"/>
-              <a:t>06.06.2024</a:t>
+              <a:t>12.06.2024</a:t>
             </a:fld>
             <a:endParaRPr lang="de-AT"/>
           </a:p>
@@ -3884,7 +4057,7 @@
             <a:pPr algn="r"/>
             <a:fld id="{8EA2BAE2-6757-47A9-8E17-82B3704991C6}" type="datetime4">
               <a:rPr lang="de-AT" smtClean="0"/>
-              <a:t>6. Juni 2024</a:t>
+              <a:t>12. Juni 2024</a:t>
             </a:fld>
             <a:endParaRPr lang="de-AT"/>
           </a:p>
@@ -4268,7 +4441,7 @@
           <p:cNvPr id="2" name="Titel 1">
             <a:extLst>
               <a:ext uri="{FF2B5EF4-FFF2-40B4-BE49-F238E27FC236}">
-                <a16:creationId xmlns:a16="http://schemas.microsoft.com/office/drawing/2014/main" id="{41705578-676D-FCCF-F067-38289B99C507}"/>
+                <a16:creationId xmlns:a16="http://schemas.microsoft.com/office/drawing/2014/main" id="{E496C6BA-99A1-43F4-92B8-B6D762EF0987}"/>
               </a:ext>
             </a:extLst>
           </p:cNvPr>
@@ -4285,56 +4458,125 @@
           <a:lstStyle/>
           <a:p>
             <a:r>
-              <a:rPr lang="de-AT" dirty="0"/>
-              <a:t>Struktur</a:t>
-            </a:r>
-          </a:p>
-        </p:txBody>
-      </p:sp>
-      <p:pic>
-        <p:nvPicPr>
-          <p:cNvPr id="7" name="Inhaltsplatzhalter 6">
+              <a:rPr lang="de-DE"/>
+              <a:t>PM - Meilensteine</a:t>
+            </a:r>
+            <a:endParaRPr lang="de-AT"/>
+          </a:p>
+        </p:txBody>
+      </p:sp>
+      <p:sp>
+        <p:nvSpPr>
+          <p:cNvPr id="3" name="Inhaltsplatzhalter 2">
             <a:extLst>
               <a:ext uri="{FF2B5EF4-FFF2-40B4-BE49-F238E27FC236}">
-                <a16:creationId xmlns:a16="http://schemas.microsoft.com/office/drawing/2014/main" id="{AFE89A80-B440-BF16-0152-F50CC3E17FFA}"/>
+                <a16:creationId xmlns:a16="http://schemas.microsoft.com/office/drawing/2014/main" id="{A228378C-21E0-453B-B255-71BAC911E6C0}"/>
               </a:ext>
             </a:extLst>
           </p:cNvPr>
-          <p:cNvPicPr>
-            <a:picLocks noGrp="1" noChangeAspect="1"/>
-          </p:cNvPicPr>
+          <p:cNvSpPr>
+            <a:spLocks noGrp="1"/>
+          </p:cNvSpPr>
           <p:nvPr>
             <p:ph idx="1"/>
           </p:nvPr>
-        </p:nvPicPr>
-        <p:blipFill>
-          <a:blip r:embed="rId2">
-            <a:extLst>
-              <a:ext uri="{28A0092B-C50C-407E-A947-70E740481C1C}">
-                <a14:useLocalDpi xmlns:a14="http://schemas.microsoft.com/office/drawing/2010/main" val="0"/>
-              </a:ext>
-              <a:ext uri="{96DAC541-7B7A-43D3-8B79-37D633B846F1}">
-                <asvg:svgBlip xmlns:asvg="http://schemas.microsoft.com/office/drawing/2016/SVG/main" r:embed="rId3"/>
-              </a:ext>
-            </a:extLst>
-          </a:blip>
-          <a:stretch>
-            <a:fillRect/>
-          </a:stretch>
-        </p:blipFill>
-        <p:spPr>
-          <a:xfrm>
-            <a:off x="2173760" y="1095711"/>
-            <a:ext cx="7844479" cy="5073650"/>
-          </a:xfrm>
-        </p:spPr>
-      </p:pic>
+        </p:nvSpPr>
+        <p:spPr/>
+        <p:txBody>
+          <a:bodyPr>
+            <a:normAutofit lnSpcReduction="10000"/>
+          </a:bodyPr>
+          <a:lstStyle/>
+          <a:p>
+            <a:r>
+              <a:rPr lang="de-DE"/>
+              <a:t>2024-07-04: Fertige Server Architektur</a:t>
+            </a:r>
+          </a:p>
+          <a:p>
+            <a:pPr lvl="1"/>
+            <a:r>
+              <a:rPr lang="de-DE"/>
+              <a:t>Server ist einsatzfähig</a:t>
+            </a:r>
+          </a:p>
+          <a:p>
+            <a:pPr lvl="1"/>
+            <a:r>
+              <a:rPr lang="de-DE"/>
+              <a:t>REST-Schnittstelle</a:t>
+            </a:r>
+          </a:p>
+          <a:p>
+            <a:pPr lvl="1"/>
+            <a:r>
+              <a:rPr lang="de-DE"/>
+              <a:t>Zugriff kann von überall gestattet werden</a:t>
+            </a:r>
+          </a:p>
+          <a:p>
+            <a:r>
+              <a:rPr lang="de-DE"/>
+              <a:t>2024-09-04: Prototyp ist funktionell</a:t>
+            </a:r>
+          </a:p>
+          <a:p>
+            <a:pPr lvl="1"/>
+            <a:r>
+              <a:rPr lang="de-DE"/>
+              <a:t>Hardware Komponenten gekauft und geliefert</a:t>
+            </a:r>
+          </a:p>
+          <a:p>
+            <a:pPr lvl="1"/>
+            <a:r>
+              <a:rPr lang="de-DE"/>
+              <a:t>Löten der Komponenten</a:t>
+            </a:r>
+          </a:p>
+          <a:p>
+            <a:pPr lvl="1"/>
+            <a:r>
+              <a:rPr lang="de-DE"/>
+              <a:t>Datenübertragung mittels MQTT</a:t>
+            </a:r>
+          </a:p>
+          <a:p>
+            <a:r>
+              <a:rPr lang="de-DE"/>
+              <a:t>2025-01-31: Webanwendung funktionell</a:t>
+            </a:r>
+          </a:p>
+          <a:p>
+            <a:pPr lvl="1"/>
+            <a:r>
+              <a:rPr lang="de-DE"/>
+              <a:t>Datenabfrage möglich</a:t>
+            </a:r>
+          </a:p>
+          <a:p>
+            <a:pPr lvl="1"/>
+            <a:r>
+              <a:rPr lang="de-DE"/>
+              <a:t>Einloggen / Ausloggen möglich</a:t>
+            </a:r>
+          </a:p>
+          <a:p>
+            <a:pPr lvl="1"/>
+            <a:r>
+              <a:rPr lang="de-DE"/>
+              <a:t>Ansprechendes GUI</a:t>
+            </a:r>
+            <a:endParaRPr lang="de-AT"/>
+          </a:p>
+        </p:txBody>
+      </p:sp>
       <p:sp>
         <p:nvSpPr>
           <p:cNvPr id="4" name="Fußzeilenplatzhalter 3">
             <a:extLst>
               <a:ext uri="{FF2B5EF4-FFF2-40B4-BE49-F238E27FC236}">
-                <a16:creationId xmlns:a16="http://schemas.microsoft.com/office/drawing/2014/main" id="{68EE335B-B2E2-9F37-0D30-DC40083206F5}"/>
+                <a16:creationId xmlns:a16="http://schemas.microsoft.com/office/drawing/2014/main" id="{8AADA028-308D-430B-A45B-407D875A2351}"/>
               </a:ext>
             </a:extLst>
           </p:cNvPr>
@@ -4351,7 +4593,7 @@
           <a:lstStyle/>
           <a:p>
             <a:r>
-              <a:rPr lang="de-AT" dirty="0"/>
+              <a:rPr lang="de-AT"/>
               <a:t>CONTRUDE Gekle, Kampl, Schrempf</a:t>
             </a:r>
           </a:p>
@@ -4362,7 +4604,7 @@
           <p:cNvPr id="5" name="Foliennummernplatzhalter 4">
             <a:extLst>
               <a:ext uri="{FF2B5EF4-FFF2-40B4-BE49-F238E27FC236}">
-                <a16:creationId xmlns:a16="http://schemas.microsoft.com/office/drawing/2014/main" id="{C505ED6E-17E1-8489-2A55-B1355FDF1AC1}"/>
+                <a16:creationId xmlns:a16="http://schemas.microsoft.com/office/drawing/2014/main" id="{AB38338F-922C-40A7-B140-637B827703BF}"/>
               </a:ext>
             </a:extLst>
           </p:cNvPr>
@@ -4390,7 +4632,7 @@
     </p:spTree>
     <p:extLst>
       <p:ext uri="{BB962C8B-B14F-4D97-AF65-F5344CB8AC3E}">
-        <p14:creationId xmlns:p14="http://schemas.microsoft.com/office/powerpoint/2010/main" val="3150432457"/>
+        <p14:creationId xmlns:p14="http://schemas.microsoft.com/office/powerpoint/2010/main" val="1400808523"/>
       </p:ext>
     </p:extLst>
   </p:cSld>
@@ -4434,6 +4676,592 @@
           <p:cNvPr id="2" name="Titel 1">
             <a:extLst>
               <a:ext uri="{FF2B5EF4-FFF2-40B4-BE49-F238E27FC236}">
+                <a16:creationId xmlns:a16="http://schemas.microsoft.com/office/drawing/2014/main" id="{E496C6BA-99A1-43F4-92B8-B6D762EF0987}"/>
+              </a:ext>
+            </a:extLst>
+          </p:cNvPr>
+          <p:cNvSpPr>
+            <a:spLocks noGrp="1"/>
+          </p:cNvSpPr>
+          <p:nvPr>
+            <p:ph type="title"/>
+          </p:nvPr>
+        </p:nvSpPr>
+        <p:spPr/>
+        <p:txBody>
+          <a:bodyPr/>
+          <a:lstStyle/>
+          <a:p>
+            <a:r>
+              <a:rPr lang="de-DE"/>
+              <a:t>PM - </a:t>
+            </a:r>
+            <a:r>
+              <a:rPr lang="de-AT"/>
+              <a:t>Kostenabschätzung</a:t>
+            </a:r>
+          </a:p>
+        </p:txBody>
+      </p:sp>
+      <p:sp>
+        <p:nvSpPr>
+          <p:cNvPr id="3" name="Inhaltsplatzhalter 2">
+            <a:extLst>
+              <a:ext uri="{FF2B5EF4-FFF2-40B4-BE49-F238E27FC236}">
+                <a16:creationId xmlns:a16="http://schemas.microsoft.com/office/drawing/2014/main" id="{A228378C-21E0-453B-B255-71BAC911E6C0}"/>
+              </a:ext>
+            </a:extLst>
+          </p:cNvPr>
+          <p:cNvSpPr>
+            <a:spLocks noGrp="1"/>
+          </p:cNvSpPr>
+          <p:nvPr>
+            <p:ph idx="1"/>
+          </p:nvPr>
+        </p:nvSpPr>
+        <p:spPr/>
+        <p:txBody>
+          <a:bodyPr/>
+          <a:lstStyle/>
+          <a:p>
+            <a:r>
+              <a:rPr lang="de-AT" dirty="0"/>
+              <a:t>Gehalt (nach Kollektivvertrag)</a:t>
+            </a:r>
+          </a:p>
+          <a:p>
+            <a:pPr lvl="1"/>
+            <a:r>
+              <a:rPr lang="en-US" b="0" i="0" dirty="0">
+                <a:solidFill>
+                  <a:srgbClr val="000000"/>
+                </a:solidFill>
+                <a:effectLst/>
+                <a:highlight>
+                  <a:srgbClr val="FFFFFF"/>
+                </a:highlight>
+                <a:latin typeface="DIN-Web-Pro"/>
+              </a:rPr>
+              <a:t>€ 2.923 pro Person</a:t>
+            </a:r>
+            <a:endParaRPr lang="de-AT" b="0" i="0" dirty="0">
+              <a:solidFill>
+                <a:srgbClr val="000000"/>
+              </a:solidFill>
+              <a:effectLst/>
+              <a:highlight>
+                <a:srgbClr val="FFFFFF"/>
+              </a:highlight>
+              <a:latin typeface="DIN-Web-Pro"/>
+            </a:endParaRPr>
+          </a:p>
+          <a:p>
+            <a:pPr lvl="1"/>
+            <a:r>
+              <a:rPr lang="de-AT" dirty="0">
+                <a:solidFill>
+                  <a:srgbClr val="000000"/>
+                </a:solidFill>
+                <a:highlight>
+                  <a:srgbClr val="FFFFFF"/>
+                </a:highlight>
+                <a:latin typeface="DIN-Web-Pro"/>
+              </a:rPr>
+              <a:t>€ 8769 insgesamt</a:t>
+            </a:r>
+          </a:p>
+          <a:p>
+            <a:r>
+              <a:rPr lang="de-AT" dirty="0">
+                <a:solidFill>
+                  <a:srgbClr val="000000"/>
+                </a:solidFill>
+                <a:highlight>
+                  <a:srgbClr val="FFFFFF"/>
+                </a:highlight>
+                <a:latin typeface="DIN-Web-Pro"/>
+              </a:rPr>
+              <a:t>Hardware</a:t>
+            </a:r>
+          </a:p>
+          <a:p>
+            <a:pPr lvl="1"/>
+            <a:r>
+              <a:rPr lang="de-AT" dirty="0">
+                <a:solidFill>
+                  <a:srgbClr val="000000"/>
+                </a:solidFill>
+                <a:highlight>
+                  <a:srgbClr val="FFFFFF"/>
+                </a:highlight>
+                <a:latin typeface="DIN-Web-Pro"/>
+              </a:rPr>
+              <a:t>Wissende Kosten: € 70,86</a:t>
+            </a:r>
+          </a:p>
+          <a:p>
+            <a:pPr lvl="1"/>
+            <a:r>
+              <a:rPr lang="de-AT" dirty="0">
+                <a:solidFill>
+                  <a:srgbClr val="000000"/>
+                </a:solidFill>
+                <a:highlight>
+                  <a:srgbClr val="FFFFFF"/>
+                </a:highlight>
+                <a:latin typeface="DIN-Web-Pro"/>
+              </a:rPr>
+              <a:t>Maximale Kosten € 200,00</a:t>
+            </a:r>
+          </a:p>
+          <a:p>
+            <a:pPr marL="457200" lvl="1" indent="0">
+              <a:buNone/>
+            </a:pPr>
+            <a:endParaRPr lang="de-AT" dirty="0">
+              <a:solidFill>
+                <a:srgbClr val="000000"/>
+              </a:solidFill>
+              <a:highlight>
+                <a:srgbClr val="FFFFFF"/>
+              </a:highlight>
+              <a:latin typeface="DIN-Web-Pro"/>
+            </a:endParaRPr>
+          </a:p>
+        </p:txBody>
+      </p:sp>
+      <p:sp>
+        <p:nvSpPr>
+          <p:cNvPr id="4" name="Fußzeilenplatzhalter 3">
+            <a:extLst>
+              <a:ext uri="{FF2B5EF4-FFF2-40B4-BE49-F238E27FC236}">
+                <a16:creationId xmlns:a16="http://schemas.microsoft.com/office/drawing/2014/main" id="{8AADA028-308D-430B-A45B-407D875A2351}"/>
+              </a:ext>
+            </a:extLst>
+          </p:cNvPr>
+          <p:cNvSpPr>
+            <a:spLocks noGrp="1"/>
+          </p:cNvSpPr>
+          <p:nvPr>
+            <p:ph type="ftr" sz="quarter" idx="11"/>
+          </p:nvPr>
+        </p:nvSpPr>
+        <p:spPr/>
+        <p:txBody>
+          <a:bodyPr/>
+          <a:lstStyle/>
+          <a:p>
+            <a:r>
+              <a:rPr lang="de-AT"/>
+              <a:t>CONTRUDE Gekle, Kampl, Schrempf</a:t>
+            </a:r>
+          </a:p>
+        </p:txBody>
+      </p:sp>
+      <p:sp>
+        <p:nvSpPr>
+          <p:cNvPr id="5" name="Foliennummernplatzhalter 4">
+            <a:extLst>
+              <a:ext uri="{FF2B5EF4-FFF2-40B4-BE49-F238E27FC236}">
+                <a16:creationId xmlns:a16="http://schemas.microsoft.com/office/drawing/2014/main" id="{AB38338F-922C-40A7-B140-637B827703BF}"/>
+              </a:ext>
+            </a:extLst>
+          </p:cNvPr>
+          <p:cNvSpPr>
+            <a:spLocks noGrp="1"/>
+          </p:cNvSpPr>
+          <p:nvPr>
+            <p:ph type="sldNum" sz="quarter" idx="12"/>
+          </p:nvPr>
+        </p:nvSpPr>
+        <p:spPr/>
+        <p:txBody>
+          <a:bodyPr/>
+          <a:lstStyle/>
+          <a:p>
+            <a:fld id="{7DCD6803-3BAA-44F6-A698-23D950C9713B}" type="slidenum">
+              <a:rPr lang="de-AT" smtClean="0"/>
+              <a:pPr/>
+              <a:t>11</a:t>
+            </a:fld>
+            <a:endParaRPr lang="de-AT"/>
+          </a:p>
+        </p:txBody>
+      </p:sp>
+    </p:spTree>
+    <p:extLst>
+      <p:ext uri="{BB962C8B-B14F-4D97-AF65-F5344CB8AC3E}">
+        <p14:creationId xmlns:p14="http://schemas.microsoft.com/office/powerpoint/2010/main" val="1447962708"/>
+      </p:ext>
+    </p:extLst>
+  </p:cSld>
+  <p:clrMapOvr>
+    <a:masterClrMapping/>
+  </p:clrMapOvr>
+  <mc:AlternateContent xmlns:mc="http://schemas.openxmlformats.org/markup-compatibility/2006" xmlns:p159="http://schemas.microsoft.com/office/powerpoint/2015/09/main">
+    <mc:Choice Requires="p159">
+      <p:transition xmlns:p14="http://schemas.microsoft.com/office/powerpoint/2010/main" spd="slow" p14:dur="2000">
+        <p159:morph option="byObject"/>
+      </p:transition>
+    </mc:Choice>
+    <mc:Fallback xmlns="">
+      <p:transition spd="slow">
+        <p:fade/>
+      </p:transition>
+    </mc:Fallback>
+  </mc:AlternateContent>
+</p:sld>
+</file>
+
+<file path=ppt/slides/slide12.xml><?xml version="1.0" encoding="utf-8"?>
+<p:sld xmlns:a="http://schemas.openxmlformats.org/drawingml/2006/main" xmlns:r="http://schemas.openxmlformats.org/officeDocument/2006/relationships" xmlns:p="http://schemas.openxmlformats.org/presentationml/2006/main">
+  <p:cSld>
+    <p:spTree>
+      <p:nvGrpSpPr>
+        <p:cNvPr id="1" name=""/>
+        <p:cNvGrpSpPr/>
+        <p:nvPr/>
+      </p:nvGrpSpPr>
+      <p:grpSpPr>
+        <a:xfrm>
+          <a:off x="0" y="0"/>
+          <a:ext cx="0" cy="0"/>
+          <a:chOff x="0" y="0"/>
+          <a:chExt cx="0" cy="0"/>
+        </a:xfrm>
+      </p:grpSpPr>
+      <p:sp>
+        <p:nvSpPr>
+          <p:cNvPr id="2" name="Titel 1">
+            <a:extLst>
+              <a:ext uri="{FF2B5EF4-FFF2-40B4-BE49-F238E27FC236}">
+                <a16:creationId xmlns:a16="http://schemas.microsoft.com/office/drawing/2014/main" id="{E496C6BA-99A1-43F4-92B8-B6D762EF0987}"/>
+              </a:ext>
+            </a:extLst>
+          </p:cNvPr>
+          <p:cNvSpPr>
+            <a:spLocks noGrp="1"/>
+          </p:cNvSpPr>
+          <p:nvPr>
+            <p:ph type="title"/>
+          </p:nvPr>
+        </p:nvSpPr>
+        <p:spPr/>
+        <p:txBody>
+          <a:bodyPr/>
+          <a:lstStyle/>
+          <a:p>
+            <a:r>
+              <a:rPr lang="de-DE"/>
+              <a:t>PM – </a:t>
+            </a:r>
+            <a:r>
+              <a:rPr lang="de-AT"/>
+              <a:t>Wie wird es gelebt</a:t>
+            </a:r>
+          </a:p>
+        </p:txBody>
+      </p:sp>
+      <p:sp>
+        <p:nvSpPr>
+          <p:cNvPr id="4" name="Fußzeilenplatzhalter 3">
+            <a:extLst>
+              <a:ext uri="{FF2B5EF4-FFF2-40B4-BE49-F238E27FC236}">
+                <a16:creationId xmlns:a16="http://schemas.microsoft.com/office/drawing/2014/main" id="{8AADA028-308D-430B-A45B-407D875A2351}"/>
+              </a:ext>
+            </a:extLst>
+          </p:cNvPr>
+          <p:cNvSpPr>
+            <a:spLocks noGrp="1"/>
+          </p:cNvSpPr>
+          <p:nvPr>
+            <p:ph type="ftr" sz="quarter" idx="11"/>
+          </p:nvPr>
+        </p:nvSpPr>
+        <p:spPr/>
+        <p:txBody>
+          <a:bodyPr/>
+          <a:lstStyle/>
+          <a:p>
+            <a:r>
+              <a:rPr lang="de-AT" dirty="0"/>
+              <a:t>CONTRUDE Gekle, Kampl, Schrempf</a:t>
+            </a:r>
+          </a:p>
+        </p:txBody>
+      </p:sp>
+      <p:sp>
+        <p:nvSpPr>
+          <p:cNvPr id="5" name="Foliennummernplatzhalter 4">
+            <a:extLst>
+              <a:ext uri="{FF2B5EF4-FFF2-40B4-BE49-F238E27FC236}">
+                <a16:creationId xmlns:a16="http://schemas.microsoft.com/office/drawing/2014/main" id="{AB38338F-922C-40A7-B140-637B827703BF}"/>
+              </a:ext>
+            </a:extLst>
+          </p:cNvPr>
+          <p:cNvSpPr>
+            <a:spLocks noGrp="1"/>
+          </p:cNvSpPr>
+          <p:nvPr>
+            <p:ph type="sldNum" sz="quarter" idx="12"/>
+          </p:nvPr>
+        </p:nvSpPr>
+        <p:spPr/>
+        <p:txBody>
+          <a:bodyPr/>
+          <a:lstStyle/>
+          <a:p>
+            <a:fld id="{7DCD6803-3BAA-44F6-A698-23D950C9713B}" type="slidenum">
+              <a:rPr lang="de-AT" smtClean="0"/>
+              <a:pPr/>
+              <a:t>12</a:t>
+            </a:fld>
+            <a:endParaRPr lang="de-AT"/>
+          </a:p>
+        </p:txBody>
+      </p:sp>
+      <p:pic>
+        <p:nvPicPr>
+          <p:cNvPr id="23" name="Grafik 22">
+            <a:extLst>
+              <a:ext uri="{FF2B5EF4-FFF2-40B4-BE49-F238E27FC236}">
+                <a16:creationId xmlns:a16="http://schemas.microsoft.com/office/drawing/2014/main" id="{A3952726-8C91-C4FE-F8B4-5FA3C4E93A18}"/>
+              </a:ext>
+            </a:extLst>
+          </p:cNvPr>
+          <p:cNvPicPr>
+            <a:picLocks noChangeAspect="1"/>
+          </p:cNvPicPr>
+          <p:nvPr/>
+        </p:nvPicPr>
+        <p:blipFill rotWithShape="1">
+          <a:blip r:embed="rId2"/>
+          <a:srcRect l="2344" t="15825" b="254"/>
+          <a:stretch/>
+        </p:blipFill>
+        <p:spPr>
+          <a:xfrm>
+            <a:off x="969158" y="1039706"/>
+            <a:ext cx="10523195" cy="5086830"/>
+          </a:xfrm>
+          <a:prstGeom prst="rect">
+            <a:avLst/>
+          </a:prstGeom>
+        </p:spPr>
+      </p:pic>
+    </p:spTree>
+    <p:extLst>
+      <p:ext uri="{BB962C8B-B14F-4D97-AF65-F5344CB8AC3E}">
+        <p14:creationId xmlns:p14="http://schemas.microsoft.com/office/powerpoint/2010/main" val="3861356565"/>
+      </p:ext>
+    </p:extLst>
+  </p:cSld>
+  <p:clrMapOvr>
+    <a:masterClrMapping/>
+  </p:clrMapOvr>
+  <mc:AlternateContent xmlns:mc="http://schemas.openxmlformats.org/markup-compatibility/2006" xmlns:p159="http://schemas.microsoft.com/office/powerpoint/2015/09/main">
+    <mc:Choice Requires="p159">
+      <p:transition xmlns:p14="http://schemas.microsoft.com/office/powerpoint/2010/main" spd="slow" p14:dur="2000">
+        <p159:morph option="byObject"/>
+      </p:transition>
+    </mc:Choice>
+    <mc:Fallback xmlns="">
+      <p:transition spd="slow">
+        <p:fade/>
+      </p:transition>
+    </mc:Fallback>
+  </mc:AlternateContent>
+</p:sld>
+</file>
+
+<file path=ppt/slides/slide13.xml><?xml version="1.0" encoding="utf-8"?>
+<p:sld xmlns:a="http://schemas.openxmlformats.org/drawingml/2006/main" xmlns:r="http://schemas.openxmlformats.org/officeDocument/2006/relationships" xmlns:p="http://schemas.openxmlformats.org/presentationml/2006/main">
+  <p:cSld>
+    <p:spTree>
+      <p:nvGrpSpPr>
+        <p:cNvPr id="1" name=""/>
+        <p:cNvGrpSpPr/>
+        <p:nvPr/>
+      </p:nvGrpSpPr>
+      <p:grpSpPr>
+        <a:xfrm>
+          <a:off x="0" y="0"/>
+          <a:ext cx="0" cy="0"/>
+          <a:chOff x="0" y="0"/>
+          <a:chExt cx="0" cy="0"/>
+        </a:xfrm>
+      </p:grpSpPr>
+      <p:sp>
+        <p:nvSpPr>
+          <p:cNvPr id="2" name="Titel 1">
+            <a:extLst>
+              <a:ext uri="{FF2B5EF4-FFF2-40B4-BE49-F238E27FC236}">
+                <a16:creationId xmlns:a16="http://schemas.microsoft.com/office/drawing/2014/main" id="{41705578-676D-FCCF-F067-38289B99C507}"/>
+              </a:ext>
+            </a:extLst>
+          </p:cNvPr>
+          <p:cNvSpPr>
+            <a:spLocks noGrp="1"/>
+          </p:cNvSpPr>
+          <p:nvPr>
+            <p:ph type="title"/>
+          </p:nvPr>
+        </p:nvSpPr>
+        <p:spPr/>
+        <p:txBody>
+          <a:bodyPr/>
+          <a:lstStyle/>
+          <a:p>
+            <a:r>
+              <a:rPr lang="de-AT" dirty="0"/>
+              <a:t>Struktur</a:t>
+            </a:r>
+          </a:p>
+        </p:txBody>
+      </p:sp>
+      <p:pic>
+        <p:nvPicPr>
+          <p:cNvPr id="7" name="Inhaltsplatzhalter 6">
+            <a:extLst>
+              <a:ext uri="{FF2B5EF4-FFF2-40B4-BE49-F238E27FC236}">
+                <a16:creationId xmlns:a16="http://schemas.microsoft.com/office/drawing/2014/main" id="{AFE89A80-B440-BF16-0152-F50CC3E17FFA}"/>
+              </a:ext>
+            </a:extLst>
+          </p:cNvPr>
+          <p:cNvPicPr>
+            <a:picLocks noGrp="1" noChangeAspect="1"/>
+          </p:cNvPicPr>
+          <p:nvPr>
+            <p:ph idx="1"/>
+          </p:nvPr>
+        </p:nvPicPr>
+        <p:blipFill>
+          <a:blip r:embed="rId2">
+            <a:extLst>
+              <a:ext uri="{28A0092B-C50C-407E-A947-70E740481C1C}">
+                <a14:useLocalDpi xmlns:a14="http://schemas.microsoft.com/office/drawing/2010/main" val="0"/>
+              </a:ext>
+              <a:ext uri="{96DAC541-7B7A-43D3-8B79-37D633B846F1}">
+                <asvg:svgBlip xmlns:asvg="http://schemas.microsoft.com/office/drawing/2016/SVG/main" r:embed="rId3"/>
+              </a:ext>
+            </a:extLst>
+          </a:blip>
+          <a:stretch>
+            <a:fillRect/>
+          </a:stretch>
+        </p:blipFill>
+        <p:spPr>
+          <a:xfrm>
+            <a:off x="2173760" y="1095711"/>
+            <a:ext cx="7844479" cy="5073650"/>
+          </a:xfrm>
+        </p:spPr>
+      </p:pic>
+      <p:sp>
+        <p:nvSpPr>
+          <p:cNvPr id="4" name="Fußzeilenplatzhalter 3">
+            <a:extLst>
+              <a:ext uri="{FF2B5EF4-FFF2-40B4-BE49-F238E27FC236}">
+                <a16:creationId xmlns:a16="http://schemas.microsoft.com/office/drawing/2014/main" id="{68EE335B-B2E2-9F37-0D30-DC40083206F5}"/>
+              </a:ext>
+            </a:extLst>
+          </p:cNvPr>
+          <p:cNvSpPr>
+            <a:spLocks noGrp="1"/>
+          </p:cNvSpPr>
+          <p:nvPr>
+            <p:ph type="ftr" sz="quarter" idx="11"/>
+          </p:nvPr>
+        </p:nvSpPr>
+        <p:spPr/>
+        <p:txBody>
+          <a:bodyPr/>
+          <a:lstStyle/>
+          <a:p>
+            <a:r>
+              <a:rPr lang="de-AT" dirty="0"/>
+              <a:t>CONTRUDE Gekle, Kampl, Schrempf</a:t>
+            </a:r>
+          </a:p>
+        </p:txBody>
+      </p:sp>
+      <p:sp>
+        <p:nvSpPr>
+          <p:cNvPr id="5" name="Foliennummernplatzhalter 4">
+            <a:extLst>
+              <a:ext uri="{FF2B5EF4-FFF2-40B4-BE49-F238E27FC236}">
+                <a16:creationId xmlns:a16="http://schemas.microsoft.com/office/drawing/2014/main" id="{C505ED6E-17E1-8489-2A55-B1355FDF1AC1}"/>
+              </a:ext>
+            </a:extLst>
+          </p:cNvPr>
+          <p:cNvSpPr>
+            <a:spLocks noGrp="1"/>
+          </p:cNvSpPr>
+          <p:nvPr>
+            <p:ph type="sldNum" sz="quarter" idx="12"/>
+          </p:nvPr>
+        </p:nvSpPr>
+        <p:spPr/>
+        <p:txBody>
+          <a:bodyPr/>
+          <a:lstStyle/>
+          <a:p>
+            <a:fld id="{7DCD6803-3BAA-44F6-A698-23D950C9713B}" type="slidenum">
+              <a:rPr lang="de-AT" smtClean="0"/>
+              <a:pPr/>
+              <a:t>13</a:t>
+            </a:fld>
+            <a:endParaRPr lang="de-AT"/>
+          </a:p>
+        </p:txBody>
+      </p:sp>
+    </p:spTree>
+    <p:extLst>
+      <p:ext uri="{BB962C8B-B14F-4D97-AF65-F5344CB8AC3E}">
+        <p14:creationId xmlns:p14="http://schemas.microsoft.com/office/powerpoint/2010/main" val="3150432457"/>
+      </p:ext>
+    </p:extLst>
+  </p:cSld>
+  <p:clrMapOvr>
+    <a:masterClrMapping/>
+  </p:clrMapOvr>
+  <mc:AlternateContent xmlns:mc="http://schemas.openxmlformats.org/markup-compatibility/2006" xmlns:p159="http://schemas.microsoft.com/office/powerpoint/2015/09/main">
+    <mc:Choice Requires="p159">
+      <p:transition xmlns:p14="http://schemas.microsoft.com/office/powerpoint/2010/main" spd="slow" p14:dur="2000">
+        <p159:morph option="byObject"/>
+      </p:transition>
+    </mc:Choice>
+    <mc:Fallback xmlns="">
+      <p:transition spd="slow">
+        <p:fade/>
+      </p:transition>
+    </mc:Fallback>
+  </mc:AlternateContent>
+</p:sld>
+</file>
+
+<file path=ppt/slides/slide14.xml><?xml version="1.0" encoding="utf-8"?>
+<p:sld xmlns:a="http://schemas.openxmlformats.org/drawingml/2006/main" xmlns:r="http://schemas.openxmlformats.org/officeDocument/2006/relationships" xmlns:p="http://schemas.openxmlformats.org/presentationml/2006/main">
+  <p:cSld>
+    <p:spTree>
+      <p:nvGrpSpPr>
+        <p:cNvPr id="1" name=""/>
+        <p:cNvGrpSpPr/>
+        <p:nvPr/>
+      </p:nvGrpSpPr>
+      <p:grpSpPr>
+        <a:xfrm>
+          <a:off x="0" y="0"/>
+          <a:ext cx="0" cy="0"/>
+          <a:chOff x="0" y="0"/>
+          <a:chExt cx="0" cy="0"/>
+        </a:xfrm>
+      </p:grpSpPr>
+      <p:sp>
+        <p:nvSpPr>
+          <p:cNvPr id="2" name="Titel 1">
+            <a:extLst>
+              <a:ext uri="{FF2B5EF4-FFF2-40B4-BE49-F238E27FC236}">
                 <a16:creationId xmlns:a16="http://schemas.microsoft.com/office/drawing/2014/main" id="{49B75182-9F7E-DDB8-1BCE-29DCCA8443FA}"/>
               </a:ext>
             </a:extLst>
@@ -4558,7 +5386,7 @@
             <a:fld id="{7DCD6803-3BAA-44F6-A698-23D950C9713B}" type="slidenum">
               <a:rPr lang="de-AT" smtClean="0"/>
               <a:pPr/>
-              <a:t>11</a:t>
+              <a:t>14</a:t>
             </a:fld>
             <a:endParaRPr lang="de-AT"/>
           </a:p>
@@ -4674,6 +5502,12 @@
             </a:r>
           </a:p>
           <a:p>
+            <a:pPr marL="0" indent="0">
+              <a:buNone/>
+            </a:pPr>
+            <a:endParaRPr lang="de-AT" dirty="0"/>
+          </a:p>
+          <a:p>
             <a:r>
               <a:rPr lang="de-AT" dirty="0"/>
               <a:t>Container Tracken</a:t>
@@ -5004,7 +5838,7 @@
           <a:lstStyle/>
           <a:p>
             <a:r>
-              <a:rPr lang="de-AT"/>
+              <a:rPr lang="de-AT" dirty="0"/>
               <a:t>Aufgabenverteilung</a:t>
             </a:r>
           </a:p>
@@ -5086,15 +5920,7 @@
           <a:p>
             <a:r>
               <a:rPr lang="de-AT" dirty="0"/>
-              <a:t>Maximilian Silvester Kampl </a:t>
-            </a:r>
-            <a:r>
-              <a:rPr lang="de-AT"/>
-              <a:t>TODO Grafik </a:t>
-            </a:r>
-            <a:r>
-              <a:rPr lang="de-AT" dirty="0"/>
-              <a:t>welche alles beschreibt (</a:t>
+              <a:t>Maximilian Silvester Kampl TODO Grafik welche alles beschreibt (</a:t>
             </a:r>
             <a:r>
               <a:rPr lang="de-AT" dirty="0" err="1"/>
@@ -5226,10 +6052,10 @@
       </p:grpSpPr>
       <p:sp>
         <p:nvSpPr>
-          <p:cNvPr id="2" name="Titel 1">
+          <p:cNvPr id="4" name="Fußzeilenplatzhalter 3">
             <a:extLst>
               <a:ext uri="{FF2B5EF4-FFF2-40B4-BE49-F238E27FC236}">
-                <a16:creationId xmlns:a16="http://schemas.microsoft.com/office/drawing/2014/main" id="{E496C6BA-99A1-43F4-92B8-B6D762EF0987}"/>
+                <a16:creationId xmlns:a16="http://schemas.microsoft.com/office/drawing/2014/main" id="{E60B7009-2B0F-747C-568D-AC20F983B193}"/>
               </a:ext>
             </a:extLst>
           </p:cNvPr>
@@ -5237,7 +6063,7 @@
             <a:spLocks noGrp="1"/>
           </p:cNvSpPr>
           <p:nvPr>
-            <p:ph type="title"/>
+            <p:ph type="ftr" sz="quarter" idx="11"/>
           </p:nvPr>
         </p:nvSpPr>
         <p:spPr/>
@@ -5246,143 +6072,8 @@
           <a:lstStyle/>
           <a:p>
             <a:r>
-              <a:rPr lang="de-DE"/>
-              <a:t>Literatur</a:t>
-            </a:r>
-            <a:endParaRPr lang="de-AT"/>
-          </a:p>
-        </p:txBody>
-      </p:sp>
-      <p:sp>
-        <p:nvSpPr>
-          <p:cNvPr id="3" name="Inhaltsplatzhalter 2">
-            <a:extLst>
-              <a:ext uri="{FF2B5EF4-FFF2-40B4-BE49-F238E27FC236}">
-                <a16:creationId xmlns:a16="http://schemas.microsoft.com/office/drawing/2014/main" id="{A228378C-21E0-453B-B255-71BAC911E6C0}"/>
-              </a:ext>
-            </a:extLst>
-          </p:cNvPr>
-          <p:cNvSpPr>
-            <a:spLocks noGrp="1"/>
-          </p:cNvSpPr>
-          <p:nvPr>
-            <p:ph idx="1"/>
-          </p:nvPr>
-        </p:nvSpPr>
-        <p:spPr/>
-        <p:txBody>
-          <a:bodyPr/>
-          <a:lstStyle/>
-          <a:p>
-            <a:r>
-              <a:rPr lang="de-DE" dirty="0"/>
-              <a:t>Bis dato durchgesehen:</a:t>
-            </a:r>
-            <a:endParaRPr lang="de-AT" dirty="0"/>
-          </a:p>
-          <a:p>
-            <a:pPr lvl="1"/>
-            <a:r>
-              <a:rPr lang="de-AT" b="0" i="0" dirty="0">
-                <a:solidFill>
-                  <a:srgbClr val="002021"/>
-                </a:solidFill>
-                <a:effectLst/>
-                <a:highlight>
-                  <a:srgbClr val="FFFFFF"/>
-                </a:highlight>
-                <a:latin typeface="Google Sans"/>
-              </a:rPr>
-              <a:t>REST API Design </a:t>
-            </a:r>
-            <a:r>
-              <a:rPr lang="de-AT" b="0" i="0" dirty="0" err="1">
-                <a:solidFill>
-                  <a:srgbClr val="002021"/>
-                </a:solidFill>
-                <a:effectLst/>
-                <a:highlight>
-                  <a:srgbClr val="FFFFFF"/>
-                </a:highlight>
-                <a:latin typeface="Google Sans"/>
-              </a:rPr>
-              <a:t>Rulebook</a:t>
-            </a:r>
-            <a:endParaRPr lang="de-AT" b="0" i="0" dirty="0">
-              <a:solidFill>
-                <a:srgbClr val="002021"/>
-              </a:solidFill>
-              <a:effectLst/>
-              <a:highlight>
-                <a:srgbClr val="FFFFFF"/>
-              </a:highlight>
-              <a:latin typeface="Google Sans"/>
-            </a:endParaRPr>
-          </a:p>
-          <a:p>
-            <a:pPr lvl="1"/>
-            <a:endParaRPr lang="de-AT" dirty="0">
-              <a:solidFill>
-                <a:srgbClr val="002021"/>
-              </a:solidFill>
-              <a:highlight>
-                <a:srgbClr val="FFFFFF"/>
-              </a:highlight>
-              <a:latin typeface="Google Sans"/>
-            </a:endParaRPr>
-          </a:p>
-          <a:p>
-            <a:pPr lvl="1"/>
-            <a:endParaRPr lang="de-AT" dirty="0">
-              <a:solidFill>
-                <a:srgbClr val="002021"/>
-              </a:solidFill>
-              <a:highlight>
-                <a:srgbClr val="FFFFFF"/>
-              </a:highlight>
-              <a:latin typeface="Google Sans"/>
-            </a:endParaRPr>
-          </a:p>
-          <a:p>
-            <a:r>
-              <a:rPr lang="de-AT" dirty="0">
-                <a:solidFill>
-                  <a:srgbClr val="002021"/>
-                </a:solidFill>
-                <a:highlight>
-                  <a:srgbClr val="FFFFFF"/>
-                </a:highlight>
-                <a:latin typeface="Google Sans"/>
-              </a:rPr>
-              <a:t>TODO HG fragen was genau da rein gehört</a:t>
-            </a:r>
-          </a:p>
-        </p:txBody>
-      </p:sp>
-      <p:sp>
-        <p:nvSpPr>
-          <p:cNvPr id="4" name="Fußzeilenplatzhalter 3">
-            <a:extLst>
-              <a:ext uri="{FF2B5EF4-FFF2-40B4-BE49-F238E27FC236}">
-                <a16:creationId xmlns:a16="http://schemas.microsoft.com/office/drawing/2014/main" id="{8AADA028-308D-430B-A45B-407D875A2351}"/>
-              </a:ext>
-            </a:extLst>
-          </p:cNvPr>
-          <p:cNvSpPr>
-            <a:spLocks noGrp="1"/>
-          </p:cNvSpPr>
-          <p:nvPr>
-            <p:ph type="ftr" sz="quarter" idx="11"/>
-          </p:nvPr>
-        </p:nvSpPr>
-        <p:spPr/>
-        <p:txBody>
-          <a:bodyPr/>
-          <a:lstStyle/>
-          <a:p>
-            <a:r>
               <a:rPr lang="de-AT"/>
-              <a:t>CONTRUDE Gekle, Kampl, Schrempf</a:t>
+              <a:t>Diplomarbeit Name, Name</a:t>
             </a:r>
           </a:p>
         </p:txBody>
@@ -5392,7 +6083,7 @@
           <p:cNvPr id="5" name="Foliennummernplatzhalter 4">
             <a:extLst>
               <a:ext uri="{FF2B5EF4-FFF2-40B4-BE49-F238E27FC236}">
-                <a16:creationId xmlns:a16="http://schemas.microsoft.com/office/drawing/2014/main" id="{AB38338F-922C-40A7-B140-637B827703BF}"/>
+                <a16:creationId xmlns:a16="http://schemas.microsoft.com/office/drawing/2014/main" id="{B8DFB85E-29D1-B262-44AB-6AE9AD2CCB9A}"/>
               </a:ext>
             </a:extLst>
           </p:cNvPr>
@@ -5417,10 +6108,123 @@
           </a:p>
         </p:txBody>
       </p:sp>
+      <p:pic>
+        <p:nvPicPr>
+          <p:cNvPr id="6" name="Grafik 5">
+            <a:extLst>
+              <a:ext uri="{FF2B5EF4-FFF2-40B4-BE49-F238E27FC236}">
+                <a16:creationId xmlns:a16="http://schemas.microsoft.com/office/drawing/2014/main" id="{835BFC3E-6502-D5D2-F643-8AE4DCE6143B}"/>
+              </a:ext>
+            </a:extLst>
+          </p:cNvPr>
+          <p:cNvPicPr>
+            <a:picLocks noChangeAspect="1"/>
+          </p:cNvPicPr>
+          <p:nvPr/>
+        </p:nvPicPr>
+        <p:blipFill>
+          <a:blip r:embed="rId4">
+            <a:extLst>
+              <a:ext uri="{28A0092B-C50C-407E-A947-70E740481C1C}">
+                <a14:useLocalDpi xmlns:a14="http://schemas.microsoft.com/office/drawing/2010/main" val="0"/>
+              </a:ext>
+              <a:ext uri="{96DAC541-7B7A-43D3-8B79-37D633B846F1}">
+                <asvg:svgBlip xmlns:asvg="http://schemas.microsoft.com/office/drawing/2016/SVG/main" r:embed="rId5"/>
+              </a:ext>
+            </a:extLst>
+          </a:blip>
+          <a:stretch>
+            <a:fillRect/>
+          </a:stretch>
+        </p:blipFill>
+        <p:spPr>
+          <a:xfrm>
+            <a:off x="665040" y="3592391"/>
+            <a:ext cx="11151149" cy="2210532"/>
+          </a:xfrm>
+          <a:prstGeom prst="rect">
+            <a:avLst/>
+          </a:prstGeom>
+        </p:spPr>
+      </p:pic>
+      <p:sp>
+        <p:nvSpPr>
+          <p:cNvPr id="9" name="Titel 1">
+            <a:extLst>
+              <a:ext uri="{FF2B5EF4-FFF2-40B4-BE49-F238E27FC236}">
+                <a16:creationId xmlns:a16="http://schemas.microsoft.com/office/drawing/2014/main" id="{2C02EBB2-2ED8-2B8D-5537-0606910184A7}"/>
+              </a:ext>
+            </a:extLst>
+          </p:cNvPr>
+          <p:cNvSpPr>
+            <a:spLocks noGrp="1"/>
+          </p:cNvSpPr>
+          <p:nvPr>
+            <p:ph type="title"/>
+          </p:nvPr>
+        </p:nvSpPr>
+        <p:spPr>
+          <a:xfrm>
+            <a:off x="969158" y="188640"/>
+            <a:ext cx="10270380" cy="720080"/>
+          </a:xfrm>
+        </p:spPr>
+        <p:txBody>
+          <a:bodyPr/>
+          <a:lstStyle/>
+          <a:p>
+            <a:r>
+              <a:rPr lang="de-AT" dirty="0"/>
+              <a:t>Aufgabenverteilung</a:t>
+            </a:r>
+          </a:p>
+        </p:txBody>
+      </p:sp>
+      <p:pic>
+        <p:nvPicPr>
+          <p:cNvPr id="10" name="ship-horn-3">
+            <a:hlinkClick r:id="" action="ppaction://media"/>
+            <a:extLst>
+              <a:ext uri="{FF2B5EF4-FFF2-40B4-BE49-F238E27FC236}">
+                <a16:creationId xmlns:a16="http://schemas.microsoft.com/office/drawing/2014/main" id="{456E7DA7-30C4-3257-4A64-2D21CDC8DC94}"/>
+              </a:ext>
+            </a:extLst>
+          </p:cNvPr>
+          <p:cNvPicPr>
+            <a:picLocks noChangeAspect="1"/>
+          </p:cNvPicPr>
+          <p:nvPr>
+            <a:audioFile r:link="rId1"/>
+            <p:extLst>
+              <p:ext uri="{DAA4B4D4-6D71-4841-9C94-3DE7FCFB9230}">
+                <p14:media xmlns:p14="http://schemas.microsoft.com/office/powerpoint/2010/main" r:embed="rId2">
+                  <p14:trim end="9695.3974"/>
+                  <p14:fade out="500"/>
+                </p14:media>
+              </p:ext>
+            </p:extLst>
+          </p:nvPr>
+        </p:nvPicPr>
+        <p:blipFill>
+          <a:blip r:embed="rId6"/>
+          <a:stretch>
+            <a:fillRect/>
+          </a:stretch>
+        </p:blipFill>
+        <p:spPr>
+          <a:xfrm>
+            <a:off x="932372" y="1442830"/>
+            <a:ext cx="487363" cy="487363"/>
+          </a:xfrm>
+          <a:prstGeom prst="rect">
+            <a:avLst/>
+          </a:prstGeom>
+        </p:spPr>
+      </p:pic>
     </p:spTree>
     <p:extLst>
       <p:ext uri="{BB962C8B-B14F-4D97-AF65-F5344CB8AC3E}">
-        <p14:creationId xmlns:p14="http://schemas.microsoft.com/office/powerpoint/2010/main" val="2929837528"/>
+        <p14:creationId xmlns:p14="http://schemas.microsoft.com/office/powerpoint/2010/main" val="2395814003"/>
       </p:ext>
     </p:extLst>
   </p:cSld>
@@ -5439,6 +6243,163 @@
       </p:transition>
     </mc:Fallback>
   </mc:AlternateContent>
+  <p:timing>
+    <p:tnLst>
+      <p:par>
+        <p:cTn id="1" dur="indefinite" restart="never" nodeType="tmRoot">
+          <p:childTnLst>
+            <p:seq concurrent="1" nextAc="seek">
+              <p:cTn id="2" dur="indefinite" nodeType="mainSeq">
+                <p:childTnLst>
+                  <p:par>
+                    <p:cTn id="3" fill="hold">
+                      <p:stCondLst>
+                        <p:cond delay="indefinite"/>
+                      </p:stCondLst>
+                      <p:childTnLst>
+                        <p:par>
+                          <p:cTn id="4" fill="hold">
+                            <p:stCondLst>
+                              <p:cond delay="0"/>
+                            </p:stCondLst>
+                            <p:childTnLst>
+                              <p:par>
+                                <p:cTn id="5" presetID="2" presetClass="entr" presetSubtype="2" fill="hold" nodeType="clickEffect">
+                                  <p:stCondLst>
+                                    <p:cond delay="0"/>
+                                  </p:stCondLst>
+                                  <p:childTnLst>
+                                    <p:set>
+                                      <p:cBhvr>
+                                        <p:cTn id="6" dur="1" fill="hold">
+                                          <p:stCondLst>
+                                            <p:cond delay="0"/>
+                                          </p:stCondLst>
+                                        </p:cTn>
+                                        <p:tgtEl>
+                                          <p:spTgt spid="6"/>
+                                        </p:tgtEl>
+                                        <p:attrNameLst>
+                                          <p:attrName>style.visibility</p:attrName>
+                                        </p:attrNameLst>
+                                      </p:cBhvr>
+                                      <p:to>
+                                        <p:strVal val="visible"/>
+                                      </p:to>
+                                    </p:set>
+                                    <p:anim calcmode="lin" valueType="num">
+                                      <p:cBhvr additive="base">
+                                        <p:cTn id="7" dur="3000" fill="hold"/>
+                                        <p:tgtEl>
+                                          <p:spTgt spid="6"/>
+                                        </p:tgtEl>
+                                        <p:attrNameLst>
+                                          <p:attrName>ppt_x</p:attrName>
+                                        </p:attrNameLst>
+                                      </p:cBhvr>
+                                      <p:tavLst>
+                                        <p:tav tm="0">
+                                          <p:val>
+                                            <p:strVal val="1+#ppt_w/2"/>
+                                          </p:val>
+                                        </p:tav>
+                                        <p:tav tm="100000">
+                                          <p:val>
+                                            <p:strVal val="#ppt_x"/>
+                                          </p:val>
+                                        </p:tav>
+                                      </p:tavLst>
+                                    </p:anim>
+                                    <p:anim calcmode="lin" valueType="num">
+                                      <p:cBhvr additive="base">
+                                        <p:cTn id="8" dur="3000" fill="hold"/>
+                                        <p:tgtEl>
+                                          <p:spTgt spid="6"/>
+                                        </p:tgtEl>
+                                        <p:attrNameLst>
+                                          <p:attrName>ppt_y</p:attrName>
+                                        </p:attrNameLst>
+                                      </p:cBhvr>
+                                      <p:tavLst>
+                                        <p:tav tm="0">
+                                          <p:val>
+                                            <p:strVal val="#ppt_y"/>
+                                          </p:val>
+                                        </p:tav>
+                                        <p:tav tm="100000">
+                                          <p:val>
+                                            <p:strVal val="#ppt_y"/>
+                                          </p:val>
+                                        </p:tav>
+                                      </p:tavLst>
+                                    </p:anim>
+                                  </p:childTnLst>
+                                </p:cTn>
+                              </p:par>
+                              <p:par>
+                                <p:cTn id="9" presetID="1" presetClass="mediacall" presetSubtype="0" fill="hold" nodeType="withEffect">
+                                  <p:stCondLst>
+                                    <p:cond delay="0"/>
+                                  </p:stCondLst>
+                                  <p:childTnLst>
+                                    <p:cmd type="call" cmd="playFrom(0.0)">
+                                      <p:cBhvr>
+                                        <p:cTn id="10" dur="3848" fill="hold"/>
+                                        <p:tgtEl>
+                                          <p:spTgt spid="10"/>
+                                        </p:tgtEl>
+                                      </p:cBhvr>
+                                    </p:cmd>
+                                  </p:childTnLst>
+                                </p:cTn>
+                              </p:par>
+                            </p:childTnLst>
+                          </p:cTn>
+                        </p:par>
+                      </p:childTnLst>
+                    </p:cTn>
+                  </p:par>
+                </p:childTnLst>
+              </p:cTn>
+              <p:prevCondLst>
+                <p:cond evt="onPrev" delay="0">
+                  <p:tgtEl>
+                    <p:sldTgt/>
+                  </p:tgtEl>
+                </p:cond>
+              </p:prevCondLst>
+              <p:nextCondLst>
+                <p:cond evt="onNext" delay="0">
+                  <p:tgtEl>
+                    <p:sldTgt/>
+                  </p:tgtEl>
+                </p:cond>
+              </p:nextCondLst>
+            </p:seq>
+            <p:audio>
+              <p:cMediaNode showWhenStopped="0">
+                <p:cTn id="11" fill="hold" display="0">
+                  <p:stCondLst>
+                    <p:cond delay="indefinite"/>
+                  </p:stCondLst>
+                  <p:endCondLst>
+                    <p:cond evt="onStopAudio" delay="0">
+                      <p:tgtEl>
+                        <p:sldTgt/>
+                      </p:tgtEl>
+                    </p:cond>
+                  </p:endCondLst>
+                </p:cTn>
+                <p:tgtEl>
+                  <p:spTgt spid="10"/>
+                </p:tgtEl>
+              </p:cMediaNode>
+            </p:audio>
+          </p:childTnLst>
+        </p:cTn>
+      </p:par>
+    </p:tnLst>
+  </p:timing>
 </p:sld>
 </file>
 
@@ -5461,10 +6422,10 @@
       </p:grpSpPr>
       <p:sp>
         <p:nvSpPr>
-          <p:cNvPr id="2" name="Titel 1">
+          <p:cNvPr id="4" name="Fußzeilenplatzhalter 3">
             <a:extLst>
               <a:ext uri="{FF2B5EF4-FFF2-40B4-BE49-F238E27FC236}">
-                <a16:creationId xmlns:a16="http://schemas.microsoft.com/office/drawing/2014/main" id="{E496C6BA-99A1-43F4-92B8-B6D762EF0987}"/>
+                <a16:creationId xmlns:a16="http://schemas.microsoft.com/office/drawing/2014/main" id="{E60B7009-2B0F-747C-568D-AC20F983B193}"/>
               </a:ext>
             </a:extLst>
           </p:cNvPr>
@@ -5472,7 +6433,7 @@
             <a:spLocks noGrp="1"/>
           </p:cNvSpPr>
           <p:nvPr>
-            <p:ph type="title"/>
+            <p:ph type="ftr" sz="quarter" idx="11"/>
           </p:nvPr>
         </p:nvSpPr>
         <p:spPr/>
@@ -5481,148 +6442,8 @@
           <a:lstStyle/>
           <a:p>
             <a:r>
-              <a:rPr lang="de-DE"/>
-              <a:t>PM - Meilensteine</a:t>
-            </a:r>
-            <a:endParaRPr lang="de-AT"/>
-          </a:p>
-        </p:txBody>
-      </p:sp>
-      <p:sp>
-        <p:nvSpPr>
-          <p:cNvPr id="3" name="Inhaltsplatzhalter 2">
-            <a:extLst>
-              <a:ext uri="{FF2B5EF4-FFF2-40B4-BE49-F238E27FC236}">
-                <a16:creationId xmlns:a16="http://schemas.microsoft.com/office/drawing/2014/main" id="{A228378C-21E0-453B-B255-71BAC911E6C0}"/>
-              </a:ext>
-            </a:extLst>
-          </p:cNvPr>
-          <p:cNvSpPr>
-            <a:spLocks noGrp="1"/>
-          </p:cNvSpPr>
-          <p:nvPr>
-            <p:ph idx="1"/>
-          </p:nvPr>
-        </p:nvSpPr>
-        <p:spPr/>
-        <p:txBody>
-          <a:bodyPr>
-            <a:normAutofit fontScale="92500" lnSpcReduction="20000"/>
-          </a:bodyPr>
-          <a:lstStyle/>
-          <a:p>
-            <a:r>
-              <a:rPr lang="de-DE"/>
-              <a:t>2024-02-23: Genehmigung der DA</a:t>
-            </a:r>
-          </a:p>
-          <a:p>
-            <a:pPr lvl="1"/>
-            <a:r>
-              <a:rPr lang="de-DE"/>
-              <a:t>Einreichen des Antrags durch die Schüler</a:t>
-            </a:r>
-          </a:p>
-          <a:p>
-            <a:pPr lvl="1"/>
-            <a:r>
-              <a:rPr lang="de-DE"/>
-              <a:t>DA Dokumentation wurde ausgefüllt und unterschrieben</a:t>
-            </a:r>
-          </a:p>
-          <a:p>
-            <a:r>
-              <a:rPr lang="de-DE"/>
-              <a:t>2024-05-09: Projekthandbuch fertig</a:t>
-            </a:r>
-          </a:p>
-          <a:p>
-            <a:pPr lvl="1"/>
-            <a:r>
-              <a:rPr lang="de-DE"/>
-              <a:t>Zielsetzung ausgefüllt</a:t>
-            </a:r>
-          </a:p>
-          <a:p>
-            <a:pPr lvl="1"/>
-            <a:r>
-              <a:rPr lang="de-DE"/>
-              <a:t>Projektplan ausgefüllt</a:t>
-            </a:r>
-          </a:p>
-          <a:p>
-            <a:r>
-              <a:rPr lang="de-DE"/>
-              <a:t>2024-06-01: Hardware Komponenten Recherche abgeschlossen</a:t>
-            </a:r>
-          </a:p>
-          <a:p>
-            <a:pPr lvl="1"/>
-            <a:r>
-              <a:rPr lang="de-DE"/>
-              <a:t>Bestimmung der Komponenten</a:t>
-            </a:r>
-          </a:p>
-          <a:p>
-            <a:pPr lvl="1"/>
-            <a:r>
-              <a:rPr lang="de-DE"/>
-              <a:t>Preisrechnung</a:t>
-            </a:r>
-          </a:p>
-          <a:p>
-            <a:pPr lvl="1"/>
-            <a:r>
-              <a:rPr lang="de-DE"/>
-              <a:t>Terminrechnung</a:t>
-            </a:r>
-          </a:p>
-          <a:p>
-            <a:r>
-              <a:rPr lang="de-DE"/>
-              <a:t>2024-06-17: Datenbanken fertig</a:t>
-            </a:r>
-          </a:p>
-          <a:p>
-            <a:pPr lvl="1"/>
-            <a:r>
-              <a:rPr lang="de-DE"/>
-              <a:t>Allgemeine Container Informationen</a:t>
-            </a:r>
-          </a:p>
-          <a:p>
-            <a:pPr lvl="1"/>
-            <a:r>
-              <a:rPr lang="de-DE"/>
-              <a:t>Sensor Daten</a:t>
-            </a:r>
-          </a:p>
-        </p:txBody>
-      </p:sp>
-      <p:sp>
-        <p:nvSpPr>
-          <p:cNvPr id="4" name="Fußzeilenplatzhalter 3">
-            <a:extLst>
-              <a:ext uri="{FF2B5EF4-FFF2-40B4-BE49-F238E27FC236}">
-                <a16:creationId xmlns:a16="http://schemas.microsoft.com/office/drawing/2014/main" id="{8AADA028-308D-430B-A45B-407D875A2351}"/>
-              </a:ext>
-            </a:extLst>
-          </p:cNvPr>
-          <p:cNvSpPr>
-            <a:spLocks noGrp="1"/>
-          </p:cNvSpPr>
-          <p:nvPr>
-            <p:ph type="ftr" sz="quarter" idx="11"/>
-          </p:nvPr>
-        </p:nvSpPr>
-        <p:spPr/>
-        <p:txBody>
-          <a:bodyPr/>
-          <a:lstStyle/>
-          <a:p>
-            <a:r>
               <a:rPr lang="de-AT"/>
-              <a:t>CONTRUDE Gekle, Kampl, Schrempf</a:t>
+              <a:t>Diplomarbeit Name, Name</a:t>
             </a:r>
           </a:p>
         </p:txBody>
@@ -5632,7 +6453,7 @@
           <p:cNvPr id="5" name="Foliennummernplatzhalter 4">
             <a:extLst>
               <a:ext uri="{FF2B5EF4-FFF2-40B4-BE49-F238E27FC236}">
-                <a16:creationId xmlns:a16="http://schemas.microsoft.com/office/drawing/2014/main" id="{AB38338F-922C-40A7-B140-637B827703BF}"/>
+                <a16:creationId xmlns:a16="http://schemas.microsoft.com/office/drawing/2014/main" id="{B8DFB85E-29D1-B262-44AB-6AE9AD2CCB9A}"/>
               </a:ext>
             </a:extLst>
           </p:cNvPr>
@@ -5657,10 +6478,291 @@
           </a:p>
         </p:txBody>
       </p:sp>
+      <p:sp>
+        <p:nvSpPr>
+          <p:cNvPr id="7" name="Rechteck 6">
+            <a:extLst>
+              <a:ext uri="{FF2B5EF4-FFF2-40B4-BE49-F238E27FC236}">
+                <a16:creationId xmlns:a16="http://schemas.microsoft.com/office/drawing/2014/main" id="{5FD16DE7-27A8-13EC-C34D-F44A01912A4F}"/>
+              </a:ext>
+            </a:extLst>
+          </p:cNvPr>
+          <p:cNvSpPr/>
+          <p:nvPr/>
+        </p:nvSpPr>
+        <p:spPr>
+          <a:xfrm>
+            <a:off x="-65238" y="0"/>
+            <a:ext cx="12257237" cy="6858000"/>
+          </a:xfrm>
+          <a:prstGeom prst="rect">
+            <a:avLst/>
+          </a:prstGeom>
+          <a:solidFill>
+            <a:schemeClr val="bg1">
+              <a:lumMod val="85000"/>
+              <a:alpha val="75000"/>
+            </a:schemeClr>
+          </a:solidFill>
+          <a:ln>
+            <a:noFill/>
+          </a:ln>
+        </p:spPr>
+        <p:style>
+          <a:lnRef idx="2">
+            <a:schemeClr val="accent1">
+              <a:shade val="15000"/>
+            </a:schemeClr>
+          </a:lnRef>
+          <a:fillRef idx="1">
+            <a:schemeClr val="accent1"/>
+          </a:fillRef>
+          <a:effectRef idx="0">
+            <a:schemeClr val="accent1"/>
+          </a:effectRef>
+          <a:fontRef idx="minor">
+            <a:schemeClr val="lt1"/>
+          </a:fontRef>
+        </p:style>
+        <p:txBody>
+          <a:bodyPr rtlCol="0" anchor="ctr"/>
+          <a:lstStyle/>
+          <a:p>
+            <a:r>
+              <a:rPr lang="de-AT" sz="1800">
+                <a:solidFill>
+                  <a:schemeClr val="bg1"/>
+                </a:solidFill>
+              </a:rPr>
+              <a:t>Luca Alexander Gekle</a:t>
+            </a:r>
+            <a:endParaRPr lang="de-AT" sz="1800" dirty="0">
+              <a:solidFill>
+                <a:schemeClr val="bg1"/>
+              </a:solidFill>
+            </a:endParaRPr>
+          </a:p>
+        </p:txBody>
+      </p:sp>
+      <p:pic>
+        <p:nvPicPr>
+          <p:cNvPr id="6" name="Grafik 5">
+            <a:extLst>
+              <a:ext uri="{FF2B5EF4-FFF2-40B4-BE49-F238E27FC236}">
+                <a16:creationId xmlns:a16="http://schemas.microsoft.com/office/drawing/2014/main" id="{835BFC3E-6502-D5D2-F643-8AE4DCE6143B}"/>
+              </a:ext>
+            </a:extLst>
+          </p:cNvPr>
+          <p:cNvPicPr>
+            <a:picLocks noChangeAspect="1"/>
+          </p:cNvPicPr>
+          <p:nvPr/>
+        </p:nvPicPr>
+        <p:blipFill rotWithShape="1">
+          <a:blip r:embed="rId3">
+            <a:extLst>
+              <a:ext uri="{28A0092B-C50C-407E-A947-70E740481C1C}">
+                <a14:useLocalDpi xmlns:a14="http://schemas.microsoft.com/office/drawing/2010/main" val="0"/>
+              </a:ext>
+              <a:ext uri="{96DAC541-7B7A-43D3-8B79-37D633B846F1}">
+                <asvg:svgBlip xmlns:asvg="http://schemas.microsoft.com/office/drawing/2016/SVG/main" r:embed="rId4"/>
+              </a:ext>
+            </a:extLst>
+          </a:blip>
+          <a:srcRect l="57915" t="10370"/>
+          <a:stretch/>
+        </p:blipFill>
+        <p:spPr>
+          <a:xfrm>
+            <a:off x="-4560570" y="4243"/>
+            <a:ext cx="16504920" cy="6215588"/>
+          </a:xfrm>
+          <a:prstGeom prst="rect">
+            <a:avLst/>
+          </a:prstGeom>
+        </p:spPr>
+      </p:pic>
+      <p:sp>
+        <p:nvSpPr>
+          <p:cNvPr id="3" name="Textfeld 2">
+            <a:extLst>
+              <a:ext uri="{FF2B5EF4-FFF2-40B4-BE49-F238E27FC236}">
+                <a16:creationId xmlns:a16="http://schemas.microsoft.com/office/drawing/2014/main" id="{EC16E687-6F06-16D0-683A-2FBD79806AA5}"/>
+              </a:ext>
+            </a:extLst>
+          </p:cNvPr>
+          <p:cNvSpPr txBox="1"/>
+          <p:nvPr/>
+        </p:nvSpPr>
+        <p:spPr>
+          <a:xfrm>
+            <a:off x="6736771" y="2853672"/>
+            <a:ext cx="2300514" cy="400110"/>
+          </a:xfrm>
+          <a:prstGeom prst="rect">
+            <a:avLst/>
+          </a:prstGeom>
+          <a:noFill/>
+        </p:spPr>
+        <p:txBody>
+          <a:bodyPr wrap="square">
+            <a:spAutoFit/>
+          </a:bodyPr>
+          <a:lstStyle/>
+          <a:p>
+            <a:pPr lvl="1"/>
+            <a:r>
+              <a:rPr lang="de-AT" sz="2000" u="sng" dirty="0">
+                <a:solidFill>
+                  <a:schemeClr val="bg1"/>
+                </a:solidFill>
+              </a:rPr>
+              <a:t>Graphentheorie</a:t>
+            </a:r>
+          </a:p>
+        </p:txBody>
+      </p:sp>
+      <p:sp>
+        <p:nvSpPr>
+          <p:cNvPr id="10" name="Textfeld 9">
+            <a:extLst>
+              <a:ext uri="{FF2B5EF4-FFF2-40B4-BE49-F238E27FC236}">
+                <a16:creationId xmlns:a16="http://schemas.microsoft.com/office/drawing/2014/main" id="{A075FD3A-A752-CFC5-0852-D94E43E87EC1}"/>
+              </a:ext>
+            </a:extLst>
+          </p:cNvPr>
+          <p:cNvSpPr txBox="1"/>
+          <p:nvPr/>
+        </p:nvSpPr>
+        <p:spPr>
+          <a:xfrm>
+            <a:off x="3977296" y="4828613"/>
+            <a:ext cx="2432931" cy="523220"/>
+          </a:xfrm>
+          <a:prstGeom prst="rect">
+            <a:avLst/>
+          </a:prstGeom>
+          <a:noFill/>
+        </p:spPr>
+        <p:txBody>
+          <a:bodyPr wrap="square">
+            <a:spAutoFit/>
+          </a:bodyPr>
+          <a:lstStyle/>
+          <a:p>
+            <a:r>
+              <a:rPr lang="de-AT" sz="2800" b="1" u="sng" dirty="0">
+                <a:solidFill>
+                  <a:schemeClr val="bg1"/>
+                </a:solidFill>
+              </a:rPr>
+              <a:t>Luca </a:t>
+            </a:r>
+            <a:r>
+              <a:rPr lang="de-AT" sz="2800" b="1" u="sng" dirty="0" err="1">
+                <a:solidFill>
+                  <a:schemeClr val="bg1"/>
+                </a:solidFill>
+              </a:rPr>
+              <a:t>Gekle</a:t>
+            </a:r>
+            <a:endParaRPr lang="de-AT" sz="2800" b="1" u="sng" dirty="0">
+              <a:solidFill>
+                <a:schemeClr val="bg1"/>
+              </a:solidFill>
+            </a:endParaRPr>
+          </a:p>
+        </p:txBody>
+      </p:sp>
+      <p:sp>
+        <p:nvSpPr>
+          <p:cNvPr id="12" name="Textfeld 11">
+            <a:extLst>
+              <a:ext uri="{FF2B5EF4-FFF2-40B4-BE49-F238E27FC236}">
+                <a16:creationId xmlns:a16="http://schemas.microsoft.com/office/drawing/2014/main" id="{FA7538C5-7129-F57C-2954-B244E55BC650}"/>
+              </a:ext>
+            </a:extLst>
+          </p:cNvPr>
+          <p:cNvSpPr txBox="1"/>
+          <p:nvPr/>
+        </p:nvSpPr>
+        <p:spPr>
+          <a:xfrm>
+            <a:off x="6656200" y="1929341"/>
+            <a:ext cx="2381085" cy="400110"/>
+          </a:xfrm>
+          <a:prstGeom prst="rect">
+            <a:avLst/>
+          </a:prstGeom>
+          <a:noFill/>
+        </p:spPr>
+        <p:txBody>
+          <a:bodyPr wrap="square">
+            <a:spAutoFit/>
+          </a:bodyPr>
+          <a:lstStyle/>
+          <a:p>
+            <a:pPr lvl="1"/>
+            <a:r>
+              <a:rPr lang="de-AT" sz="2000" u="sng" dirty="0">
+                <a:solidFill>
+                  <a:schemeClr val="bg1"/>
+                </a:solidFill>
+              </a:rPr>
+              <a:t>Webanwendung</a:t>
+            </a:r>
+            <a:endParaRPr lang="de-AT" sz="1800" u="sng" dirty="0">
+              <a:solidFill>
+                <a:schemeClr val="bg1"/>
+              </a:solidFill>
+            </a:endParaRPr>
+          </a:p>
+        </p:txBody>
+      </p:sp>
+      <p:sp>
+        <p:nvSpPr>
+          <p:cNvPr id="14" name="Textfeld 13">
+            <a:extLst>
+              <a:ext uri="{FF2B5EF4-FFF2-40B4-BE49-F238E27FC236}">
+                <a16:creationId xmlns:a16="http://schemas.microsoft.com/office/drawing/2014/main" id="{29A1AF46-E1B1-C0DE-2697-027461477475}"/>
+              </a:ext>
+            </a:extLst>
+          </p:cNvPr>
+          <p:cNvSpPr txBox="1"/>
+          <p:nvPr/>
+        </p:nvSpPr>
+        <p:spPr>
+          <a:xfrm>
+            <a:off x="9577038" y="3989987"/>
+            <a:ext cx="2446971" cy="400110"/>
+          </a:xfrm>
+          <a:prstGeom prst="rect">
+            <a:avLst/>
+          </a:prstGeom>
+          <a:noFill/>
+        </p:spPr>
+        <p:txBody>
+          <a:bodyPr wrap="square">
+            <a:spAutoFit/>
+          </a:bodyPr>
+          <a:lstStyle/>
+          <a:p>
+            <a:r>
+              <a:rPr lang="de-AT" sz="2000" u="sng" dirty="0">
+                <a:solidFill>
+                  <a:schemeClr val="bg1"/>
+                </a:solidFill>
+              </a:rPr>
+              <a:t>Positionsalgorithmus</a:t>
+            </a:r>
+            <a:endParaRPr lang="en-US" u="sng" dirty="0"/>
+          </a:p>
+        </p:txBody>
+      </p:sp>
     </p:spTree>
     <p:extLst>
       <p:ext uri="{BB962C8B-B14F-4D97-AF65-F5344CB8AC3E}">
-        <p14:creationId xmlns:p14="http://schemas.microsoft.com/office/powerpoint/2010/main" val="2525704466"/>
+        <p14:creationId xmlns:p14="http://schemas.microsoft.com/office/powerpoint/2010/main" val="2105584950"/>
       </p:ext>
     </p:extLst>
   </p:cSld>
@@ -5679,6 +6781,280 @@
       </p:transition>
     </mc:Fallback>
   </mc:AlternateContent>
+  <p:timing>
+    <p:tnLst>
+      <p:par>
+        <p:cTn id="1" dur="indefinite" restart="never" nodeType="tmRoot">
+          <p:childTnLst>
+            <p:seq concurrent="1" nextAc="seek">
+              <p:cTn id="2" dur="indefinite" nodeType="mainSeq">
+                <p:childTnLst>
+                  <p:par>
+                    <p:cTn id="3" fill="hold">
+                      <p:stCondLst>
+                        <p:cond delay="indefinite"/>
+                      </p:stCondLst>
+                      <p:childTnLst>
+                        <p:par>
+                          <p:cTn id="4" fill="hold">
+                            <p:stCondLst>
+                              <p:cond delay="0"/>
+                            </p:stCondLst>
+                            <p:childTnLst>
+                              <p:par>
+                                <p:cTn id="5" presetID="10" presetClass="entr" presetSubtype="0" fill="hold" nodeType="clickEffect">
+                                  <p:stCondLst>
+                                    <p:cond delay="0"/>
+                                  </p:stCondLst>
+                                  <p:childTnLst>
+                                    <p:set>
+                                      <p:cBhvr>
+                                        <p:cTn id="6" dur="1" fill="hold">
+                                          <p:stCondLst>
+                                            <p:cond delay="0"/>
+                                          </p:stCondLst>
+                                        </p:cTn>
+                                        <p:tgtEl>
+                                          <p:spTgt spid="10">
+                                            <p:txEl>
+                                              <p:pRg st="0" end="0"/>
+                                            </p:txEl>
+                                          </p:spTgt>
+                                        </p:tgtEl>
+                                        <p:attrNameLst>
+                                          <p:attrName>style.visibility</p:attrName>
+                                        </p:attrNameLst>
+                                      </p:cBhvr>
+                                      <p:to>
+                                        <p:strVal val="visible"/>
+                                      </p:to>
+                                    </p:set>
+                                    <p:animEffect transition="in" filter="fade">
+                                      <p:cBhvr>
+                                        <p:cTn id="7" dur="500"/>
+                                        <p:tgtEl>
+                                          <p:spTgt spid="10">
+                                            <p:txEl>
+                                              <p:pRg st="0" end="0"/>
+                                            </p:txEl>
+                                          </p:spTgt>
+                                        </p:tgtEl>
+                                      </p:cBhvr>
+                                    </p:animEffect>
+                                  </p:childTnLst>
+                                </p:cTn>
+                              </p:par>
+                            </p:childTnLst>
+                          </p:cTn>
+                        </p:par>
+                      </p:childTnLst>
+                    </p:cTn>
+                  </p:par>
+                  <p:par>
+                    <p:cTn id="8" fill="hold">
+                      <p:stCondLst>
+                        <p:cond delay="indefinite"/>
+                      </p:stCondLst>
+                      <p:childTnLst>
+                        <p:par>
+                          <p:cTn id="9" fill="hold">
+                            <p:stCondLst>
+                              <p:cond delay="0"/>
+                            </p:stCondLst>
+                            <p:childTnLst>
+                              <p:par>
+                                <p:cTn id="10" presetID="10" presetClass="entr" presetSubtype="0" fill="hold" nodeType="clickEffect">
+                                  <p:stCondLst>
+                                    <p:cond delay="0"/>
+                                  </p:stCondLst>
+                                  <p:childTnLst>
+                                    <p:set>
+                                      <p:cBhvr>
+                                        <p:cTn id="11" dur="1" fill="hold">
+                                          <p:stCondLst>
+                                            <p:cond delay="0"/>
+                                          </p:stCondLst>
+                                        </p:cTn>
+                                        <p:tgtEl>
+                                          <p:spTgt spid="12">
+                                            <p:txEl>
+                                              <p:pRg st="0" end="0"/>
+                                            </p:txEl>
+                                          </p:spTgt>
+                                        </p:tgtEl>
+                                        <p:attrNameLst>
+                                          <p:attrName>style.visibility</p:attrName>
+                                        </p:attrNameLst>
+                                      </p:cBhvr>
+                                      <p:to>
+                                        <p:strVal val="visible"/>
+                                      </p:to>
+                                    </p:set>
+                                    <p:animEffect transition="in" filter="fade">
+                                      <p:cBhvr>
+                                        <p:cTn id="12" dur="500"/>
+                                        <p:tgtEl>
+                                          <p:spTgt spid="12">
+                                            <p:txEl>
+                                              <p:pRg st="0" end="0"/>
+                                            </p:txEl>
+                                          </p:spTgt>
+                                        </p:tgtEl>
+                                      </p:cBhvr>
+                                    </p:animEffect>
+                                  </p:childTnLst>
+                                </p:cTn>
+                              </p:par>
+                            </p:childTnLst>
+                          </p:cTn>
+                        </p:par>
+                      </p:childTnLst>
+                    </p:cTn>
+                  </p:par>
+                  <p:par>
+                    <p:cTn id="13" fill="hold">
+                      <p:stCondLst>
+                        <p:cond delay="indefinite"/>
+                      </p:stCondLst>
+                      <p:childTnLst>
+                        <p:par>
+                          <p:cTn id="14" fill="hold">
+                            <p:stCondLst>
+                              <p:cond delay="0"/>
+                            </p:stCondLst>
+                            <p:childTnLst>
+                              <p:par>
+                                <p:cTn id="15" presetID="10" presetClass="entr" presetSubtype="0" fill="hold" nodeType="clickEffect">
+                                  <p:stCondLst>
+                                    <p:cond delay="0"/>
+                                  </p:stCondLst>
+                                  <p:childTnLst>
+                                    <p:set>
+                                      <p:cBhvr>
+                                        <p:cTn id="16" dur="1" fill="hold">
+                                          <p:stCondLst>
+                                            <p:cond delay="0"/>
+                                          </p:stCondLst>
+                                        </p:cTn>
+                                        <p:tgtEl>
+                                          <p:spTgt spid="3">
+                                            <p:txEl>
+                                              <p:pRg st="0" end="0"/>
+                                            </p:txEl>
+                                          </p:spTgt>
+                                        </p:tgtEl>
+                                        <p:attrNameLst>
+                                          <p:attrName>style.visibility</p:attrName>
+                                        </p:attrNameLst>
+                                      </p:cBhvr>
+                                      <p:to>
+                                        <p:strVal val="visible"/>
+                                      </p:to>
+                                    </p:set>
+                                    <p:animEffect transition="in" filter="fade">
+                                      <p:cBhvr>
+                                        <p:cTn id="17" dur="500"/>
+                                        <p:tgtEl>
+                                          <p:spTgt spid="3">
+                                            <p:txEl>
+                                              <p:pRg st="0" end="0"/>
+                                            </p:txEl>
+                                          </p:spTgt>
+                                        </p:tgtEl>
+                                      </p:cBhvr>
+                                    </p:animEffect>
+                                  </p:childTnLst>
+                                </p:cTn>
+                              </p:par>
+                            </p:childTnLst>
+                          </p:cTn>
+                        </p:par>
+                      </p:childTnLst>
+                    </p:cTn>
+                  </p:par>
+                  <p:par>
+                    <p:cTn id="18" fill="hold">
+                      <p:stCondLst>
+                        <p:cond delay="indefinite"/>
+                      </p:stCondLst>
+                      <p:childTnLst>
+                        <p:par>
+                          <p:cTn id="19" fill="hold">
+                            <p:stCondLst>
+                              <p:cond delay="0"/>
+                            </p:stCondLst>
+                            <p:childTnLst>
+                              <p:par>
+                                <p:cTn id="20" presetID="10" presetClass="entr" presetSubtype="0" fill="hold" nodeType="clickEffect">
+                                  <p:stCondLst>
+                                    <p:cond delay="0"/>
+                                  </p:stCondLst>
+                                  <p:childTnLst>
+                                    <p:set>
+                                      <p:cBhvr>
+                                        <p:cTn id="21" dur="1" fill="hold">
+                                          <p:stCondLst>
+                                            <p:cond delay="0"/>
+                                          </p:stCondLst>
+                                        </p:cTn>
+                                        <p:tgtEl>
+                                          <p:spTgt spid="14">
+                                            <p:txEl>
+                                              <p:pRg st="0" end="0"/>
+                                            </p:txEl>
+                                          </p:spTgt>
+                                        </p:tgtEl>
+                                        <p:attrNameLst>
+                                          <p:attrName>style.visibility</p:attrName>
+                                        </p:attrNameLst>
+                                      </p:cBhvr>
+                                      <p:to>
+                                        <p:strVal val="visible"/>
+                                      </p:to>
+                                    </p:set>
+                                    <p:animEffect transition="in" filter="fade">
+                                      <p:cBhvr>
+                                        <p:cTn id="22" dur="500"/>
+                                        <p:tgtEl>
+                                          <p:spTgt spid="14">
+                                            <p:txEl>
+                                              <p:pRg st="0" end="0"/>
+                                            </p:txEl>
+                                          </p:spTgt>
+                                        </p:tgtEl>
+                                      </p:cBhvr>
+                                    </p:animEffect>
+                                  </p:childTnLst>
+                                </p:cTn>
+                              </p:par>
+                            </p:childTnLst>
+                          </p:cTn>
+                        </p:par>
+                      </p:childTnLst>
+                    </p:cTn>
+                  </p:par>
+                </p:childTnLst>
+              </p:cTn>
+              <p:prevCondLst>
+                <p:cond evt="onPrev" delay="0">
+                  <p:tgtEl>
+                    <p:sldTgt/>
+                  </p:tgtEl>
+                </p:cond>
+              </p:prevCondLst>
+              <p:nextCondLst>
+                <p:cond evt="onNext" delay="0">
+                  <p:tgtEl>
+                    <p:sldTgt/>
+                  </p:tgtEl>
+                </p:cond>
+              </p:nextCondLst>
+            </p:seq>
+          </p:childTnLst>
+        </p:cTn>
+      </p:par>
+    </p:tnLst>
+  </p:timing>
 </p:sld>
 </file>
 
@@ -5701,10 +7077,10 @@
       </p:grpSpPr>
       <p:sp>
         <p:nvSpPr>
-          <p:cNvPr id="2" name="Titel 1">
+          <p:cNvPr id="4" name="Fußzeilenplatzhalter 3">
             <a:extLst>
               <a:ext uri="{FF2B5EF4-FFF2-40B4-BE49-F238E27FC236}">
-                <a16:creationId xmlns:a16="http://schemas.microsoft.com/office/drawing/2014/main" id="{E496C6BA-99A1-43F4-92B8-B6D762EF0987}"/>
+                <a16:creationId xmlns:a16="http://schemas.microsoft.com/office/drawing/2014/main" id="{E60B7009-2B0F-747C-568D-AC20F983B193}"/>
               </a:ext>
             </a:extLst>
           </p:cNvPr>
@@ -5712,7 +7088,7 @@
             <a:spLocks noGrp="1"/>
           </p:cNvSpPr>
           <p:nvPr>
-            <p:ph type="title"/>
+            <p:ph type="ftr" sz="quarter" idx="11"/>
           </p:nvPr>
         </p:nvSpPr>
         <p:spPr/>
@@ -5721,143 +7097,8 @@
           <a:lstStyle/>
           <a:p>
             <a:r>
-              <a:rPr lang="de-DE"/>
-              <a:t>PM - Meilensteine</a:t>
-            </a:r>
-            <a:endParaRPr lang="de-AT"/>
-          </a:p>
-        </p:txBody>
-      </p:sp>
-      <p:sp>
-        <p:nvSpPr>
-          <p:cNvPr id="3" name="Inhaltsplatzhalter 2">
-            <a:extLst>
-              <a:ext uri="{FF2B5EF4-FFF2-40B4-BE49-F238E27FC236}">
-                <a16:creationId xmlns:a16="http://schemas.microsoft.com/office/drawing/2014/main" id="{A228378C-21E0-453B-B255-71BAC911E6C0}"/>
-              </a:ext>
-            </a:extLst>
-          </p:cNvPr>
-          <p:cNvSpPr>
-            <a:spLocks noGrp="1"/>
-          </p:cNvSpPr>
-          <p:nvPr>
-            <p:ph idx="1"/>
-          </p:nvPr>
-        </p:nvSpPr>
-        <p:spPr/>
-        <p:txBody>
-          <a:bodyPr>
-            <a:normAutofit lnSpcReduction="10000"/>
-          </a:bodyPr>
-          <a:lstStyle/>
-          <a:p>
-            <a:r>
-              <a:rPr lang="de-DE"/>
-              <a:t>2024-07-04: Fertige Server Architektur</a:t>
-            </a:r>
-          </a:p>
-          <a:p>
-            <a:pPr lvl="1"/>
-            <a:r>
-              <a:rPr lang="de-DE"/>
-              <a:t>Server ist einsatzfähig</a:t>
-            </a:r>
-          </a:p>
-          <a:p>
-            <a:pPr lvl="1"/>
-            <a:r>
-              <a:rPr lang="de-DE"/>
-              <a:t>REST-Schnittstelle</a:t>
-            </a:r>
-          </a:p>
-          <a:p>
-            <a:pPr lvl="1"/>
-            <a:r>
-              <a:rPr lang="de-DE"/>
-              <a:t>Zugriff kann von überall gestattet werden</a:t>
-            </a:r>
-          </a:p>
-          <a:p>
-            <a:r>
-              <a:rPr lang="de-DE"/>
-              <a:t>2024-09-04: Prototyp ist funktionell</a:t>
-            </a:r>
-          </a:p>
-          <a:p>
-            <a:pPr lvl="1"/>
-            <a:r>
-              <a:rPr lang="de-DE"/>
-              <a:t>Hardware Komponenten gekauft und geliefert</a:t>
-            </a:r>
-          </a:p>
-          <a:p>
-            <a:pPr lvl="1"/>
-            <a:r>
-              <a:rPr lang="de-DE"/>
-              <a:t>Löten der Komponenten</a:t>
-            </a:r>
-          </a:p>
-          <a:p>
-            <a:pPr lvl="1"/>
-            <a:r>
-              <a:rPr lang="de-DE"/>
-              <a:t>Datenübertragung mittels MQTT</a:t>
-            </a:r>
-          </a:p>
-          <a:p>
-            <a:r>
-              <a:rPr lang="de-DE"/>
-              <a:t>2025-01-31: Webanwendung funktionell</a:t>
-            </a:r>
-          </a:p>
-          <a:p>
-            <a:pPr lvl="1"/>
-            <a:r>
-              <a:rPr lang="de-DE"/>
-              <a:t>Datenabfrage möglich</a:t>
-            </a:r>
-          </a:p>
-          <a:p>
-            <a:pPr lvl="1"/>
-            <a:r>
-              <a:rPr lang="de-DE"/>
-              <a:t>Einloggen / Ausloggen möglich</a:t>
-            </a:r>
-          </a:p>
-          <a:p>
-            <a:pPr lvl="1"/>
-            <a:r>
-              <a:rPr lang="de-DE"/>
-              <a:t>Ansprechendes GUI</a:t>
-            </a:r>
-            <a:endParaRPr lang="de-AT"/>
-          </a:p>
-        </p:txBody>
-      </p:sp>
-      <p:sp>
-        <p:nvSpPr>
-          <p:cNvPr id="4" name="Fußzeilenplatzhalter 3">
-            <a:extLst>
-              <a:ext uri="{FF2B5EF4-FFF2-40B4-BE49-F238E27FC236}">
-                <a16:creationId xmlns:a16="http://schemas.microsoft.com/office/drawing/2014/main" id="{8AADA028-308D-430B-A45B-407D875A2351}"/>
-              </a:ext>
-            </a:extLst>
-          </p:cNvPr>
-          <p:cNvSpPr>
-            <a:spLocks noGrp="1"/>
-          </p:cNvSpPr>
-          <p:nvPr>
-            <p:ph type="ftr" sz="quarter" idx="11"/>
-          </p:nvPr>
-        </p:nvSpPr>
-        <p:spPr/>
-        <p:txBody>
-          <a:bodyPr/>
-          <a:lstStyle/>
-          <a:p>
-            <a:r>
               <a:rPr lang="de-AT"/>
-              <a:t>CONTRUDE Gekle, Kampl, Schrempf</a:t>
+              <a:t>Diplomarbeit Name, Name</a:t>
             </a:r>
           </a:p>
         </p:txBody>
@@ -5867,7 +7108,7 @@
           <p:cNvPr id="5" name="Foliennummernplatzhalter 4">
             <a:extLst>
               <a:ext uri="{FF2B5EF4-FFF2-40B4-BE49-F238E27FC236}">
-                <a16:creationId xmlns:a16="http://schemas.microsoft.com/office/drawing/2014/main" id="{AB38338F-922C-40A7-B140-637B827703BF}"/>
+                <a16:creationId xmlns:a16="http://schemas.microsoft.com/office/drawing/2014/main" id="{B8DFB85E-29D1-B262-44AB-6AE9AD2CCB9A}"/>
               </a:ext>
             </a:extLst>
           </p:cNvPr>
@@ -5892,23 +7133,304 @@
           </a:p>
         </p:txBody>
       </p:sp>
+      <p:sp>
+        <p:nvSpPr>
+          <p:cNvPr id="7" name="Rechteck 6">
+            <a:extLst>
+              <a:ext uri="{FF2B5EF4-FFF2-40B4-BE49-F238E27FC236}">
+                <a16:creationId xmlns:a16="http://schemas.microsoft.com/office/drawing/2014/main" id="{5FD16DE7-27A8-13EC-C34D-F44A01912A4F}"/>
+              </a:ext>
+            </a:extLst>
+          </p:cNvPr>
+          <p:cNvSpPr/>
+          <p:nvPr/>
+        </p:nvSpPr>
+        <p:spPr>
+          <a:xfrm>
+            <a:off x="-65238" y="0"/>
+            <a:ext cx="12257237" cy="6858000"/>
+          </a:xfrm>
+          <a:prstGeom prst="rect">
+            <a:avLst/>
+          </a:prstGeom>
+          <a:solidFill>
+            <a:schemeClr val="bg1">
+              <a:lumMod val="85000"/>
+              <a:alpha val="75000"/>
+            </a:schemeClr>
+          </a:solidFill>
+          <a:ln>
+            <a:noFill/>
+          </a:ln>
+        </p:spPr>
+        <p:style>
+          <a:lnRef idx="2">
+            <a:schemeClr val="accent1">
+              <a:shade val="15000"/>
+            </a:schemeClr>
+          </a:lnRef>
+          <a:fillRef idx="1">
+            <a:schemeClr val="accent1"/>
+          </a:fillRef>
+          <a:effectRef idx="0">
+            <a:schemeClr val="accent1"/>
+          </a:effectRef>
+          <a:fontRef idx="minor">
+            <a:schemeClr val="lt1"/>
+          </a:fontRef>
+        </p:style>
+        <p:txBody>
+          <a:bodyPr rtlCol="0" anchor="ctr"/>
+          <a:lstStyle/>
+          <a:p>
+            <a:r>
+              <a:rPr lang="de-AT" sz="1800">
+                <a:solidFill>
+                  <a:schemeClr val="bg1"/>
+                </a:solidFill>
+              </a:rPr>
+              <a:t>Luca Alexander Gekle</a:t>
+            </a:r>
+            <a:endParaRPr lang="de-AT" sz="1800" dirty="0">
+              <a:solidFill>
+                <a:schemeClr val="bg1"/>
+              </a:solidFill>
+            </a:endParaRPr>
+          </a:p>
+        </p:txBody>
+      </p:sp>
+      <p:pic>
+        <p:nvPicPr>
+          <p:cNvPr id="6" name="Grafik 5">
+            <a:extLst>
+              <a:ext uri="{FF2B5EF4-FFF2-40B4-BE49-F238E27FC236}">
+                <a16:creationId xmlns:a16="http://schemas.microsoft.com/office/drawing/2014/main" id="{835BFC3E-6502-D5D2-F643-8AE4DCE6143B}"/>
+              </a:ext>
+            </a:extLst>
+          </p:cNvPr>
+          <p:cNvPicPr>
+            <a:picLocks noChangeAspect="1"/>
+          </p:cNvPicPr>
+          <p:nvPr/>
+        </p:nvPicPr>
+        <p:blipFill rotWithShape="1">
+          <a:blip r:embed="rId3">
+            <a:extLst>
+              <a:ext uri="{28A0092B-C50C-407E-A947-70E740481C1C}">
+                <a14:useLocalDpi xmlns:a14="http://schemas.microsoft.com/office/drawing/2010/main" val="0"/>
+              </a:ext>
+              <a:ext uri="{96DAC541-7B7A-43D3-8B79-37D633B846F1}">
+                <asvg:svgBlip xmlns:asvg="http://schemas.microsoft.com/office/drawing/2016/SVG/main" r:embed="rId4"/>
+              </a:ext>
+            </a:extLst>
+          </a:blip>
+          <a:srcRect l="-12605" t="12999" r="49274" b="-2628"/>
+          <a:stretch/>
+        </p:blipFill>
+        <p:spPr>
+          <a:xfrm>
+            <a:off x="-7547429" y="145988"/>
+            <a:ext cx="24837174" cy="6215588"/>
+          </a:xfrm>
+          <a:prstGeom prst="rect">
+            <a:avLst/>
+          </a:prstGeom>
+        </p:spPr>
+      </p:pic>
+      <p:sp>
+        <p:nvSpPr>
+          <p:cNvPr id="3" name="Textfeld 2">
+            <a:extLst>
+              <a:ext uri="{FF2B5EF4-FFF2-40B4-BE49-F238E27FC236}">
+                <a16:creationId xmlns:a16="http://schemas.microsoft.com/office/drawing/2014/main" id="{EC16E687-6F06-16D0-683A-2FBD79806AA5}"/>
+              </a:ext>
+            </a:extLst>
+          </p:cNvPr>
+          <p:cNvSpPr txBox="1"/>
+          <p:nvPr/>
+        </p:nvSpPr>
+        <p:spPr>
+          <a:xfrm>
+            <a:off x="6736771" y="2853672"/>
+            <a:ext cx="2300514" cy="400110"/>
+          </a:xfrm>
+          <a:prstGeom prst="rect">
+            <a:avLst/>
+          </a:prstGeom>
+          <a:noFill/>
+        </p:spPr>
+        <p:txBody>
+          <a:bodyPr wrap="square">
+            <a:spAutoFit/>
+          </a:bodyPr>
+          <a:lstStyle/>
+          <a:p>
+            <a:pPr lvl="1"/>
+            <a:r>
+              <a:rPr lang="de-AT" sz="2000" dirty="0">
+                <a:solidFill>
+                  <a:schemeClr val="bg1"/>
+                </a:solidFill>
+              </a:rPr>
+              <a:t>Graphentheorie</a:t>
+            </a:r>
+          </a:p>
+        </p:txBody>
+      </p:sp>
+      <p:sp>
+        <p:nvSpPr>
+          <p:cNvPr id="10" name="Textfeld 9">
+            <a:extLst>
+              <a:ext uri="{FF2B5EF4-FFF2-40B4-BE49-F238E27FC236}">
+                <a16:creationId xmlns:a16="http://schemas.microsoft.com/office/drawing/2014/main" id="{A075FD3A-A752-CFC5-0852-D94E43E87EC1}"/>
+              </a:ext>
+            </a:extLst>
+          </p:cNvPr>
+          <p:cNvSpPr txBox="1"/>
+          <p:nvPr/>
+        </p:nvSpPr>
+        <p:spPr>
+          <a:xfrm>
+            <a:off x="4194185" y="1529231"/>
+            <a:ext cx="1471509" cy="400110"/>
+          </a:xfrm>
+          <a:prstGeom prst="rect">
+            <a:avLst/>
+          </a:prstGeom>
+          <a:noFill/>
+        </p:spPr>
+        <p:txBody>
+          <a:bodyPr wrap="square">
+            <a:spAutoFit/>
+          </a:bodyPr>
+          <a:lstStyle/>
+          <a:p>
+            <a:r>
+              <a:rPr lang="de-AT" sz="2000" dirty="0">
+                <a:solidFill>
+                  <a:schemeClr val="bg1"/>
+                </a:solidFill>
+              </a:rPr>
+              <a:t>Luca </a:t>
+            </a:r>
+            <a:r>
+              <a:rPr lang="de-AT" sz="2000" dirty="0" err="1">
+                <a:solidFill>
+                  <a:schemeClr val="bg1"/>
+                </a:solidFill>
+              </a:rPr>
+              <a:t>Gekle</a:t>
+            </a:r>
+            <a:endParaRPr lang="de-AT" sz="2000" dirty="0">
+              <a:solidFill>
+                <a:schemeClr val="bg1"/>
+              </a:solidFill>
+            </a:endParaRPr>
+          </a:p>
+        </p:txBody>
+      </p:sp>
+      <p:sp>
+        <p:nvSpPr>
+          <p:cNvPr id="12" name="Textfeld 11">
+            <a:extLst>
+              <a:ext uri="{FF2B5EF4-FFF2-40B4-BE49-F238E27FC236}">
+                <a16:creationId xmlns:a16="http://schemas.microsoft.com/office/drawing/2014/main" id="{FA7538C5-7129-F57C-2954-B244E55BC650}"/>
+              </a:ext>
+            </a:extLst>
+          </p:cNvPr>
+          <p:cNvSpPr txBox="1"/>
+          <p:nvPr/>
+        </p:nvSpPr>
+        <p:spPr>
+          <a:xfrm>
+            <a:off x="6656200" y="1929341"/>
+            <a:ext cx="2381085" cy="400110"/>
+          </a:xfrm>
+          <a:prstGeom prst="rect">
+            <a:avLst/>
+          </a:prstGeom>
+          <a:noFill/>
+        </p:spPr>
+        <p:txBody>
+          <a:bodyPr wrap="square">
+            <a:spAutoFit/>
+          </a:bodyPr>
+          <a:lstStyle/>
+          <a:p>
+            <a:pPr lvl="1"/>
+            <a:r>
+              <a:rPr lang="de-AT" sz="2000" dirty="0">
+                <a:solidFill>
+                  <a:schemeClr val="bg1"/>
+                </a:solidFill>
+              </a:rPr>
+              <a:t>Webanwendung</a:t>
+            </a:r>
+            <a:endParaRPr lang="de-AT" sz="1800" dirty="0">
+              <a:solidFill>
+                <a:schemeClr val="bg1"/>
+              </a:solidFill>
+            </a:endParaRPr>
+          </a:p>
+        </p:txBody>
+      </p:sp>
+      <p:sp>
+        <p:nvSpPr>
+          <p:cNvPr id="14" name="Textfeld 13">
+            <a:extLst>
+              <a:ext uri="{FF2B5EF4-FFF2-40B4-BE49-F238E27FC236}">
+                <a16:creationId xmlns:a16="http://schemas.microsoft.com/office/drawing/2014/main" id="{29A1AF46-E1B1-C0DE-2697-027461477475}"/>
+              </a:ext>
+            </a:extLst>
+          </p:cNvPr>
+          <p:cNvSpPr txBox="1"/>
+          <p:nvPr/>
+        </p:nvSpPr>
+        <p:spPr>
+          <a:xfrm>
+            <a:off x="9577038" y="3518647"/>
+            <a:ext cx="2446971" cy="400110"/>
+          </a:xfrm>
+          <a:prstGeom prst="rect">
+            <a:avLst/>
+          </a:prstGeom>
+          <a:noFill/>
+        </p:spPr>
+        <p:txBody>
+          <a:bodyPr wrap="square">
+            <a:spAutoFit/>
+          </a:bodyPr>
+          <a:lstStyle/>
+          <a:p>
+            <a:r>
+              <a:rPr lang="de-AT" sz="2000" dirty="0">
+                <a:solidFill>
+                  <a:schemeClr val="bg1"/>
+                </a:solidFill>
+              </a:rPr>
+              <a:t>Positionsalgorithmus</a:t>
+            </a:r>
+            <a:endParaRPr lang="en-US" dirty="0"/>
+          </a:p>
+        </p:txBody>
+      </p:sp>
     </p:spTree>
     <p:extLst>
       <p:ext uri="{BB962C8B-B14F-4D97-AF65-F5344CB8AC3E}">
-        <p14:creationId xmlns:p14="http://schemas.microsoft.com/office/powerpoint/2010/main" val="1400808523"/>
+        <p14:creationId xmlns:p14="http://schemas.microsoft.com/office/powerpoint/2010/main" val="708171628"/>
       </p:ext>
     </p:extLst>
   </p:cSld>
   <p:clrMapOvr>
     <a:masterClrMapping/>
   </p:clrMapOvr>
-  <mc:AlternateContent xmlns:mc="http://schemas.openxmlformats.org/markup-compatibility/2006" xmlns:p159="http://schemas.microsoft.com/office/powerpoint/2015/09/main">
-    <mc:Choice Requires="p159">
+  <mc:AlternateContent xmlns:mc="http://schemas.openxmlformats.org/markup-compatibility/2006">
+    <mc:Choice xmlns:p159="http://schemas.microsoft.com/office/powerpoint/2015/09/main" Requires="p159">
       <p:transition xmlns:p14="http://schemas.microsoft.com/office/powerpoint/2010/main" spd="slow" p14:dur="2000">
         <p159:morph option="byObject"/>
       </p:transition>
     </mc:Choice>
-    <mc:Fallback xmlns="">
+    <mc:Fallback>
       <p:transition spd="slow">
         <p:fade/>
       </p:transition>
@@ -5957,12 +7479,9 @@
           <a:p>
             <a:r>
               <a:rPr lang="de-DE"/>
-              <a:t>PM - </a:t>
-            </a:r>
-            <a:r>
-              <a:rPr lang="de-AT"/>
-              <a:t>Kostenabschätzung</a:t>
-            </a:r>
+              <a:t>Literatur</a:t>
+            </a:r>
+            <a:endParaRPr lang="de-AT"/>
           </a:p>
         </p:txBody>
       </p:sp>
@@ -5988,18 +7507,89 @@
           <a:lstStyle/>
           <a:p>
             <a:r>
-              <a:rPr lang="de-AT"/>
-              <a:t>Kostenabschätzung und Bedeckung</a:t>
-            </a:r>
-          </a:p>
-          <a:p>
-            <a:endParaRPr lang="de-AT"/>
-          </a:p>
-          <a:p>
-            <a:r>
-              <a:rPr lang="de-AT"/>
-              <a:t>TODO Kampl</a:t>
-            </a:r>
+              <a:rPr lang="de-DE" dirty="0"/>
+              <a:t>REST API Design </a:t>
+            </a:r>
+            <a:r>
+              <a:rPr lang="de-DE" dirty="0" err="1"/>
+              <a:t>Rulebook</a:t>
+            </a:r>
+            <a:endParaRPr lang="de-DE" dirty="0"/>
+          </a:p>
+          <a:p>
+            <a:r>
+              <a:rPr lang="de-DE" dirty="0" err="1">
+                <a:solidFill>
+                  <a:srgbClr val="002021"/>
+                </a:solidFill>
+                <a:highlight>
+                  <a:srgbClr val="FFFFFF"/>
+                </a:highlight>
+                <a:latin typeface="Google Sans"/>
+              </a:rPr>
+              <a:t>ChatGpt</a:t>
+            </a:r>
+            <a:r>
+              <a:rPr lang="de-DE" dirty="0">
+                <a:solidFill>
+                  <a:srgbClr val="002021"/>
+                </a:solidFill>
+                <a:highlight>
+                  <a:srgbClr val="FFFFFF"/>
+                </a:highlight>
+                <a:latin typeface="Google Sans"/>
+              </a:rPr>
+              <a:t>-Abfragen</a:t>
+            </a:r>
+          </a:p>
+          <a:p>
+            <a:r>
+              <a:rPr lang="de-DE" dirty="0">
+                <a:solidFill>
+                  <a:srgbClr val="002021"/>
+                </a:solidFill>
+                <a:highlight>
+                  <a:srgbClr val="FFFFFF"/>
+                </a:highlight>
+                <a:latin typeface="Google Sans"/>
+              </a:rPr>
+              <a:t>Webseiten:</a:t>
+            </a:r>
+          </a:p>
+          <a:p>
+            <a:r>
+              <a:rPr lang="de-DE" dirty="0">
+                <a:solidFill>
+                  <a:srgbClr val="002021"/>
+                </a:solidFill>
+                <a:highlight>
+                  <a:srgbClr val="FFFFFF"/>
+                </a:highlight>
+                <a:latin typeface="Google Sans"/>
+              </a:rPr>
+              <a:t>Datenblätter:</a:t>
+            </a:r>
+            <a:endParaRPr lang="de-AT" dirty="0">
+              <a:solidFill>
+                <a:srgbClr val="002021"/>
+              </a:solidFill>
+              <a:highlight>
+                <a:srgbClr val="FFFFFF"/>
+              </a:highlight>
+              <a:latin typeface="Google Sans"/>
+            </a:endParaRPr>
+          </a:p>
+          <a:p>
+            <a:pPr lvl="1"/>
+            <a:endParaRPr lang="de-AT" dirty="0">
+              <a:solidFill>
+                <a:srgbClr val="002021"/>
+              </a:solidFill>
+              <a:highlight>
+                <a:srgbClr val="FFFFFF"/>
+              </a:highlight>
+              <a:latin typeface="Google Sans"/>
+            </a:endParaRPr>
           </a:p>
         </p:txBody>
       </p:sp>
@@ -6064,7 +7654,7 @@
     </p:spTree>
     <p:extLst>
       <p:ext uri="{BB962C8B-B14F-4D97-AF65-F5344CB8AC3E}">
-        <p14:creationId xmlns:p14="http://schemas.microsoft.com/office/powerpoint/2010/main" val="1447962708"/>
+        <p14:creationId xmlns:p14="http://schemas.microsoft.com/office/powerpoint/2010/main" val="2929837528"/>
       </p:ext>
     </p:extLst>
   </p:cSld>
@@ -6126,11 +7716,119 @@
           <a:p>
             <a:r>
               <a:rPr lang="de-DE"/>
-              <a:t>PM – </a:t>
-            </a:r>
-            <a:r>
-              <a:rPr lang="de-AT"/>
-              <a:t>Wie wird es gelebt</a:t>
+              <a:t>PM - Meilensteine</a:t>
+            </a:r>
+            <a:endParaRPr lang="de-AT"/>
+          </a:p>
+        </p:txBody>
+      </p:sp>
+      <p:sp>
+        <p:nvSpPr>
+          <p:cNvPr id="3" name="Inhaltsplatzhalter 2">
+            <a:extLst>
+              <a:ext uri="{FF2B5EF4-FFF2-40B4-BE49-F238E27FC236}">
+                <a16:creationId xmlns:a16="http://schemas.microsoft.com/office/drawing/2014/main" id="{A228378C-21E0-453B-B255-71BAC911E6C0}"/>
+              </a:ext>
+            </a:extLst>
+          </p:cNvPr>
+          <p:cNvSpPr>
+            <a:spLocks noGrp="1"/>
+          </p:cNvSpPr>
+          <p:nvPr>
+            <p:ph idx="1"/>
+          </p:nvPr>
+        </p:nvSpPr>
+        <p:spPr/>
+        <p:txBody>
+          <a:bodyPr>
+            <a:normAutofit fontScale="92500" lnSpcReduction="20000"/>
+          </a:bodyPr>
+          <a:lstStyle/>
+          <a:p>
+            <a:r>
+              <a:rPr lang="de-DE"/>
+              <a:t>2024-02-23: Genehmigung der DA</a:t>
+            </a:r>
+          </a:p>
+          <a:p>
+            <a:pPr lvl="1"/>
+            <a:r>
+              <a:rPr lang="de-DE"/>
+              <a:t>Einreichen des Antrags durch die Schüler</a:t>
+            </a:r>
+          </a:p>
+          <a:p>
+            <a:pPr lvl="1"/>
+            <a:r>
+              <a:rPr lang="de-DE"/>
+              <a:t>DA Dokumentation wurde ausgefüllt und unterschrieben</a:t>
+            </a:r>
+          </a:p>
+          <a:p>
+            <a:r>
+              <a:rPr lang="de-DE"/>
+              <a:t>2024-05-09: Projekthandbuch fertig</a:t>
+            </a:r>
+          </a:p>
+          <a:p>
+            <a:pPr lvl="1"/>
+            <a:r>
+              <a:rPr lang="de-DE"/>
+              <a:t>Zielsetzung ausgefüllt</a:t>
+            </a:r>
+          </a:p>
+          <a:p>
+            <a:pPr lvl="1"/>
+            <a:r>
+              <a:rPr lang="de-DE"/>
+              <a:t>Projektplan ausgefüllt</a:t>
+            </a:r>
+          </a:p>
+          <a:p>
+            <a:r>
+              <a:rPr lang="de-DE"/>
+              <a:t>2024-06-01: Hardware Komponenten Recherche abgeschlossen</a:t>
+            </a:r>
+          </a:p>
+          <a:p>
+            <a:pPr lvl="1"/>
+            <a:r>
+              <a:rPr lang="de-DE"/>
+              <a:t>Bestimmung der Komponenten</a:t>
+            </a:r>
+          </a:p>
+          <a:p>
+            <a:pPr lvl="1"/>
+            <a:r>
+              <a:rPr lang="de-DE"/>
+              <a:t>Preisrechnung</a:t>
+            </a:r>
+          </a:p>
+          <a:p>
+            <a:pPr lvl="1"/>
+            <a:r>
+              <a:rPr lang="de-DE"/>
+              <a:t>Terminrechnung</a:t>
+            </a:r>
+          </a:p>
+          <a:p>
+            <a:r>
+              <a:rPr lang="de-DE"/>
+              <a:t>2024-06-17: Datenbanken fertig</a:t>
+            </a:r>
+          </a:p>
+          <a:p>
+            <a:pPr lvl="1"/>
+            <a:r>
+              <a:rPr lang="de-DE"/>
+              <a:t>Allgemeine Container Informationen</a:t>
+            </a:r>
+          </a:p>
+          <a:p>
+            <a:pPr lvl="1"/>
+            <a:r>
+              <a:rPr lang="de-DE"/>
+              <a:t>Sensor Daten</a:t>
             </a:r>
           </a:p>
         </p:txBody>
@@ -6157,7 +7855,7 @@
           <a:lstStyle/>
           <a:p>
             <a:r>
-              <a:rPr lang="de-AT" dirty="0"/>
+              <a:rPr lang="de-AT"/>
               <a:t>CONTRUDE Gekle, Kampl, Schrempf</a:t>
             </a:r>
           </a:p>
@@ -6193,39 +7891,10 @@
           </a:p>
         </p:txBody>
       </p:sp>
-      <p:pic>
-        <p:nvPicPr>
-          <p:cNvPr id="23" name="Grafik 22">
-            <a:extLst>
-              <a:ext uri="{FF2B5EF4-FFF2-40B4-BE49-F238E27FC236}">
-                <a16:creationId xmlns:a16="http://schemas.microsoft.com/office/drawing/2014/main" id="{A3952726-8C91-C4FE-F8B4-5FA3C4E93A18}"/>
-              </a:ext>
-            </a:extLst>
-          </p:cNvPr>
-          <p:cNvPicPr>
-            <a:picLocks noChangeAspect="1"/>
-          </p:cNvPicPr>
-          <p:nvPr/>
-        </p:nvPicPr>
-        <p:blipFill rotWithShape="1">
-          <a:blip r:embed="rId2"/>
-          <a:srcRect l="2344" t="15825" b="254"/>
-          <a:stretch/>
-        </p:blipFill>
-        <p:spPr>
-          <a:xfrm>
-            <a:off x="969158" y="1039706"/>
-            <a:ext cx="10523195" cy="5086830"/>
-          </a:xfrm>
-          <a:prstGeom prst="rect">
-            <a:avLst/>
-          </a:prstGeom>
-        </p:spPr>
-      </p:pic>
     </p:spTree>
     <p:extLst>
       <p:ext uri="{BB962C8B-B14F-4D97-AF65-F5344CB8AC3E}">
-        <p14:creationId xmlns:p14="http://schemas.microsoft.com/office/powerpoint/2010/main" val="3861356565"/>
+        <p14:creationId xmlns:p14="http://schemas.microsoft.com/office/powerpoint/2010/main" val="2525704466"/>
       </p:ext>
     </p:extLst>
   </p:cSld>
@@ -7101,12 +8770,9 @@
 </file>
 
 <file path=customXml/item1.xml><?xml version="1.0" encoding="utf-8"?>
-<?mso-contentType ?>
-<FormTemplates xmlns="http://schemas.microsoft.com/sharepoint/v3/contenttype/forms">
-  <Display>DocumentLibraryForm</Display>
-  <Edit>DocumentLibraryForm</Edit>
-  <New>DocumentLibraryForm</New>
-</FormTemplates>
+<p:properties xmlns:p="http://schemas.microsoft.com/office/2006/metadata/properties" xmlns:xsi="http://www.w3.org/2001/XMLSchema-instance" xmlns:pc="http://schemas.microsoft.com/office/infopath/2007/PartnerControls">
+  <documentManagement/>
+</p:properties>
 </file>
 
 <file path=customXml/item2.xml><?xml version="1.0" encoding="utf-8"?>
@@ -7224,15 +8890,25 @@
 </file>
 
 <file path=customXml/item3.xml><?xml version="1.0" encoding="utf-8"?>
-<p:properties xmlns:p="http://schemas.microsoft.com/office/2006/metadata/properties" xmlns:xsi="http://www.w3.org/2001/XMLSchema-instance" xmlns:pc="http://schemas.microsoft.com/office/infopath/2007/PartnerControls">
-  <documentManagement/>
-</p:properties>
+<?mso-contentType ?>
+<FormTemplates xmlns="http://schemas.microsoft.com/sharepoint/v3/contenttype/forms">
+  <Display>DocumentLibraryForm</Display>
+  <Edit>DocumentLibraryForm</Edit>
+  <New>DocumentLibraryForm</New>
+</FormTemplates>
 </file>
 
 <file path=customXml/itemProps1.xml><?xml version="1.0" encoding="utf-8"?>
-<ds:datastoreItem xmlns:ds="http://schemas.openxmlformats.org/officeDocument/2006/customXml" ds:itemID="{A62B322D-2084-418A-8960-B074ADC5B6DB}">
+<ds:datastoreItem xmlns:ds="http://schemas.openxmlformats.org/officeDocument/2006/customXml" ds:itemID="{91B09AE3-FA1D-40C8-A6CE-A2D9F55131C8}">
   <ds:schemaRefs>
-    <ds:schemaRef ds:uri="http://schemas.microsoft.com/sharepoint/v3/contenttype/forms"/>
+    <ds:schemaRef ds:uri="http://purl.org/dc/dcmitype/"/>
+    <ds:schemaRef ds:uri="http://purl.org/dc/elements/1.1/"/>
+    <ds:schemaRef ds:uri="http://purl.org/dc/terms/"/>
+    <ds:schemaRef ds:uri="http://schemas.microsoft.com/office/2006/documentManagement/types"/>
+    <ds:schemaRef ds:uri="http://schemas.microsoft.com/office/2006/metadata/properties"/>
+    <ds:schemaRef ds:uri="http://schemas.microsoft.com/office/infopath/2007/PartnerControls"/>
+    <ds:schemaRef ds:uri="http://schemas.openxmlformats.org/package/2006/metadata/core-properties"/>
+    <ds:schemaRef ds:uri="http://www.w3.org/XML/1998/namespace"/>
   </ds:schemaRefs>
 </ds:datastoreItem>
 </file>
@@ -7254,16 +8930,9 @@
 </file>
 
 <file path=customXml/itemProps3.xml><?xml version="1.0" encoding="utf-8"?>
-<ds:datastoreItem xmlns:ds="http://schemas.openxmlformats.org/officeDocument/2006/customXml" ds:itemID="{91B09AE3-FA1D-40C8-A6CE-A2D9F55131C8}">
+<ds:datastoreItem xmlns:ds="http://schemas.openxmlformats.org/officeDocument/2006/customXml" ds:itemID="{A62B322D-2084-418A-8960-B074ADC5B6DB}">
   <ds:schemaRefs>
-    <ds:schemaRef ds:uri="http://purl.org/dc/dcmitype/"/>
-    <ds:schemaRef ds:uri="http://purl.org/dc/elements/1.1/"/>
-    <ds:schemaRef ds:uri="http://purl.org/dc/terms/"/>
-    <ds:schemaRef ds:uri="http://schemas.microsoft.com/office/2006/documentManagement/types"/>
-    <ds:schemaRef ds:uri="http://schemas.microsoft.com/office/2006/metadata/properties"/>
-    <ds:schemaRef ds:uri="http://schemas.microsoft.com/office/infopath/2007/PartnerControls"/>
-    <ds:schemaRef ds:uri="http://schemas.openxmlformats.org/package/2006/metadata/core-properties"/>
-    <ds:schemaRef ds:uri="http://www.w3.org/XML/1998/namespace"/>
+    <ds:schemaRef ds:uri="http://schemas.microsoft.com/sharepoint/v3/contenttype/forms"/>
   </ds:schemaRefs>
 </ds:datastoreItem>
 </file>
--- a/Diplomarbeit/doc/Presentations/DA-Präsentation2024_Erstpräsentation.pptx
+++ b/Diplomarbeit/doc/Presentations/DA-Präsentation2024_Erstpräsentation.pptx
@@ -5,26 +5,30 @@
     <p:sldMasterId id="2147483648" r:id="rId4"/>
   </p:sldMasterIdLst>
   <p:notesMasterIdLst>
-    <p:notesMasterId r:id="rId19"/>
+    <p:notesMasterId r:id="rId23"/>
   </p:notesMasterIdLst>
   <p:handoutMasterIdLst>
-    <p:handoutMasterId r:id="rId20"/>
+    <p:handoutMasterId r:id="rId24"/>
   </p:handoutMasterIdLst>
   <p:sldIdLst>
     <p:sldId id="256" r:id="rId5"/>
-    <p:sldId id="2582" r:id="rId6"/>
-    <p:sldId id="2583" r:id="rId7"/>
-    <p:sldId id="2589" r:id="rId8"/>
+    <p:sldId id="2599" r:id="rId6"/>
+    <p:sldId id="2582" r:id="rId7"/>
+    <p:sldId id="2583" r:id="rId8"/>
     <p:sldId id="2593" r:id="rId9"/>
     <p:sldId id="2594" r:id="rId10"/>
     <p:sldId id="2595" r:id="rId11"/>
-    <p:sldId id="2584" r:id="rId12"/>
-    <p:sldId id="2585" r:id="rId13"/>
-    <p:sldId id="2587" r:id="rId14"/>
-    <p:sldId id="2586" r:id="rId15"/>
-    <p:sldId id="2590" r:id="rId16"/>
-    <p:sldId id="2592" r:id="rId17"/>
-    <p:sldId id="2591" r:id="rId18"/>
+    <p:sldId id="2597" r:id="rId12"/>
+    <p:sldId id="2598" r:id="rId13"/>
+    <p:sldId id="2596" r:id="rId14"/>
+    <p:sldId id="2584" r:id="rId15"/>
+    <p:sldId id="2585" r:id="rId16"/>
+    <p:sldId id="2587" r:id="rId17"/>
+    <p:sldId id="2586" r:id="rId18"/>
+    <p:sldId id="2590" r:id="rId19"/>
+    <p:sldId id="2600" r:id="rId20"/>
+    <p:sldId id="2592" r:id="rId21"/>
+    <p:sldId id="2591" r:id="rId22"/>
   </p:sldIdLst>
   <p:sldSz cx="12192000" cy="6858000"/>
   <p:notesSz cx="7099300" cy="10234613"/>
@@ -249,7 +253,7 @@
             <a:fld id="{4597EA2D-D11E-4F11-940E-96FC3DC86B48}" type="datetimeFigureOut">
               <a:rPr lang="de-DE" smtClean="0"/>
               <a:pPr/>
-              <a:t>12.06.2024</a:t>
+              <a:t>17.06.2024</a:t>
             </a:fld>
             <a:endParaRPr lang="de-AT"/>
           </a:p>
@@ -416,7 +420,7 @@
             <a:fld id="{25FA59D5-1C02-4780-AF81-09ADAD492357}" type="datetimeFigureOut">
               <a:rPr lang="de-AT" smtClean="0"/>
               <a:pPr/>
-              <a:t>12.06.2024</a:t>
+              <a:t>17.06.2024</a:t>
             </a:fld>
             <a:endParaRPr lang="de-AT"/>
           </a:p>
@@ -907,7 +911,7 @@
             <a:fld id="{7AA6D168-C717-485B-B0C8-699ECBDF2CFF}" type="slidenum">
               <a:rPr lang="de-AT" smtClean="0"/>
               <a:pPr/>
-              <a:t>2</a:t>
+              <a:t>3</a:t>
             </a:fld>
             <a:endParaRPr lang="de-AT"/>
           </a:p>
@@ -970,47 +974,7 @@
           <a:bodyPr/>
           <a:lstStyle/>
           <a:p>
-            <a:r>
-              <a:rPr lang="de-AT"/>
-              <a:t>Mündlich überliefert:</a:t>
-            </a:r>
-          </a:p>
-          <a:p>
-            <a:pPr marL="171450" indent="-171450">
-              <a:buFont typeface="Arial" panose="020B0604020202020204" pitchFamily="34" charset="0"/>
-              <a:buChar char="•"/>
-            </a:pPr>
-            <a:r>
-              <a:rPr lang="de-AT"/>
-              <a:t>Motivation der Themenwahl</a:t>
-            </a:r>
-          </a:p>
-          <a:p>
-            <a:pPr marL="171450" indent="-171450">
-              <a:buFont typeface="Arial" panose="020B0604020202020204" pitchFamily="34" charset="0"/>
-              <a:buChar char="•"/>
-            </a:pPr>
-            <a:r>
-              <a:rPr lang="de-AT"/>
-              <a:t>Erläuterung der Problemstellung</a:t>
-            </a:r>
-          </a:p>
-          <a:p>
-            <a:pPr marL="171450" indent="-171450">
-              <a:buFont typeface="Arial" panose="020B0604020202020204" pitchFamily="34" charset="0"/>
-              <a:buChar char="•"/>
-            </a:pPr>
-            <a:r>
-              <a:rPr lang="de-AT"/>
-              <a:t>Erläuterung des Lösungsansatzes</a:t>
-            </a:r>
-          </a:p>
-          <a:p>
-            <a:pPr marL="171450" indent="-171450">
-              <a:buFont typeface="Arial" panose="020B0604020202020204" pitchFamily="34" charset="0"/>
-              <a:buChar char="•"/>
-            </a:pPr>
-            <a:endParaRPr lang="de-AT"/>
+            <a:endParaRPr lang="en-US" dirty="0"/>
           </a:p>
         </p:txBody>
       </p:sp>
@@ -1032,7 +996,7 @@
             <a:fld id="{7AA6D168-C717-485B-B0C8-699ECBDF2CFF}" type="slidenum">
               <a:rPr lang="de-AT" smtClean="0"/>
               <a:pPr/>
-              <a:t>4</a:t>
+              <a:t>6</a:t>
             </a:fld>
             <a:endParaRPr lang="de-AT"/>
           </a:p>
@@ -1041,7 +1005,7 @@
     </p:spTree>
     <p:extLst>
       <p:ext uri="{BB962C8B-B14F-4D97-AF65-F5344CB8AC3E}">
-        <p14:creationId xmlns:p14="http://schemas.microsoft.com/office/powerpoint/2010/main" val="2204861303"/>
+        <p14:creationId xmlns:p14="http://schemas.microsoft.com/office/powerpoint/2010/main" val="2196158226"/>
       </p:ext>
     </p:extLst>
   </p:cSld>
@@ -1117,7 +1081,7 @@
             <a:fld id="{7AA6D168-C717-485B-B0C8-699ECBDF2CFF}" type="slidenum">
               <a:rPr lang="de-AT" smtClean="0"/>
               <a:pPr/>
-              <a:t>6</a:t>
+              <a:t>7</a:t>
             </a:fld>
             <a:endParaRPr lang="de-AT"/>
           </a:p>
@@ -1126,7 +1090,7 @@
     </p:spTree>
     <p:extLst>
       <p:ext uri="{BB962C8B-B14F-4D97-AF65-F5344CB8AC3E}">
-        <p14:creationId xmlns:p14="http://schemas.microsoft.com/office/powerpoint/2010/main" val="2196158226"/>
+        <p14:creationId xmlns:p14="http://schemas.microsoft.com/office/powerpoint/2010/main" val="2169856794"/>
       </p:ext>
     </p:extLst>
   </p:cSld>
@@ -1202,7 +1166,7 @@
             <a:fld id="{7AA6D168-C717-485B-B0C8-699ECBDF2CFF}" type="slidenum">
               <a:rPr lang="de-AT" smtClean="0"/>
               <a:pPr/>
-              <a:t>7</a:t>
+              <a:t>8</a:t>
             </a:fld>
             <a:endParaRPr lang="de-AT"/>
           </a:p>
@@ -1211,7 +1175,177 @@
     </p:spTree>
     <p:extLst>
       <p:ext uri="{BB962C8B-B14F-4D97-AF65-F5344CB8AC3E}">
-        <p14:creationId xmlns:p14="http://schemas.microsoft.com/office/powerpoint/2010/main" val="2169856794"/>
+        <p14:creationId xmlns:p14="http://schemas.microsoft.com/office/powerpoint/2010/main" val="1148185079"/>
+      </p:ext>
+    </p:extLst>
+  </p:cSld>
+  <p:clrMapOvr>
+    <a:masterClrMapping/>
+  </p:clrMapOvr>
+</p:notes>
+</file>
+
+<file path=ppt/notesSlides/notesSlide6.xml><?xml version="1.0" encoding="utf-8"?>
+<p:notes xmlns:a="http://schemas.openxmlformats.org/drawingml/2006/main" xmlns:r="http://schemas.openxmlformats.org/officeDocument/2006/relationships" xmlns:p="http://schemas.openxmlformats.org/presentationml/2006/main">
+  <p:cSld>
+    <p:spTree>
+      <p:nvGrpSpPr>
+        <p:cNvPr id="1" name=""/>
+        <p:cNvGrpSpPr/>
+        <p:nvPr/>
+      </p:nvGrpSpPr>
+      <p:grpSpPr>
+        <a:xfrm>
+          <a:off x="0" y="0"/>
+          <a:ext cx="0" cy="0"/>
+          <a:chOff x="0" y="0"/>
+          <a:chExt cx="0" cy="0"/>
+        </a:xfrm>
+      </p:grpSpPr>
+      <p:sp>
+        <p:nvSpPr>
+          <p:cNvPr id="2" name="Folienbildplatzhalter 1"/>
+          <p:cNvSpPr>
+            <a:spLocks noGrp="1" noRot="1" noChangeAspect="1"/>
+          </p:cNvSpPr>
+          <p:nvPr>
+            <p:ph type="sldImg"/>
+          </p:nvPr>
+        </p:nvSpPr>
+        <p:spPr/>
+      </p:sp>
+      <p:sp>
+        <p:nvSpPr>
+          <p:cNvPr id="3" name="Notizenplatzhalter 2"/>
+          <p:cNvSpPr>
+            <a:spLocks noGrp="1"/>
+          </p:cNvSpPr>
+          <p:nvPr>
+            <p:ph type="body" idx="1"/>
+          </p:nvPr>
+        </p:nvSpPr>
+        <p:spPr/>
+        <p:txBody>
+          <a:bodyPr/>
+          <a:lstStyle/>
+          <a:p>
+            <a:endParaRPr lang="en-US" dirty="0"/>
+          </a:p>
+        </p:txBody>
+      </p:sp>
+      <p:sp>
+        <p:nvSpPr>
+          <p:cNvPr id="4" name="Foliennummernplatzhalter 3"/>
+          <p:cNvSpPr>
+            <a:spLocks noGrp="1"/>
+          </p:cNvSpPr>
+          <p:nvPr>
+            <p:ph type="sldNum" sz="quarter" idx="5"/>
+          </p:nvPr>
+        </p:nvSpPr>
+        <p:spPr/>
+        <p:txBody>
+          <a:bodyPr/>
+          <a:lstStyle/>
+          <a:p>
+            <a:fld id="{7AA6D168-C717-485B-B0C8-699ECBDF2CFF}" type="slidenum">
+              <a:rPr lang="de-AT" smtClean="0"/>
+              <a:pPr/>
+              <a:t>9</a:t>
+            </a:fld>
+            <a:endParaRPr lang="de-AT"/>
+          </a:p>
+        </p:txBody>
+      </p:sp>
+    </p:spTree>
+    <p:extLst>
+      <p:ext uri="{BB962C8B-B14F-4D97-AF65-F5344CB8AC3E}">
+        <p14:creationId xmlns:p14="http://schemas.microsoft.com/office/powerpoint/2010/main" val="2722358604"/>
+      </p:ext>
+    </p:extLst>
+  </p:cSld>
+  <p:clrMapOvr>
+    <a:masterClrMapping/>
+  </p:clrMapOvr>
+</p:notes>
+</file>
+
+<file path=ppt/notesSlides/notesSlide7.xml><?xml version="1.0" encoding="utf-8"?>
+<p:notes xmlns:a="http://schemas.openxmlformats.org/drawingml/2006/main" xmlns:r="http://schemas.openxmlformats.org/officeDocument/2006/relationships" xmlns:p="http://schemas.openxmlformats.org/presentationml/2006/main">
+  <p:cSld>
+    <p:spTree>
+      <p:nvGrpSpPr>
+        <p:cNvPr id="1" name=""/>
+        <p:cNvGrpSpPr/>
+        <p:nvPr/>
+      </p:nvGrpSpPr>
+      <p:grpSpPr>
+        <a:xfrm>
+          <a:off x="0" y="0"/>
+          <a:ext cx="0" cy="0"/>
+          <a:chOff x="0" y="0"/>
+          <a:chExt cx="0" cy="0"/>
+        </a:xfrm>
+      </p:grpSpPr>
+      <p:sp>
+        <p:nvSpPr>
+          <p:cNvPr id="2" name="Folienbildplatzhalter 1"/>
+          <p:cNvSpPr>
+            <a:spLocks noGrp="1" noRot="1" noChangeAspect="1"/>
+          </p:cNvSpPr>
+          <p:nvPr>
+            <p:ph type="sldImg"/>
+          </p:nvPr>
+        </p:nvSpPr>
+        <p:spPr/>
+      </p:sp>
+      <p:sp>
+        <p:nvSpPr>
+          <p:cNvPr id="3" name="Notizenplatzhalter 2"/>
+          <p:cNvSpPr>
+            <a:spLocks noGrp="1"/>
+          </p:cNvSpPr>
+          <p:nvPr>
+            <p:ph type="body" idx="1"/>
+          </p:nvPr>
+        </p:nvSpPr>
+        <p:spPr/>
+        <p:txBody>
+          <a:bodyPr/>
+          <a:lstStyle/>
+          <a:p>
+            <a:endParaRPr lang="en-US" dirty="0"/>
+          </a:p>
+        </p:txBody>
+      </p:sp>
+      <p:sp>
+        <p:nvSpPr>
+          <p:cNvPr id="4" name="Foliennummernplatzhalter 3"/>
+          <p:cNvSpPr>
+            <a:spLocks noGrp="1"/>
+          </p:cNvSpPr>
+          <p:nvPr>
+            <p:ph type="sldNum" sz="quarter" idx="5"/>
+          </p:nvPr>
+        </p:nvSpPr>
+        <p:spPr/>
+        <p:txBody>
+          <a:bodyPr/>
+          <a:lstStyle/>
+          <a:p>
+            <a:fld id="{7AA6D168-C717-485B-B0C8-699ECBDF2CFF}" type="slidenum">
+              <a:rPr lang="de-AT" smtClean="0"/>
+              <a:pPr/>
+              <a:t>10</a:t>
+            </a:fld>
+            <a:endParaRPr lang="de-AT"/>
+          </a:p>
+        </p:txBody>
+      </p:sp>
+    </p:spTree>
+    <p:extLst>
+      <p:ext uri="{BB962C8B-B14F-4D97-AF65-F5344CB8AC3E}">
+        <p14:creationId xmlns:p14="http://schemas.microsoft.com/office/powerpoint/2010/main" val="1600532133"/>
       </p:ext>
     </p:extLst>
   </p:cSld>
@@ -1294,7 +1428,7 @@
           <a:p>
             <a:fld id="{903DBAB2-6CCA-40C7-8885-2C056A77E284}" type="datetime1">
               <a:rPr lang="de-AT" smtClean="0"/>
-              <a:t>12.06.2024</a:t>
+              <a:t>17.06.2024</a:t>
             </a:fld>
             <a:endParaRPr lang="de-AT"/>
           </a:p>
@@ -1649,7 +1783,7 @@
           <a:p>
             <a:fld id="{CFFB591F-AE7F-406B-977E-415D708CD05B}" type="datetime1">
               <a:rPr lang="de-AT" smtClean="0"/>
-              <a:t>12.06.2024</a:t>
+              <a:t>17.06.2024</a:t>
             </a:fld>
             <a:endParaRPr lang="de-AT"/>
           </a:p>
@@ -2129,7 +2263,7 @@
           <a:p>
             <a:fld id="{DDED4213-31A7-43A9-B381-650B72838F3D}" type="datetime1">
               <a:rPr lang="de-AT" smtClean="0"/>
-              <a:t>12.06.2024</a:t>
+              <a:t>17.06.2024</a:t>
             </a:fld>
             <a:endParaRPr lang="de-AT"/>
           </a:p>
@@ -2761,7 +2895,7 @@
           <a:p>
             <a:fld id="{73623C63-4118-48BA-956A-11DEEC1AA07D}" type="datetime1">
               <a:rPr lang="de-AT" smtClean="0"/>
-              <a:t>12.06.2024</a:t>
+              <a:t>17.06.2024</a:t>
             </a:fld>
             <a:endParaRPr lang="de-AT"/>
           </a:p>
@@ -3106,7 +3240,7 @@
           <a:p>
             <a:fld id="{D256D3EE-23A3-40C2-AAE3-0430D418E6CE}" type="datetime1">
               <a:rPr lang="de-AT" smtClean="0"/>
-              <a:t>12.06.2024</a:t>
+              <a:t>17.06.2024</a:t>
             </a:fld>
             <a:endParaRPr lang="de-AT"/>
           </a:p>
@@ -3302,7 +3436,7 @@
           <a:p>
             <a:fld id="{3FE2F795-10B4-41AA-AEDE-F815B308DCDB}" type="datetime1">
               <a:rPr lang="de-AT" smtClean="0"/>
-              <a:t>12.06.2024</a:t>
+              <a:t>17.06.2024</a:t>
             </a:fld>
             <a:endParaRPr lang="de-AT"/>
           </a:p>
@@ -3527,7 +3661,7 @@
           <a:p>
             <a:fld id="{03FB355E-663F-46F6-A58A-7E827B834F26}" type="datetime1">
               <a:rPr lang="de-AT" smtClean="0"/>
-              <a:t>12.06.2024</a:t>
+              <a:t>17.06.2024</a:t>
             </a:fld>
             <a:endParaRPr lang="de-AT"/>
           </a:p>
@@ -3924,8 +4058,8 @@
         </p:nvSpPr>
         <p:spPr>
           <a:xfrm>
-            <a:off x="2392907" y="1940944"/>
-            <a:ext cx="7629556" cy="2571768"/>
+            <a:off x="2392906" y="1940944"/>
+            <a:ext cx="9366887" cy="1215211"/>
           </a:xfrm>
           <a:prstGeom prst="rect">
             <a:avLst/>
@@ -3936,7 +4070,7 @@
           <a:lstStyle/>
           <a:p>
             <a:r>
-              <a:rPr lang="de-AT" sz="3200" b="1">
+              <a:rPr lang="de-AT" sz="3200" b="1" dirty="0">
                 <a:solidFill>
                   <a:srgbClr val="9BBB59"/>
                 </a:solidFill>
@@ -3944,14 +4078,14 @@
               <a:t>Container Tracking und Umweltdaten</a:t>
             </a:r>
             <a:br>
-              <a:rPr lang="de-AT" sz="3200" b="1">
+              <a:rPr lang="de-AT" sz="3200" b="1" dirty="0">
                 <a:solidFill>
                   <a:srgbClr val="9BBB59"/>
                 </a:solidFill>
               </a:rPr>
             </a:br>
             <a:r>
-              <a:rPr lang="de-AT" sz="3200" b="1">
+              <a:rPr lang="de-AT" sz="3200" b="1" dirty="0">
                 <a:solidFill>
                   <a:srgbClr val="9BBB59"/>
                 </a:solidFill>
@@ -3966,7 +4100,7 @@
               </a:spcBef>
               <a:defRPr/>
             </a:pPr>
-            <a:endParaRPr lang="de-DE" sz="3200">
+            <a:endParaRPr lang="de-DE" sz="3200" dirty="0">
               <a:solidFill>
                 <a:srgbClr val="0070C0"/>
               </a:solidFill>
@@ -4057,7 +4191,7 @@
             <a:pPr algn="r"/>
             <a:fld id="{8EA2BAE2-6757-47A9-8E17-82B3704991C6}" type="datetime4">
               <a:rPr lang="de-AT" smtClean="0"/>
-              <a:t>12. Juni 2024</a:t>
+              <a:t>17. Juni 2024</a:t>
             </a:fld>
             <a:endParaRPr lang="de-AT"/>
           </a:p>
@@ -4438,18 +4572,76 @@
       </p:grpSpPr>
       <p:sp>
         <p:nvSpPr>
-          <p:cNvPr id="2" name="Titel 1">
+          <p:cNvPr id="7" name="Rechteck 6">
             <a:extLst>
               <a:ext uri="{FF2B5EF4-FFF2-40B4-BE49-F238E27FC236}">
-                <a16:creationId xmlns:a16="http://schemas.microsoft.com/office/drawing/2014/main" id="{E496C6BA-99A1-43F4-92B8-B6D762EF0987}"/>
+                <a16:creationId xmlns:a16="http://schemas.microsoft.com/office/drawing/2014/main" id="{5FD16DE7-27A8-13EC-C34D-F44A01912A4F}"/>
               </a:ext>
             </a:extLst>
           </p:cNvPr>
+          <p:cNvSpPr/>
+          <p:nvPr/>
+        </p:nvSpPr>
+        <p:spPr>
+          <a:xfrm>
+            <a:off x="0" y="-4243"/>
+            <a:ext cx="12257237" cy="6858000"/>
+          </a:xfrm>
+          <a:prstGeom prst="rect">
+            <a:avLst/>
+          </a:prstGeom>
+          <a:solidFill>
+            <a:schemeClr val="bg1">
+              <a:lumMod val="85000"/>
+              <a:alpha val="75000"/>
+            </a:schemeClr>
+          </a:solidFill>
+          <a:ln>
+            <a:noFill/>
+          </a:ln>
+        </p:spPr>
+        <p:style>
+          <a:lnRef idx="2">
+            <a:schemeClr val="accent1">
+              <a:shade val="15000"/>
+            </a:schemeClr>
+          </a:lnRef>
+          <a:fillRef idx="1">
+            <a:schemeClr val="accent1"/>
+          </a:fillRef>
+          <a:effectRef idx="0">
+            <a:schemeClr val="accent1"/>
+          </a:effectRef>
+          <a:fontRef idx="minor">
+            <a:schemeClr val="lt1"/>
+          </a:fontRef>
+        </p:style>
+        <p:txBody>
+          <a:bodyPr rtlCol="0" anchor="ctr"/>
+          <a:lstStyle/>
+          <a:p>
+            <a:endParaRPr lang="de-AT" sz="1800" dirty="0">
+              <a:solidFill>
+                <a:schemeClr val="bg1"/>
+              </a:solidFill>
+            </a:endParaRPr>
+          </a:p>
+        </p:txBody>
+      </p:sp>
+      <p:sp>
+        <p:nvSpPr>
+          <p:cNvPr id="4" name="Fußzeilenplatzhalter 3">
+            <a:extLst>
+              <a:ext uri="{FF2B5EF4-FFF2-40B4-BE49-F238E27FC236}">
+                <a16:creationId xmlns:a16="http://schemas.microsoft.com/office/drawing/2014/main" id="{E60B7009-2B0F-747C-568D-AC20F983B193}"/>
+              </a:ext>
+            </a:extLst>
+          </p:cNvPr>
           <p:cNvSpPr>
             <a:spLocks noGrp="1"/>
           </p:cNvSpPr>
           <p:nvPr>
-            <p:ph type="title"/>
+            <p:ph type="ftr" sz="quarter" idx="11"/>
           </p:nvPr>
         </p:nvSpPr>
         <p:spPr/>
@@ -4458,153 +4650,26 @@
           <a:lstStyle/>
           <a:p>
             <a:r>
-              <a:rPr lang="de-DE"/>
-              <a:t>PM - Meilensteine</a:t>
-            </a:r>
-            <a:endParaRPr lang="de-AT"/>
-          </a:p>
-        </p:txBody>
-      </p:sp>
-      <p:sp>
-        <p:nvSpPr>
-          <p:cNvPr id="3" name="Inhaltsplatzhalter 2">
+              <a:rPr lang="de-AT" dirty="0"/>
+              <a:t>CONTRUDE </a:t>
+            </a:r>
+            <a:r>
+              <a:rPr lang="de-AT" dirty="0" err="1"/>
+              <a:t>Gekle</a:t>
+            </a:r>
+            <a:r>
+              <a:rPr lang="de-AT" dirty="0"/>
+              <a:t>, Kampl, Schrempf</a:t>
+            </a:r>
+          </a:p>
+        </p:txBody>
+      </p:sp>
+      <p:sp>
+        <p:nvSpPr>
+          <p:cNvPr id="5" name="Foliennummernplatzhalter 4">
             <a:extLst>
               <a:ext uri="{FF2B5EF4-FFF2-40B4-BE49-F238E27FC236}">
-                <a16:creationId xmlns:a16="http://schemas.microsoft.com/office/drawing/2014/main" id="{A228378C-21E0-453B-B255-71BAC911E6C0}"/>
-              </a:ext>
-            </a:extLst>
-          </p:cNvPr>
-          <p:cNvSpPr>
-            <a:spLocks noGrp="1"/>
-          </p:cNvSpPr>
-          <p:nvPr>
-            <p:ph idx="1"/>
-          </p:nvPr>
-        </p:nvSpPr>
-        <p:spPr/>
-        <p:txBody>
-          <a:bodyPr>
-            <a:normAutofit lnSpcReduction="10000"/>
-          </a:bodyPr>
-          <a:lstStyle/>
-          <a:p>
-            <a:r>
-              <a:rPr lang="de-DE"/>
-              <a:t>2024-07-04: Fertige Server Architektur</a:t>
-            </a:r>
-          </a:p>
-          <a:p>
-            <a:pPr lvl="1"/>
-            <a:r>
-              <a:rPr lang="de-DE"/>
-              <a:t>Server ist einsatzfähig</a:t>
-            </a:r>
-          </a:p>
-          <a:p>
-            <a:pPr lvl="1"/>
-            <a:r>
-              <a:rPr lang="de-DE"/>
-              <a:t>REST-Schnittstelle</a:t>
-            </a:r>
-          </a:p>
-          <a:p>
-            <a:pPr lvl="1"/>
-            <a:r>
-              <a:rPr lang="de-DE"/>
-              <a:t>Zugriff kann von überall gestattet werden</a:t>
-            </a:r>
-          </a:p>
-          <a:p>
-            <a:r>
-              <a:rPr lang="de-DE"/>
-              <a:t>2024-09-04: Prototyp ist funktionell</a:t>
-            </a:r>
-          </a:p>
-          <a:p>
-            <a:pPr lvl="1"/>
-            <a:r>
-              <a:rPr lang="de-DE"/>
-              <a:t>Hardware Komponenten gekauft und geliefert</a:t>
-            </a:r>
-          </a:p>
-          <a:p>
-            <a:pPr lvl="1"/>
-            <a:r>
-              <a:rPr lang="de-DE"/>
-              <a:t>Löten der Komponenten</a:t>
-            </a:r>
-          </a:p>
-          <a:p>
-            <a:pPr lvl="1"/>
-            <a:r>
-              <a:rPr lang="de-DE"/>
-              <a:t>Datenübertragung mittels MQTT</a:t>
-            </a:r>
-          </a:p>
-          <a:p>
-            <a:r>
-              <a:rPr lang="de-DE"/>
-              <a:t>2025-01-31: Webanwendung funktionell</a:t>
-            </a:r>
-          </a:p>
-          <a:p>
-            <a:pPr lvl="1"/>
-            <a:r>
-              <a:rPr lang="de-DE"/>
-              <a:t>Datenabfrage möglich</a:t>
-            </a:r>
-          </a:p>
-          <a:p>
-            <a:pPr lvl="1"/>
-            <a:r>
-              <a:rPr lang="de-DE"/>
-              <a:t>Einloggen / Ausloggen möglich</a:t>
-            </a:r>
-          </a:p>
-          <a:p>
-            <a:pPr lvl="1"/>
-            <a:r>
-              <a:rPr lang="de-DE"/>
-              <a:t>Ansprechendes GUI</a:t>
-            </a:r>
-            <a:endParaRPr lang="de-AT"/>
-          </a:p>
-        </p:txBody>
-      </p:sp>
-      <p:sp>
-        <p:nvSpPr>
-          <p:cNvPr id="4" name="Fußzeilenplatzhalter 3">
-            <a:extLst>
-              <a:ext uri="{FF2B5EF4-FFF2-40B4-BE49-F238E27FC236}">
-                <a16:creationId xmlns:a16="http://schemas.microsoft.com/office/drawing/2014/main" id="{8AADA028-308D-430B-A45B-407D875A2351}"/>
-              </a:ext>
-            </a:extLst>
-          </p:cNvPr>
-          <p:cNvSpPr>
-            <a:spLocks noGrp="1"/>
-          </p:cNvSpPr>
-          <p:nvPr>
-            <p:ph type="ftr" sz="quarter" idx="11"/>
-          </p:nvPr>
-        </p:nvSpPr>
-        <p:spPr/>
-        <p:txBody>
-          <a:bodyPr/>
-          <a:lstStyle/>
-          <a:p>
-            <a:r>
-              <a:rPr lang="de-AT"/>
-              <a:t>CONTRUDE Gekle, Kampl, Schrempf</a:t>
-            </a:r>
-          </a:p>
-        </p:txBody>
-      </p:sp>
-      <p:sp>
-        <p:nvSpPr>
-          <p:cNvPr id="5" name="Foliennummernplatzhalter 4">
-            <a:extLst>
-              <a:ext uri="{FF2B5EF4-FFF2-40B4-BE49-F238E27FC236}">
-                <a16:creationId xmlns:a16="http://schemas.microsoft.com/office/drawing/2014/main" id="{AB38338F-922C-40A7-B140-637B827703BF}"/>
+                <a16:creationId xmlns:a16="http://schemas.microsoft.com/office/drawing/2014/main" id="{B8DFB85E-29D1-B262-44AB-6AE9AD2CCB9A}"/>
               </a:ext>
             </a:extLst>
           </p:cNvPr>
@@ -4629,10 +4694,247 @@
           </a:p>
         </p:txBody>
       </p:sp>
+      <p:pic>
+        <p:nvPicPr>
+          <p:cNvPr id="6" name="Grafik 5">
+            <a:extLst>
+              <a:ext uri="{FF2B5EF4-FFF2-40B4-BE49-F238E27FC236}">
+                <a16:creationId xmlns:a16="http://schemas.microsoft.com/office/drawing/2014/main" id="{835BFC3E-6502-D5D2-F643-8AE4DCE6143B}"/>
+              </a:ext>
+            </a:extLst>
+          </p:cNvPr>
+          <p:cNvPicPr>
+            <a:picLocks noChangeAspect="1"/>
+          </p:cNvPicPr>
+          <p:nvPr/>
+        </p:nvPicPr>
+        <p:blipFill rotWithShape="1">
+          <a:blip r:embed="rId3">
+            <a:extLst>
+              <a:ext uri="{28A0092B-C50C-407E-A947-70E740481C1C}">
+                <a14:useLocalDpi xmlns:a14="http://schemas.microsoft.com/office/drawing/2010/main" val="0"/>
+              </a:ext>
+              <a:ext uri="{96DAC541-7B7A-43D3-8B79-37D633B846F1}">
+                <asvg:svgBlip xmlns:asvg="http://schemas.microsoft.com/office/drawing/2016/SVG/main" r:embed="rId4"/>
+              </a:ext>
+            </a:extLst>
+          </a:blip>
+          <a:srcRect l="7733" t="12999" r="61013" b="-2628"/>
+          <a:stretch/>
+        </p:blipFill>
+        <p:spPr>
+          <a:xfrm>
+            <a:off x="-65238" y="4243"/>
+            <a:ext cx="12257237" cy="6215588"/>
+          </a:xfrm>
+          <a:prstGeom prst="rect">
+            <a:avLst/>
+          </a:prstGeom>
+        </p:spPr>
+      </p:pic>
+      <p:sp>
+        <p:nvSpPr>
+          <p:cNvPr id="9" name="Textfeld 8">
+            <a:extLst>
+              <a:ext uri="{FF2B5EF4-FFF2-40B4-BE49-F238E27FC236}">
+                <a16:creationId xmlns:a16="http://schemas.microsoft.com/office/drawing/2014/main" id="{F7C3085A-533C-DB90-AD2E-7651C3651DE6}"/>
+              </a:ext>
+            </a:extLst>
+          </p:cNvPr>
+          <p:cNvSpPr txBox="1"/>
+          <p:nvPr/>
+        </p:nvSpPr>
+        <p:spPr>
+          <a:xfrm>
+            <a:off x="4054365" y="4560415"/>
+            <a:ext cx="6195848" cy="400110"/>
+          </a:xfrm>
+          <a:prstGeom prst="rect">
+            <a:avLst/>
+          </a:prstGeom>
+          <a:noFill/>
+        </p:spPr>
+        <p:txBody>
+          <a:bodyPr wrap="square">
+            <a:spAutoFit/>
+          </a:bodyPr>
+          <a:lstStyle/>
+          <a:p>
+            <a:r>
+              <a:rPr lang="de-AT" sz="2000" b="1" u="sng" dirty="0">
+                <a:solidFill>
+                  <a:schemeClr val="bg1"/>
+                </a:solidFill>
+              </a:rPr>
+              <a:t>Marko D. Schrempf</a:t>
+            </a:r>
+          </a:p>
+        </p:txBody>
+      </p:sp>
+      <p:sp>
+        <p:nvSpPr>
+          <p:cNvPr id="11" name="Textfeld 10">
+            <a:extLst>
+              <a:ext uri="{FF2B5EF4-FFF2-40B4-BE49-F238E27FC236}">
+                <a16:creationId xmlns:a16="http://schemas.microsoft.com/office/drawing/2014/main" id="{E92D5336-A687-27D1-A333-56AA233821B3}"/>
+              </a:ext>
+            </a:extLst>
+          </p:cNvPr>
+          <p:cNvSpPr txBox="1"/>
+          <p:nvPr/>
+        </p:nvSpPr>
+        <p:spPr>
+          <a:xfrm>
+            <a:off x="9289300" y="2092293"/>
+            <a:ext cx="6195848" cy="400110"/>
+          </a:xfrm>
+          <a:prstGeom prst="rect">
+            <a:avLst/>
+          </a:prstGeom>
+          <a:noFill/>
+        </p:spPr>
+        <p:txBody>
+          <a:bodyPr wrap="square">
+            <a:spAutoFit/>
+          </a:bodyPr>
+          <a:lstStyle/>
+          <a:p>
+            <a:r>
+              <a:rPr lang="de-AT" sz="2000" dirty="0">
+                <a:solidFill>
+                  <a:schemeClr val="bg1"/>
+                </a:solidFill>
+              </a:rPr>
+              <a:t>Datenbanken</a:t>
+            </a:r>
+            <a:endParaRPr lang="en-US" dirty="0"/>
+          </a:p>
+        </p:txBody>
+      </p:sp>
+      <p:sp>
+        <p:nvSpPr>
+          <p:cNvPr id="15" name="Textfeld 14">
+            <a:extLst>
+              <a:ext uri="{FF2B5EF4-FFF2-40B4-BE49-F238E27FC236}">
+                <a16:creationId xmlns:a16="http://schemas.microsoft.com/office/drawing/2014/main" id="{E2169B9D-39DF-FE69-ACB0-EFC861E9739F}"/>
+              </a:ext>
+            </a:extLst>
+          </p:cNvPr>
+          <p:cNvSpPr txBox="1"/>
+          <p:nvPr/>
+        </p:nvSpPr>
+        <p:spPr>
+          <a:xfrm>
+            <a:off x="4269928" y="2061515"/>
+            <a:ext cx="1397226" cy="400110"/>
+          </a:xfrm>
+          <a:prstGeom prst="rect">
+            <a:avLst/>
+          </a:prstGeom>
+          <a:noFill/>
+        </p:spPr>
+        <p:txBody>
+          <a:bodyPr wrap="square">
+            <a:spAutoFit/>
+          </a:bodyPr>
+          <a:lstStyle/>
+          <a:p>
+            <a:r>
+              <a:rPr lang="de-AT" sz="2000" dirty="0">
+                <a:solidFill>
+                  <a:schemeClr val="bg1"/>
+                </a:solidFill>
+              </a:rPr>
+              <a:t>Server</a:t>
+            </a:r>
+            <a:endParaRPr lang="en-US" dirty="0"/>
+          </a:p>
+        </p:txBody>
+      </p:sp>
+      <p:sp>
+        <p:nvSpPr>
+          <p:cNvPr id="19" name="Textfeld 18">
+            <a:extLst>
+              <a:ext uri="{FF2B5EF4-FFF2-40B4-BE49-F238E27FC236}">
+                <a16:creationId xmlns:a16="http://schemas.microsoft.com/office/drawing/2014/main" id="{8A88CAA3-9209-69FD-59D9-09A5DC3D4208}"/>
+              </a:ext>
+            </a:extLst>
+          </p:cNvPr>
+          <p:cNvSpPr txBox="1"/>
+          <p:nvPr/>
+        </p:nvSpPr>
+        <p:spPr>
+          <a:xfrm>
+            <a:off x="1067851" y="2092887"/>
+            <a:ext cx="743434" cy="400110"/>
+          </a:xfrm>
+          <a:prstGeom prst="rect">
+            <a:avLst/>
+          </a:prstGeom>
+          <a:noFill/>
+        </p:spPr>
+        <p:txBody>
+          <a:bodyPr wrap="square">
+            <a:spAutoFit/>
+          </a:bodyPr>
+          <a:lstStyle/>
+          <a:p>
+            <a:r>
+              <a:rPr lang="de-AT" sz="2000" dirty="0">
+                <a:solidFill>
+                  <a:schemeClr val="bg1"/>
+                </a:solidFill>
+              </a:rPr>
+              <a:t>REST</a:t>
+            </a:r>
+            <a:endParaRPr lang="en-US" dirty="0">
+              <a:solidFill>
+                <a:schemeClr val="bg1"/>
+              </a:solidFill>
+            </a:endParaRPr>
+          </a:p>
+        </p:txBody>
+      </p:sp>
+      <p:pic>
+        <p:nvPicPr>
+          <p:cNvPr id="3" name="Grafik 2" descr="Ein Bild, das Schwarz, Dunkelheit enthält.&#10;&#10;Automatisch generierte Beschreibung">
+            <a:extLst>
+              <a:ext uri="{FF2B5EF4-FFF2-40B4-BE49-F238E27FC236}">
+                <a16:creationId xmlns:a16="http://schemas.microsoft.com/office/drawing/2014/main" id="{5676A8B8-023B-B506-DDAB-BE98F12AD700}"/>
+              </a:ext>
+            </a:extLst>
+          </p:cNvPr>
+          <p:cNvPicPr>
+            <a:picLocks noChangeAspect="1"/>
+          </p:cNvPicPr>
+          <p:nvPr/>
+        </p:nvPicPr>
+        <p:blipFill>
+          <a:blip r:embed="rId5" cstate="print">
+            <a:extLst>
+              <a:ext uri="{28A0092B-C50C-407E-A947-70E740481C1C}">
+                <a14:useLocalDpi xmlns:a14="http://schemas.microsoft.com/office/drawing/2010/main" val="0"/>
+              </a:ext>
+            </a:extLst>
+          </a:blip>
+          <a:stretch>
+            <a:fillRect/>
+          </a:stretch>
+        </p:blipFill>
+        <p:spPr>
+          <a:xfrm>
+            <a:off x="6267689" y="1824838"/>
+            <a:ext cx="1971959" cy="1971959"/>
+          </a:xfrm>
+          <a:prstGeom prst="rect">
+            <a:avLst/>
+          </a:prstGeom>
+        </p:spPr>
+      </p:pic>
     </p:spTree>
     <p:extLst>
       <p:ext uri="{BB962C8B-B14F-4D97-AF65-F5344CB8AC3E}">
-        <p14:creationId xmlns:p14="http://schemas.microsoft.com/office/powerpoint/2010/main" val="1400808523"/>
+        <p14:creationId xmlns:p14="http://schemas.microsoft.com/office/powerpoint/2010/main" val="1061074841"/>
       </p:ext>
     </p:extLst>
   </p:cSld>
@@ -4651,6 +4953,412 @@
       </p:transition>
     </mc:Fallback>
   </mc:AlternateContent>
+  <p:timing>
+    <p:tnLst>
+      <p:par>
+        <p:cTn id="1" dur="indefinite" restart="never" nodeType="tmRoot">
+          <p:childTnLst>
+            <p:seq concurrent="1" nextAc="seek">
+              <p:cTn id="2" dur="indefinite" nodeType="mainSeq">
+                <p:childTnLst>
+                  <p:par>
+                    <p:cTn id="3" fill="hold">
+                      <p:stCondLst>
+                        <p:cond delay="indefinite"/>
+                      </p:stCondLst>
+                      <p:childTnLst>
+                        <p:par>
+                          <p:cTn id="4" fill="hold">
+                            <p:stCondLst>
+                              <p:cond delay="0"/>
+                            </p:stCondLst>
+                            <p:childTnLst>
+                              <p:par>
+                                <p:cTn id="5" presetID="1" presetClass="entr" presetSubtype="0" fill="hold" nodeType="clickEffect">
+                                  <p:stCondLst>
+                                    <p:cond delay="0"/>
+                                  </p:stCondLst>
+                                  <p:childTnLst>
+                                    <p:set>
+                                      <p:cBhvr>
+                                        <p:cTn id="6" dur="1" fill="hold">
+                                          <p:stCondLst>
+                                            <p:cond delay="0"/>
+                                          </p:stCondLst>
+                                        </p:cTn>
+                                        <p:tgtEl>
+                                          <p:spTgt spid="9">
+                                            <p:txEl>
+                                              <p:pRg st="0" end="0"/>
+                                            </p:txEl>
+                                          </p:spTgt>
+                                        </p:tgtEl>
+                                        <p:attrNameLst>
+                                          <p:attrName>style.visibility</p:attrName>
+                                        </p:attrNameLst>
+                                      </p:cBhvr>
+                                      <p:to>
+                                        <p:strVal val="visible"/>
+                                      </p:to>
+                                    </p:set>
+                                  </p:childTnLst>
+                                </p:cTn>
+                              </p:par>
+                            </p:childTnLst>
+                          </p:cTn>
+                        </p:par>
+                        <p:par>
+                          <p:cTn id="7" fill="hold">
+                            <p:stCondLst>
+                              <p:cond delay="0"/>
+                            </p:stCondLst>
+                            <p:childTnLst>
+                              <p:par>
+                                <p:cTn id="8" presetID="2" presetClass="entr" presetSubtype="8" fill="hold" nodeType="afterEffect">
+                                  <p:stCondLst>
+                                    <p:cond delay="0"/>
+                                  </p:stCondLst>
+                                  <p:childTnLst>
+                                    <p:set>
+                                      <p:cBhvr>
+                                        <p:cTn id="9" dur="1" fill="hold">
+                                          <p:stCondLst>
+                                            <p:cond delay="0"/>
+                                          </p:stCondLst>
+                                        </p:cTn>
+                                        <p:tgtEl>
+                                          <p:spTgt spid="19">
+                                            <p:txEl>
+                                              <p:pRg st="0" end="0"/>
+                                            </p:txEl>
+                                          </p:spTgt>
+                                        </p:tgtEl>
+                                        <p:attrNameLst>
+                                          <p:attrName>style.visibility</p:attrName>
+                                        </p:attrNameLst>
+                                      </p:cBhvr>
+                                      <p:to>
+                                        <p:strVal val="visible"/>
+                                      </p:to>
+                                    </p:set>
+                                    <p:anim calcmode="lin" valueType="num">
+                                      <p:cBhvr additive="base">
+                                        <p:cTn id="10" dur="500" fill="hold"/>
+                                        <p:tgtEl>
+                                          <p:spTgt spid="19">
+                                            <p:txEl>
+                                              <p:pRg st="0" end="0"/>
+                                            </p:txEl>
+                                          </p:spTgt>
+                                        </p:tgtEl>
+                                        <p:attrNameLst>
+                                          <p:attrName>ppt_x</p:attrName>
+                                        </p:attrNameLst>
+                                      </p:cBhvr>
+                                      <p:tavLst>
+                                        <p:tav tm="0">
+                                          <p:val>
+                                            <p:strVal val="0-#ppt_w/2"/>
+                                          </p:val>
+                                        </p:tav>
+                                        <p:tav tm="100000">
+                                          <p:val>
+                                            <p:strVal val="#ppt_x"/>
+                                          </p:val>
+                                        </p:tav>
+                                      </p:tavLst>
+                                    </p:anim>
+                                    <p:anim calcmode="lin" valueType="num">
+                                      <p:cBhvr additive="base">
+                                        <p:cTn id="11" dur="500" fill="hold"/>
+                                        <p:tgtEl>
+                                          <p:spTgt spid="19">
+                                            <p:txEl>
+                                              <p:pRg st="0" end="0"/>
+                                            </p:txEl>
+                                          </p:spTgt>
+                                        </p:tgtEl>
+                                        <p:attrNameLst>
+                                          <p:attrName>ppt_y</p:attrName>
+                                        </p:attrNameLst>
+                                      </p:cBhvr>
+                                      <p:tavLst>
+                                        <p:tav tm="0">
+                                          <p:val>
+                                            <p:strVal val="#ppt_y"/>
+                                          </p:val>
+                                        </p:tav>
+                                        <p:tav tm="100000">
+                                          <p:val>
+                                            <p:strVal val="#ppt_y"/>
+                                          </p:val>
+                                        </p:tav>
+                                      </p:tavLst>
+                                    </p:anim>
+                                  </p:childTnLst>
+                                </p:cTn>
+                              </p:par>
+                            </p:childTnLst>
+                          </p:cTn>
+                        </p:par>
+                        <p:par>
+                          <p:cTn id="12" fill="hold">
+                            <p:stCondLst>
+                              <p:cond delay="500"/>
+                            </p:stCondLst>
+                            <p:childTnLst>
+                              <p:par>
+                                <p:cTn id="13" presetID="2" presetClass="entr" presetSubtype="1" fill="hold" nodeType="afterEffect">
+                                  <p:stCondLst>
+                                    <p:cond delay="0"/>
+                                  </p:stCondLst>
+                                  <p:childTnLst>
+                                    <p:set>
+                                      <p:cBhvr>
+                                        <p:cTn id="14" dur="1" fill="hold">
+                                          <p:stCondLst>
+                                            <p:cond delay="0"/>
+                                          </p:stCondLst>
+                                        </p:cTn>
+                                        <p:tgtEl>
+                                          <p:spTgt spid="15">
+                                            <p:txEl>
+                                              <p:pRg st="0" end="0"/>
+                                            </p:txEl>
+                                          </p:spTgt>
+                                        </p:tgtEl>
+                                        <p:attrNameLst>
+                                          <p:attrName>style.visibility</p:attrName>
+                                        </p:attrNameLst>
+                                      </p:cBhvr>
+                                      <p:to>
+                                        <p:strVal val="visible"/>
+                                      </p:to>
+                                    </p:set>
+                                    <p:anim calcmode="lin" valueType="num">
+                                      <p:cBhvr additive="base">
+                                        <p:cTn id="15" dur="500" fill="hold"/>
+                                        <p:tgtEl>
+                                          <p:spTgt spid="15">
+                                            <p:txEl>
+                                              <p:pRg st="0" end="0"/>
+                                            </p:txEl>
+                                          </p:spTgt>
+                                        </p:tgtEl>
+                                        <p:attrNameLst>
+                                          <p:attrName>ppt_x</p:attrName>
+                                        </p:attrNameLst>
+                                      </p:cBhvr>
+                                      <p:tavLst>
+                                        <p:tav tm="0">
+                                          <p:val>
+                                            <p:strVal val="#ppt_x"/>
+                                          </p:val>
+                                        </p:tav>
+                                        <p:tav tm="100000">
+                                          <p:val>
+                                            <p:strVal val="#ppt_x"/>
+                                          </p:val>
+                                        </p:tav>
+                                      </p:tavLst>
+                                    </p:anim>
+                                    <p:anim calcmode="lin" valueType="num">
+                                      <p:cBhvr additive="base">
+                                        <p:cTn id="16" dur="500" fill="hold"/>
+                                        <p:tgtEl>
+                                          <p:spTgt spid="15">
+                                            <p:txEl>
+                                              <p:pRg st="0" end="0"/>
+                                            </p:txEl>
+                                          </p:spTgt>
+                                        </p:tgtEl>
+                                        <p:attrNameLst>
+                                          <p:attrName>ppt_y</p:attrName>
+                                        </p:attrNameLst>
+                                      </p:cBhvr>
+                                      <p:tavLst>
+                                        <p:tav tm="0">
+                                          <p:val>
+                                            <p:strVal val="0-#ppt_h/2"/>
+                                          </p:val>
+                                        </p:tav>
+                                        <p:tav tm="100000">
+                                          <p:val>
+                                            <p:strVal val="#ppt_y"/>
+                                          </p:val>
+                                        </p:tav>
+                                      </p:tavLst>
+                                    </p:anim>
+                                  </p:childTnLst>
+                                </p:cTn>
+                              </p:par>
+                            </p:childTnLst>
+                          </p:cTn>
+                        </p:par>
+                        <p:par>
+                          <p:cTn id="17" fill="hold">
+                            <p:stCondLst>
+                              <p:cond delay="1000"/>
+                            </p:stCondLst>
+                            <p:childTnLst>
+                              <p:par>
+                                <p:cTn id="18" presetID="2" presetClass="entr" presetSubtype="2" fill="hold" nodeType="afterEffect">
+                                  <p:stCondLst>
+                                    <p:cond delay="0"/>
+                                  </p:stCondLst>
+                                  <p:childTnLst>
+                                    <p:set>
+                                      <p:cBhvr>
+                                        <p:cTn id="19" dur="1" fill="hold">
+                                          <p:stCondLst>
+                                            <p:cond delay="0"/>
+                                          </p:stCondLst>
+                                        </p:cTn>
+                                        <p:tgtEl>
+                                          <p:spTgt spid="11">
+                                            <p:txEl>
+                                              <p:pRg st="0" end="0"/>
+                                            </p:txEl>
+                                          </p:spTgt>
+                                        </p:tgtEl>
+                                        <p:attrNameLst>
+                                          <p:attrName>style.visibility</p:attrName>
+                                        </p:attrNameLst>
+                                      </p:cBhvr>
+                                      <p:to>
+                                        <p:strVal val="visible"/>
+                                      </p:to>
+                                    </p:set>
+                                    <p:anim calcmode="lin" valueType="num">
+                                      <p:cBhvr additive="base">
+                                        <p:cTn id="20" dur="500" fill="hold"/>
+                                        <p:tgtEl>
+                                          <p:spTgt spid="11">
+                                            <p:txEl>
+                                              <p:pRg st="0" end="0"/>
+                                            </p:txEl>
+                                          </p:spTgt>
+                                        </p:tgtEl>
+                                        <p:attrNameLst>
+                                          <p:attrName>ppt_x</p:attrName>
+                                        </p:attrNameLst>
+                                      </p:cBhvr>
+                                      <p:tavLst>
+                                        <p:tav tm="0">
+                                          <p:val>
+                                            <p:strVal val="1+#ppt_w/2"/>
+                                          </p:val>
+                                        </p:tav>
+                                        <p:tav tm="100000">
+                                          <p:val>
+                                            <p:strVal val="#ppt_x"/>
+                                          </p:val>
+                                        </p:tav>
+                                      </p:tavLst>
+                                    </p:anim>
+                                    <p:anim calcmode="lin" valueType="num">
+                                      <p:cBhvr additive="base">
+                                        <p:cTn id="21" dur="500" fill="hold"/>
+                                        <p:tgtEl>
+                                          <p:spTgt spid="11">
+                                            <p:txEl>
+                                              <p:pRg st="0" end="0"/>
+                                            </p:txEl>
+                                          </p:spTgt>
+                                        </p:tgtEl>
+                                        <p:attrNameLst>
+                                          <p:attrName>ppt_y</p:attrName>
+                                        </p:attrNameLst>
+                                      </p:cBhvr>
+                                      <p:tavLst>
+                                        <p:tav tm="0">
+                                          <p:val>
+                                            <p:strVal val="#ppt_y"/>
+                                          </p:val>
+                                        </p:tav>
+                                        <p:tav tm="100000">
+                                          <p:val>
+                                            <p:strVal val="#ppt_y"/>
+                                          </p:val>
+                                        </p:tav>
+                                      </p:tavLst>
+                                    </p:anim>
+                                  </p:childTnLst>
+                                </p:cTn>
+                              </p:par>
+                            </p:childTnLst>
+                          </p:cTn>
+                        </p:par>
+                      </p:childTnLst>
+                    </p:cTn>
+                  </p:par>
+                  <p:par>
+                    <p:cTn id="22" fill="hold">
+                      <p:stCondLst>
+                        <p:cond delay="indefinite"/>
+                      </p:stCondLst>
+                      <p:childTnLst>
+                        <p:par>
+                          <p:cTn id="23" fill="hold">
+                            <p:stCondLst>
+                              <p:cond delay="0"/>
+                            </p:stCondLst>
+                            <p:childTnLst>
+                              <p:par>
+                                <p:cTn id="24" presetID="1" presetClass="entr" presetSubtype="0" fill="hold" nodeType="clickEffect">
+                                  <p:stCondLst>
+                                    <p:cond delay="0"/>
+                                  </p:stCondLst>
+                                  <p:childTnLst>
+                                    <p:set>
+                                      <p:cBhvr>
+                                        <p:cTn id="25" dur="1" fill="hold">
+                                          <p:stCondLst>
+                                            <p:cond delay="0"/>
+                                          </p:stCondLst>
+                                        </p:cTn>
+                                        <p:tgtEl>
+                                          <p:spTgt spid="3"/>
+                                        </p:tgtEl>
+                                        <p:attrNameLst>
+                                          <p:attrName>style.visibility</p:attrName>
+                                        </p:attrNameLst>
+                                      </p:cBhvr>
+                                      <p:to>
+                                        <p:strVal val="visible"/>
+                                      </p:to>
+                                    </p:set>
+                                  </p:childTnLst>
+                                </p:cTn>
+                              </p:par>
+                            </p:childTnLst>
+                          </p:cTn>
+                        </p:par>
+                      </p:childTnLst>
+                    </p:cTn>
+                  </p:par>
+                </p:childTnLst>
+              </p:cTn>
+              <p:prevCondLst>
+                <p:cond evt="onPrev" delay="0">
+                  <p:tgtEl>
+                    <p:sldTgt/>
+                  </p:tgtEl>
+                </p:cond>
+              </p:prevCondLst>
+              <p:nextCondLst>
+                <p:cond evt="onNext" delay="0">
+                  <p:tgtEl>
+                    <p:sldTgt/>
+                  </p:tgtEl>
+                </p:cond>
+              </p:nextCondLst>
+            </p:seq>
+          </p:childTnLst>
+        </p:cTn>
+      </p:par>
+    </p:tnLst>
+  </p:timing>
 </p:sld>
 </file>
 
@@ -4694,12 +5402,9 @@
           <a:p>
             <a:r>
               <a:rPr lang="de-DE"/>
-              <a:t>PM - </a:t>
-            </a:r>
-            <a:r>
-              <a:rPr lang="de-AT"/>
-              <a:t>Kostenabschätzung</a:t>
-            </a:r>
+              <a:t>Literatur</a:t>
+            </a:r>
+            <a:endParaRPr lang="de-AT"/>
           </a:p>
         </p:txBody>
       </p:sp>
@@ -4725,107 +5430,148 @@
           <a:lstStyle/>
           <a:p>
             <a:r>
-              <a:rPr lang="de-AT" dirty="0"/>
-              <a:t>Gehalt (nach Kollektivvertrag)</a:t>
-            </a:r>
-          </a:p>
-          <a:p>
-            <a:pPr lvl="1"/>
-            <a:r>
-              <a:rPr lang="en-US" b="0" i="0" dirty="0">
+              <a:rPr lang="de-DE" dirty="0"/>
+              <a:t>REST API Design </a:t>
+            </a:r>
+            <a:r>
+              <a:rPr lang="de-DE" dirty="0" err="1"/>
+              <a:t>Rulebook</a:t>
+            </a:r>
+            <a:endParaRPr lang="de-DE" dirty="0"/>
+          </a:p>
+          <a:p>
+            <a:r>
+              <a:rPr lang="de-DE" dirty="0" err="1">
                 <a:solidFill>
-                  <a:srgbClr val="000000"/>
-                </a:solidFill>
-                <a:effectLst/>
-                <a:highlight>
-                  <a:srgbClr val="FFFFFF"/>
-                </a:highlight>
-                <a:latin typeface="DIN-Web-Pro"/>
-              </a:rPr>
-              <a:t>€ 2.923 pro Person</a:t>
-            </a:r>
-            <a:endParaRPr lang="de-AT" b="0" i="0" dirty="0">
-              <a:solidFill>
-                <a:srgbClr val="000000"/>
-              </a:solidFill>
-              <a:effectLst/>
-              <a:highlight>
-                <a:srgbClr val="FFFFFF"/>
-              </a:highlight>
-              <a:latin typeface="DIN-Web-Pro"/>
-            </a:endParaRPr>
-          </a:p>
-          <a:p>
-            <a:pPr lvl="1"/>
-            <a:r>
-              <a:rPr lang="de-AT" dirty="0">
-                <a:solidFill>
-                  <a:srgbClr val="000000"/>
+                  <a:srgbClr val="002021"/>
                 </a:solidFill>
                 <a:highlight>
                   <a:srgbClr val="FFFFFF"/>
                 </a:highlight>
-                <a:latin typeface="DIN-Web-Pro"/>
+                <a:latin typeface="Google Sans"/>
               </a:rPr>
-              <a:t>€ 8769 insgesamt</a:t>
-            </a:r>
-          </a:p>
-          <a:p>
-            <a:r>
-              <a:rPr lang="de-AT" dirty="0">
+              <a:t>ChatGpt</a:t>
+            </a:r>
+            <a:r>
+              <a:rPr lang="de-DE" dirty="0">
                 <a:solidFill>
-                  <a:srgbClr val="000000"/>
+                  <a:srgbClr val="002021"/>
                 </a:solidFill>
                 <a:highlight>
                   <a:srgbClr val="FFFFFF"/>
                 </a:highlight>
-                <a:latin typeface="DIN-Web-Pro"/>
+                <a:latin typeface="Google Sans"/>
               </a:rPr>
-              <a:t>Hardware</a:t>
-            </a:r>
-          </a:p>
-          <a:p>
-            <a:pPr lvl="1"/>
-            <a:r>
-              <a:rPr lang="de-AT" dirty="0">
+              <a:t>-Abfragen</a:t>
+            </a:r>
+          </a:p>
+          <a:p>
+            <a:r>
+              <a:rPr lang="de-DE" dirty="0">
                 <a:solidFill>
-                  <a:srgbClr val="000000"/>
+                  <a:srgbClr val="002021"/>
                 </a:solidFill>
                 <a:highlight>
                   <a:srgbClr val="FFFFFF"/>
                 </a:highlight>
-                <a:latin typeface="DIN-Web-Pro"/>
+                <a:latin typeface="Google Sans"/>
               </a:rPr>
-              <a:t>Wissende Kosten: € 70,86</a:t>
+              <a:t>Webseiten:</a:t>
             </a:r>
           </a:p>
           <a:p>
             <a:pPr lvl="1"/>
             <a:r>
-              <a:rPr lang="de-AT" dirty="0">
+              <a:rPr lang="de-DE" dirty="0" err="1">
                 <a:solidFill>
-                  <a:srgbClr val="000000"/>
+                  <a:srgbClr val="002021"/>
                 </a:solidFill>
                 <a:highlight>
                   <a:srgbClr val="FFFFFF"/>
                 </a:highlight>
-                <a:latin typeface="DIN-Web-Pro"/>
+                <a:latin typeface="Google Sans"/>
               </a:rPr>
-              <a:t>Maximale Kosten € 200,00</a:t>
-            </a:r>
-          </a:p>
-          <a:p>
-            <a:pPr marL="457200" lvl="1" indent="0">
-              <a:buNone/>
-            </a:pPr>
-            <a:endParaRPr lang="de-AT" dirty="0">
+              <a:t>wip</a:t>
+            </a:r>
+            <a:endParaRPr lang="de-DE" dirty="0">
               <a:solidFill>
-                <a:srgbClr val="000000"/>
+                <a:srgbClr val="002021"/>
               </a:solidFill>
               <a:highlight>
                 <a:srgbClr val="FFFFFF"/>
               </a:highlight>
-              <a:latin typeface="DIN-Web-Pro"/>
+              <a:latin typeface="Google Sans"/>
+            </a:endParaRPr>
+          </a:p>
+          <a:p>
+            <a:r>
+              <a:rPr lang="de-DE" dirty="0">
+                <a:solidFill>
+                  <a:srgbClr val="002021"/>
+                </a:solidFill>
+                <a:highlight>
+                  <a:srgbClr val="FFFFFF"/>
+                </a:highlight>
+                <a:latin typeface="Google Sans"/>
+              </a:rPr>
+              <a:t>Datenblätter:</a:t>
+            </a:r>
+          </a:p>
+          <a:p>
+            <a:pPr lvl="1"/>
+            <a:r>
+              <a:rPr lang="de-AT" dirty="0">
+                <a:solidFill>
+                  <a:srgbClr val="002021"/>
+                </a:solidFill>
+                <a:highlight>
+                  <a:srgbClr val="FFFFFF"/>
+                </a:highlight>
+                <a:latin typeface="Google Sans"/>
+              </a:rPr>
+              <a:t>Esp32, Arduino Nano, Raspberry Zero</a:t>
+            </a:r>
+          </a:p>
+          <a:p>
+            <a:pPr lvl="1"/>
+            <a:r>
+              <a:rPr lang="de-AT" dirty="0">
+                <a:solidFill>
+                  <a:srgbClr val="002021"/>
+                </a:solidFill>
+                <a:highlight>
+                  <a:srgbClr val="FFFFFF"/>
+                </a:highlight>
+                <a:latin typeface="Google Sans"/>
+              </a:rPr>
+              <a:t>BME280</a:t>
+            </a:r>
+          </a:p>
+          <a:p>
+            <a:pPr lvl="1"/>
+            <a:r>
+              <a:rPr lang="de-AT" dirty="0">
+                <a:solidFill>
+                  <a:srgbClr val="002021"/>
+                </a:solidFill>
+                <a:highlight>
+                  <a:srgbClr val="FFFFFF"/>
+                </a:highlight>
+                <a:latin typeface="Google Sans"/>
+              </a:rPr>
+              <a:t>GY-NEO6MV2</a:t>
+            </a:r>
+          </a:p>
+          <a:p>
+            <a:pPr lvl="1"/>
+            <a:endParaRPr lang="de-AT" dirty="0">
+              <a:solidFill>
+                <a:srgbClr val="002021"/>
+              </a:solidFill>
+              <a:highlight>
+                <a:srgbClr val="FFFFFF"/>
+              </a:highlight>
+              <a:latin typeface="Google Sans"/>
             </a:endParaRPr>
           </a:p>
         </p:txBody>
@@ -4891,7 +5637,7 @@
     </p:spTree>
     <p:extLst>
       <p:ext uri="{BB962C8B-B14F-4D97-AF65-F5344CB8AC3E}">
-        <p14:creationId xmlns:p14="http://schemas.microsoft.com/office/powerpoint/2010/main" val="1447962708"/>
+        <p14:creationId xmlns:p14="http://schemas.microsoft.com/office/powerpoint/2010/main" val="2929837528"/>
       </p:ext>
     </p:extLst>
   </p:cSld>
@@ -4953,11 +5699,119 @@
           <a:p>
             <a:r>
               <a:rPr lang="de-DE"/>
-              <a:t>PM – </a:t>
-            </a:r>
-            <a:r>
-              <a:rPr lang="de-AT"/>
-              <a:t>Wie wird es gelebt</a:t>
+              <a:t>PM - Meilensteine</a:t>
+            </a:r>
+            <a:endParaRPr lang="de-AT"/>
+          </a:p>
+        </p:txBody>
+      </p:sp>
+      <p:sp>
+        <p:nvSpPr>
+          <p:cNvPr id="3" name="Inhaltsplatzhalter 2">
+            <a:extLst>
+              <a:ext uri="{FF2B5EF4-FFF2-40B4-BE49-F238E27FC236}">
+                <a16:creationId xmlns:a16="http://schemas.microsoft.com/office/drawing/2014/main" id="{A228378C-21E0-453B-B255-71BAC911E6C0}"/>
+              </a:ext>
+            </a:extLst>
+          </p:cNvPr>
+          <p:cNvSpPr>
+            <a:spLocks noGrp="1"/>
+          </p:cNvSpPr>
+          <p:nvPr>
+            <p:ph idx="1"/>
+          </p:nvPr>
+        </p:nvSpPr>
+        <p:spPr/>
+        <p:txBody>
+          <a:bodyPr>
+            <a:normAutofit fontScale="92500" lnSpcReduction="20000"/>
+          </a:bodyPr>
+          <a:lstStyle/>
+          <a:p>
+            <a:r>
+              <a:rPr lang="de-DE"/>
+              <a:t>2024-02-23: Genehmigung der DA</a:t>
+            </a:r>
+          </a:p>
+          <a:p>
+            <a:pPr lvl="1"/>
+            <a:r>
+              <a:rPr lang="de-DE"/>
+              <a:t>Einreichen des Antrags durch die Schüler</a:t>
+            </a:r>
+          </a:p>
+          <a:p>
+            <a:pPr lvl="1"/>
+            <a:r>
+              <a:rPr lang="de-DE"/>
+              <a:t>DA Dokumentation wurde ausgefüllt und unterschrieben</a:t>
+            </a:r>
+          </a:p>
+          <a:p>
+            <a:r>
+              <a:rPr lang="de-DE"/>
+              <a:t>2024-05-09: Projekthandbuch fertig</a:t>
+            </a:r>
+          </a:p>
+          <a:p>
+            <a:pPr lvl="1"/>
+            <a:r>
+              <a:rPr lang="de-DE"/>
+              <a:t>Zielsetzung ausgefüllt</a:t>
+            </a:r>
+          </a:p>
+          <a:p>
+            <a:pPr lvl="1"/>
+            <a:r>
+              <a:rPr lang="de-DE"/>
+              <a:t>Projektplan ausgefüllt</a:t>
+            </a:r>
+          </a:p>
+          <a:p>
+            <a:r>
+              <a:rPr lang="de-DE"/>
+              <a:t>2024-06-01: Hardware Komponenten Recherche abgeschlossen</a:t>
+            </a:r>
+          </a:p>
+          <a:p>
+            <a:pPr lvl="1"/>
+            <a:r>
+              <a:rPr lang="de-DE"/>
+              <a:t>Bestimmung der Komponenten</a:t>
+            </a:r>
+          </a:p>
+          <a:p>
+            <a:pPr lvl="1"/>
+            <a:r>
+              <a:rPr lang="de-DE"/>
+              <a:t>Preisrechnung</a:t>
+            </a:r>
+          </a:p>
+          <a:p>
+            <a:pPr lvl="1"/>
+            <a:r>
+              <a:rPr lang="de-DE"/>
+              <a:t>Terminrechnung</a:t>
+            </a:r>
+          </a:p>
+          <a:p>
+            <a:r>
+              <a:rPr lang="de-DE"/>
+              <a:t>2024-06-17: Datenbanken fertig</a:t>
+            </a:r>
+          </a:p>
+          <a:p>
+            <a:pPr lvl="1"/>
+            <a:r>
+              <a:rPr lang="de-DE"/>
+              <a:t>Allgemeine Container Informationen</a:t>
+            </a:r>
+          </a:p>
+          <a:p>
+            <a:pPr lvl="1"/>
+            <a:r>
+              <a:rPr lang="de-DE"/>
+              <a:t>Sensor Daten</a:t>
             </a:r>
           </a:p>
         </p:txBody>
@@ -4984,7 +5838,7 @@
           <a:lstStyle/>
           <a:p>
             <a:r>
-              <a:rPr lang="de-AT" dirty="0"/>
+              <a:rPr lang="de-AT"/>
               <a:t>CONTRUDE Gekle, Kampl, Schrempf</a:t>
             </a:r>
           </a:p>
@@ -5020,39 +5874,10 @@
           </a:p>
         </p:txBody>
       </p:sp>
-      <p:pic>
-        <p:nvPicPr>
-          <p:cNvPr id="23" name="Grafik 22">
-            <a:extLst>
-              <a:ext uri="{FF2B5EF4-FFF2-40B4-BE49-F238E27FC236}">
-                <a16:creationId xmlns:a16="http://schemas.microsoft.com/office/drawing/2014/main" id="{A3952726-8C91-C4FE-F8B4-5FA3C4E93A18}"/>
-              </a:ext>
-            </a:extLst>
-          </p:cNvPr>
-          <p:cNvPicPr>
-            <a:picLocks noChangeAspect="1"/>
-          </p:cNvPicPr>
-          <p:nvPr/>
-        </p:nvPicPr>
-        <p:blipFill rotWithShape="1">
-          <a:blip r:embed="rId2"/>
-          <a:srcRect l="2344" t="15825" b="254"/>
-          <a:stretch/>
-        </p:blipFill>
-        <p:spPr>
-          <a:xfrm>
-            <a:off x="969158" y="1039706"/>
-            <a:ext cx="10523195" cy="5086830"/>
-          </a:xfrm>
-          <a:prstGeom prst="rect">
-            <a:avLst/>
-          </a:prstGeom>
-        </p:spPr>
-      </p:pic>
     </p:spTree>
     <p:extLst>
       <p:ext uri="{BB962C8B-B14F-4D97-AF65-F5344CB8AC3E}">
-        <p14:creationId xmlns:p14="http://schemas.microsoft.com/office/powerpoint/2010/main" val="3861356565"/>
+        <p14:creationId xmlns:p14="http://schemas.microsoft.com/office/powerpoint/2010/main" val="2525704466"/>
       </p:ext>
     </p:extLst>
   </p:cSld>
@@ -5096,7 +5921,7 @@
           <p:cNvPr id="2" name="Titel 1">
             <a:extLst>
               <a:ext uri="{FF2B5EF4-FFF2-40B4-BE49-F238E27FC236}">
-                <a16:creationId xmlns:a16="http://schemas.microsoft.com/office/drawing/2014/main" id="{41705578-676D-FCCF-F067-38289B99C507}"/>
+                <a16:creationId xmlns:a16="http://schemas.microsoft.com/office/drawing/2014/main" id="{E496C6BA-99A1-43F4-92B8-B6D762EF0987}"/>
               </a:ext>
             </a:extLst>
           </p:cNvPr>
@@ -5113,56 +5938,125 @@
           <a:lstStyle/>
           <a:p>
             <a:r>
-              <a:rPr lang="de-AT" dirty="0"/>
-              <a:t>Struktur</a:t>
-            </a:r>
-          </a:p>
-        </p:txBody>
-      </p:sp>
-      <p:pic>
-        <p:nvPicPr>
-          <p:cNvPr id="7" name="Inhaltsplatzhalter 6">
+              <a:rPr lang="de-DE"/>
+              <a:t>PM - Meilensteine</a:t>
+            </a:r>
+            <a:endParaRPr lang="de-AT"/>
+          </a:p>
+        </p:txBody>
+      </p:sp>
+      <p:sp>
+        <p:nvSpPr>
+          <p:cNvPr id="3" name="Inhaltsplatzhalter 2">
             <a:extLst>
               <a:ext uri="{FF2B5EF4-FFF2-40B4-BE49-F238E27FC236}">
-                <a16:creationId xmlns:a16="http://schemas.microsoft.com/office/drawing/2014/main" id="{AFE89A80-B440-BF16-0152-F50CC3E17FFA}"/>
+                <a16:creationId xmlns:a16="http://schemas.microsoft.com/office/drawing/2014/main" id="{A228378C-21E0-453B-B255-71BAC911E6C0}"/>
               </a:ext>
             </a:extLst>
           </p:cNvPr>
-          <p:cNvPicPr>
-            <a:picLocks noGrp="1" noChangeAspect="1"/>
-          </p:cNvPicPr>
+          <p:cNvSpPr>
+            <a:spLocks noGrp="1"/>
+          </p:cNvSpPr>
           <p:nvPr>
             <p:ph idx="1"/>
           </p:nvPr>
-        </p:nvPicPr>
-        <p:blipFill>
-          <a:blip r:embed="rId2">
-            <a:extLst>
-              <a:ext uri="{28A0092B-C50C-407E-A947-70E740481C1C}">
-                <a14:useLocalDpi xmlns:a14="http://schemas.microsoft.com/office/drawing/2010/main" val="0"/>
-              </a:ext>
-              <a:ext uri="{96DAC541-7B7A-43D3-8B79-37D633B846F1}">
-                <asvg:svgBlip xmlns:asvg="http://schemas.microsoft.com/office/drawing/2016/SVG/main" r:embed="rId3"/>
-              </a:ext>
-            </a:extLst>
-          </a:blip>
-          <a:stretch>
-            <a:fillRect/>
-          </a:stretch>
-        </p:blipFill>
-        <p:spPr>
-          <a:xfrm>
-            <a:off x="2173760" y="1095711"/>
-            <a:ext cx="7844479" cy="5073650"/>
-          </a:xfrm>
-        </p:spPr>
-      </p:pic>
+        </p:nvSpPr>
+        <p:spPr/>
+        <p:txBody>
+          <a:bodyPr>
+            <a:normAutofit lnSpcReduction="10000"/>
+          </a:bodyPr>
+          <a:lstStyle/>
+          <a:p>
+            <a:r>
+              <a:rPr lang="de-DE"/>
+              <a:t>2024-07-04: Fertige Server Architektur</a:t>
+            </a:r>
+          </a:p>
+          <a:p>
+            <a:pPr lvl="1"/>
+            <a:r>
+              <a:rPr lang="de-DE"/>
+              <a:t>Server ist einsatzfähig</a:t>
+            </a:r>
+          </a:p>
+          <a:p>
+            <a:pPr lvl="1"/>
+            <a:r>
+              <a:rPr lang="de-DE"/>
+              <a:t>REST-Schnittstelle</a:t>
+            </a:r>
+          </a:p>
+          <a:p>
+            <a:pPr lvl="1"/>
+            <a:r>
+              <a:rPr lang="de-DE"/>
+              <a:t>Zugriff kann von überall gestattet werden</a:t>
+            </a:r>
+          </a:p>
+          <a:p>
+            <a:r>
+              <a:rPr lang="de-DE"/>
+              <a:t>2024-09-04: Prototyp ist funktionell</a:t>
+            </a:r>
+          </a:p>
+          <a:p>
+            <a:pPr lvl="1"/>
+            <a:r>
+              <a:rPr lang="de-DE"/>
+              <a:t>Hardware Komponenten gekauft und geliefert</a:t>
+            </a:r>
+          </a:p>
+          <a:p>
+            <a:pPr lvl="1"/>
+            <a:r>
+              <a:rPr lang="de-DE"/>
+              <a:t>Löten der Komponenten</a:t>
+            </a:r>
+          </a:p>
+          <a:p>
+            <a:pPr lvl="1"/>
+            <a:r>
+              <a:rPr lang="de-DE"/>
+              <a:t>Datenübertragung mittels MQTT</a:t>
+            </a:r>
+          </a:p>
+          <a:p>
+            <a:r>
+              <a:rPr lang="de-DE"/>
+              <a:t>2025-01-31: Webanwendung funktionell</a:t>
+            </a:r>
+          </a:p>
+          <a:p>
+            <a:pPr lvl="1"/>
+            <a:r>
+              <a:rPr lang="de-DE"/>
+              <a:t>Datenabfrage möglich</a:t>
+            </a:r>
+          </a:p>
+          <a:p>
+            <a:pPr lvl="1"/>
+            <a:r>
+              <a:rPr lang="de-DE"/>
+              <a:t>Einloggen / Ausloggen möglich</a:t>
+            </a:r>
+          </a:p>
+          <a:p>
+            <a:pPr lvl="1"/>
+            <a:r>
+              <a:rPr lang="de-DE"/>
+              <a:t>Ansprechendes GUI</a:t>
+            </a:r>
+            <a:endParaRPr lang="de-AT"/>
+          </a:p>
+        </p:txBody>
+      </p:sp>
       <p:sp>
         <p:nvSpPr>
           <p:cNvPr id="4" name="Fußzeilenplatzhalter 3">
             <a:extLst>
               <a:ext uri="{FF2B5EF4-FFF2-40B4-BE49-F238E27FC236}">
-                <a16:creationId xmlns:a16="http://schemas.microsoft.com/office/drawing/2014/main" id="{68EE335B-B2E2-9F37-0D30-DC40083206F5}"/>
+                <a16:creationId xmlns:a16="http://schemas.microsoft.com/office/drawing/2014/main" id="{8AADA028-308D-430B-A45B-407D875A2351}"/>
               </a:ext>
             </a:extLst>
           </p:cNvPr>
@@ -5179,7 +6073,7 @@
           <a:lstStyle/>
           <a:p>
             <a:r>
-              <a:rPr lang="de-AT" dirty="0"/>
+              <a:rPr lang="de-AT"/>
               <a:t>CONTRUDE Gekle, Kampl, Schrempf</a:t>
             </a:r>
           </a:p>
@@ -5190,7 +6084,7 @@
           <p:cNvPr id="5" name="Foliennummernplatzhalter 4">
             <a:extLst>
               <a:ext uri="{FF2B5EF4-FFF2-40B4-BE49-F238E27FC236}">
-                <a16:creationId xmlns:a16="http://schemas.microsoft.com/office/drawing/2014/main" id="{C505ED6E-17E1-8489-2A55-B1355FDF1AC1}"/>
+                <a16:creationId xmlns:a16="http://schemas.microsoft.com/office/drawing/2014/main" id="{AB38338F-922C-40A7-B140-637B827703BF}"/>
               </a:ext>
             </a:extLst>
           </p:cNvPr>
@@ -5218,7 +6112,7 @@
     </p:spTree>
     <p:extLst>
       <p:ext uri="{BB962C8B-B14F-4D97-AF65-F5344CB8AC3E}">
-        <p14:creationId xmlns:p14="http://schemas.microsoft.com/office/powerpoint/2010/main" val="3150432457"/>
+        <p14:creationId xmlns:p14="http://schemas.microsoft.com/office/powerpoint/2010/main" val="1400808523"/>
       </p:ext>
     </p:extLst>
   </p:cSld>
@@ -5262,7 +6156,7 @@
           <p:cNvPr id="2" name="Titel 1">
             <a:extLst>
               <a:ext uri="{FF2B5EF4-FFF2-40B4-BE49-F238E27FC236}">
-                <a16:creationId xmlns:a16="http://schemas.microsoft.com/office/drawing/2014/main" id="{49B75182-9F7E-DDB8-1BCE-29DCCA8443FA}"/>
+                <a16:creationId xmlns:a16="http://schemas.microsoft.com/office/drawing/2014/main" id="{E496C6BA-99A1-43F4-92B8-B6D762EF0987}"/>
               </a:ext>
             </a:extLst>
           </p:cNvPr>
@@ -5279,10 +6173,13 @@
           <a:lstStyle/>
           <a:p>
             <a:r>
+              <a:rPr lang="de-DE"/>
+              <a:t>PM - </a:t>
+            </a:r>
+            <a:r>
               <a:rPr lang="de-AT"/>
-              <a:t>Bereits erledigt</a:t>
-            </a:r>
-            <a:endParaRPr lang="en-GB"/>
+              <a:t>Kostenabschätzung</a:t>
+            </a:r>
           </a:p>
         </p:txBody>
       </p:sp>
@@ -5291,7 +6188,7 @@
           <p:cNvPr id="3" name="Inhaltsplatzhalter 2">
             <a:extLst>
               <a:ext uri="{FF2B5EF4-FFF2-40B4-BE49-F238E27FC236}">
-                <a16:creationId xmlns:a16="http://schemas.microsoft.com/office/drawing/2014/main" id="{024F27B7-30D2-20B0-4444-C74E11AB2A8E}"/>
+                <a16:creationId xmlns:a16="http://schemas.microsoft.com/office/drawing/2014/main" id="{A228378C-21E0-453B-B255-71BAC911E6C0}"/>
               </a:ext>
             </a:extLst>
           </p:cNvPr>
@@ -5308,66 +6205,220 @@
           <a:lstStyle/>
           <a:p>
             <a:r>
+              <a:rPr lang="de-AT" dirty="0"/>
+              <a:t>Gehalt (nach Kollektivvertrag)</a:t>
+            </a:r>
+          </a:p>
+          <a:p>
+            <a:pPr lvl="1"/>
+            <a:r>
+              <a:rPr lang="en-US" b="0" i="0" dirty="0">
+                <a:solidFill>
+                  <a:srgbClr val="000000"/>
+                </a:solidFill>
+                <a:effectLst/>
+                <a:highlight>
+                  <a:srgbClr val="FFFFFF"/>
+                </a:highlight>
+                <a:latin typeface="DIN-Web-Pro"/>
+              </a:rPr>
+              <a:t>€ 2.192,25 pro Person</a:t>
+            </a:r>
+            <a:endParaRPr lang="de-AT" b="0" i="0" dirty="0">
+              <a:solidFill>
+                <a:srgbClr val="000000"/>
+              </a:solidFill>
+              <a:effectLst/>
+              <a:highlight>
+                <a:srgbClr val="FFFFFF"/>
+              </a:highlight>
+              <a:latin typeface="DIN-Web-Pro"/>
+            </a:endParaRPr>
+          </a:p>
+          <a:p>
+            <a:pPr lvl="1"/>
+            <a:r>
+              <a:rPr lang="de-AT" dirty="0">
+                <a:solidFill>
+                  <a:srgbClr val="000000"/>
+                </a:solidFill>
+                <a:highlight>
+                  <a:srgbClr val="FFFFFF"/>
+                </a:highlight>
+                <a:latin typeface="DIN-Web-Pro"/>
+              </a:rPr>
+              <a:t>€ 6.576,75 insgesamt</a:t>
+            </a:r>
+          </a:p>
+          <a:p>
+            <a:r>
+              <a:rPr lang="de-AT" dirty="0">
+                <a:solidFill>
+                  <a:srgbClr val="000000"/>
+                </a:solidFill>
+                <a:highlight>
+                  <a:srgbClr val="FFFFFF"/>
+                </a:highlight>
+                <a:latin typeface="DIN-Web-Pro"/>
+              </a:rPr>
+              <a:t>Hardware</a:t>
+            </a:r>
+          </a:p>
+          <a:p>
+            <a:pPr lvl="1"/>
+            <a:r>
+              <a:rPr lang="de-AT" dirty="0">
+                <a:solidFill>
+                  <a:srgbClr val="000000"/>
+                </a:solidFill>
+                <a:highlight>
+                  <a:srgbClr val="FFFFFF"/>
+                </a:highlight>
+                <a:latin typeface="DIN-Web-Pro"/>
+              </a:rPr>
+              <a:t>Wissende Kosten: € 70,86</a:t>
+            </a:r>
+          </a:p>
+          <a:p>
+            <a:pPr lvl="2"/>
+            <a:r>
+              <a:rPr lang="de-AT" dirty="0">
+                <a:solidFill>
+                  <a:srgbClr val="000000"/>
+                </a:solidFill>
+                <a:highlight>
+                  <a:srgbClr val="FFFFFF"/>
+                </a:highlight>
+                <a:latin typeface="DIN-Web-Pro"/>
+              </a:rPr>
+              <a:t>3 Prototypen je: € 23,62</a:t>
+            </a:r>
+          </a:p>
+          <a:p>
+            <a:pPr lvl="3"/>
+            <a:r>
+              <a:rPr lang="de-AT" dirty="0">
+                <a:solidFill>
+                  <a:srgbClr val="000000"/>
+                </a:solidFill>
+                <a:highlight>
+                  <a:srgbClr val="FFFFFF"/>
+                </a:highlight>
+                <a:latin typeface="DIN-Web-Pro"/>
+              </a:rPr>
+              <a:t>Esp32: € 13,89</a:t>
+            </a:r>
+          </a:p>
+          <a:p>
+            <a:pPr lvl="3"/>
+            <a:r>
+              <a:rPr lang="de-AT" dirty="0">
+                <a:solidFill>
+                  <a:srgbClr val="000000"/>
+                </a:solidFill>
+                <a:highlight>
+                  <a:srgbClr val="FFFFFF"/>
+                </a:highlight>
+                <a:latin typeface="DIN-Web-Pro"/>
+              </a:rPr>
+              <a:t>GPS-Sensor: € 1,11</a:t>
+            </a:r>
+          </a:p>
+          <a:p>
+            <a:pPr lvl="3"/>
+            <a:r>
+              <a:rPr lang="de-AT" dirty="0">
+                <a:solidFill>
+                  <a:srgbClr val="000000"/>
+                </a:solidFill>
+                <a:highlight>
+                  <a:srgbClr val="FFFFFF"/>
+                </a:highlight>
+                <a:latin typeface="DIN-Web-Pro"/>
+              </a:rPr>
+              <a:t>Vibrationssensor: € 2,72</a:t>
+            </a:r>
+          </a:p>
+          <a:p>
+            <a:pPr lvl="3"/>
+            <a:r>
+              <a:rPr lang="de-AT" dirty="0">
+                <a:solidFill>
+                  <a:srgbClr val="000000"/>
+                </a:solidFill>
+                <a:highlight>
+                  <a:srgbClr val="FFFFFF"/>
+                </a:highlight>
+                <a:latin typeface="DIN-Web-Pro"/>
+              </a:rPr>
+              <a:t>BME 280: € 5,90</a:t>
+            </a:r>
+          </a:p>
+          <a:p>
+            <a:pPr lvl="1"/>
+            <a:r>
+              <a:rPr lang="de-AT" dirty="0">
+                <a:solidFill>
+                  <a:srgbClr val="000000"/>
+                </a:solidFill>
+                <a:highlight>
+                  <a:srgbClr val="FFFFFF"/>
+                </a:highlight>
+                <a:latin typeface="DIN-Web-Pro"/>
+              </a:rPr>
+              <a:t>Maximale Kosten € 200,00</a:t>
+            </a:r>
+          </a:p>
+          <a:p>
+            <a:pPr marL="457200" lvl="1" indent="0">
+              <a:buNone/>
+            </a:pPr>
+            <a:endParaRPr lang="de-AT" dirty="0">
+              <a:solidFill>
+                <a:srgbClr val="000000"/>
+              </a:solidFill>
+              <a:highlight>
+                <a:srgbClr val="FFFFFF"/>
+              </a:highlight>
+              <a:latin typeface="DIN-Web-Pro"/>
+            </a:endParaRPr>
+          </a:p>
+        </p:txBody>
+      </p:sp>
+      <p:sp>
+        <p:nvSpPr>
+          <p:cNvPr id="4" name="Fußzeilenplatzhalter 3">
+            <a:extLst>
+              <a:ext uri="{FF2B5EF4-FFF2-40B4-BE49-F238E27FC236}">
+                <a16:creationId xmlns:a16="http://schemas.microsoft.com/office/drawing/2014/main" id="{8AADA028-308D-430B-A45B-407D875A2351}"/>
+              </a:ext>
+            </a:extLst>
+          </p:cNvPr>
+          <p:cNvSpPr>
+            <a:spLocks noGrp="1"/>
+          </p:cNvSpPr>
+          <p:nvPr>
+            <p:ph type="ftr" sz="quarter" idx="11"/>
+          </p:nvPr>
+        </p:nvSpPr>
+        <p:spPr/>
+        <p:txBody>
+          <a:bodyPr/>
+          <a:lstStyle/>
+          <a:p>
+            <a:r>
               <a:rPr lang="de-AT"/>
-              <a:t>Container DB</a:t>
-            </a:r>
-          </a:p>
-          <a:p>
-            <a:r>
-              <a:rPr lang="de-AT"/>
-              <a:t>REST-Schnittstelle</a:t>
-            </a:r>
-          </a:p>
-          <a:p>
-            <a:r>
-              <a:rPr lang="de-AT"/>
-              <a:t>Authentifizierungsserver</a:t>
-            </a:r>
-          </a:p>
-        </p:txBody>
-      </p:sp>
-      <p:sp>
-        <p:nvSpPr>
-          <p:cNvPr id="4" name="Fußzeilenplatzhalter 3">
+              <a:t>CONTRUDE Gekle, Kampl, Schrempf</a:t>
+            </a:r>
+          </a:p>
+        </p:txBody>
+      </p:sp>
+      <p:sp>
+        <p:nvSpPr>
+          <p:cNvPr id="5" name="Foliennummernplatzhalter 4">
             <a:extLst>
               <a:ext uri="{FF2B5EF4-FFF2-40B4-BE49-F238E27FC236}">
-                <a16:creationId xmlns:a16="http://schemas.microsoft.com/office/drawing/2014/main" id="{6E09A3E5-E9D9-C916-501D-1EB289F7F868}"/>
-              </a:ext>
-            </a:extLst>
-          </p:cNvPr>
-          <p:cNvSpPr>
-            <a:spLocks noGrp="1"/>
-          </p:cNvSpPr>
-          <p:nvPr>
-            <p:ph type="ftr" sz="quarter" idx="11"/>
-          </p:nvPr>
-        </p:nvSpPr>
-        <p:spPr/>
-        <p:txBody>
-          <a:bodyPr/>
-          <a:lstStyle/>
-          <a:p>
-            <a:r>
-              <a:rPr lang="de-AT"/>
-              <a:t>CONTRUDE</a:t>
-            </a:r>
-            <a:r>
-              <a:rPr lang="de-AT" b="0"/>
-              <a:t> </a:t>
-            </a:r>
-            <a:r>
-              <a:rPr lang="de-AT"/>
-              <a:t>Schrempf</a:t>
-            </a:r>
-          </a:p>
-        </p:txBody>
-      </p:sp>
-      <p:sp>
-        <p:nvSpPr>
-          <p:cNvPr id="5" name="Foliennummernplatzhalter 4">
-            <a:extLst>
-              <a:ext uri="{FF2B5EF4-FFF2-40B4-BE49-F238E27FC236}">
-                <a16:creationId xmlns:a16="http://schemas.microsoft.com/office/drawing/2014/main" id="{A3248E37-7A5A-CF99-7DD3-0E77067C292D}"/>
+                <a16:creationId xmlns:a16="http://schemas.microsoft.com/office/drawing/2014/main" id="{AB38338F-922C-40A7-B140-637B827703BF}"/>
               </a:ext>
             </a:extLst>
           </p:cNvPr>
@@ -5387,6 +6438,681 @@
               <a:rPr lang="de-AT" smtClean="0"/>
               <a:pPr/>
               <a:t>14</a:t>
+            </a:fld>
+            <a:endParaRPr lang="de-AT"/>
+          </a:p>
+        </p:txBody>
+      </p:sp>
+    </p:spTree>
+    <p:extLst>
+      <p:ext uri="{BB962C8B-B14F-4D97-AF65-F5344CB8AC3E}">
+        <p14:creationId xmlns:p14="http://schemas.microsoft.com/office/powerpoint/2010/main" val="1447962708"/>
+      </p:ext>
+    </p:extLst>
+  </p:cSld>
+  <p:clrMapOvr>
+    <a:masterClrMapping/>
+  </p:clrMapOvr>
+  <mc:AlternateContent xmlns:mc="http://schemas.openxmlformats.org/markup-compatibility/2006" xmlns:p159="http://schemas.microsoft.com/office/powerpoint/2015/09/main">
+    <mc:Choice Requires="p159">
+      <p:transition xmlns:p14="http://schemas.microsoft.com/office/powerpoint/2010/main" spd="slow" p14:dur="2000">
+        <p159:morph option="byObject"/>
+      </p:transition>
+    </mc:Choice>
+    <mc:Fallback xmlns="">
+      <p:transition spd="slow">
+        <p:fade/>
+      </p:transition>
+    </mc:Fallback>
+  </mc:AlternateContent>
+</p:sld>
+</file>
+
+<file path=ppt/slides/slide15.xml><?xml version="1.0" encoding="utf-8"?>
+<p:sld xmlns:a="http://schemas.openxmlformats.org/drawingml/2006/main" xmlns:r="http://schemas.openxmlformats.org/officeDocument/2006/relationships" xmlns:p="http://schemas.openxmlformats.org/presentationml/2006/main">
+  <p:cSld>
+    <p:spTree>
+      <p:nvGrpSpPr>
+        <p:cNvPr id="1" name=""/>
+        <p:cNvGrpSpPr/>
+        <p:nvPr/>
+      </p:nvGrpSpPr>
+      <p:grpSpPr>
+        <a:xfrm>
+          <a:off x="0" y="0"/>
+          <a:ext cx="0" cy="0"/>
+          <a:chOff x="0" y="0"/>
+          <a:chExt cx="0" cy="0"/>
+        </a:xfrm>
+      </p:grpSpPr>
+      <p:sp>
+        <p:nvSpPr>
+          <p:cNvPr id="2" name="Titel 1">
+            <a:extLst>
+              <a:ext uri="{FF2B5EF4-FFF2-40B4-BE49-F238E27FC236}">
+                <a16:creationId xmlns:a16="http://schemas.microsoft.com/office/drawing/2014/main" id="{E496C6BA-99A1-43F4-92B8-B6D762EF0987}"/>
+              </a:ext>
+            </a:extLst>
+          </p:cNvPr>
+          <p:cNvSpPr>
+            <a:spLocks noGrp="1"/>
+          </p:cNvSpPr>
+          <p:nvPr>
+            <p:ph type="title"/>
+          </p:nvPr>
+        </p:nvSpPr>
+        <p:spPr/>
+        <p:txBody>
+          <a:bodyPr/>
+          <a:lstStyle/>
+          <a:p>
+            <a:r>
+              <a:rPr lang="de-DE" dirty="0"/>
+              <a:t>PM – </a:t>
+            </a:r>
+            <a:r>
+              <a:rPr lang="de-AT" dirty="0"/>
+              <a:t>Wie wird es gelebt</a:t>
+            </a:r>
+          </a:p>
+        </p:txBody>
+      </p:sp>
+      <p:sp>
+        <p:nvSpPr>
+          <p:cNvPr id="4" name="Fußzeilenplatzhalter 3">
+            <a:extLst>
+              <a:ext uri="{FF2B5EF4-FFF2-40B4-BE49-F238E27FC236}">
+                <a16:creationId xmlns:a16="http://schemas.microsoft.com/office/drawing/2014/main" id="{8AADA028-308D-430B-A45B-407D875A2351}"/>
+              </a:ext>
+            </a:extLst>
+          </p:cNvPr>
+          <p:cNvSpPr>
+            <a:spLocks noGrp="1"/>
+          </p:cNvSpPr>
+          <p:nvPr>
+            <p:ph type="ftr" sz="quarter" idx="11"/>
+          </p:nvPr>
+        </p:nvSpPr>
+        <p:spPr/>
+        <p:txBody>
+          <a:bodyPr/>
+          <a:lstStyle/>
+          <a:p>
+            <a:r>
+              <a:rPr lang="de-AT" dirty="0"/>
+              <a:t>CONTRUDE Gekle, Kampl, Schrempf</a:t>
+            </a:r>
+          </a:p>
+        </p:txBody>
+      </p:sp>
+      <p:sp>
+        <p:nvSpPr>
+          <p:cNvPr id="5" name="Foliennummernplatzhalter 4">
+            <a:extLst>
+              <a:ext uri="{FF2B5EF4-FFF2-40B4-BE49-F238E27FC236}">
+                <a16:creationId xmlns:a16="http://schemas.microsoft.com/office/drawing/2014/main" id="{AB38338F-922C-40A7-B140-637B827703BF}"/>
+              </a:ext>
+            </a:extLst>
+          </p:cNvPr>
+          <p:cNvSpPr>
+            <a:spLocks noGrp="1"/>
+          </p:cNvSpPr>
+          <p:nvPr>
+            <p:ph type="sldNum" sz="quarter" idx="12"/>
+          </p:nvPr>
+        </p:nvSpPr>
+        <p:spPr/>
+        <p:txBody>
+          <a:bodyPr/>
+          <a:lstStyle/>
+          <a:p>
+            <a:fld id="{7DCD6803-3BAA-44F6-A698-23D950C9713B}" type="slidenum">
+              <a:rPr lang="de-AT" smtClean="0"/>
+              <a:pPr/>
+              <a:t>15</a:t>
+            </a:fld>
+            <a:endParaRPr lang="de-AT"/>
+          </a:p>
+        </p:txBody>
+      </p:sp>
+      <p:pic>
+        <p:nvPicPr>
+          <p:cNvPr id="6" name="Grafik 5">
+            <a:extLst>
+              <a:ext uri="{FF2B5EF4-FFF2-40B4-BE49-F238E27FC236}">
+                <a16:creationId xmlns:a16="http://schemas.microsoft.com/office/drawing/2014/main" id="{480B0DDF-6C21-FE6A-55EC-2C986A8C1062}"/>
+              </a:ext>
+            </a:extLst>
+          </p:cNvPr>
+          <p:cNvPicPr>
+            <a:picLocks noChangeAspect="1"/>
+          </p:cNvPicPr>
+          <p:nvPr/>
+        </p:nvPicPr>
+        <p:blipFill rotWithShape="1">
+          <a:blip r:embed="rId2"/>
+          <a:srcRect t="1029"/>
+          <a:stretch/>
+        </p:blipFill>
+        <p:spPr>
+          <a:xfrm>
+            <a:off x="668594" y="993057"/>
+            <a:ext cx="11307904" cy="5211097"/>
+          </a:xfrm>
+          <a:prstGeom prst="rect">
+            <a:avLst/>
+          </a:prstGeom>
+        </p:spPr>
+      </p:pic>
+    </p:spTree>
+    <p:extLst>
+      <p:ext uri="{BB962C8B-B14F-4D97-AF65-F5344CB8AC3E}">
+        <p14:creationId xmlns:p14="http://schemas.microsoft.com/office/powerpoint/2010/main" val="3861356565"/>
+      </p:ext>
+    </p:extLst>
+  </p:cSld>
+  <p:clrMapOvr>
+    <a:masterClrMapping/>
+  </p:clrMapOvr>
+  <mc:AlternateContent xmlns:mc="http://schemas.openxmlformats.org/markup-compatibility/2006">
+    <mc:Choice xmlns:p159="http://schemas.microsoft.com/office/powerpoint/2015/09/main" Requires="p159">
+      <p:transition xmlns:p14="http://schemas.microsoft.com/office/powerpoint/2010/main" spd="slow" p14:dur="2000">
+        <p159:morph option="byObject"/>
+      </p:transition>
+    </mc:Choice>
+    <mc:Fallback>
+      <p:transition spd="slow">
+        <p:fade/>
+      </p:transition>
+    </mc:Fallback>
+  </mc:AlternateContent>
+</p:sld>
+</file>
+
+<file path=ppt/slides/slide16.xml><?xml version="1.0" encoding="utf-8"?>
+<p:sld xmlns:a="http://schemas.openxmlformats.org/drawingml/2006/main" xmlns:r="http://schemas.openxmlformats.org/officeDocument/2006/relationships" xmlns:p="http://schemas.openxmlformats.org/presentationml/2006/main">
+  <p:cSld>
+    <p:spTree>
+      <p:nvGrpSpPr>
+        <p:cNvPr id="1" name=""/>
+        <p:cNvGrpSpPr/>
+        <p:nvPr/>
+      </p:nvGrpSpPr>
+      <p:grpSpPr>
+        <a:xfrm>
+          <a:off x="0" y="0"/>
+          <a:ext cx="0" cy="0"/>
+          <a:chOff x="0" y="0"/>
+          <a:chExt cx="0" cy="0"/>
+        </a:xfrm>
+      </p:grpSpPr>
+      <p:sp>
+        <p:nvSpPr>
+          <p:cNvPr id="2" name="Titel 1">
+            <a:extLst>
+              <a:ext uri="{FF2B5EF4-FFF2-40B4-BE49-F238E27FC236}">
+                <a16:creationId xmlns:a16="http://schemas.microsoft.com/office/drawing/2014/main" id="{54532958-F680-A24A-59E2-366E54AE4AA4}"/>
+              </a:ext>
+            </a:extLst>
+          </p:cNvPr>
+          <p:cNvSpPr>
+            <a:spLocks noGrp="1"/>
+          </p:cNvSpPr>
+          <p:nvPr>
+            <p:ph type="title"/>
+          </p:nvPr>
+        </p:nvSpPr>
+        <p:spPr/>
+        <p:txBody>
+          <a:bodyPr/>
+          <a:lstStyle/>
+          <a:p>
+            <a:r>
+              <a:rPr lang="de-DE" dirty="0"/>
+              <a:t>PM – </a:t>
+            </a:r>
+            <a:r>
+              <a:rPr lang="de-AT" dirty="0"/>
+              <a:t>Wie wird es gelebt</a:t>
+            </a:r>
+            <a:endParaRPr lang="en-US" dirty="0"/>
+          </a:p>
+        </p:txBody>
+      </p:sp>
+      <p:sp>
+        <p:nvSpPr>
+          <p:cNvPr id="4" name="Fußzeilenplatzhalter 3">
+            <a:extLst>
+              <a:ext uri="{FF2B5EF4-FFF2-40B4-BE49-F238E27FC236}">
+                <a16:creationId xmlns:a16="http://schemas.microsoft.com/office/drawing/2014/main" id="{DD3224FF-609B-7B4D-F203-682916FBAB4A}"/>
+              </a:ext>
+            </a:extLst>
+          </p:cNvPr>
+          <p:cNvSpPr>
+            <a:spLocks noGrp="1"/>
+          </p:cNvSpPr>
+          <p:nvPr>
+            <p:ph type="ftr" sz="quarter" idx="11"/>
+          </p:nvPr>
+        </p:nvSpPr>
+        <p:spPr/>
+        <p:txBody>
+          <a:bodyPr/>
+          <a:lstStyle/>
+          <a:p>
+            <a:r>
+              <a:rPr lang="de-AT" dirty="0"/>
+              <a:t>CONTRUDE </a:t>
+            </a:r>
+            <a:r>
+              <a:rPr lang="de-AT" dirty="0" err="1"/>
+              <a:t>Gekle</a:t>
+            </a:r>
+            <a:r>
+              <a:rPr lang="de-AT" dirty="0"/>
+              <a:t>, Kampl, Schrempf</a:t>
+            </a:r>
+          </a:p>
+        </p:txBody>
+      </p:sp>
+      <p:sp>
+        <p:nvSpPr>
+          <p:cNvPr id="5" name="Foliennummernplatzhalter 4">
+            <a:extLst>
+              <a:ext uri="{FF2B5EF4-FFF2-40B4-BE49-F238E27FC236}">
+                <a16:creationId xmlns:a16="http://schemas.microsoft.com/office/drawing/2014/main" id="{F6686C6E-ADF3-97AC-FA73-AFDB5F9238E6}"/>
+              </a:ext>
+            </a:extLst>
+          </p:cNvPr>
+          <p:cNvSpPr>
+            <a:spLocks noGrp="1"/>
+          </p:cNvSpPr>
+          <p:nvPr>
+            <p:ph type="sldNum" sz="quarter" idx="12"/>
+          </p:nvPr>
+        </p:nvSpPr>
+        <p:spPr/>
+        <p:txBody>
+          <a:bodyPr/>
+          <a:lstStyle/>
+          <a:p>
+            <a:fld id="{7DCD6803-3BAA-44F6-A698-23D950C9713B}" type="slidenum">
+              <a:rPr lang="de-AT" smtClean="0"/>
+              <a:pPr/>
+              <a:t>16</a:t>
+            </a:fld>
+            <a:endParaRPr lang="de-AT"/>
+          </a:p>
+        </p:txBody>
+      </p:sp>
+      <p:pic>
+        <p:nvPicPr>
+          <p:cNvPr id="7" name="Grafik 6">
+            <a:extLst>
+              <a:ext uri="{FF2B5EF4-FFF2-40B4-BE49-F238E27FC236}">
+                <a16:creationId xmlns:a16="http://schemas.microsoft.com/office/drawing/2014/main" id="{378456ED-308B-B9D8-94D5-8A00BBAA6DE7}"/>
+              </a:ext>
+            </a:extLst>
+          </p:cNvPr>
+          <p:cNvPicPr>
+            <a:picLocks noChangeAspect="1"/>
+          </p:cNvPicPr>
+          <p:nvPr/>
+        </p:nvPicPr>
+        <p:blipFill>
+          <a:blip r:embed="rId2"/>
+          <a:stretch>
+            <a:fillRect/>
+          </a:stretch>
+        </p:blipFill>
+        <p:spPr>
+          <a:xfrm>
+            <a:off x="2774597" y="1065552"/>
+            <a:ext cx="6642806" cy="5133968"/>
+          </a:xfrm>
+          <a:prstGeom prst="rect">
+            <a:avLst/>
+          </a:prstGeom>
+        </p:spPr>
+      </p:pic>
+    </p:spTree>
+    <p:extLst>
+      <p:ext uri="{BB962C8B-B14F-4D97-AF65-F5344CB8AC3E}">
+        <p14:creationId xmlns:p14="http://schemas.microsoft.com/office/powerpoint/2010/main" val="555466609"/>
+      </p:ext>
+    </p:extLst>
+  </p:cSld>
+  <p:clrMapOvr>
+    <a:masterClrMapping/>
+  </p:clrMapOvr>
+  <mc:AlternateContent xmlns:mc="http://schemas.openxmlformats.org/markup-compatibility/2006" xmlns:p159="http://schemas.microsoft.com/office/powerpoint/2015/09/main">
+    <mc:Choice Requires="p159">
+      <p:transition xmlns:p14="http://schemas.microsoft.com/office/powerpoint/2010/main" spd="slow" p14:dur="2000">
+        <p159:morph option="byObject"/>
+      </p:transition>
+    </mc:Choice>
+    <mc:Fallback xmlns="">
+      <p:transition spd="slow">
+        <p:fade/>
+      </p:transition>
+    </mc:Fallback>
+  </mc:AlternateContent>
+</p:sld>
+</file>
+
+<file path=ppt/slides/slide17.xml><?xml version="1.0" encoding="utf-8"?>
+<p:sld xmlns:a="http://schemas.openxmlformats.org/drawingml/2006/main" xmlns:r="http://schemas.openxmlformats.org/officeDocument/2006/relationships" xmlns:p="http://schemas.openxmlformats.org/presentationml/2006/main">
+  <p:cSld>
+    <p:spTree>
+      <p:nvGrpSpPr>
+        <p:cNvPr id="1" name=""/>
+        <p:cNvGrpSpPr/>
+        <p:nvPr/>
+      </p:nvGrpSpPr>
+      <p:grpSpPr>
+        <a:xfrm>
+          <a:off x="0" y="0"/>
+          <a:ext cx="0" cy="0"/>
+          <a:chOff x="0" y="0"/>
+          <a:chExt cx="0" cy="0"/>
+        </a:xfrm>
+      </p:grpSpPr>
+      <p:sp>
+        <p:nvSpPr>
+          <p:cNvPr id="2" name="Titel 1">
+            <a:extLst>
+              <a:ext uri="{FF2B5EF4-FFF2-40B4-BE49-F238E27FC236}">
+                <a16:creationId xmlns:a16="http://schemas.microsoft.com/office/drawing/2014/main" id="{41705578-676D-FCCF-F067-38289B99C507}"/>
+              </a:ext>
+            </a:extLst>
+          </p:cNvPr>
+          <p:cNvSpPr>
+            <a:spLocks noGrp="1"/>
+          </p:cNvSpPr>
+          <p:nvPr>
+            <p:ph type="title"/>
+          </p:nvPr>
+        </p:nvSpPr>
+        <p:spPr/>
+        <p:txBody>
+          <a:bodyPr/>
+          <a:lstStyle/>
+          <a:p>
+            <a:r>
+              <a:rPr lang="de-AT" dirty="0"/>
+              <a:t>Struktur</a:t>
+            </a:r>
+          </a:p>
+        </p:txBody>
+      </p:sp>
+      <p:pic>
+        <p:nvPicPr>
+          <p:cNvPr id="7" name="Inhaltsplatzhalter 6">
+            <a:extLst>
+              <a:ext uri="{FF2B5EF4-FFF2-40B4-BE49-F238E27FC236}">
+                <a16:creationId xmlns:a16="http://schemas.microsoft.com/office/drawing/2014/main" id="{AFE89A80-B440-BF16-0152-F50CC3E17FFA}"/>
+              </a:ext>
+            </a:extLst>
+          </p:cNvPr>
+          <p:cNvPicPr>
+            <a:picLocks noGrp="1" noChangeAspect="1"/>
+          </p:cNvPicPr>
+          <p:nvPr>
+            <p:ph idx="1"/>
+          </p:nvPr>
+        </p:nvPicPr>
+        <p:blipFill>
+          <a:blip r:embed="rId2">
+            <a:extLst>
+              <a:ext uri="{28A0092B-C50C-407E-A947-70E740481C1C}">
+                <a14:useLocalDpi xmlns:a14="http://schemas.microsoft.com/office/drawing/2010/main" val="0"/>
+              </a:ext>
+              <a:ext uri="{96DAC541-7B7A-43D3-8B79-37D633B846F1}">
+                <asvg:svgBlip xmlns:asvg="http://schemas.microsoft.com/office/drawing/2016/SVG/main" r:embed="rId3"/>
+              </a:ext>
+            </a:extLst>
+          </a:blip>
+          <a:stretch>
+            <a:fillRect/>
+          </a:stretch>
+        </p:blipFill>
+        <p:spPr>
+          <a:xfrm>
+            <a:off x="2173760" y="1095711"/>
+            <a:ext cx="7844479" cy="5073650"/>
+          </a:xfrm>
+        </p:spPr>
+      </p:pic>
+      <p:sp>
+        <p:nvSpPr>
+          <p:cNvPr id="4" name="Fußzeilenplatzhalter 3">
+            <a:extLst>
+              <a:ext uri="{FF2B5EF4-FFF2-40B4-BE49-F238E27FC236}">
+                <a16:creationId xmlns:a16="http://schemas.microsoft.com/office/drawing/2014/main" id="{68EE335B-B2E2-9F37-0D30-DC40083206F5}"/>
+              </a:ext>
+            </a:extLst>
+          </p:cNvPr>
+          <p:cNvSpPr>
+            <a:spLocks noGrp="1"/>
+          </p:cNvSpPr>
+          <p:nvPr>
+            <p:ph type="ftr" sz="quarter" idx="11"/>
+          </p:nvPr>
+        </p:nvSpPr>
+        <p:spPr/>
+        <p:txBody>
+          <a:bodyPr/>
+          <a:lstStyle/>
+          <a:p>
+            <a:r>
+              <a:rPr lang="de-AT" dirty="0"/>
+              <a:t>CONTRUDE Gekle, Kampl, Schrempf</a:t>
+            </a:r>
+          </a:p>
+        </p:txBody>
+      </p:sp>
+      <p:sp>
+        <p:nvSpPr>
+          <p:cNvPr id="5" name="Foliennummernplatzhalter 4">
+            <a:extLst>
+              <a:ext uri="{FF2B5EF4-FFF2-40B4-BE49-F238E27FC236}">
+                <a16:creationId xmlns:a16="http://schemas.microsoft.com/office/drawing/2014/main" id="{C505ED6E-17E1-8489-2A55-B1355FDF1AC1}"/>
+              </a:ext>
+            </a:extLst>
+          </p:cNvPr>
+          <p:cNvSpPr>
+            <a:spLocks noGrp="1"/>
+          </p:cNvSpPr>
+          <p:nvPr>
+            <p:ph type="sldNum" sz="quarter" idx="12"/>
+          </p:nvPr>
+        </p:nvSpPr>
+        <p:spPr/>
+        <p:txBody>
+          <a:bodyPr/>
+          <a:lstStyle/>
+          <a:p>
+            <a:fld id="{7DCD6803-3BAA-44F6-A698-23D950C9713B}" type="slidenum">
+              <a:rPr lang="de-AT" smtClean="0"/>
+              <a:pPr/>
+              <a:t>17</a:t>
+            </a:fld>
+            <a:endParaRPr lang="de-AT"/>
+          </a:p>
+        </p:txBody>
+      </p:sp>
+    </p:spTree>
+    <p:extLst>
+      <p:ext uri="{BB962C8B-B14F-4D97-AF65-F5344CB8AC3E}">
+        <p14:creationId xmlns:p14="http://schemas.microsoft.com/office/powerpoint/2010/main" val="3150432457"/>
+      </p:ext>
+    </p:extLst>
+  </p:cSld>
+  <p:clrMapOvr>
+    <a:masterClrMapping/>
+  </p:clrMapOvr>
+  <mc:AlternateContent xmlns:mc="http://schemas.openxmlformats.org/markup-compatibility/2006" xmlns:p159="http://schemas.microsoft.com/office/powerpoint/2015/09/main">
+    <mc:Choice Requires="p159">
+      <p:transition xmlns:p14="http://schemas.microsoft.com/office/powerpoint/2010/main" spd="slow" p14:dur="2000">
+        <p159:morph option="byObject"/>
+      </p:transition>
+    </mc:Choice>
+    <mc:Fallback xmlns="">
+      <p:transition spd="slow">
+        <p:fade/>
+      </p:transition>
+    </mc:Fallback>
+  </mc:AlternateContent>
+</p:sld>
+</file>
+
+<file path=ppt/slides/slide18.xml><?xml version="1.0" encoding="utf-8"?>
+<p:sld xmlns:a="http://schemas.openxmlformats.org/drawingml/2006/main" xmlns:r="http://schemas.openxmlformats.org/officeDocument/2006/relationships" xmlns:p="http://schemas.openxmlformats.org/presentationml/2006/main">
+  <p:cSld>
+    <p:spTree>
+      <p:nvGrpSpPr>
+        <p:cNvPr id="1" name=""/>
+        <p:cNvGrpSpPr/>
+        <p:nvPr/>
+      </p:nvGrpSpPr>
+      <p:grpSpPr>
+        <a:xfrm>
+          <a:off x="0" y="0"/>
+          <a:ext cx="0" cy="0"/>
+          <a:chOff x="0" y="0"/>
+          <a:chExt cx="0" cy="0"/>
+        </a:xfrm>
+      </p:grpSpPr>
+      <p:sp>
+        <p:nvSpPr>
+          <p:cNvPr id="2" name="Titel 1">
+            <a:extLst>
+              <a:ext uri="{FF2B5EF4-FFF2-40B4-BE49-F238E27FC236}">
+                <a16:creationId xmlns:a16="http://schemas.microsoft.com/office/drawing/2014/main" id="{49B75182-9F7E-DDB8-1BCE-29DCCA8443FA}"/>
+              </a:ext>
+            </a:extLst>
+          </p:cNvPr>
+          <p:cNvSpPr>
+            <a:spLocks noGrp="1"/>
+          </p:cNvSpPr>
+          <p:nvPr>
+            <p:ph type="title"/>
+          </p:nvPr>
+        </p:nvSpPr>
+        <p:spPr/>
+        <p:txBody>
+          <a:bodyPr/>
+          <a:lstStyle/>
+          <a:p>
+            <a:r>
+              <a:rPr lang="de-AT"/>
+              <a:t>Bereits erledigt</a:t>
+            </a:r>
+            <a:endParaRPr lang="en-GB"/>
+          </a:p>
+        </p:txBody>
+      </p:sp>
+      <p:sp>
+        <p:nvSpPr>
+          <p:cNvPr id="3" name="Inhaltsplatzhalter 2">
+            <a:extLst>
+              <a:ext uri="{FF2B5EF4-FFF2-40B4-BE49-F238E27FC236}">
+                <a16:creationId xmlns:a16="http://schemas.microsoft.com/office/drawing/2014/main" id="{024F27B7-30D2-20B0-4444-C74E11AB2A8E}"/>
+              </a:ext>
+            </a:extLst>
+          </p:cNvPr>
+          <p:cNvSpPr>
+            <a:spLocks noGrp="1"/>
+          </p:cNvSpPr>
+          <p:nvPr>
+            <p:ph idx="1"/>
+          </p:nvPr>
+        </p:nvSpPr>
+        <p:spPr/>
+        <p:txBody>
+          <a:bodyPr/>
+          <a:lstStyle/>
+          <a:p>
+            <a:r>
+              <a:rPr lang="de-AT"/>
+              <a:t>Container DB</a:t>
+            </a:r>
+          </a:p>
+          <a:p>
+            <a:r>
+              <a:rPr lang="de-AT"/>
+              <a:t>REST-Schnittstelle</a:t>
+            </a:r>
+          </a:p>
+          <a:p>
+            <a:r>
+              <a:rPr lang="de-AT"/>
+              <a:t>Authentifizierungsserver</a:t>
+            </a:r>
+          </a:p>
+        </p:txBody>
+      </p:sp>
+      <p:sp>
+        <p:nvSpPr>
+          <p:cNvPr id="4" name="Fußzeilenplatzhalter 3">
+            <a:extLst>
+              <a:ext uri="{FF2B5EF4-FFF2-40B4-BE49-F238E27FC236}">
+                <a16:creationId xmlns:a16="http://schemas.microsoft.com/office/drawing/2014/main" id="{6E09A3E5-E9D9-C916-501D-1EB289F7F868}"/>
+              </a:ext>
+            </a:extLst>
+          </p:cNvPr>
+          <p:cNvSpPr>
+            <a:spLocks noGrp="1"/>
+          </p:cNvSpPr>
+          <p:nvPr>
+            <p:ph type="ftr" sz="quarter" idx="11"/>
+          </p:nvPr>
+        </p:nvSpPr>
+        <p:spPr/>
+        <p:txBody>
+          <a:bodyPr/>
+          <a:lstStyle/>
+          <a:p>
+            <a:r>
+              <a:rPr lang="de-AT"/>
+              <a:t>CONTRUDE</a:t>
+            </a:r>
+            <a:r>
+              <a:rPr lang="de-AT" b="0"/>
+              <a:t> </a:t>
+            </a:r>
+            <a:r>
+              <a:rPr lang="de-AT"/>
+              <a:t>Schrempf</a:t>
+            </a:r>
+          </a:p>
+        </p:txBody>
+      </p:sp>
+      <p:sp>
+        <p:nvSpPr>
+          <p:cNvPr id="5" name="Foliennummernplatzhalter 4">
+            <a:extLst>
+              <a:ext uri="{FF2B5EF4-FFF2-40B4-BE49-F238E27FC236}">
+                <a16:creationId xmlns:a16="http://schemas.microsoft.com/office/drawing/2014/main" id="{A3248E37-7A5A-CF99-7DD3-0E77067C292D}"/>
+              </a:ext>
+            </a:extLst>
+          </p:cNvPr>
+          <p:cNvSpPr>
+            <a:spLocks noGrp="1"/>
+          </p:cNvSpPr>
+          <p:nvPr>
+            <p:ph type="sldNum" sz="quarter" idx="12"/>
+          </p:nvPr>
+        </p:nvSpPr>
+        <p:spPr/>
+        <p:txBody>
+          <a:bodyPr/>
+          <a:lstStyle/>
+          <a:p>
+            <a:fld id="{7DCD6803-3BAA-44F6-A698-23D950C9713B}" type="slidenum">
+              <a:rPr lang="de-AT" smtClean="0"/>
+              <a:pPr/>
+              <a:t>18</a:t>
             </a:fld>
             <a:endParaRPr lang="de-AT"/>
           </a:p>
@@ -5436,7 +7162,13 @@
       </p:grpSpPr>
       <p:sp>
         <p:nvSpPr>
-          <p:cNvPr id="2" name="Titel 1"/>
+          <p:cNvPr id="2" name="Titel 1">
+            <a:extLst>
+              <a:ext uri="{FF2B5EF4-FFF2-40B4-BE49-F238E27FC236}">
+                <a16:creationId xmlns:a16="http://schemas.microsoft.com/office/drawing/2014/main" id="{009E865A-CD1F-7E82-F37A-F92D30B05899}"/>
+              </a:ext>
+            </a:extLst>
+          </p:cNvPr>
           <p:cNvSpPr>
             <a:spLocks noGrp="1"/>
           </p:cNvSpPr>
@@ -5450,128 +7182,204 @@
           <a:lstStyle/>
           <a:p>
             <a:r>
+              <a:rPr lang="de-DE" dirty="0"/>
+              <a:t>Problem</a:t>
+            </a:r>
+            <a:endParaRPr lang="en-US" dirty="0"/>
+          </a:p>
+        </p:txBody>
+      </p:sp>
+      <p:sp>
+        <p:nvSpPr>
+          <p:cNvPr id="3" name="Inhaltsplatzhalter 2">
+            <a:extLst>
+              <a:ext uri="{FF2B5EF4-FFF2-40B4-BE49-F238E27FC236}">
+                <a16:creationId xmlns:a16="http://schemas.microsoft.com/office/drawing/2014/main" id="{A1E194B9-AB3E-DD46-627F-B7836C81E6B2}"/>
+              </a:ext>
+            </a:extLst>
+          </p:cNvPr>
+          <p:cNvSpPr>
+            <a:spLocks noGrp="1"/>
+          </p:cNvSpPr>
+          <p:nvPr>
+            <p:ph idx="1"/>
+          </p:nvPr>
+        </p:nvSpPr>
+        <p:spPr/>
+        <p:txBody>
+          <a:bodyPr/>
+          <a:lstStyle/>
+          <a:p>
+            <a:r>
+              <a:rPr lang="de-DE" dirty="0"/>
+              <a:t>Insgesamt werden 250 Millionen Container jährlich weltweit transportiert </a:t>
+            </a:r>
+            <a:r>
+              <a:rPr lang="de-DE" sz="1600" dirty="0">
+                <a:hlinkClick r:id="rId2"/>
+              </a:rPr>
+              <a:t>[1]</a:t>
+            </a:r>
+            <a:endParaRPr lang="de-DE" sz="1600" dirty="0"/>
+          </a:p>
+          <a:p>
+            <a:pPr lvl="1"/>
+            <a:r>
+              <a:rPr lang="en-US" dirty="0"/>
+              <a:t>11.000 </a:t>
+            </a:r>
+            <a:r>
+              <a:rPr lang="en-US" dirty="0" err="1"/>
+              <a:t>sind</a:t>
+            </a:r>
+            <a:r>
+              <a:rPr lang="en-US" dirty="0"/>
+              <a:t> </a:t>
+            </a:r>
+            <a:r>
+              <a:rPr lang="de-DE" dirty="0"/>
+              <a:t>Temperatur</a:t>
+            </a:r>
+            <a:r>
+              <a:rPr lang="en-US" dirty="0" err="1"/>
+              <a:t>gesteuert</a:t>
+            </a:r>
+            <a:r>
+              <a:rPr lang="en-US" dirty="0"/>
+              <a:t> </a:t>
+            </a:r>
+            <a:r>
+              <a:rPr lang="en-US" sz="1600" dirty="0">
+                <a:hlinkClick r:id="rId3"/>
+              </a:rPr>
+              <a:t>[2]</a:t>
+            </a:r>
+            <a:endParaRPr lang="en-US" sz="1600" dirty="0"/>
+          </a:p>
+          <a:p>
+            <a:pPr lvl="1"/>
+            <a:r>
+              <a:rPr lang="en-US" dirty="0"/>
+              <a:t>1566 </a:t>
+            </a:r>
+            <a:r>
+              <a:rPr lang="en-US" dirty="0" err="1"/>
+              <a:t>gehen</a:t>
+            </a:r>
+            <a:r>
+              <a:rPr lang="en-US" dirty="0"/>
+              <a:t> </a:t>
+            </a:r>
+            <a:r>
+              <a:rPr lang="en-US" dirty="0" err="1"/>
+              <a:t>verloren</a:t>
+            </a:r>
+            <a:r>
+              <a:rPr lang="en-US" dirty="0"/>
+              <a:t> </a:t>
+            </a:r>
+            <a:r>
+              <a:rPr lang="de-DE" sz="1600" dirty="0">
+                <a:hlinkClick r:id="rId2"/>
+              </a:rPr>
+              <a:t>[1]</a:t>
+            </a:r>
+            <a:endParaRPr lang="en-US" sz="1600" dirty="0"/>
+          </a:p>
+          <a:p>
+            <a:r>
+              <a:rPr lang="en-US" dirty="0" err="1"/>
+              <a:t>Wir</a:t>
+            </a:r>
+            <a:r>
+              <a:rPr lang="en-US" dirty="0"/>
+              <a:t> </a:t>
+            </a:r>
+            <a:r>
+              <a:rPr lang="en-US" dirty="0" err="1"/>
+              <a:t>wollen</a:t>
+            </a:r>
+            <a:r>
+              <a:rPr lang="en-US" dirty="0"/>
+              <a:t> es </a:t>
+            </a:r>
+            <a:r>
+              <a:rPr lang="en-US" dirty="0" err="1"/>
+              <a:t>Kunden</a:t>
+            </a:r>
+            <a:r>
+              <a:rPr lang="en-US" dirty="0"/>
+              <a:t> </a:t>
+            </a:r>
+            <a:r>
+              <a:rPr lang="en-US" dirty="0" err="1"/>
+              <a:t>ermöglichen</a:t>
+            </a:r>
+            <a:r>
+              <a:rPr lang="en-US" dirty="0"/>
+              <a:t> auf </a:t>
+            </a:r>
+            <a:r>
+              <a:rPr lang="en-US" dirty="0" err="1"/>
+              <a:t>Extremfälle</a:t>
+            </a:r>
+            <a:r>
+              <a:rPr lang="en-US" dirty="0"/>
+              <a:t> </a:t>
+            </a:r>
+            <a:r>
+              <a:rPr lang="en-US" dirty="0" err="1"/>
+              <a:t>zu</a:t>
+            </a:r>
+            <a:r>
+              <a:rPr lang="en-US" dirty="0"/>
+              <a:t> </a:t>
+            </a:r>
+            <a:r>
+              <a:rPr lang="en-US" dirty="0" err="1"/>
+              <a:t>reagieren</a:t>
+            </a:r>
+            <a:endParaRPr lang="en-US" dirty="0"/>
+          </a:p>
+        </p:txBody>
+      </p:sp>
+      <p:sp>
+        <p:nvSpPr>
+          <p:cNvPr id="4" name="Fußzeilenplatzhalter 3">
+            <a:extLst>
+              <a:ext uri="{FF2B5EF4-FFF2-40B4-BE49-F238E27FC236}">
+                <a16:creationId xmlns:a16="http://schemas.microsoft.com/office/drawing/2014/main" id="{FAC01B4F-0F70-CF7B-89F5-E2F7614CED11}"/>
+              </a:ext>
+            </a:extLst>
+          </p:cNvPr>
+          <p:cNvSpPr>
+            <a:spLocks noGrp="1"/>
+          </p:cNvSpPr>
+          <p:nvPr>
+            <p:ph type="ftr" sz="quarter" idx="11"/>
+          </p:nvPr>
+        </p:nvSpPr>
+        <p:spPr/>
+        <p:txBody>
+          <a:bodyPr/>
+          <a:lstStyle/>
+          <a:p>
+            <a:r>
               <a:rPr lang="de-AT"/>
-              <a:t>Partner/Aufgabenstellung</a:t>
-            </a:r>
-          </a:p>
-        </p:txBody>
-      </p:sp>
-      <p:sp>
-        <p:nvSpPr>
-          <p:cNvPr id="4" name="Fußzeilenplatzhalter 3"/>
-          <p:cNvSpPr>
-            <a:spLocks noGrp="1"/>
-          </p:cNvSpPr>
-          <p:nvPr>
-            <p:ph type="ftr" sz="quarter" idx="11"/>
-          </p:nvPr>
-        </p:nvSpPr>
-        <p:spPr/>
-        <p:txBody>
-          <a:bodyPr/>
-          <a:lstStyle/>
-          <a:p>
-            <a:r>
-              <a:rPr lang="de-AT"/>
-              <a:t>CONTRUDE Gekle, Kampl, Schrempf</a:t>
-            </a:r>
-          </a:p>
-        </p:txBody>
-      </p:sp>
-      <p:sp>
-        <p:nvSpPr>
-          <p:cNvPr id="3" name="Inhaltsplatzhalter 2"/>
-          <p:cNvSpPr>
-            <a:spLocks noGrp="1"/>
-          </p:cNvSpPr>
-          <p:nvPr>
-            <p:ph idx="1"/>
-          </p:nvPr>
-        </p:nvSpPr>
-        <p:spPr/>
-        <p:txBody>
-          <a:bodyPr/>
-          <a:lstStyle/>
-          <a:p>
-            <a:pPr marL="0" indent="0">
-              <a:buNone/>
-            </a:pPr>
-            <a:r>
-              <a:rPr lang="de-AT" dirty="0"/>
-              <a:t>HTL Leoben</a:t>
-            </a:r>
-          </a:p>
-          <a:p>
-            <a:pPr marL="0" indent="0">
-              <a:buNone/>
-            </a:pPr>
-            <a:endParaRPr lang="de-AT" dirty="0"/>
-          </a:p>
-          <a:p>
-            <a:r>
-              <a:rPr lang="de-AT" dirty="0"/>
-              <a:t>Container Tracken</a:t>
-            </a:r>
-          </a:p>
-          <a:p>
-            <a:pPr lvl="1"/>
-            <a:r>
-              <a:rPr lang="de-AT" dirty="0"/>
-              <a:t>Prototypen bauen (Kampl)</a:t>
-            </a:r>
-          </a:p>
-          <a:p>
-            <a:pPr lvl="1"/>
-            <a:r>
-              <a:rPr lang="de-AT" dirty="0"/>
-              <a:t>Positionierung ermitteln (</a:t>
-            </a:r>
-            <a:r>
-              <a:rPr lang="de-AT" dirty="0" err="1"/>
-              <a:t>Gekle</a:t>
-            </a:r>
-            <a:r>
-              <a:rPr lang="de-AT" dirty="0"/>
-              <a:t>)</a:t>
-            </a:r>
-          </a:p>
-          <a:p>
-            <a:r>
-              <a:rPr lang="de-AT" dirty="0"/>
-              <a:t>Umweltdaten auslesen</a:t>
-            </a:r>
-          </a:p>
-          <a:p>
-            <a:pPr lvl="1"/>
-            <a:r>
-              <a:rPr lang="de-AT" dirty="0"/>
-              <a:t>Daten persistieren (Schrempf)</a:t>
-            </a:r>
-          </a:p>
-          <a:p>
-            <a:pPr lvl="1"/>
-            <a:r>
-              <a:rPr lang="de-AT" dirty="0"/>
-              <a:t>Daten in Webanwendung anzeigen</a:t>
-            </a:r>
-          </a:p>
-          <a:p>
-            <a:pPr lvl="1"/>
-            <a:endParaRPr lang="de-AT" dirty="0"/>
-          </a:p>
-          <a:p>
-            <a:pPr lvl="1"/>
-            <a:endParaRPr lang="de-AT" dirty="0"/>
-          </a:p>
-          <a:p>
-            <a:pPr lvl="1"/>
-            <a:endParaRPr lang="de-AT" dirty="0"/>
-          </a:p>
-        </p:txBody>
-      </p:sp>
-      <p:sp>
-        <p:nvSpPr>
-          <p:cNvPr id="5" name="Foliennummernplatzhalter 4"/>
+              <a:t>Diplomarbeit Name, Name</a:t>
+            </a:r>
+          </a:p>
+        </p:txBody>
+      </p:sp>
+      <p:sp>
+        <p:nvSpPr>
+          <p:cNvPr id="5" name="Foliennummernplatzhalter 4">
+            <a:extLst>
+              <a:ext uri="{FF2B5EF4-FFF2-40B4-BE49-F238E27FC236}">
+                <a16:creationId xmlns:a16="http://schemas.microsoft.com/office/drawing/2014/main" id="{5113CE34-3BAE-2923-74DC-FC3ED5248614}"/>
+              </a:ext>
+            </a:extLst>
+          </p:cNvPr>
           <p:cNvSpPr>
             <a:spLocks noGrp="1"/>
           </p:cNvSpPr>
@@ -5596,7 +7404,7 @@
     </p:spTree>
     <p:extLst>
       <p:ext uri="{BB962C8B-B14F-4D97-AF65-F5344CB8AC3E}">
-        <p14:creationId xmlns:p14="http://schemas.microsoft.com/office/powerpoint/2010/main" val="1710119030"/>
+        <p14:creationId xmlns:p14="http://schemas.microsoft.com/office/powerpoint/2010/main" val="3563135345"/>
       </p:ext>
     </p:extLst>
   </p:cSld>
@@ -5652,7 +7460,7 @@
           <a:p>
             <a:r>
               <a:rPr lang="de-AT"/>
-              <a:t>Ziele</a:t>
+              <a:t>Partner/Aufgabenstellung</a:t>
             </a:r>
           </a:p>
         </p:txBody>
@@ -5691,68 +7499,84 @@
         </p:nvSpPr>
         <p:spPr/>
         <p:txBody>
-          <a:bodyPr>
-            <a:normAutofit/>
-          </a:bodyPr>
-          <a:lstStyle/>
-          <a:p>
-            <a:r>
-              <a:rPr lang="de-DE"/>
-              <a:t>Auslesen der Umweltdaten</a:t>
+          <a:bodyPr/>
+          <a:lstStyle/>
+          <a:p>
+            <a:pPr marL="0" indent="0">
+              <a:buNone/>
+            </a:pPr>
+            <a:r>
+              <a:rPr lang="de-AT" dirty="0"/>
+              <a:t>HTL Leoben</a:t>
+            </a:r>
+          </a:p>
+          <a:p>
+            <a:r>
+              <a:rPr lang="de-AT" dirty="0"/>
+              <a:t>Container Tracken</a:t>
             </a:r>
           </a:p>
           <a:p>
             <a:pPr lvl="1"/>
             <a:r>
-              <a:rPr lang="de-DE"/>
-              <a:t>Temperatur, Luftfeuchtigkeit und -druck, Erschütterung</a:t>
-            </a:r>
-          </a:p>
-          <a:p>
-            <a:r>
-              <a:rPr lang="de-DE"/>
-              <a:t>Bau von 3 Prototypen welche</a:t>
+              <a:rPr lang="de-AT" dirty="0"/>
+              <a:t>Prototypen bauen (Kampl)</a:t>
             </a:r>
           </a:p>
           <a:p>
             <a:pPr lvl="1"/>
             <a:r>
-              <a:rPr lang="de-DE"/>
+              <a:rPr lang="de-AT" dirty="0"/>
+              <a:t>Positionierung ermitteln (</a:t>
+            </a:r>
+            <a:r>
+              <a:rPr lang="de-AT" dirty="0" err="1"/>
+              <a:t>Gekle</a:t>
+            </a:r>
+            <a:r>
+              <a:rPr lang="de-AT" dirty="0"/>
+              <a:t>)</a:t>
+            </a:r>
+          </a:p>
+          <a:p>
+            <a:r>
+              <a:rPr lang="de-AT" dirty="0"/>
               <a:t>Umweltdaten auslesen</a:t>
             </a:r>
           </a:p>
           <a:p>
             <a:pPr lvl="1"/>
             <a:r>
-              <a:rPr lang="de-DE"/>
-              <a:t>Position aussenden mittels Bluetooth</a:t>
+              <a:rPr lang="de-AT" dirty="0"/>
+              <a:t>Daten persistieren (Schrempf)</a:t>
             </a:r>
           </a:p>
           <a:p>
             <a:pPr lvl="1"/>
             <a:r>
-              <a:rPr lang="de-DE"/>
-              <a:t>Daten senden mittels MQTT</a:t>
-            </a:r>
-          </a:p>
-          <a:p>
-            <a:r>
-              <a:rPr lang="de-DE"/>
-              <a:t>Tracken von Container mittels GPS</a:t>
-            </a:r>
-          </a:p>
-          <a:p>
-            <a:r>
-              <a:rPr lang="de-DE"/>
-              <a:t>Ermittlung der Position der Container durch Dijkstra Algorithmus</a:t>
+              <a:rPr lang="de-AT" dirty="0"/>
+              <a:t>Daten in Webanwendung anzeigen (</a:t>
+            </a:r>
+            <a:r>
+              <a:rPr lang="de-AT" dirty="0" err="1"/>
+              <a:t>Gekle</a:t>
+            </a:r>
+            <a:r>
+              <a:rPr lang="de-AT" dirty="0"/>
+              <a:t>)</a:t>
             </a:r>
           </a:p>
           <a:p>
             <a:pPr lvl="1"/>
-            <a:r>
-              <a:rPr lang="de-DE"/>
-              <a:t>Verminderung der Falschplatzierung, von Containern, auf nahezu 5%</a:t>
-            </a:r>
+            <a:endParaRPr lang="de-AT" dirty="0"/>
+          </a:p>
+          <a:p>
+            <a:pPr lvl="1"/>
+            <a:endParaRPr lang="de-AT" dirty="0"/>
+          </a:p>
+          <a:p>
+            <a:pPr lvl="1"/>
+            <a:endParaRPr lang="de-AT" dirty="0"/>
           </a:p>
         </p:txBody>
       </p:sp>
@@ -5783,7 +7607,7 @@
     </p:spTree>
     <p:extLst>
       <p:ext uri="{BB962C8B-B14F-4D97-AF65-F5344CB8AC3E}">
-        <p14:creationId xmlns:p14="http://schemas.microsoft.com/office/powerpoint/2010/main" val="3925678693"/>
+        <p14:creationId xmlns:p14="http://schemas.microsoft.com/office/powerpoint/2010/main" val="1710119030"/>
       </p:ext>
     </p:extLst>
   </p:cSld>
@@ -5838,148 +7662,115 @@
           <a:lstStyle/>
           <a:p>
             <a:r>
+              <a:rPr lang="de-AT"/>
+              <a:t>Ziele</a:t>
+            </a:r>
+          </a:p>
+        </p:txBody>
+      </p:sp>
+      <p:sp>
+        <p:nvSpPr>
+          <p:cNvPr id="4" name="Fußzeilenplatzhalter 3"/>
+          <p:cNvSpPr>
+            <a:spLocks noGrp="1"/>
+          </p:cNvSpPr>
+          <p:nvPr>
+            <p:ph type="ftr" sz="quarter" idx="11"/>
+          </p:nvPr>
+        </p:nvSpPr>
+        <p:spPr/>
+        <p:txBody>
+          <a:bodyPr/>
+          <a:lstStyle/>
+          <a:p>
+            <a:r>
               <a:rPr lang="de-AT" dirty="0"/>
-              <a:t>Aufgabenverteilung</a:t>
-            </a:r>
-          </a:p>
-        </p:txBody>
-      </p:sp>
-      <p:sp>
-        <p:nvSpPr>
-          <p:cNvPr id="4" name="Fußzeilenplatzhalter 3"/>
-          <p:cNvSpPr>
-            <a:spLocks noGrp="1"/>
-          </p:cNvSpPr>
-          <p:nvPr>
-            <p:ph type="ftr" sz="quarter" idx="11"/>
-          </p:nvPr>
-        </p:nvSpPr>
-        <p:spPr/>
-        <p:txBody>
-          <a:bodyPr/>
-          <a:lstStyle/>
-          <a:p>
-            <a:r>
-              <a:rPr lang="de-AT"/>
-              <a:t>CONTRUDE Gekle, Kampl, Schrempf</a:t>
-            </a:r>
-          </a:p>
-        </p:txBody>
-      </p:sp>
-      <p:sp>
-        <p:nvSpPr>
-          <p:cNvPr id="3" name="Inhaltsplatzhalter 2"/>
-          <p:cNvSpPr>
-            <a:spLocks noGrp="1"/>
-          </p:cNvSpPr>
-          <p:nvPr>
-            <p:ph idx="1"/>
-          </p:nvPr>
-        </p:nvSpPr>
-        <p:spPr/>
-        <p:txBody>
-          <a:bodyPr>
-            <a:normAutofit fontScale="85000" lnSpcReduction="10000"/>
-          </a:bodyPr>
-          <a:lstStyle/>
-          <a:p>
-            <a:r>
-              <a:rPr lang="de-AT" dirty="0"/>
-              <a:t>Luca Alexander </a:t>
+              <a:t>CONTRUDE </a:t>
             </a:r>
             <a:r>
               <a:rPr lang="de-AT" dirty="0" err="1"/>
               <a:t>Gekle</a:t>
             </a:r>
-            <a:endParaRPr lang="de-AT" dirty="0"/>
+            <a:r>
+              <a:rPr lang="de-AT" dirty="0"/>
+              <a:t>, Kampl, Schrempf</a:t>
+            </a:r>
+          </a:p>
+        </p:txBody>
+      </p:sp>
+      <p:sp>
+        <p:nvSpPr>
+          <p:cNvPr id="3" name="Inhaltsplatzhalter 2"/>
+          <p:cNvSpPr>
+            <a:spLocks noGrp="1"/>
+          </p:cNvSpPr>
+          <p:nvPr>
+            <p:ph idx="1"/>
+          </p:nvPr>
+        </p:nvSpPr>
+        <p:spPr/>
+        <p:txBody>
+          <a:bodyPr>
+            <a:normAutofit/>
+          </a:bodyPr>
+          <a:lstStyle/>
+          <a:p>
+            <a:r>
+              <a:rPr lang="de-DE"/>
+              <a:t>Auslesen der Umweltdaten</a:t>
+            </a:r>
           </a:p>
           <a:p>
             <a:pPr lvl="1"/>
             <a:r>
-              <a:rPr lang="de-AT" dirty="0"/>
-              <a:t>Graphentheorie</a:t>
+              <a:rPr lang="de-DE"/>
+              <a:t>Temperatur, Luftfeuchtigkeit und -druck, Erschütterung</a:t>
+            </a:r>
+          </a:p>
+          <a:p>
+            <a:r>
+              <a:rPr lang="de-DE"/>
+              <a:t>Bau von 3 Prototypen welche</a:t>
             </a:r>
           </a:p>
           <a:p>
             <a:pPr lvl="1"/>
             <a:r>
-              <a:rPr lang="de-AT" dirty="0"/>
-              <a:t>Positionsalgorithmus</a:t>
+              <a:rPr lang="de-DE"/>
+              <a:t>Umweltdaten auslesen</a:t>
             </a:r>
           </a:p>
           <a:p>
             <a:pPr lvl="1"/>
             <a:r>
-              <a:rPr lang="de-AT" dirty="0"/>
-              <a:t>Webanwendung</a:t>
-            </a:r>
-          </a:p>
-          <a:p>
-            <a:endParaRPr lang="de-AT" dirty="0"/>
-          </a:p>
-          <a:p>
-            <a:r>
-              <a:rPr lang="de-AT" dirty="0"/>
-              <a:t>Maximilian Silvester Kampl TODO Grafik welche alles beschreibt (</a:t>
-            </a:r>
-            <a:r>
-              <a:rPr lang="de-AT" dirty="0" err="1"/>
-              <a:t>z.B</a:t>
-            </a:r>
-            <a:r>
-              <a:rPr lang="de-AT" dirty="0"/>
-              <a:t> Containerschiff)</a:t>
+              <a:rPr lang="de-DE"/>
+              <a:t>Position aussenden mittels Bluetooth</a:t>
             </a:r>
           </a:p>
           <a:p>
             <a:pPr lvl="1"/>
             <a:r>
-              <a:rPr lang="de-AT" dirty="0"/>
-              <a:t>Hardware</a:t>
+              <a:rPr lang="de-DE"/>
+              <a:t>Daten senden mittels MQTT</a:t>
+            </a:r>
+          </a:p>
+          <a:p>
+            <a:r>
+              <a:rPr lang="de-DE"/>
+              <a:t>Tracken von Container mittels GPS</a:t>
+            </a:r>
+          </a:p>
+          <a:p>
+            <a:r>
+              <a:rPr lang="de-DE"/>
+              <a:t>Ermittlung der Position der Container durch Dijkstra Algorithmus</a:t>
             </a:r>
           </a:p>
           <a:p>
             <a:pPr lvl="1"/>
             <a:r>
-              <a:rPr lang="de-AT" dirty="0"/>
-              <a:t>Sensorik</a:t>
-            </a:r>
-          </a:p>
-          <a:p>
-            <a:pPr lvl="1"/>
-            <a:r>
-              <a:rPr lang="de-AT" dirty="0"/>
-              <a:t>MQTT</a:t>
-            </a:r>
-          </a:p>
-          <a:p>
-            <a:endParaRPr lang="de-AT" dirty="0"/>
-          </a:p>
-          <a:p>
-            <a:r>
-              <a:rPr lang="de-AT" dirty="0"/>
-              <a:t>Marko Daniel Schrempf</a:t>
-            </a:r>
-          </a:p>
-          <a:p>
-            <a:pPr lvl="1"/>
-            <a:r>
-              <a:rPr lang="de-AT" dirty="0"/>
-              <a:t>Datenbanken</a:t>
-            </a:r>
-          </a:p>
-          <a:p>
-            <a:pPr lvl="1"/>
-            <a:r>
-              <a:rPr lang="de-AT" dirty="0"/>
-              <a:t>Server</a:t>
-            </a:r>
-          </a:p>
-          <a:p>
-            <a:pPr lvl="1"/>
-            <a:r>
-              <a:rPr lang="de-AT" dirty="0"/>
-              <a:t>REST</a:t>
+              <a:rPr lang="de-DE"/>
+              <a:t>Verminderung der Falschplatzierung, von Containern, auf nahezu 5%</a:t>
             </a:r>
           </a:p>
         </p:txBody>
@@ -6011,7 +7802,7 @@
     </p:spTree>
     <p:extLst>
       <p:ext uri="{BB962C8B-B14F-4D97-AF65-F5344CB8AC3E}">
-        <p14:creationId xmlns:p14="http://schemas.microsoft.com/office/powerpoint/2010/main" val="3173303318"/>
+        <p14:creationId xmlns:p14="http://schemas.microsoft.com/office/powerpoint/2010/main" val="3925678693"/>
       </p:ext>
     </p:extLst>
   </p:cSld>
@@ -6072,8 +7863,16 @@
           <a:lstStyle/>
           <a:p>
             <a:r>
-              <a:rPr lang="de-AT"/>
-              <a:t>Diplomarbeit Name, Name</a:t>
+              <a:rPr lang="de-AT" dirty="0"/>
+              <a:t>CONTRUDE </a:t>
+            </a:r>
+            <a:r>
+              <a:rPr lang="de-AT" dirty="0" err="1"/>
+              <a:t>Gekle</a:t>
+            </a:r>
+            <a:r>
+              <a:rPr lang="de-AT" dirty="0"/>
+              <a:t>, Kampl, Schrempf</a:t>
             </a:r>
           </a:p>
         </p:txBody>
@@ -6442,8 +8241,16 @@
           <a:lstStyle/>
           <a:p>
             <a:r>
-              <a:rPr lang="de-AT"/>
-              <a:t>Diplomarbeit Name, Name</a:t>
+              <a:rPr lang="de-AT" dirty="0"/>
+              <a:t>CONTRUDE </a:t>
+            </a:r>
+            <a:r>
+              <a:rPr lang="de-AT" dirty="0" err="1"/>
+              <a:t>Gekle</a:t>
+            </a:r>
+            <a:r>
+              <a:rPr lang="de-AT" dirty="0"/>
+              <a:t>, Kampl, Schrempf</a:t>
             </a:r>
           </a:p>
         </p:txBody>
@@ -6492,7 +8299,7 @@
         </p:nvSpPr>
         <p:spPr>
           <a:xfrm>
-            <a:off x="-65238" y="0"/>
+            <a:off x="-32619" y="-4243"/>
             <a:ext cx="12257237" cy="6858000"/>
           </a:xfrm>
           <a:prstGeom prst="rect">
@@ -6656,7 +8463,7 @@
                   <a:schemeClr val="bg1"/>
                 </a:solidFill>
               </a:rPr>
-              <a:t>Luca </a:t>
+              <a:t>Luca A. </a:t>
             </a:r>
             <a:r>
               <a:rPr lang="de-AT" sz="2800" b="1" u="sng" dirty="0" err="1">
@@ -6759,6 +8566,98 @@
           </a:p>
         </p:txBody>
       </p:sp>
+      <p:pic>
+        <p:nvPicPr>
+          <p:cNvPr id="1028" name="Picture 4">
+            <a:extLst>
+              <a:ext uri="{FF2B5EF4-FFF2-40B4-BE49-F238E27FC236}">
+                <a16:creationId xmlns:a16="http://schemas.microsoft.com/office/drawing/2014/main" id="{B8324E7F-A72A-9E82-083C-525E7DF48DB3}"/>
+              </a:ext>
+            </a:extLst>
+          </p:cNvPr>
+          <p:cNvPicPr>
+            <a:picLocks noChangeAspect="1" noChangeArrowheads="1"/>
+          </p:cNvPicPr>
+          <p:nvPr/>
+        </p:nvPicPr>
+        <p:blipFill rotWithShape="1">
+          <a:blip r:embed="rId5" cstate="print">
+            <a:lum bright="70000" contrast="-70000"/>
+            <a:extLst>
+              <a:ext uri="{28A0092B-C50C-407E-A947-70E740481C1C}">
+                <a14:useLocalDpi xmlns:a14="http://schemas.microsoft.com/office/drawing/2010/main" val="0"/>
+              </a:ext>
+            </a:extLst>
+          </a:blip>
+          <a:srcRect r="40836" b="22456"/>
+          <a:stretch/>
+        </p:blipFill>
+        <p:spPr bwMode="auto">
+          <a:xfrm>
+            <a:off x="4477559" y="1514056"/>
+            <a:ext cx="940565" cy="2654822"/>
+          </a:xfrm>
+          <a:prstGeom prst="rect">
+            <a:avLst/>
+          </a:prstGeom>
+          <a:noFill/>
+          <a:extLst>
+            <a:ext uri="{909E8E84-426E-40DD-AFC4-6F175D3DCCD1}">
+              <a14:hiddenFill xmlns:a14="http://schemas.microsoft.com/office/drawing/2010/main">
+                <a:solidFill>
+                  <a:srgbClr val="FFFFFF"/>
+                </a:solidFill>
+              </a14:hiddenFill>
+            </a:ext>
+          </a:extLst>
+        </p:spPr>
+      </p:pic>
+      <p:pic>
+        <p:nvPicPr>
+          <p:cNvPr id="9" name="Picture 4">
+            <a:extLst>
+              <a:ext uri="{FF2B5EF4-FFF2-40B4-BE49-F238E27FC236}">
+                <a16:creationId xmlns:a16="http://schemas.microsoft.com/office/drawing/2014/main" id="{8D8256A8-F5C0-7A58-52BE-3EAB38187FA6}"/>
+              </a:ext>
+            </a:extLst>
+          </p:cNvPr>
+          <p:cNvPicPr>
+            <a:picLocks noChangeAspect="1" noChangeArrowheads="1"/>
+          </p:cNvPicPr>
+          <p:nvPr/>
+        </p:nvPicPr>
+        <p:blipFill rotWithShape="1">
+          <a:blip r:embed="rId6" cstate="print">
+            <a:lum bright="70000" contrast="-70000"/>
+            <a:extLst>
+              <a:ext uri="{28A0092B-C50C-407E-A947-70E740481C1C}">
+                <a14:useLocalDpi xmlns:a14="http://schemas.microsoft.com/office/drawing/2010/main" val="0"/>
+              </a:ext>
+            </a:extLst>
+          </a:blip>
+          <a:srcRect l="59164"/>
+          <a:stretch/>
+        </p:blipFill>
+        <p:spPr bwMode="auto">
+          <a:xfrm>
+            <a:off x="5583755" y="1527434"/>
+            <a:ext cx="633531" cy="3340988"/>
+          </a:xfrm>
+          <a:prstGeom prst="rect">
+            <a:avLst/>
+          </a:prstGeom>
+          <a:noFill/>
+          <a:extLst>
+            <a:ext uri="{909E8E84-426E-40DD-AFC4-6F175D3DCCD1}">
+              <a14:hiddenFill xmlns:a14="http://schemas.microsoft.com/office/drawing/2010/main">
+                <a:solidFill>
+                  <a:srgbClr val="FFFFFF"/>
+                </a:solidFill>
+              </a14:hiddenFill>
+            </a:ext>
+          </a:extLst>
+        </p:spPr>
+      </p:pic>
     </p:spTree>
     <p:extLst>
       <p:ext uri="{BB962C8B-B14F-4D97-AF65-F5344CB8AC3E}">
@@ -6969,30 +8868,194 @@
                             </p:childTnLst>
                           </p:cTn>
                         </p:par>
-                      </p:childTnLst>
-                    </p:cTn>
-                  </p:par>
-                  <p:par>
-                    <p:cTn id="18" fill="hold">
-                      <p:stCondLst>
-                        <p:cond delay="indefinite"/>
-                      </p:stCondLst>
-                      <p:childTnLst>
                         <p:par>
-                          <p:cTn id="19" fill="hold">
+                          <p:cTn id="18" fill="hold">
                             <p:stCondLst>
-                              <p:cond delay="0"/>
+                              <p:cond delay="500"/>
                             </p:stCondLst>
                             <p:childTnLst>
                               <p:par>
-                                <p:cTn id="20" presetID="10" presetClass="entr" presetSubtype="0" fill="hold" nodeType="clickEffect">
+                                <p:cTn id="19" presetID="2" presetClass="entr" presetSubtype="8" fill="hold" nodeType="afterEffect">
                                   <p:stCondLst>
                                     <p:cond delay="0"/>
                                   </p:stCondLst>
                                   <p:childTnLst>
                                     <p:set>
                                       <p:cBhvr>
-                                        <p:cTn id="21" dur="1" fill="hold">
+                                        <p:cTn id="20" dur="1" fill="hold">
+                                          <p:stCondLst>
+                                            <p:cond delay="0"/>
+                                          </p:stCondLst>
+                                        </p:cTn>
+                                        <p:tgtEl>
+                                          <p:spTgt spid="1028"/>
+                                        </p:tgtEl>
+                                        <p:attrNameLst>
+                                          <p:attrName>style.visibility</p:attrName>
+                                        </p:attrNameLst>
+                                      </p:cBhvr>
+                                      <p:to>
+                                        <p:strVal val="visible"/>
+                                      </p:to>
+                                    </p:set>
+                                    <p:anim calcmode="lin" valueType="num">
+                                      <p:cBhvr additive="base">
+                                        <p:cTn id="21" dur="750" fill="hold"/>
+                                        <p:tgtEl>
+                                          <p:spTgt spid="1028"/>
+                                        </p:tgtEl>
+                                        <p:attrNameLst>
+                                          <p:attrName>ppt_x</p:attrName>
+                                        </p:attrNameLst>
+                                      </p:cBhvr>
+                                      <p:tavLst>
+                                        <p:tav tm="0">
+                                          <p:val>
+                                            <p:strVal val="0-#ppt_w/2"/>
+                                          </p:val>
+                                        </p:tav>
+                                        <p:tav tm="100000">
+                                          <p:val>
+                                            <p:strVal val="#ppt_x"/>
+                                          </p:val>
+                                        </p:tav>
+                                      </p:tavLst>
+                                    </p:anim>
+                                    <p:anim calcmode="lin" valueType="num">
+                                      <p:cBhvr additive="base">
+                                        <p:cTn id="22" dur="750" fill="hold"/>
+                                        <p:tgtEl>
+                                          <p:spTgt spid="1028"/>
+                                        </p:tgtEl>
+                                        <p:attrNameLst>
+                                          <p:attrName>ppt_y</p:attrName>
+                                        </p:attrNameLst>
+                                      </p:cBhvr>
+                                      <p:tavLst>
+                                        <p:tav tm="0">
+                                          <p:val>
+                                            <p:strVal val="#ppt_y"/>
+                                          </p:val>
+                                        </p:tav>
+                                        <p:tav tm="100000">
+                                          <p:val>
+                                            <p:strVal val="#ppt_y"/>
+                                          </p:val>
+                                        </p:tav>
+                                      </p:tavLst>
+                                    </p:anim>
+                                  </p:childTnLst>
+                                </p:cTn>
+                              </p:par>
+                            </p:childTnLst>
+                          </p:cTn>
+                        </p:par>
+                        <p:par>
+                          <p:cTn id="23" fill="hold">
+                            <p:stCondLst>
+                              <p:cond delay="1250"/>
+                            </p:stCondLst>
+                            <p:childTnLst>
+                              <p:par>
+                                <p:cTn id="24" presetID="2" presetClass="entr" presetSubtype="2" fill="hold" nodeType="afterEffect">
+                                  <p:stCondLst>
+                                    <p:cond delay="0"/>
+                                  </p:stCondLst>
+                                  <p:childTnLst>
+                                    <p:set>
+                                      <p:cBhvr>
+                                        <p:cTn id="25" dur="1" fill="hold">
+                                          <p:stCondLst>
+                                            <p:cond delay="0"/>
+                                          </p:stCondLst>
+                                        </p:cTn>
+                                        <p:tgtEl>
+                                          <p:spTgt spid="9"/>
+                                        </p:tgtEl>
+                                        <p:attrNameLst>
+                                          <p:attrName>style.visibility</p:attrName>
+                                        </p:attrNameLst>
+                                      </p:cBhvr>
+                                      <p:to>
+                                        <p:strVal val="visible"/>
+                                      </p:to>
+                                    </p:set>
+                                    <p:anim calcmode="lin" valueType="num">
+                                      <p:cBhvr additive="base">
+                                        <p:cTn id="26" dur="750" fill="hold"/>
+                                        <p:tgtEl>
+                                          <p:spTgt spid="9"/>
+                                        </p:tgtEl>
+                                        <p:attrNameLst>
+                                          <p:attrName>ppt_x</p:attrName>
+                                        </p:attrNameLst>
+                                      </p:cBhvr>
+                                      <p:tavLst>
+                                        <p:tav tm="0">
+                                          <p:val>
+                                            <p:strVal val="1+#ppt_w/2"/>
+                                          </p:val>
+                                        </p:tav>
+                                        <p:tav tm="100000">
+                                          <p:val>
+                                            <p:strVal val="#ppt_x"/>
+                                          </p:val>
+                                        </p:tav>
+                                      </p:tavLst>
+                                    </p:anim>
+                                    <p:anim calcmode="lin" valueType="num">
+                                      <p:cBhvr additive="base">
+                                        <p:cTn id="27" dur="750" fill="hold"/>
+                                        <p:tgtEl>
+                                          <p:spTgt spid="9"/>
+                                        </p:tgtEl>
+                                        <p:attrNameLst>
+                                          <p:attrName>ppt_y</p:attrName>
+                                        </p:attrNameLst>
+                                      </p:cBhvr>
+                                      <p:tavLst>
+                                        <p:tav tm="0">
+                                          <p:val>
+                                            <p:strVal val="#ppt_y"/>
+                                          </p:val>
+                                        </p:tav>
+                                        <p:tav tm="100000">
+                                          <p:val>
+                                            <p:strVal val="#ppt_y"/>
+                                          </p:val>
+                                        </p:tav>
+                                      </p:tavLst>
+                                    </p:anim>
+                                  </p:childTnLst>
+                                </p:cTn>
+                              </p:par>
+                            </p:childTnLst>
+                          </p:cTn>
+                        </p:par>
+                      </p:childTnLst>
+                    </p:cTn>
+                  </p:par>
+                  <p:par>
+                    <p:cTn id="28" fill="hold">
+                      <p:stCondLst>
+                        <p:cond delay="indefinite"/>
+                      </p:stCondLst>
+                      <p:childTnLst>
+                        <p:par>
+                          <p:cTn id="29" fill="hold">
+                            <p:stCondLst>
+                              <p:cond delay="0"/>
+                            </p:stCondLst>
+                            <p:childTnLst>
+                              <p:par>
+                                <p:cTn id="30" presetID="10" presetClass="entr" presetSubtype="0" fill="hold" nodeType="clickEffect">
+                                  <p:stCondLst>
+                                    <p:cond delay="0"/>
+                                  </p:stCondLst>
+                                  <p:childTnLst>
+                                    <p:set>
+                                      <p:cBhvr>
+                                        <p:cTn id="31" dur="1" fill="hold">
                                           <p:stCondLst>
                                             <p:cond delay="0"/>
                                           </p:stCondLst>
@@ -7014,7 +9077,7 @@
                                     </p:set>
                                     <p:animEffect transition="in" filter="fade">
                                       <p:cBhvr>
-                                        <p:cTn id="22" dur="500"/>
+                                        <p:cTn id="32" dur="500"/>
                                         <p:tgtEl>
                                           <p:spTgt spid="14">
                                             <p:txEl>
@@ -7077,6 +9140,72 @@
       </p:grpSpPr>
       <p:sp>
         <p:nvSpPr>
+          <p:cNvPr id="7" name="Rechteck 6">
+            <a:extLst>
+              <a:ext uri="{FF2B5EF4-FFF2-40B4-BE49-F238E27FC236}">
+                <a16:creationId xmlns:a16="http://schemas.microsoft.com/office/drawing/2014/main" id="{5FD16DE7-27A8-13EC-C34D-F44A01912A4F}"/>
+              </a:ext>
+            </a:extLst>
+          </p:cNvPr>
+          <p:cNvSpPr/>
+          <p:nvPr/>
+        </p:nvSpPr>
+        <p:spPr>
+          <a:xfrm>
+            <a:off x="-32619" y="-2178"/>
+            <a:ext cx="12257237" cy="6858000"/>
+          </a:xfrm>
+          <a:prstGeom prst="rect">
+            <a:avLst/>
+          </a:prstGeom>
+          <a:solidFill>
+            <a:schemeClr val="bg1">
+              <a:lumMod val="85000"/>
+              <a:alpha val="75000"/>
+            </a:schemeClr>
+          </a:solidFill>
+          <a:ln>
+            <a:noFill/>
+          </a:ln>
+        </p:spPr>
+        <p:style>
+          <a:lnRef idx="2">
+            <a:schemeClr val="accent1">
+              <a:shade val="15000"/>
+            </a:schemeClr>
+          </a:lnRef>
+          <a:fillRef idx="1">
+            <a:schemeClr val="accent1"/>
+          </a:fillRef>
+          <a:effectRef idx="0">
+            <a:schemeClr val="accent1"/>
+          </a:effectRef>
+          <a:fontRef idx="minor">
+            <a:schemeClr val="lt1"/>
+          </a:fontRef>
+        </p:style>
+        <p:txBody>
+          <a:bodyPr rtlCol="0" anchor="ctr"/>
+          <a:lstStyle/>
+          <a:p>
+            <a:r>
+              <a:rPr lang="de-AT" sz="1800">
+                <a:solidFill>
+                  <a:schemeClr val="bg1"/>
+                </a:solidFill>
+              </a:rPr>
+              <a:t>Luca Alexander Gekle</a:t>
+            </a:r>
+            <a:endParaRPr lang="de-AT" sz="1800" dirty="0">
+              <a:solidFill>
+                <a:schemeClr val="bg1"/>
+              </a:solidFill>
+            </a:endParaRPr>
+          </a:p>
+        </p:txBody>
+      </p:sp>
+      <p:sp>
+        <p:nvSpPr>
           <p:cNvPr id="4" name="Fußzeilenplatzhalter 3">
             <a:extLst>
               <a:ext uri="{FF2B5EF4-FFF2-40B4-BE49-F238E27FC236}">
@@ -7097,8 +9226,16 @@
           <a:lstStyle/>
           <a:p>
             <a:r>
-              <a:rPr lang="de-AT"/>
-              <a:t>Diplomarbeit Name, Name</a:t>
+              <a:rPr lang="de-AT" dirty="0"/>
+              <a:t>CONTRUDE </a:t>
+            </a:r>
+            <a:r>
+              <a:rPr lang="de-AT" dirty="0" err="1"/>
+              <a:t>Gekle</a:t>
+            </a:r>
+            <a:r>
+              <a:rPr lang="de-AT" dirty="0"/>
+              <a:t>, Kampl, Schrempf</a:t>
             </a:r>
           </a:p>
         </p:txBody>
@@ -7125,14 +9262,506 @@
           <a:lstStyle/>
           <a:p>
             <a:fld id="{7DCD6803-3BAA-44F6-A698-23D950C9713B}" type="slidenum">
-              <a:rPr lang="de-AT" smtClean="0"/>
+              <a:rPr lang="de-AT" smtClean="0">
+                <a:solidFill>
+                  <a:schemeClr val="bg1"/>
+                </a:solidFill>
+              </a:rPr>
               <a:pPr/>
               <a:t>7</a:t>
             </a:fld>
-            <a:endParaRPr lang="de-AT"/>
-          </a:p>
-        </p:txBody>
-      </p:sp>
+            <a:endParaRPr lang="de-AT">
+              <a:solidFill>
+                <a:schemeClr val="bg1"/>
+              </a:solidFill>
+            </a:endParaRPr>
+          </a:p>
+        </p:txBody>
+      </p:sp>
+      <p:pic>
+        <p:nvPicPr>
+          <p:cNvPr id="2050" name="Picture 2" descr="NodeMCU ESP32 | Joy-IT">
+            <a:extLst>
+              <a:ext uri="{FF2B5EF4-FFF2-40B4-BE49-F238E27FC236}">
+                <a16:creationId xmlns:a16="http://schemas.microsoft.com/office/drawing/2014/main" id="{47BFFC31-3014-823D-0EC2-60D5974785D3}"/>
+              </a:ext>
+            </a:extLst>
+          </p:cNvPr>
+          <p:cNvPicPr>
+            <a:picLocks noChangeAspect="1" noChangeArrowheads="1"/>
+          </p:cNvPicPr>
+          <p:nvPr/>
+        </p:nvPicPr>
+        <p:blipFill>
+          <a:blip r:embed="rId3" cstate="print">
+            <a:extLst>
+              <a:ext uri="{28A0092B-C50C-407E-A947-70E740481C1C}">
+                <a14:useLocalDpi xmlns:a14="http://schemas.microsoft.com/office/drawing/2010/main" val="0"/>
+              </a:ext>
+            </a:extLst>
+          </a:blip>
+          <a:srcRect/>
+          <a:stretch>
+            <a:fillRect/>
+          </a:stretch>
+        </p:blipFill>
+        <p:spPr bwMode="auto">
+          <a:xfrm>
+            <a:off x="5312724" y="1588522"/>
+            <a:ext cx="559134" cy="559134"/>
+          </a:xfrm>
+          <a:prstGeom prst="rect">
+            <a:avLst/>
+          </a:prstGeom>
+          <a:noFill/>
+          <a:extLst>
+            <a:ext uri="{909E8E84-426E-40DD-AFC4-6F175D3DCCD1}">
+              <a14:hiddenFill xmlns:a14="http://schemas.microsoft.com/office/drawing/2010/main">
+                <a:solidFill>
+                  <a:srgbClr val="FFFFFF"/>
+                </a:solidFill>
+              </a14:hiddenFill>
+            </a:ext>
+          </a:extLst>
+        </p:spPr>
+      </p:pic>
+      <p:pic>
+        <p:nvPicPr>
+          <p:cNvPr id="6" name="Grafik 5">
+            <a:extLst>
+              <a:ext uri="{FF2B5EF4-FFF2-40B4-BE49-F238E27FC236}">
+                <a16:creationId xmlns:a16="http://schemas.microsoft.com/office/drawing/2014/main" id="{835BFC3E-6502-D5D2-F643-8AE4DCE6143B}"/>
+              </a:ext>
+            </a:extLst>
+          </p:cNvPr>
+          <p:cNvPicPr>
+            <a:picLocks noChangeAspect="1"/>
+          </p:cNvPicPr>
+          <p:nvPr/>
+        </p:nvPicPr>
+        <p:blipFill rotWithShape="1">
+          <a:blip r:embed="rId4">
+            <a:extLst>
+              <a:ext uri="{28A0092B-C50C-407E-A947-70E740481C1C}">
+                <a14:useLocalDpi xmlns:a14="http://schemas.microsoft.com/office/drawing/2010/main" val="0"/>
+              </a:ext>
+              <a:ext uri="{96DAC541-7B7A-43D3-8B79-37D633B846F1}">
+                <asvg:svgBlip xmlns:asvg="http://schemas.microsoft.com/office/drawing/2016/SVG/main" r:embed="rId5"/>
+              </a:ext>
+            </a:extLst>
+          </a:blip>
+          <a:srcRect l="38203" t="12999" r="30542" b="-2628"/>
+          <a:stretch/>
+        </p:blipFill>
+        <p:spPr>
+          <a:xfrm>
+            <a:off x="-65238" y="4243"/>
+            <a:ext cx="12257238" cy="6215588"/>
+          </a:xfrm>
+          <a:prstGeom prst="rect">
+            <a:avLst/>
+          </a:prstGeom>
+        </p:spPr>
+      </p:pic>
+      <p:sp>
+        <p:nvSpPr>
+          <p:cNvPr id="11" name="Textfeld 10">
+            <a:extLst>
+              <a:ext uri="{FF2B5EF4-FFF2-40B4-BE49-F238E27FC236}">
+                <a16:creationId xmlns:a16="http://schemas.microsoft.com/office/drawing/2014/main" id="{294659C0-537B-4E41-1DDA-E4A6658C91C4}"/>
+              </a:ext>
+            </a:extLst>
+          </p:cNvPr>
+          <p:cNvSpPr txBox="1"/>
+          <p:nvPr/>
+        </p:nvSpPr>
+        <p:spPr>
+          <a:xfrm>
+            <a:off x="4202226" y="4547416"/>
+            <a:ext cx="3164929" cy="400110"/>
+          </a:xfrm>
+          <a:prstGeom prst="rect">
+            <a:avLst/>
+          </a:prstGeom>
+          <a:noFill/>
+        </p:spPr>
+        <p:txBody>
+          <a:bodyPr wrap="square">
+            <a:spAutoFit/>
+          </a:bodyPr>
+          <a:lstStyle/>
+          <a:p>
+            <a:r>
+              <a:rPr lang="de-AT" sz="2000" b="1" u="sng" dirty="0">
+                <a:solidFill>
+                  <a:schemeClr val="bg1"/>
+                </a:solidFill>
+              </a:rPr>
+              <a:t>Maximilian S. Kampl</a:t>
+            </a:r>
+          </a:p>
+        </p:txBody>
+      </p:sp>
+      <p:sp>
+        <p:nvSpPr>
+          <p:cNvPr id="15" name="Textfeld 14">
+            <a:extLst>
+              <a:ext uri="{FF2B5EF4-FFF2-40B4-BE49-F238E27FC236}">
+                <a16:creationId xmlns:a16="http://schemas.microsoft.com/office/drawing/2014/main" id="{D17CEDA6-1464-BC12-5806-AA3351A735EC}"/>
+              </a:ext>
+            </a:extLst>
+          </p:cNvPr>
+          <p:cNvSpPr txBox="1"/>
+          <p:nvPr/>
+        </p:nvSpPr>
+        <p:spPr>
+          <a:xfrm>
+            <a:off x="2926369" y="1675665"/>
+            <a:ext cx="1502142" cy="400110"/>
+          </a:xfrm>
+          <a:prstGeom prst="rect">
+            <a:avLst/>
+          </a:prstGeom>
+          <a:noFill/>
+        </p:spPr>
+        <p:txBody>
+          <a:bodyPr wrap="square">
+            <a:spAutoFit/>
+          </a:bodyPr>
+          <a:lstStyle/>
+          <a:p>
+            <a:r>
+              <a:rPr lang="de-AT" sz="2000" dirty="0">
+                <a:solidFill>
+                  <a:schemeClr val="bg1"/>
+                </a:solidFill>
+              </a:rPr>
+              <a:t>Hardware</a:t>
+            </a:r>
+            <a:endParaRPr lang="en-US" dirty="0"/>
+          </a:p>
+        </p:txBody>
+      </p:sp>
+      <p:sp>
+        <p:nvSpPr>
+          <p:cNvPr id="17" name="Textfeld 16">
+            <a:extLst>
+              <a:ext uri="{FF2B5EF4-FFF2-40B4-BE49-F238E27FC236}">
+                <a16:creationId xmlns:a16="http://schemas.microsoft.com/office/drawing/2014/main" id="{33307A70-E881-1B52-C8DC-34BD98ADE26D}"/>
+              </a:ext>
+            </a:extLst>
+          </p:cNvPr>
+          <p:cNvSpPr txBox="1"/>
+          <p:nvPr/>
+        </p:nvSpPr>
+        <p:spPr>
+          <a:xfrm>
+            <a:off x="5592292" y="2147656"/>
+            <a:ext cx="1410087" cy="400110"/>
+          </a:xfrm>
+          <a:prstGeom prst="rect">
+            <a:avLst/>
+          </a:prstGeom>
+          <a:noFill/>
+        </p:spPr>
+        <p:txBody>
+          <a:bodyPr wrap="square">
+            <a:spAutoFit/>
+          </a:bodyPr>
+          <a:lstStyle/>
+          <a:p>
+            <a:r>
+              <a:rPr lang="de-AT" sz="2000" dirty="0">
+                <a:solidFill>
+                  <a:schemeClr val="bg1"/>
+                </a:solidFill>
+              </a:rPr>
+              <a:t>Sensorik</a:t>
+            </a:r>
+            <a:endParaRPr lang="en-US" dirty="0"/>
+          </a:p>
+        </p:txBody>
+      </p:sp>
+      <p:sp>
+        <p:nvSpPr>
+          <p:cNvPr id="19" name="Textfeld 18">
+            <a:extLst>
+              <a:ext uri="{FF2B5EF4-FFF2-40B4-BE49-F238E27FC236}">
+                <a16:creationId xmlns:a16="http://schemas.microsoft.com/office/drawing/2014/main" id="{51CB33F9-8673-CAEE-CB6E-2AACC970E80E}"/>
+              </a:ext>
+            </a:extLst>
+          </p:cNvPr>
+          <p:cNvSpPr txBox="1"/>
+          <p:nvPr/>
+        </p:nvSpPr>
+        <p:spPr>
+          <a:xfrm>
+            <a:off x="10344157" y="3070971"/>
+            <a:ext cx="7897570" cy="400110"/>
+          </a:xfrm>
+          <a:prstGeom prst="rect">
+            <a:avLst/>
+          </a:prstGeom>
+          <a:noFill/>
+        </p:spPr>
+        <p:txBody>
+          <a:bodyPr wrap="square">
+            <a:spAutoFit/>
+          </a:bodyPr>
+          <a:lstStyle/>
+          <a:p>
+            <a:r>
+              <a:rPr lang="de-AT" sz="2000" dirty="0">
+                <a:solidFill>
+                  <a:schemeClr val="bg1"/>
+                </a:solidFill>
+              </a:rPr>
+              <a:t>MQTT</a:t>
+            </a:r>
+            <a:endParaRPr lang="en-US" dirty="0"/>
+          </a:p>
+        </p:txBody>
+      </p:sp>
+    </p:spTree>
+    <p:extLst>
+      <p:ext uri="{BB962C8B-B14F-4D97-AF65-F5344CB8AC3E}">
+        <p14:creationId xmlns:p14="http://schemas.microsoft.com/office/powerpoint/2010/main" val="708171628"/>
+      </p:ext>
+    </p:extLst>
+  </p:cSld>
+  <p:clrMapOvr>
+    <a:masterClrMapping/>
+  </p:clrMapOvr>
+  <mc:AlternateContent xmlns:mc="http://schemas.openxmlformats.org/markup-compatibility/2006" xmlns:p159="http://schemas.microsoft.com/office/powerpoint/2015/09/main">
+    <mc:Choice Requires="p159">
+      <p:transition xmlns:p14="http://schemas.microsoft.com/office/powerpoint/2010/main" spd="slow" p14:dur="2000">
+        <p159:morph option="byObject"/>
+      </p:transition>
+    </mc:Choice>
+    <mc:Fallback xmlns="">
+      <p:transition spd="slow">
+        <p:fade/>
+      </p:transition>
+    </mc:Fallback>
+  </mc:AlternateContent>
+  <p:timing>
+    <p:tnLst>
+      <p:par>
+        <p:cTn id="1" dur="indefinite" restart="never" nodeType="tmRoot">
+          <p:childTnLst>
+            <p:seq concurrent="1" nextAc="seek">
+              <p:cTn id="2" dur="indefinite" nodeType="mainSeq">
+                <p:childTnLst>
+                  <p:par>
+                    <p:cTn id="3" fill="hold">
+                      <p:stCondLst>
+                        <p:cond delay="indefinite"/>
+                      </p:stCondLst>
+                      <p:childTnLst>
+                        <p:par>
+                          <p:cTn id="4" fill="hold">
+                            <p:stCondLst>
+                              <p:cond delay="0"/>
+                            </p:stCondLst>
+                            <p:childTnLst>
+                              <p:par>
+                                <p:cTn id="5" presetID="1" presetClass="entr" presetSubtype="0" fill="hold" grpId="0" nodeType="clickEffect">
+                                  <p:stCondLst>
+                                    <p:cond delay="0"/>
+                                  </p:stCondLst>
+                                  <p:childTnLst>
+                                    <p:set>
+                                      <p:cBhvr>
+                                        <p:cTn id="6" dur="1" fill="hold">
+                                          <p:stCondLst>
+                                            <p:cond delay="0"/>
+                                          </p:stCondLst>
+                                        </p:cTn>
+                                        <p:tgtEl>
+                                          <p:spTgt spid="11"/>
+                                        </p:tgtEl>
+                                        <p:attrNameLst>
+                                          <p:attrName>style.visibility</p:attrName>
+                                        </p:attrNameLst>
+                                      </p:cBhvr>
+                                      <p:to>
+                                        <p:strVal val="visible"/>
+                                      </p:to>
+                                    </p:set>
+                                  </p:childTnLst>
+                                </p:cTn>
+                              </p:par>
+                            </p:childTnLst>
+                          </p:cTn>
+                        </p:par>
+                      </p:childTnLst>
+                    </p:cTn>
+                  </p:par>
+                  <p:par>
+                    <p:cTn id="7" fill="hold">
+                      <p:stCondLst>
+                        <p:cond delay="indefinite"/>
+                      </p:stCondLst>
+                      <p:childTnLst>
+                        <p:par>
+                          <p:cTn id="8" fill="hold">
+                            <p:stCondLst>
+                              <p:cond delay="0"/>
+                            </p:stCondLst>
+                            <p:childTnLst>
+                              <p:par>
+                                <p:cTn id="9" presetID="1" presetClass="entr" presetSubtype="0" fill="hold" grpId="0" nodeType="clickEffect">
+                                  <p:stCondLst>
+                                    <p:cond delay="0"/>
+                                  </p:stCondLst>
+                                  <p:childTnLst>
+                                    <p:set>
+                                      <p:cBhvr>
+                                        <p:cTn id="10" dur="1" fill="hold">
+                                          <p:stCondLst>
+                                            <p:cond delay="0"/>
+                                          </p:stCondLst>
+                                        </p:cTn>
+                                        <p:tgtEl>
+                                          <p:spTgt spid="15"/>
+                                        </p:tgtEl>
+                                        <p:attrNameLst>
+                                          <p:attrName>style.visibility</p:attrName>
+                                        </p:attrNameLst>
+                                      </p:cBhvr>
+                                      <p:to>
+                                        <p:strVal val="visible"/>
+                                      </p:to>
+                                    </p:set>
+                                  </p:childTnLst>
+                                </p:cTn>
+                              </p:par>
+                            </p:childTnLst>
+                          </p:cTn>
+                        </p:par>
+                        <p:par>
+                          <p:cTn id="11" fill="hold">
+                            <p:stCondLst>
+                              <p:cond delay="0"/>
+                            </p:stCondLst>
+                            <p:childTnLst>
+                              <p:par>
+                                <p:cTn id="12" presetID="1" presetClass="entr" presetSubtype="0" fill="hold" grpId="0" nodeType="afterEffect">
+                                  <p:stCondLst>
+                                    <p:cond delay="500"/>
+                                  </p:stCondLst>
+                                  <p:childTnLst>
+                                    <p:set>
+                                      <p:cBhvr>
+                                        <p:cTn id="13" dur="1" fill="hold">
+                                          <p:stCondLst>
+                                            <p:cond delay="0"/>
+                                          </p:stCondLst>
+                                        </p:cTn>
+                                        <p:tgtEl>
+                                          <p:spTgt spid="17"/>
+                                        </p:tgtEl>
+                                        <p:attrNameLst>
+                                          <p:attrName>style.visibility</p:attrName>
+                                        </p:attrNameLst>
+                                      </p:cBhvr>
+                                      <p:to>
+                                        <p:strVal val="visible"/>
+                                      </p:to>
+                                    </p:set>
+                                  </p:childTnLst>
+                                </p:cTn>
+                              </p:par>
+                            </p:childTnLst>
+                          </p:cTn>
+                        </p:par>
+                        <p:par>
+                          <p:cTn id="14" fill="hold">
+                            <p:stCondLst>
+                              <p:cond delay="500"/>
+                            </p:stCondLst>
+                            <p:childTnLst>
+                              <p:par>
+                                <p:cTn id="15" presetID="1" presetClass="entr" presetSubtype="0" fill="hold" grpId="0" nodeType="afterEffect">
+                                  <p:stCondLst>
+                                    <p:cond delay="500"/>
+                                  </p:stCondLst>
+                                  <p:childTnLst>
+                                    <p:set>
+                                      <p:cBhvr>
+                                        <p:cTn id="16" dur="1" fill="hold">
+                                          <p:stCondLst>
+                                            <p:cond delay="0"/>
+                                          </p:stCondLst>
+                                        </p:cTn>
+                                        <p:tgtEl>
+                                          <p:spTgt spid="19"/>
+                                        </p:tgtEl>
+                                        <p:attrNameLst>
+                                          <p:attrName>style.visibility</p:attrName>
+                                        </p:attrNameLst>
+                                      </p:cBhvr>
+                                      <p:to>
+                                        <p:strVal val="visible"/>
+                                      </p:to>
+                                    </p:set>
+                                  </p:childTnLst>
+                                </p:cTn>
+                              </p:par>
+                            </p:childTnLst>
+                          </p:cTn>
+                        </p:par>
+                      </p:childTnLst>
+                    </p:cTn>
+                  </p:par>
+                </p:childTnLst>
+              </p:cTn>
+              <p:prevCondLst>
+                <p:cond evt="onPrev" delay="0">
+                  <p:tgtEl>
+                    <p:sldTgt/>
+                  </p:tgtEl>
+                </p:cond>
+              </p:prevCondLst>
+              <p:nextCondLst>
+                <p:cond evt="onNext" delay="0">
+                  <p:tgtEl>
+                    <p:sldTgt/>
+                  </p:tgtEl>
+                </p:cond>
+              </p:nextCondLst>
+            </p:seq>
+          </p:childTnLst>
+        </p:cTn>
+      </p:par>
+    </p:tnLst>
+    <p:bldLst>
+      <p:bldP spid="11" grpId="0"/>
+      <p:bldP spid="15" grpId="0"/>
+      <p:bldP spid="17" grpId="0"/>
+      <p:bldP spid="19" grpId="0"/>
+    </p:bldLst>
+  </p:timing>
+</p:sld>
+</file>
+
+<file path=ppt/slides/slide8.xml><?xml version="1.0" encoding="utf-8"?>
+<p:sld xmlns:a="http://schemas.openxmlformats.org/drawingml/2006/main" xmlns:r="http://schemas.openxmlformats.org/officeDocument/2006/relationships" xmlns:p="http://schemas.openxmlformats.org/presentationml/2006/main">
+  <p:cSld>
+    <p:spTree>
+      <p:nvGrpSpPr>
+        <p:cNvPr id="1" name=""/>
+        <p:cNvGrpSpPr/>
+        <p:nvPr/>
+      </p:nvGrpSpPr>
+      <p:grpSpPr>
+        <a:xfrm>
+          <a:off x="0" y="0"/>
+          <a:ext cx="0" cy="0"/>
+          <a:chOff x="0" y="0"/>
+          <a:chExt cx="0" cy="0"/>
+        </a:xfrm>
+      </p:grpSpPr>
       <p:sp>
         <p:nvSpPr>
           <p:cNvPr id="7" name="Rechteck 6">
@@ -7199,6 +9828,80 @@
           </a:p>
         </p:txBody>
       </p:sp>
+      <p:sp>
+        <p:nvSpPr>
+          <p:cNvPr id="4" name="Fußzeilenplatzhalter 3">
+            <a:extLst>
+              <a:ext uri="{FF2B5EF4-FFF2-40B4-BE49-F238E27FC236}">
+                <a16:creationId xmlns:a16="http://schemas.microsoft.com/office/drawing/2014/main" id="{E60B7009-2B0F-747C-568D-AC20F983B193}"/>
+              </a:ext>
+            </a:extLst>
+          </p:cNvPr>
+          <p:cNvSpPr>
+            <a:spLocks noGrp="1"/>
+          </p:cNvSpPr>
+          <p:nvPr>
+            <p:ph type="ftr" sz="quarter" idx="11"/>
+          </p:nvPr>
+        </p:nvSpPr>
+        <p:spPr/>
+        <p:txBody>
+          <a:bodyPr/>
+          <a:lstStyle/>
+          <a:p>
+            <a:r>
+              <a:rPr lang="de-AT" dirty="0"/>
+              <a:t>CONTRUDE </a:t>
+            </a:r>
+            <a:r>
+              <a:rPr lang="de-AT" dirty="0" err="1"/>
+              <a:t>Gekle</a:t>
+            </a:r>
+            <a:r>
+              <a:rPr lang="de-AT" dirty="0"/>
+              <a:t>, Kampl, Schrempf</a:t>
+            </a:r>
+          </a:p>
+        </p:txBody>
+      </p:sp>
+      <p:sp>
+        <p:nvSpPr>
+          <p:cNvPr id="5" name="Foliennummernplatzhalter 4">
+            <a:extLst>
+              <a:ext uri="{FF2B5EF4-FFF2-40B4-BE49-F238E27FC236}">
+                <a16:creationId xmlns:a16="http://schemas.microsoft.com/office/drawing/2014/main" id="{B8DFB85E-29D1-B262-44AB-6AE9AD2CCB9A}"/>
+              </a:ext>
+            </a:extLst>
+          </p:cNvPr>
+          <p:cNvSpPr>
+            <a:spLocks noGrp="1"/>
+          </p:cNvSpPr>
+          <p:nvPr>
+            <p:ph type="sldNum" sz="quarter" idx="12"/>
+          </p:nvPr>
+        </p:nvSpPr>
+        <p:spPr/>
+        <p:txBody>
+          <a:bodyPr/>
+          <a:lstStyle/>
+          <a:p>
+            <a:fld id="{7DCD6803-3BAA-44F6-A698-23D950C9713B}" type="slidenum">
+              <a:rPr lang="de-AT" smtClean="0">
+                <a:solidFill>
+                  <a:schemeClr val="bg1"/>
+                </a:solidFill>
+              </a:rPr>
+              <a:pPr/>
+              <a:t>8</a:t>
+            </a:fld>
+            <a:endParaRPr lang="de-AT">
+              <a:solidFill>
+                <a:schemeClr val="bg1"/>
+              </a:solidFill>
+            </a:endParaRPr>
+          </a:p>
+        </p:txBody>
+      </p:sp>
       <p:pic>
         <p:nvPicPr>
           <p:cNvPr id="6" name="Grafik 5">
@@ -7224,25 +9927,72 @@
               </a:ext>
             </a:extLst>
           </a:blip>
-          <a:srcRect l="-12605" t="12999" r="49274" b="-2628"/>
+          <a:srcRect l="38203" t="12999" r="30542" b="-2628"/>
           <a:stretch/>
         </p:blipFill>
         <p:spPr>
           <a:xfrm>
-            <a:off x="-7547429" y="145988"/>
-            <a:ext cx="24837174" cy="6215588"/>
+            <a:off x="-65238" y="4243"/>
+            <a:ext cx="12257238" cy="6215588"/>
           </a:xfrm>
           <a:prstGeom prst="rect">
             <a:avLst/>
           </a:prstGeom>
         </p:spPr>
       </p:pic>
-      <p:sp>
-        <p:nvSpPr>
-          <p:cNvPr id="3" name="Textfeld 2">
+      <p:pic>
+        <p:nvPicPr>
+          <p:cNvPr id="2050" name="Picture 2" descr="NodeMCU ESP32 | Joy-IT">
             <a:extLst>
               <a:ext uri="{FF2B5EF4-FFF2-40B4-BE49-F238E27FC236}">
-                <a16:creationId xmlns:a16="http://schemas.microsoft.com/office/drawing/2014/main" id="{EC16E687-6F06-16D0-683A-2FBD79806AA5}"/>
+                <a16:creationId xmlns:a16="http://schemas.microsoft.com/office/drawing/2014/main" id="{47BFFC31-3014-823D-0EC2-60D5974785D3}"/>
+              </a:ext>
+            </a:extLst>
+          </p:cNvPr>
+          <p:cNvPicPr>
+            <a:picLocks noChangeAspect="1" noChangeArrowheads="1"/>
+          </p:cNvPicPr>
+          <p:nvPr/>
+        </p:nvPicPr>
+        <p:blipFill>
+          <a:blip r:embed="rId5" cstate="print">
+            <a:extLst>
+              <a:ext uri="{28A0092B-C50C-407E-A947-70E740481C1C}">
+                <a14:useLocalDpi xmlns:a14="http://schemas.microsoft.com/office/drawing/2010/main" val="0"/>
+              </a:ext>
+            </a:extLst>
+          </a:blip>
+          <a:srcRect/>
+          <a:stretch>
+            <a:fillRect/>
+          </a:stretch>
+        </p:blipFill>
+        <p:spPr bwMode="auto">
+          <a:xfrm>
+            <a:off x="7204357" y="1588522"/>
+            <a:ext cx="559134" cy="559134"/>
+          </a:xfrm>
+          <a:prstGeom prst="rect">
+            <a:avLst/>
+          </a:prstGeom>
+          <a:noFill/>
+          <a:extLst>
+            <a:ext uri="{909E8E84-426E-40DD-AFC4-6F175D3DCCD1}">
+              <a14:hiddenFill xmlns:a14="http://schemas.microsoft.com/office/drawing/2010/main">
+                <a:solidFill>
+                  <a:srgbClr val="FFFFFF"/>
+                </a:solidFill>
+              </a14:hiddenFill>
+            </a:ext>
+          </a:extLst>
+        </p:spPr>
+      </p:pic>
+      <p:sp>
+        <p:nvSpPr>
+          <p:cNvPr id="11" name="Textfeld 10">
+            <a:extLst>
+              <a:ext uri="{FF2B5EF4-FFF2-40B4-BE49-F238E27FC236}">
+                <a16:creationId xmlns:a16="http://schemas.microsoft.com/office/drawing/2014/main" id="{294659C0-537B-4E41-1DDA-E4A6658C91C4}"/>
               </a:ext>
             </a:extLst>
           </p:cNvPr>
@@ -7251,8 +10001,8 @@
         </p:nvSpPr>
         <p:spPr>
           <a:xfrm>
-            <a:off x="6736771" y="2853672"/>
-            <a:ext cx="2300514" cy="400110"/>
+            <a:off x="4202226" y="4547416"/>
+            <a:ext cx="3300010" cy="400110"/>
           </a:xfrm>
           <a:prstGeom prst="rect">
             <a:avLst/>
@@ -7265,24 +10015,23 @@
           </a:bodyPr>
           <a:lstStyle/>
           <a:p>
-            <a:pPr lvl="1"/>
-            <a:r>
-              <a:rPr lang="de-AT" sz="2000" dirty="0">
+            <a:r>
+              <a:rPr lang="de-AT" sz="2000" b="1" u="sng" dirty="0">
                 <a:solidFill>
                   <a:schemeClr val="bg1"/>
                 </a:solidFill>
               </a:rPr>
-              <a:t>Graphentheorie</a:t>
-            </a:r>
-          </a:p>
-        </p:txBody>
-      </p:sp>
-      <p:sp>
-        <p:nvSpPr>
-          <p:cNvPr id="10" name="Textfeld 9">
+              <a:t>Maximilian S. Kampl</a:t>
+            </a:r>
+          </a:p>
+        </p:txBody>
+      </p:sp>
+      <p:sp>
+        <p:nvSpPr>
+          <p:cNvPr id="15" name="Textfeld 14">
             <a:extLst>
               <a:ext uri="{FF2B5EF4-FFF2-40B4-BE49-F238E27FC236}">
-                <a16:creationId xmlns:a16="http://schemas.microsoft.com/office/drawing/2014/main" id="{A075FD3A-A752-CFC5-0852-D94E43E87EC1}"/>
+                <a16:creationId xmlns:a16="http://schemas.microsoft.com/office/drawing/2014/main" id="{D17CEDA6-1464-BC12-5806-AA3351A735EC}"/>
               </a:ext>
             </a:extLst>
           </p:cNvPr>
@@ -7291,8 +10040,8 @@
         </p:nvSpPr>
         <p:spPr>
           <a:xfrm>
-            <a:off x="4194185" y="1529231"/>
-            <a:ext cx="1471509" cy="400110"/>
+            <a:off x="2926369" y="1675665"/>
+            <a:ext cx="1502142" cy="400110"/>
           </a:xfrm>
           <a:prstGeom prst="rect">
             <a:avLst/>
@@ -7311,30 +10060,18 @@
                   <a:schemeClr val="bg1"/>
                 </a:solidFill>
               </a:rPr>
-              <a:t>Luca </a:t>
-            </a:r>
-            <a:r>
-              <a:rPr lang="de-AT" sz="2000" dirty="0" err="1">
-                <a:solidFill>
-                  <a:schemeClr val="bg1"/>
-                </a:solidFill>
-              </a:rPr>
-              <a:t>Gekle</a:t>
-            </a:r>
-            <a:endParaRPr lang="de-AT" sz="2000" dirty="0">
-              <a:solidFill>
-                <a:schemeClr val="bg1"/>
-              </a:solidFill>
-            </a:endParaRPr>
-          </a:p>
-        </p:txBody>
-      </p:sp>
-      <p:sp>
-        <p:nvSpPr>
-          <p:cNvPr id="12" name="Textfeld 11">
+              <a:t>Hardware</a:t>
+            </a:r>
+            <a:endParaRPr lang="en-US" dirty="0"/>
+          </a:p>
+        </p:txBody>
+      </p:sp>
+      <p:sp>
+        <p:nvSpPr>
+          <p:cNvPr id="17" name="Textfeld 16">
             <a:extLst>
               <a:ext uri="{FF2B5EF4-FFF2-40B4-BE49-F238E27FC236}">
-                <a16:creationId xmlns:a16="http://schemas.microsoft.com/office/drawing/2014/main" id="{FA7538C5-7129-F57C-2954-B244E55BC650}"/>
+                <a16:creationId xmlns:a16="http://schemas.microsoft.com/office/drawing/2014/main" id="{33307A70-E881-1B52-C8DC-34BD98ADE26D}"/>
               </a:ext>
             </a:extLst>
           </p:cNvPr>
@@ -7343,8 +10080,8 @@
         </p:nvSpPr>
         <p:spPr>
           <a:xfrm>
-            <a:off x="6656200" y="1929341"/>
-            <a:ext cx="2381085" cy="400110"/>
+            <a:off x="5592292" y="2147656"/>
+            <a:ext cx="1410087" cy="400110"/>
           </a:xfrm>
           <a:prstGeom prst="rect">
             <a:avLst/>
@@ -7357,29 +10094,24 @@
           </a:bodyPr>
           <a:lstStyle/>
           <a:p>
-            <a:pPr lvl="1"/>
             <a:r>
               <a:rPr lang="de-AT" sz="2000" dirty="0">
                 <a:solidFill>
                   <a:schemeClr val="bg1"/>
                 </a:solidFill>
               </a:rPr>
-              <a:t>Webanwendung</a:t>
-            </a:r>
-            <a:endParaRPr lang="de-AT" sz="1800" dirty="0">
-              <a:solidFill>
-                <a:schemeClr val="bg1"/>
-              </a:solidFill>
-            </a:endParaRPr>
-          </a:p>
-        </p:txBody>
-      </p:sp>
-      <p:sp>
-        <p:nvSpPr>
-          <p:cNvPr id="14" name="Textfeld 13">
+              <a:t>Sensorik</a:t>
+            </a:r>
+            <a:endParaRPr lang="en-US" dirty="0"/>
+          </a:p>
+        </p:txBody>
+      </p:sp>
+      <p:sp>
+        <p:nvSpPr>
+          <p:cNvPr id="19" name="Textfeld 18">
             <a:extLst>
               <a:ext uri="{FF2B5EF4-FFF2-40B4-BE49-F238E27FC236}">
-                <a16:creationId xmlns:a16="http://schemas.microsoft.com/office/drawing/2014/main" id="{29A1AF46-E1B1-C0DE-2697-027461477475}"/>
+                <a16:creationId xmlns:a16="http://schemas.microsoft.com/office/drawing/2014/main" id="{51CB33F9-8673-CAEE-CB6E-2AACC970E80E}"/>
               </a:ext>
             </a:extLst>
           </p:cNvPr>
@@ -7388,8 +10120,8 @@
         </p:nvSpPr>
         <p:spPr>
           <a:xfrm>
-            <a:off x="9577038" y="3518647"/>
-            <a:ext cx="2446971" cy="400110"/>
+            <a:off x="10344157" y="3070971"/>
+            <a:ext cx="7897570" cy="400110"/>
           </a:xfrm>
           <a:prstGeom prst="rect">
             <a:avLst/>
@@ -7408,7 +10140,7 @@
                   <a:schemeClr val="bg1"/>
                 </a:solidFill>
               </a:rPr>
-              <a:t>Positionsalgorithmus</a:t>
+              <a:t>MQTT</a:t>
             </a:r>
             <a:endParaRPr lang="en-US" dirty="0"/>
           </a:p>
@@ -7417,244 +10149,7 @@
     </p:spTree>
     <p:extLst>
       <p:ext uri="{BB962C8B-B14F-4D97-AF65-F5344CB8AC3E}">
-        <p14:creationId xmlns:p14="http://schemas.microsoft.com/office/powerpoint/2010/main" val="708171628"/>
-      </p:ext>
-    </p:extLst>
-  </p:cSld>
-  <p:clrMapOvr>
-    <a:masterClrMapping/>
-  </p:clrMapOvr>
-  <mc:AlternateContent xmlns:mc="http://schemas.openxmlformats.org/markup-compatibility/2006">
-    <mc:Choice xmlns:p159="http://schemas.microsoft.com/office/powerpoint/2015/09/main" Requires="p159">
-      <p:transition xmlns:p14="http://schemas.microsoft.com/office/powerpoint/2010/main" spd="slow" p14:dur="2000">
-        <p159:morph option="byObject"/>
-      </p:transition>
-    </mc:Choice>
-    <mc:Fallback>
-      <p:transition spd="slow">
-        <p:fade/>
-      </p:transition>
-    </mc:Fallback>
-  </mc:AlternateContent>
-</p:sld>
-</file>
-
-<file path=ppt/slides/slide8.xml><?xml version="1.0" encoding="utf-8"?>
-<p:sld xmlns:a="http://schemas.openxmlformats.org/drawingml/2006/main" xmlns:r="http://schemas.openxmlformats.org/officeDocument/2006/relationships" xmlns:p="http://schemas.openxmlformats.org/presentationml/2006/main">
-  <p:cSld>
-    <p:spTree>
-      <p:nvGrpSpPr>
-        <p:cNvPr id="1" name=""/>
-        <p:cNvGrpSpPr/>
-        <p:nvPr/>
-      </p:nvGrpSpPr>
-      <p:grpSpPr>
-        <a:xfrm>
-          <a:off x="0" y="0"/>
-          <a:ext cx="0" cy="0"/>
-          <a:chOff x="0" y="0"/>
-          <a:chExt cx="0" cy="0"/>
-        </a:xfrm>
-      </p:grpSpPr>
-      <p:sp>
-        <p:nvSpPr>
-          <p:cNvPr id="2" name="Titel 1">
-            <a:extLst>
-              <a:ext uri="{FF2B5EF4-FFF2-40B4-BE49-F238E27FC236}">
-                <a16:creationId xmlns:a16="http://schemas.microsoft.com/office/drawing/2014/main" id="{E496C6BA-99A1-43F4-92B8-B6D762EF0987}"/>
-              </a:ext>
-            </a:extLst>
-          </p:cNvPr>
-          <p:cNvSpPr>
-            <a:spLocks noGrp="1"/>
-          </p:cNvSpPr>
-          <p:nvPr>
-            <p:ph type="title"/>
-          </p:nvPr>
-        </p:nvSpPr>
-        <p:spPr/>
-        <p:txBody>
-          <a:bodyPr/>
-          <a:lstStyle/>
-          <a:p>
-            <a:r>
-              <a:rPr lang="de-DE"/>
-              <a:t>Literatur</a:t>
-            </a:r>
-            <a:endParaRPr lang="de-AT"/>
-          </a:p>
-        </p:txBody>
-      </p:sp>
-      <p:sp>
-        <p:nvSpPr>
-          <p:cNvPr id="3" name="Inhaltsplatzhalter 2">
-            <a:extLst>
-              <a:ext uri="{FF2B5EF4-FFF2-40B4-BE49-F238E27FC236}">
-                <a16:creationId xmlns:a16="http://schemas.microsoft.com/office/drawing/2014/main" id="{A228378C-21E0-453B-B255-71BAC911E6C0}"/>
-              </a:ext>
-            </a:extLst>
-          </p:cNvPr>
-          <p:cNvSpPr>
-            <a:spLocks noGrp="1"/>
-          </p:cNvSpPr>
-          <p:nvPr>
-            <p:ph idx="1"/>
-          </p:nvPr>
-        </p:nvSpPr>
-        <p:spPr/>
-        <p:txBody>
-          <a:bodyPr/>
-          <a:lstStyle/>
-          <a:p>
-            <a:r>
-              <a:rPr lang="de-DE" dirty="0"/>
-              <a:t>REST API Design </a:t>
-            </a:r>
-            <a:r>
-              <a:rPr lang="de-DE" dirty="0" err="1"/>
-              <a:t>Rulebook</a:t>
-            </a:r>
-            <a:endParaRPr lang="de-DE" dirty="0"/>
-          </a:p>
-          <a:p>
-            <a:r>
-              <a:rPr lang="de-DE" dirty="0" err="1">
-                <a:solidFill>
-                  <a:srgbClr val="002021"/>
-                </a:solidFill>
-                <a:highlight>
-                  <a:srgbClr val="FFFFFF"/>
-                </a:highlight>
-                <a:latin typeface="Google Sans"/>
-              </a:rPr>
-              <a:t>ChatGpt</a:t>
-            </a:r>
-            <a:r>
-              <a:rPr lang="de-DE" dirty="0">
-                <a:solidFill>
-                  <a:srgbClr val="002021"/>
-                </a:solidFill>
-                <a:highlight>
-                  <a:srgbClr val="FFFFFF"/>
-                </a:highlight>
-                <a:latin typeface="Google Sans"/>
-              </a:rPr>
-              <a:t>-Abfragen</a:t>
-            </a:r>
-          </a:p>
-          <a:p>
-            <a:r>
-              <a:rPr lang="de-DE" dirty="0">
-                <a:solidFill>
-                  <a:srgbClr val="002021"/>
-                </a:solidFill>
-                <a:highlight>
-                  <a:srgbClr val="FFFFFF"/>
-                </a:highlight>
-                <a:latin typeface="Google Sans"/>
-              </a:rPr>
-              <a:t>Webseiten:</a:t>
-            </a:r>
-          </a:p>
-          <a:p>
-            <a:r>
-              <a:rPr lang="de-DE" dirty="0">
-                <a:solidFill>
-                  <a:srgbClr val="002021"/>
-                </a:solidFill>
-                <a:highlight>
-                  <a:srgbClr val="FFFFFF"/>
-                </a:highlight>
-                <a:latin typeface="Google Sans"/>
-              </a:rPr>
-              <a:t>Datenblätter:</a:t>
-            </a:r>
-            <a:endParaRPr lang="de-AT" dirty="0">
-              <a:solidFill>
-                <a:srgbClr val="002021"/>
-              </a:solidFill>
-              <a:highlight>
-                <a:srgbClr val="FFFFFF"/>
-              </a:highlight>
-              <a:latin typeface="Google Sans"/>
-            </a:endParaRPr>
-          </a:p>
-          <a:p>
-            <a:pPr lvl="1"/>
-            <a:endParaRPr lang="de-AT" dirty="0">
-              <a:solidFill>
-                <a:srgbClr val="002021"/>
-              </a:solidFill>
-              <a:highlight>
-                <a:srgbClr val="FFFFFF"/>
-              </a:highlight>
-              <a:latin typeface="Google Sans"/>
-            </a:endParaRPr>
-          </a:p>
-        </p:txBody>
-      </p:sp>
-      <p:sp>
-        <p:nvSpPr>
-          <p:cNvPr id="4" name="Fußzeilenplatzhalter 3">
-            <a:extLst>
-              <a:ext uri="{FF2B5EF4-FFF2-40B4-BE49-F238E27FC236}">
-                <a16:creationId xmlns:a16="http://schemas.microsoft.com/office/drawing/2014/main" id="{8AADA028-308D-430B-A45B-407D875A2351}"/>
-              </a:ext>
-            </a:extLst>
-          </p:cNvPr>
-          <p:cNvSpPr>
-            <a:spLocks noGrp="1"/>
-          </p:cNvSpPr>
-          <p:nvPr>
-            <p:ph type="ftr" sz="quarter" idx="11"/>
-          </p:nvPr>
-        </p:nvSpPr>
-        <p:spPr/>
-        <p:txBody>
-          <a:bodyPr/>
-          <a:lstStyle/>
-          <a:p>
-            <a:r>
-              <a:rPr lang="de-AT"/>
-              <a:t>CONTRUDE Gekle, Kampl, Schrempf</a:t>
-            </a:r>
-          </a:p>
-        </p:txBody>
-      </p:sp>
-      <p:sp>
-        <p:nvSpPr>
-          <p:cNvPr id="5" name="Foliennummernplatzhalter 4">
-            <a:extLst>
-              <a:ext uri="{FF2B5EF4-FFF2-40B4-BE49-F238E27FC236}">
-                <a16:creationId xmlns:a16="http://schemas.microsoft.com/office/drawing/2014/main" id="{AB38338F-922C-40A7-B140-637B827703BF}"/>
-              </a:ext>
-            </a:extLst>
-          </p:cNvPr>
-          <p:cNvSpPr>
-            <a:spLocks noGrp="1"/>
-          </p:cNvSpPr>
-          <p:nvPr>
-            <p:ph type="sldNum" sz="quarter" idx="12"/>
-          </p:nvPr>
-        </p:nvSpPr>
-        <p:spPr/>
-        <p:txBody>
-          <a:bodyPr/>
-          <a:lstStyle/>
-          <a:p>
-            <a:fld id="{7DCD6803-3BAA-44F6-A698-23D950C9713B}" type="slidenum">
-              <a:rPr lang="de-AT" smtClean="0"/>
-              <a:pPr/>
-              <a:t>8</a:t>
-            </a:fld>
-            <a:endParaRPr lang="de-AT"/>
-          </a:p>
-        </p:txBody>
-      </p:sp>
-    </p:spTree>
-    <p:extLst>
-      <p:ext uri="{BB962C8B-B14F-4D97-AF65-F5344CB8AC3E}">
-        <p14:creationId xmlns:p14="http://schemas.microsoft.com/office/powerpoint/2010/main" val="2929837528"/>
+        <p14:creationId xmlns:p14="http://schemas.microsoft.com/office/powerpoint/2010/main" val="398900337"/>
       </p:ext>
     </p:extLst>
   </p:cSld>
@@ -7663,12 +10158,12 @@
   </p:clrMapOvr>
   <mc:AlternateContent xmlns:mc="http://schemas.openxmlformats.org/markup-compatibility/2006" xmlns:p159="http://schemas.microsoft.com/office/powerpoint/2015/09/main">
     <mc:Choice Requires="p159">
-      <p:transition xmlns:p14="http://schemas.microsoft.com/office/powerpoint/2010/main" spd="slow" p14:dur="2000">
+      <p:transition xmlns:p14="http://schemas.microsoft.com/office/powerpoint/2010/main" spd="slow" p14:dur="2000" advClick="0" advTm="1000">
         <p159:morph option="byObject"/>
       </p:transition>
     </mc:Choice>
     <mc:Fallback xmlns="">
-      <p:transition spd="slow">
+      <p:transition spd="slow" advClick="0" advTm="1000">
         <p:fade/>
       </p:transition>
     </mc:Fallback>
@@ -7695,18 +10190,84 @@
       </p:grpSpPr>
       <p:sp>
         <p:nvSpPr>
-          <p:cNvPr id="2" name="Titel 1">
+          <p:cNvPr id="7" name="Rechteck 6">
             <a:extLst>
               <a:ext uri="{FF2B5EF4-FFF2-40B4-BE49-F238E27FC236}">
-                <a16:creationId xmlns:a16="http://schemas.microsoft.com/office/drawing/2014/main" id="{E496C6BA-99A1-43F4-92B8-B6D762EF0987}"/>
+                <a16:creationId xmlns:a16="http://schemas.microsoft.com/office/drawing/2014/main" id="{5FD16DE7-27A8-13EC-C34D-F44A01912A4F}"/>
               </a:ext>
             </a:extLst>
           </p:cNvPr>
+          <p:cNvSpPr/>
+          <p:nvPr/>
+        </p:nvSpPr>
+        <p:spPr>
+          <a:xfrm>
+            <a:off x="-65238" y="0"/>
+            <a:ext cx="12257237" cy="6858000"/>
+          </a:xfrm>
+          <a:prstGeom prst="rect">
+            <a:avLst/>
+          </a:prstGeom>
+          <a:solidFill>
+            <a:schemeClr val="bg1">
+              <a:lumMod val="85000"/>
+              <a:alpha val="75000"/>
+            </a:schemeClr>
+          </a:solidFill>
+          <a:ln>
+            <a:noFill/>
+          </a:ln>
+        </p:spPr>
+        <p:style>
+          <a:lnRef idx="2">
+            <a:schemeClr val="accent1">
+              <a:shade val="15000"/>
+            </a:schemeClr>
+          </a:lnRef>
+          <a:fillRef idx="1">
+            <a:schemeClr val="accent1"/>
+          </a:fillRef>
+          <a:effectRef idx="0">
+            <a:schemeClr val="accent1"/>
+          </a:effectRef>
+          <a:fontRef idx="minor">
+            <a:schemeClr val="lt1"/>
+          </a:fontRef>
+        </p:style>
+        <p:txBody>
+          <a:bodyPr rtlCol="0" anchor="ctr"/>
+          <a:lstStyle/>
+          <a:p>
+            <a:r>
+              <a:rPr lang="de-AT" sz="1800">
+                <a:solidFill>
+                  <a:schemeClr val="bg1"/>
+                </a:solidFill>
+              </a:rPr>
+              <a:t>Luca Alexander Gekle</a:t>
+            </a:r>
+            <a:endParaRPr lang="de-AT" sz="1800" dirty="0">
+              <a:solidFill>
+                <a:schemeClr val="bg1"/>
+              </a:solidFill>
+            </a:endParaRPr>
+          </a:p>
+        </p:txBody>
+      </p:sp>
+      <p:sp>
+        <p:nvSpPr>
+          <p:cNvPr id="4" name="Fußzeilenplatzhalter 3">
+            <a:extLst>
+              <a:ext uri="{FF2B5EF4-FFF2-40B4-BE49-F238E27FC236}">
+                <a16:creationId xmlns:a16="http://schemas.microsoft.com/office/drawing/2014/main" id="{E60B7009-2B0F-747C-568D-AC20F983B193}"/>
+              </a:ext>
+            </a:extLst>
+          </p:cNvPr>
           <p:cNvSpPr>
             <a:spLocks noGrp="1"/>
           </p:cNvSpPr>
           <p:nvPr>
-            <p:ph type="title"/>
+            <p:ph type="ftr" sz="quarter" idx="11"/>
           </p:nvPr>
         </p:nvSpPr>
         <p:spPr/>
@@ -7715,19 +10276,22 @@
           <a:lstStyle/>
           <a:p>
             <a:r>
-              <a:rPr lang="de-DE"/>
-              <a:t>PM - Meilensteine</a:t>
-            </a:r>
-            <a:endParaRPr lang="de-AT"/>
-          </a:p>
-        </p:txBody>
-      </p:sp>
-      <p:sp>
-        <p:nvSpPr>
-          <p:cNvPr id="3" name="Inhaltsplatzhalter 2">
+              <a:rPr lang="de-AT">
+                <a:solidFill>
+                  <a:schemeClr val="bg1"/>
+                </a:solidFill>
+              </a:rPr>
+              <a:t>Diplomarbeit Name, Name</a:t>
+            </a:r>
+          </a:p>
+        </p:txBody>
+      </p:sp>
+      <p:sp>
+        <p:nvSpPr>
+          <p:cNvPr id="5" name="Foliennummernplatzhalter 4">
             <a:extLst>
               <a:ext uri="{FF2B5EF4-FFF2-40B4-BE49-F238E27FC236}">
-                <a16:creationId xmlns:a16="http://schemas.microsoft.com/office/drawing/2014/main" id="{A228378C-21E0-453B-B255-71BAC911E6C0}"/>
+                <a16:creationId xmlns:a16="http://schemas.microsoft.com/office/drawing/2014/main" id="{B8DFB85E-29D1-B262-44AB-6AE9AD2CCB9A}"/>
               </a:ext>
             </a:extLst>
           </p:cNvPr>
@@ -7735,166 +10299,279 @@
             <a:spLocks noGrp="1"/>
           </p:cNvSpPr>
           <p:nvPr>
-            <p:ph idx="1"/>
+            <p:ph type="sldNum" sz="quarter" idx="12"/>
           </p:nvPr>
         </p:nvSpPr>
         <p:spPr/>
         <p:txBody>
-          <a:bodyPr>
-            <a:normAutofit fontScale="92500" lnSpcReduction="20000"/>
-          </a:bodyPr>
-          <a:lstStyle/>
-          <a:p>
-            <a:r>
-              <a:rPr lang="de-DE"/>
-              <a:t>2024-02-23: Genehmigung der DA</a:t>
-            </a:r>
-          </a:p>
-          <a:p>
-            <a:pPr lvl="1"/>
-            <a:r>
-              <a:rPr lang="de-DE"/>
-              <a:t>Einreichen des Antrags durch die Schüler</a:t>
-            </a:r>
-          </a:p>
-          <a:p>
-            <a:pPr lvl="1"/>
-            <a:r>
-              <a:rPr lang="de-DE"/>
-              <a:t>DA Dokumentation wurde ausgefüllt und unterschrieben</a:t>
-            </a:r>
-          </a:p>
-          <a:p>
-            <a:r>
-              <a:rPr lang="de-DE"/>
-              <a:t>2024-05-09: Projekthandbuch fertig</a:t>
-            </a:r>
-          </a:p>
-          <a:p>
-            <a:pPr lvl="1"/>
-            <a:r>
-              <a:rPr lang="de-DE"/>
-              <a:t>Zielsetzung ausgefüllt</a:t>
-            </a:r>
-          </a:p>
-          <a:p>
-            <a:pPr lvl="1"/>
-            <a:r>
-              <a:rPr lang="de-DE"/>
-              <a:t>Projektplan ausgefüllt</a:t>
-            </a:r>
-          </a:p>
-          <a:p>
-            <a:r>
-              <a:rPr lang="de-DE"/>
-              <a:t>2024-06-01: Hardware Komponenten Recherche abgeschlossen</a:t>
-            </a:r>
-          </a:p>
-          <a:p>
-            <a:pPr lvl="1"/>
-            <a:r>
-              <a:rPr lang="de-DE"/>
-              <a:t>Bestimmung der Komponenten</a:t>
-            </a:r>
-          </a:p>
-          <a:p>
-            <a:pPr lvl="1"/>
-            <a:r>
-              <a:rPr lang="de-DE"/>
-              <a:t>Preisrechnung</a:t>
-            </a:r>
-          </a:p>
-          <a:p>
-            <a:pPr lvl="1"/>
-            <a:r>
-              <a:rPr lang="de-DE"/>
-              <a:t>Terminrechnung</a:t>
-            </a:r>
-          </a:p>
-          <a:p>
-            <a:r>
-              <a:rPr lang="de-DE"/>
-              <a:t>2024-06-17: Datenbanken fertig</a:t>
-            </a:r>
-          </a:p>
-          <a:p>
-            <a:pPr lvl="1"/>
-            <a:r>
-              <a:rPr lang="de-DE"/>
-              <a:t>Allgemeine Container Informationen</a:t>
-            </a:r>
-          </a:p>
-          <a:p>
-            <a:pPr lvl="1"/>
-            <a:r>
-              <a:rPr lang="de-DE"/>
-              <a:t>Sensor Daten</a:t>
-            </a:r>
-          </a:p>
-        </p:txBody>
-      </p:sp>
-      <p:sp>
-        <p:nvSpPr>
-          <p:cNvPr id="4" name="Fußzeilenplatzhalter 3">
-            <a:extLst>
-              <a:ext uri="{FF2B5EF4-FFF2-40B4-BE49-F238E27FC236}">
-                <a16:creationId xmlns:a16="http://schemas.microsoft.com/office/drawing/2014/main" id="{8AADA028-308D-430B-A45B-407D875A2351}"/>
-              </a:ext>
-            </a:extLst>
-          </p:cNvPr>
-          <p:cNvSpPr>
-            <a:spLocks noGrp="1"/>
-          </p:cNvSpPr>
-          <p:nvPr>
-            <p:ph type="ftr" sz="quarter" idx="11"/>
-          </p:nvPr>
-        </p:nvSpPr>
-        <p:spPr/>
-        <p:txBody>
           <a:bodyPr/>
           <a:lstStyle/>
           <a:p>
-            <a:r>
-              <a:rPr lang="de-AT"/>
-              <a:t>CONTRUDE Gekle, Kampl, Schrempf</a:t>
-            </a:r>
-          </a:p>
-        </p:txBody>
-      </p:sp>
-      <p:sp>
-        <p:nvSpPr>
-          <p:cNvPr id="5" name="Foliennummernplatzhalter 4">
-            <a:extLst>
-              <a:ext uri="{FF2B5EF4-FFF2-40B4-BE49-F238E27FC236}">
-                <a16:creationId xmlns:a16="http://schemas.microsoft.com/office/drawing/2014/main" id="{AB38338F-922C-40A7-B140-637B827703BF}"/>
-              </a:ext>
-            </a:extLst>
-          </p:cNvPr>
-          <p:cNvSpPr>
-            <a:spLocks noGrp="1"/>
-          </p:cNvSpPr>
-          <p:nvPr>
-            <p:ph type="sldNum" sz="quarter" idx="12"/>
-          </p:nvPr>
-        </p:nvSpPr>
-        <p:spPr/>
-        <p:txBody>
-          <a:bodyPr/>
-          <a:lstStyle/>
-          <a:p>
             <a:fld id="{7DCD6803-3BAA-44F6-A698-23D950C9713B}" type="slidenum">
-              <a:rPr lang="de-AT" smtClean="0"/>
+              <a:rPr lang="de-AT" smtClean="0">
+                <a:solidFill>
+                  <a:schemeClr val="bg1"/>
+                </a:solidFill>
+              </a:rPr>
               <a:pPr/>
               <a:t>9</a:t>
             </a:fld>
-            <a:endParaRPr lang="de-AT"/>
+            <a:endParaRPr lang="de-AT">
+              <a:solidFill>
+                <a:schemeClr val="bg1"/>
+              </a:solidFill>
+            </a:endParaRPr>
+          </a:p>
+        </p:txBody>
+      </p:sp>
+      <p:pic>
+        <p:nvPicPr>
+          <p:cNvPr id="6" name="Grafik 5">
+            <a:extLst>
+              <a:ext uri="{FF2B5EF4-FFF2-40B4-BE49-F238E27FC236}">
+                <a16:creationId xmlns:a16="http://schemas.microsoft.com/office/drawing/2014/main" id="{835BFC3E-6502-D5D2-F643-8AE4DCE6143B}"/>
+              </a:ext>
+            </a:extLst>
+          </p:cNvPr>
+          <p:cNvPicPr>
+            <a:picLocks noChangeAspect="1"/>
+          </p:cNvPicPr>
+          <p:nvPr/>
+        </p:nvPicPr>
+        <p:blipFill rotWithShape="1">
+          <a:blip r:embed="rId3">
+            <a:extLst>
+              <a:ext uri="{28A0092B-C50C-407E-A947-70E740481C1C}">
+                <a14:useLocalDpi xmlns:a14="http://schemas.microsoft.com/office/drawing/2010/main" val="0"/>
+              </a:ext>
+              <a:ext uri="{96DAC541-7B7A-43D3-8B79-37D633B846F1}">
+                <asvg:svgBlip xmlns:asvg="http://schemas.microsoft.com/office/drawing/2016/SVG/main" r:embed="rId4"/>
+              </a:ext>
+            </a:extLst>
+          </a:blip>
+          <a:srcRect l="38203" t="12999" r="30542" b="-2628"/>
+          <a:stretch/>
+        </p:blipFill>
+        <p:spPr>
+          <a:xfrm>
+            <a:off x="-65238" y="4243"/>
+            <a:ext cx="12257238" cy="6215588"/>
+          </a:xfrm>
+          <a:prstGeom prst="rect">
+            <a:avLst/>
+          </a:prstGeom>
+        </p:spPr>
+      </p:pic>
+      <p:pic>
+        <p:nvPicPr>
+          <p:cNvPr id="2050" name="Picture 2" descr="NodeMCU ESP32 | Joy-IT">
+            <a:extLst>
+              <a:ext uri="{FF2B5EF4-FFF2-40B4-BE49-F238E27FC236}">
+                <a16:creationId xmlns:a16="http://schemas.microsoft.com/office/drawing/2014/main" id="{47BFFC31-3014-823D-0EC2-60D5974785D3}"/>
+              </a:ext>
+            </a:extLst>
+          </p:cNvPr>
+          <p:cNvPicPr>
+            <a:picLocks noChangeAspect="1" noChangeArrowheads="1"/>
+          </p:cNvPicPr>
+          <p:nvPr/>
+        </p:nvPicPr>
+        <p:blipFill>
+          <a:blip r:embed="rId5" cstate="print">
+            <a:extLst>
+              <a:ext uri="{28A0092B-C50C-407E-A947-70E740481C1C}">
+                <a14:useLocalDpi xmlns:a14="http://schemas.microsoft.com/office/drawing/2010/main" val="0"/>
+              </a:ext>
+            </a:extLst>
+          </a:blip>
+          <a:srcRect/>
+          <a:stretch>
+            <a:fillRect/>
+          </a:stretch>
+        </p:blipFill>
+        <p:spPr bwMode="auto">
+          <a:xfrm>
+            <a:off x="7836902" y="1452596"/>
+            <a:ext cx="2190340" cy="2190340"/>
+          </a:xfrm>
+          <a:prstGeom prst="rect">
+            <a:avLst/>
+          </a:prstGeom>
+          <a:noFill/>
+          <a:extLst>
+            <a:ext uri="{909E8E84-426E-40DD-AFC4-6F175D3DCCD1}">
+              <a14:hiddenFill xmlns:a14="http://schemas.microsoft.com/office/drawing/2010/main">
+                <a:solidFill>
+                  <a:srgbClr val="FFFFFF"/>
+                </a:solidFill>
+              </a14:hiddenFill>
+            </a:ext>
+          </a:extLst>
+        </p:spPr>
+      </p:pic>
+      <p:sp>
+        <p:nvSpPr>
+          <p:cNvPr id="11" name="Textfeld 10">
+            <a:extLst>
+              <a:ext uri="{FF2B5EF4-FFF2-40B4-BE49-F238E27FC236}">
+                <a16:creationId xmlns:a16="http://schemas.microsoft.com/office/drawing/2014/main" id="{294659C0-537B-4E41-1DDA-E4A6658C91C4}"/>
+              </a:ext>
+            </a:extLst>
+          </p:cNvPr>
+          <p:cNvSpPr txBox="1"/>
+          <p:nvPr/>
+        </p:nvSpPr>
+        <p:spPr>
+          <a:xfrm>
+            <a:off x="4202226" y="4547416"/>
+            <a:ext cx="2800153" cy="369332"/>
+          </a:xfrm>
+          <a:prstGeom prst="rect">
+            <a:avLst/>
+          </a:prstGeom>
+          <a:noFill/>
+        </p:spPr>
+        <p:txBody>
+          <a:bodyPr wrap="square">
+            <a:spAutoFit/>
+          </a:bodyPr>
+          <a:lstStyle/>
+          <a:p>
+            <a:r>
+              <a:rPr lang="de-AT" b="1" u="sng" dirty="0">
+                <a:solidFill>
+                  <a:schemeClr val="bg1"/>
+                </a:solidFill>
+              </a:rPr>
+              <a:t>Maximilian S. Kampl</a:t>
+            </a:r>
+          </a:p>
+        </p:txBody>
+      </p:sp>
+      <p:sp>
+        <p:nvSpPr>
+          <p:cNvPr id="15" name="Textfeld 14">
+            <a:extLst>
+              <a:ext uri="{FF2B5EF4-FFF2-40B4-BE49-F238E27FC236}">
+                <a16:creationId xmlns:a16="http://schemas.microsoft.com/office/drawing/2014/main" id="{D17CEDA6-1464-BC12-5806-AA3351A735EC}"/>
+              </a:ext>
+            </a:extLst>
+          </p:cNvPr>
+          <p:cNvSpPr txBox="1"/>
+          <p:nvPr/>
+        </p:nvSpPr>
+        <p:spPr>
+          <a:xfrm>
+            <a:off x="2926369" y="1675665"/>
+            <a:ext cx="1502142" cy="400110"/>
+          </a:xfrm>
+          <a:prstGeom prst="rect">
+            <a:avLst/>
+          </a:prstGeom>
+          <a:noFill/>
+        </p:spPr>
+        <p:txBody>
+          <a:bodyPr wrap="square">
+            <a:spAutoFit/>
+          </a:bodyPr>
+          <a:lstStyle/>
+          <a:p>
+            <a:r>
+              <a:rPr lang="de-AT" sz="2000" dirty="0">
+                <a:solidFill>
+                  <a:schemeClr val="bg1"/>
+                </a:solidFill>
+              </a:rPr>
+              <a:t>Hardware</a:t>
+            </a:r>
+            <a:endParaRPr lang="en-US" dirty="0"/>
+          </a:p>
+        </p:txBody>
+      </p:sp>
+      <p:sp>
+        <p:nvSpPr>
+          <p:cNvPr id="17" name="Textfeld 16">
+            <a:extLst>
+              <a:ext uri="{FF2B5EF4-FFF2-40B4-BE49-F238E27FC236}">
+                <a16:creationId xmlns:a16="http://schemas.microsoft.com/office/drawing/2014/main" id="{33307A70-E881-1B52-C8DC-34BD98ADE26D}"/>
+              </a:ext>
+            </a:extLst>
+          </p:cNvPr>
+          <p:cNvSpPr txBox="1"/>
+          <p:nvPr/>
+        </p:nvSpPr>
+        <p:spPr>
+          <a:xfrm>
+            <a:off x="5592292" y="2147656"/>
+            <a:ext cx="1410087" cy="400110"/>
+          </a:xfrm>
+          <a:prstGeom prst="rect">
+            <a:avLst/>
+          </a:prstGeom>
+          <a:noFill/>
+        </p:spPr>
+        <p:txBody>
+          <a:bodyPr wrap="square">
+            <a:spAutoFit/>
+          </a:bodyPr>
+          <a:lstStyle/>
+          <a:p>
+            <a:r>
+              <a:rPr lang="de-AT" sz="2000" dirty="0">
+                <a:solidFill>
+                  <a:schemeClr val="bg1"/>
+                </a:solidFill>
+              </a:rPr>
+              <a:t>Sensorik</a:t>
+            </a:r>
+            <a:endParaRPr lang="en-US" dirty="0"/>
+          </a:p>
+        </p:txBody>
+      </p:sp>
+      <p:sp>
+        <p:nvSpPr>
+          <p:cNvPr id="19" name="Textfeld 18">
+            <a:extLst>
+              <a:ext uri="{FF2B5EF4-FFF2-40B4-BE49-F238E27FC236}">
+                <a16:creationId xmlns:a16="http://schemas.microsoft.com/office/drawing/2014/main" id="{51CB33F9-8673-CAEE-CB6E-2AACC970E80E}"/>
+              </a:ext>
+            </a:extLst>
+          </p:cNvPr>
+          <p:cNvSpPr txBox="1"/>
+          <p:nvPr/>
+        </p:nvSpPr>
+        <p:spPr>
+          <a:xfrm>
+            <a:off x="10344157" y="3070971"/>
+            <a:ext cx="7897570" cy="400110"/>
+          </a:xfrm>
+          <a:prstGeom prst="rect">
+            <a:avLst/>
+          </a:prstGeom>
+          <a:noFill/>
+        </p:spPr>
+        <p:txBody>
+          <a:bodyPr wrap="square">
+            <a:spAutoFit/>
+          </a:bodyPr>
+          <a:lstStyle/>
+          <a:p>
+            <a:r>
+              <a:rPr lang="de-AT" sz="2000" dirty="0">
+                <a:solidFill>
+                  <a:schemeClr val="bg1"/>
+                </a:solidFill>
+              </a:rPr>
+              <a:t>MQTT</a:t>
+            </a:r>
+            <a:endParaRPr lang="en-US" dirty="0"/>
           </a:p>
         </p:txBody>
       </p:sp>
     </p:spTree>
     <p:extLst>
       <p:ext uri="{BB962C8B-B14F-4D97-AF65-F5344CB8AC3E}">
-        <p14:creationId xmlns:p14="http://schemas.microsoft.com/office/powerpoint/2010/main" val="2525704466"/>
+        <p14:creationId xmlns:p14="http://schemas.microsoft.com/office/powerpoint/2010/main" val="1531555268"/>
       </p:ext>
     </p:extLst>
   </p:cSld>
@@ -8770,9 +11447,12 @@
 </file>
 
 <file path=customXml/item1.xml><?xml version="1.0" encoding="utf-8"?>
-<p:properties xmlns:p="http://schemas.microsoft.com/office/2006/metadata/properties" xmlns:xsi="http://www.w3.org/2001/XMLSchema-instance" xmlns:pc="http://schemas.microsoft.com/office/infopath/2007/PartnerControls">
-  <documentManagement/>
-</p:properties>
+<?mso-contentType ?>
+<FormTemplates xmlns="http://schemas.microsoft.com/sharepoint/v3/contenttype/forms">
+  <Display>DocumentLibraryForm</Display>
+  <Edit>DocumentLibraryForm</Edit>
+  <New>DocumentLibraryForm</New>
+</FormTemplates>
 </file>
 
 <file path=customXml/item2.xml><?xml version="1.0" encoding="utf-8"?>
@@ -8890,25 +11570,15 @@
 </file>
 
 <file path=customXml/item3.xml><?xml version="1.0" encoding="utf-8"?>
-<?mso-contentType ?>
-<FormTemplates xmlns="http://schemas.microsoft.com/sharepoint/v3/contenttype/forms">
-  <Display>DocumentLibraryForm</Display>
-  <Edit>DocumentLibraryForm</Edit>
-  <New>DocumentLibraryForm</New>
-</FormTemplates>
+<p:properties xmlns:p="http://schemas.microsoft.com/office/2006/metadata/properties" xmlns:xsi="http://www.w3.org/2001/XMLSchema-instance" xmlns:pc="http://schemas.microsoft.com/office/infopath/2007/PartnerControls">
+  <documentManagement/>
+</p:properties>
 </file>
 
 <file path=customXml/itemProps1.xml><?xml version="1.0" encoding="utf-8"?>
-<ds:datastoreItem xmlns:ds="http://schemas.openxmlformats.org/officeDocument/2006/customXml" ds:itemID="{91B09AE3-FA1D-40C8-A6CE-A2D9F55131C8}">
+<ds:datastoreItem xmlns:ds="http://schemas.openxmlformats.org/officeDocument/2006/customXml" ds:itemID="{A62B322D-2084-418A-8960-B074ADC5B6DB}">
   <ds:schemaRefs>
-    <ds:schemaRef ds:uri="http://purl.org/dc/dcmitype/"/>
-    <ds:schemaRef ds:uri="http://purl.org/dc/elements/1.1/"/>
-    <ds:schemaRef ds:uri="http://purl.org/dc/terms/"/>
-    <ds:schemaRef ds:uri="http://schemas.microsoft.com/office/2006/documentManagement/types"/>
-    <ds:schemaRef ds:uri="http://schemas.microsoft.com/office/2006/metadata/properties"/>
-    <ds:schemaRef ds:uri="http://schemas.microsoft.com/office/infopath/2007/PartnerControls"/>
-    <ds:schemaRef ds:uri="http://schemas.openxmlformats.org/package/2006/metadata/core-properties"/>
-    <ds:schemaRef ds:uri="http://www.w3.org/XML/1998/namespace"/>
+    <ds:schemaRef ds:uri="http://schemas.microsoft.com/sharepoint/v3/contenttype/forms"/>
   </ds:schemaRefs>
 </ds:datastoreItem>
 </file>
@@ -8930,9 +11600,16 @@
 </file>
 
 <file path=customXml/itemProps3.xml><?xml version="1.0" encoding="utf-8"?>
-<ds:datastoreItem xmlns:ds="http://schemas.openxmlformats.org/officeDocument/2006/customXml" ds:itemID="{A62B322D-2084-418A-8960-B074ADC5B6DB}">
+<ds:datastoreItem xmlns:ds="http://schemas.openxmlformats.org/officeDocument/2006/customXml" ds:itemID="{91B09AE3-FA1D-40C8-A6CE-A2D9F55131C8}">
   <ds:schemaRefs>
-    <ds:schemaRef ds:uri="http://schemas.microsoft.com/sharepoint/v3/contenttype/forms"/>
+    <ds:schemaRef ds:uri="http://purl.org/dc/dcmitype/"/>
+    <ds:schemaRef ds:uri="http://purl.org/dc/elements/1.1/"/>
+    <ds:schemaRef ds:uri="http://purl.org/dc/terms/"/>
+    <ds:schemaRef ds:uri="http://schemas.microsoft.com/office/2006/documentManagement/types"/>
+    <ds:schemaRef ds:uri="http://schemas.microsoft.com/office/2006/metadata/properties"/>
+    <ds:schemaRef ds:uri="http://schemas.microsoft.com/office/infopath/2007/PartnerControls"/>
+    <ds:schemaRef ds:uri="http://schemas.openxmlformats.org/package/2006/metadata/core-properties"/>
+    <ds:schemaRef ds:uri="http://www.w3.org/XML/1998/namespace"/>
   </ds:schemaRefs>
 </ds:datastoreItem>
 </file>
--- a/Diplomarbeit/doc/Presentations/DA-Präsentation2024_Erstpräsentation.pptx
+++ b/Diplomarbeit/doc/Presentations/DA-Präsentation2024_Erstpräsentation.pptx
@@ -5,10 +5,10 @@
     <p:sldMasterId id="2147483648" r:id="rId4"/>
   </p:sldMasterIdLst>
   <p:notesMasterIdLst>
-    <p:notesMasterId r:id="rId23"/>
+    <p:notesMasterId r:id="rId24"/>
   </p:notesMasterIdLst>
   <p:handoutMasterIdLst>
-    <p:handoutMasterId r:id="rId24"/>
+    <p:handoutMasterId r:id="rId25"/>
   </p:handoutMasterIdLst>
   <p:sldIdLst>
     <p:sldId id="256" r:id="rId5"/>
@@ -24,11 +24,12 @@
     <p:sldId id="2584" r:id="rId15"/>
     <p:sldId id="2585" r:id="rId16"/>
     <p:sldId id="2587" r:id="rId17"/>
-    <p:sldId id="2586" r:id="rId18"/>
-    <p:sldId id="2590" r:id="rId19"/>
-    <p:sldId id="2600" r:id="rId20"/>
-    <p:sldId id="2592" r:id="rId21"/>
-    <p:sldId id="2591" r:id="rId22"/>
+    <p:sldId id="2601" r:id="rId18"/>
+    <p:sldId id="2586" r:id="rId19"/>
+    <p:sldId id="2590" r:id="rId20"/>
+    <p:sldId id="2600" r:id="rId21"/>
+    <p:sldId id="2592" r:id="rId22"/>
+    <p:sldId id="2591" r:id="rId23"/>
   </p:sldIdLst>
   <p:sldSz cx="12192000" cy="6858000"/>
   <p:notesSz cx="7099300" cy="10234613"/>
@@ -253,7 +254,7 @@
             <a:fld id="{4597EA2D-D11E-4F11-940E-96FC3DC86B48}" type="datetimeFigureOut">
               <a:rPr lang="de-DE" smtClean="0"/>
               <a:pPr/>
-              <a:t>17.06.2024</a:t>
+              <a:t>19.06.2024</a:t>
             </a:fld>
             <a:endParaRPr lang="de-AT"/>
           </a:p>
@@ -420,7 +421,7 @@
             <a:fld id="{25FA59D5-1C02-4780-AF81-09ADAD492357}" type="datetimeFigureOut">
               <a:rPr lang="de-AT" smtClean="0"/>
               <a:pPr/>
-              <a:t>17.06.2024</a:t>
+              <a:t>19.06.2024</a:t>
             </a:fld>
             <a:endParaRPr lang="de-AT"/>
           </a:p>
@@ -1428,7 +1429,7 @@
           <a:p>
             <a:fld id="{903DBAB2-6CCA-40C7-8885-2C056A77E284}" type="datetime1">
               <a:rPr lang="de-AT" smtClean="0"/>
-              <a:t>17.06.2024</a:t>
+              <a:t>19.06.2024</a:t>
             </a:fld>
             <a:endParaRPr lang="de-AT"/>
           </a:p>
@@ -1783,7 +1784,7 @@
           <a:p>
             <a:fld id="{CFFB591F-AE7F-406B-977E-415D708CD05B}" type="datetime1">
               <a:rPr lang="de-AT" smtClean="0"/>
-              <a:t>17.06.2024</a:t>
+              <a:t>19.06.2024</a:t>
             </a:fld>
             <a:endParaRPr lang="de-AT"/>
           </a:p>
@@ -2263,7 +2264,7 @@
           <a:p>
             <a:fld id="{DDED4213-31A7-43A9-B381-650B72838F3D}" type="datetime1">
               <a:rPr lang="de-AT" smtClean="0"/>
-              <a:t>17.06.2024</a:t>
+              <a:t>19.06.2024</a:t>
             </a:fld>
             <a:endParaRPr lang="de-AT"/>
           </a:p>
@@ -2895,7 +2896,7 @@
           <a:p>
             <a:fld id="{73623C63-4118-48BA-956A-11DEEC1AA07D}" type="datetime1">
               <a:rPr lang="de-AT" smtClean="0"/>
-              <a:t>17.06.2024</a:t>
+              <a:t>19.06.2024</a:t>
             </a:fld>
             <a:endParaRPr lang="de-AT"/>
           </a:p>
@@ -3240,7 +3241,7 @@
           <a:p>
             <a:fld id="{D256D3EE-23A3-40C2-AAE3-0430D418E6CE}" type="datetime1">
               <a:rPr lang="de-AT" smtClean="0"/>
-              <a:t>17.06.2024</a:t>
+              <a:t>19.06.2024</a:t>
             </a:fld>
             <a:endParaRPr lang="de-AT"/>
           </a:p>
@@ -3436,7 +3437,7 @@
           <a:p>
             <a:fld id="{3FE2F795-10B4-41AA-AEDE-F815B308DCDB}" type="datetime1">
               <a:rPr lang="de-AT" smtClean="0"/>
-              <a:t>17.06.2024</a:t>
+              <a:t>19.06.2024</a:t>
             </a:fld>
             <a:endParaRPr lang="de-AT"/>
           </a:p>
@@ -3661,7 +3662,7 @@
           <a:p>
             <a:fld id="{03FB355E-663F-46F6-A58A-7E827B834F26}" type="datetime1">
               <a:rPr lang="de-AT" smtClean="0"/>
-              <a:t>17.06.2024</a:t>
+              <a:t>19.06.2024</a:t>
             </a:fld>
             <a:endParaRPr lang="de-AT"/>
           </a:p>
@@ -4146,8 +4147,8 @@
           <a:p>
             <a:pPr algn="r"/>
             <a:r>
-              <a:rPr lang="nl-NL" sz="2000"/>
-              <a:t>Luca Gekle, Maximilian Kampl, Marko Schrempf </a:t>
+              <a:rPr lang="nl-NL" sz="2000" dirty="0"/>
+              <a:t>Luca A. Gekle, Maximilian S. Kampl, Marko D. Schrempf </a:t>
             </a:r>
           </a:p>
         </p:txBody>
@@ -4191,7 +4192,7 @@
             <a:pPr algn="r"/>
             <a:fld id="{8EA2BAE2-6757-47A9-8E17-82B3704991C6}" type="datetime4">
               <a:rPr lang="de-AT" smtClean="0"/>
-              <a:t>17. Juni 2024</a:t>
+              <a:t>19. Juni 2024</a:t>
             </a:fld>
             <a:endParaRPr lang="de-AT"/>
           </a:p>
@@ -5476,44 +5477,6 @@
                 </a:highlight>
                 <a:latin typeface="Google Sans"/>
               </a:rPr>
-              <a:t>Webseiten:</a:t>
-            </a:r>
-          </a:p>
-          <a:p>
-            <a:pPr lvl="1"/>
-            <a:r>
-              <a:rPr lang="de-DE" dirty="0" err="1">
-                <a:solidFill>
-                  <a:srgbClr val="002021"/>
-                </a:solidFill>
-                <a:highlight>
-                  <a:srgbClr val="FFFFFF"/>
-                </a:highlight>
-                <a:latin typeface="Google Sans"/>
-              </a:rPr>
-              <a:t>wip</a:t>
-            </a:r>
-            <a:endParaRPr lang="de-DE" dirty="0">
-              <a:solidFill>
-                <a:srgbClr val="002021"/>
-              </a:solidFill>
-              <a:highlight>
-                <a:srgbClr val="FFFFFF"/>
-              </a:highlight>
-              <a:latin typeface="Google Sans"/>
-            </a:endParaRPr>
-          </a:p>
-          <a:p>
-            <a:r>
-              <a:rPr lang="de-DE" dirty="0">
-                <a:solidFill>
-                  <a:srgbClr val="002021"/>
-                </a:solidFill>
-                <a:highlight>
-                  <a:srgbClr val="FFFFFF"/>
-                </a:highlight>
-                <a:latin typeface="Google Sans"/>
-              </a:rPr>
               <a:t>Datenblätter:</a:t>
             </a:r>
           </a:p>
@@ -5729,88 +5692,88 @@
           <a:lstStyle/>
           <a:p>
             <a:r>
-              <a:rPr lang="de-DE"/>
+              <a:rPr lang="de-DE" dirty="0"/>
               <a:t>2024-02-23: Genehmigung der DA</a:t>
             </a:r>
           </a:p>
           <a:p>
             <a:pPr lvl="1"/>
             <a:r>
-              <a:rPr lang="de-DE"/>
+              <a:rPr lang="de-DE" dirty="0"/>
               <a:t>Einreichen des Antrags durch die Schüler</a:t>
             </a:r>
           </a:p>
           <a:p>
             <a:pPr lvl="1"/>
             <a:r>
-              <a:rPr lang="de-DE"/>
+              <a:rPr lang="de-DE" dirty="0"/>
               <a:t>DA Dokumentation wurde ausgefüllt und unterschrieben</a:t>
             </a:r>
           </a:p>
           <a:p>
             <a:r>
-              <a:rPr lang="de-DE"/>
+              <a:rPr lang="de-DE" dirty="0"/>
               <a:t>2024-05-09: Projekthandbuch fertig</a:t>
             </a:r>
           </a:p>
           <a:p>
             <a:pPr lvl="1"/>
             <a:r>
-              <a:rPr lang="de-DE"/>
+              <a:rPr lang="de-DE" dirty="0"/>
               <a:t>Zielsetzung ausgefüllt</a:t>
             </a:r>
           </a:p>
           <a:p>
             <a:pPr lvl="1"/>
             <a:r>
-              <a:rPr lang="de-DE"/>
+              <a:rPr lang="de-DE" dirty="0"/>
               <a:t>Projektplan ausgefüllt</a:t>
             </a:r>
           </a:p>
           <a:p>
             <a:r>
-              <a:rPr lang="de-DE"/>
+              <a:rPr lang="de-DE" dirty="0"/>
               <a:t>2024-06-01: Hardware Komponenten Recherche abgeschlossen</a:t>
             </a:r>
           </a:p>
           <a:p>
             <a:pPr lvl="1"/>
             <a:r>
-              <a:rPr lang="de-DE"/>
+              <a:rPr lang="de-DE" dirty="0"/>
               <a:t>Bestimmung der Komponenten</a:t>
             </a:r>
           </a:p>
           <a:p>
             <a:pPr lvl="1"/>
             <a:r>
-              <a:rPr lang="de-DE"/>
+              <a:rPr lang="de-DE" dirty="0"/>
               <a:t>Preisrechnung</a:t>
             </a:r>
           </a:p>
           <a:p>
             <a:pPr lvl="1"/>
             <a:r>
-              <a:rPr lang="de-DE"/>
+              <a:rPr lang="de-DE" dirty="0"/>
               <a:t>Terminrechnung</a:t>
             </a:r>
           </a:p>
           <a:p>
             <a:r>
-              <a:rPr lang="de-DE"/>
+              <a:rPr lang="de-DE" dirty="0"/>
               <a:t>2024-06-17: Datenbanken fertig</a:t>
             </a:r>
           </a:p>
           <a:p>
             <a:pPr lvl="1"/>
             <a:r>
-              <a:rPr lang="de-DE"/>
+              <a:rPr lang="de-DE" dirty="0"/>
               <a:t>Allgemeine Container Informationen</a:t>
             </a:r>
           </a:p>
           <a:p>
             <a:pPr lvl="1"/>
             <a:r>
-              <a:rPr lang="de-DE"/>
+              <a:rPr lang="de-DE" dirty="0"/>
               <a:t>Sensor Daten</a:t>
             </a:r>
           </a:p>
@@ -5969,85 +5932,85 @@
           <a:lstStyle/>
           <a:p>
             <a:r>
-              <a:rPr lang="de-DE"/>
+              <a:rPr lang="de-DE" dirty="0"/>
               <a:t>2024-07-04: Fertige Server Architektur</a:t>
             </a:r>
           </a:p>
           <a:p>
             <a:pPr lvl="1"/>
             <a:r>
-              <a:rPr lang="de-DE"/>
+              <a:rPr lang="de-DE" dirty="0"/>
               <a:t>Server ist einsatzfähig</a:t>
             </a:r>
           </a:p>
           <a:p>
             <a:pPr lvl="1"/>
             <a:r>
-              <a:rPr lang="de-DE"/>
+              <a:rPr lang="de-DE" dirty="0"/>
               <a:t>REST-Schnittstelle</a:t>
             </a:r>
           </a:p>
           <a:p>
             <a:pPr lvl="1"/>
             <a:r>
-              <a:rPr lang="de-DE"/>
+              <a:rPr lang="de-DE" dirty="0"/>
               <a:t>Zugriff kann von überall gestattet werden</a:t>
             </a:r>
           </a:p>
           <a:p>
             <a:r>
-              <a:rPr lang="de-DE"/>
+              <a:rPr lang="de-DE" dirty="0"/>
               <a:t>2024-09-04: Prototyp ist funktionell</a:t>
             </a:r>
           </a:p>
           <a:p>
             <a:pPr lvl="1"/>
             <a:r>
-              <a:rPr lang="de-DE"/>
+              <a:rPr lang="de-DE" dirty="0"/>
               <a:t>Hardware Komponenten gekauft und geliefert</a:t>
             </a:r>
           </a:p>
           <a:p>
             <a:pPr lvl="1"/>
             <a:r>
-              <a:rPr lang="de-DE"/>
+              <a:rPr lang="de-DE" dirty="0"/>
               <a:t>Löten der Komponenten</a:t>
             </a:r>
           </a:p>
           <a:p>
             <a:pPr lvl="1"/>
             <a:r>
-              <a:rPr lang="de-DE"/>
+              <a:rPr lang="de-DE" dirty="0"/>
               <a:t>Datenübertragung mittels MQTT</a:t>
             </a:r>
           </a:p>
           <a:p>
             <a:r>
-              <a:rPr lang="de-DE"/>
+              <a:rPr lang="de-DE" dirty="0"/>
               <a:t>2025-01-31: Webanwendung funktionell</a:t>
             </a:r>
           </a:p>
           <a:p>
             <a:pPr lvl="1"/>
             <a:r>
-              <a:rPr lang="de-DE"/>
+              <a:rPr lang="de-DE" dirty="0"/>
               <a:t>Datenabfrage möglich</a:t>
             </a:r>
           </a:p>
           <a:p>
             <a:pPr lvl="1"/>
             <a:r>
-              <a:rPr lang="de-DE"/>
+              <a:rPr lang="de-DE" dirty="0"/>
               <a:t>Einloggen / Ausloggen möglich</a:t>
             </a:r>
           </a:p>
           <a:p>
             <a:pPr lvl="1"/>
             <a:r>
-              <a:rPr lang="de-DE"/>
+              <a:rPr lang="de-DE" dirty="0"/>
               <a:t>Ansprechendes GUI</a:t>
             </a:r>
-            <a:endParaRPr lang="de-AT"/>
+            <a:endParaRPr lang="de-AT" dirty="0"/>
           </a:p>
         </p:txBody>
       </p:sp>
@@ -6156,7 +6119,7 @@
           <p:cNvPr id="2" name="Titel 1">
             <a:extLst>
               <a:ext uri="{FF2B5EF4-FFF2-40B4-BE49-F238E27FC236}">
-                <a16:creationId xmlns:a16="http://schemas.microsoft.com/office/drawing/2014/main" id="{E496C6BA-99A1-43F4-92B8-B6D762EF0987}"/>
+                <a16:creationId xmlns:a16="http://schemas.microsoft.com/office/drawing/2014/main" id="{3679B119-30DA-D2F0-910C-2E9634305C9E}"/>
               </a:ext>
             </a:extLst>
           </p:cNvPr>
@@ -6173,252 +6136,86 @@
           <a:lstStyle/>
           <a:p>
             <a:r>
+              <a:rPr lang="de-DE" dirty="0"/>
+              <a:t>PM – </a:t>
+            </a:r>
+            <a:r>
               <a:rPr lang="de-DE"/>
-              <a:t>PM - </a:t>
-            </a:r>
+              <a:t>Meilensteine Gant-Diagramm</a:t>
+            </a:r>
+            <a:endParaRPr lang="en-US"/>
+          </a:p>
+        </p:txBody>
+      </p:sp>
+      <p:pic>
+        <p:nvPicPr>
+          <p:cNvPr id="7" name="Inhaltsplatzhalter 6" descr="Ein Bild, das Screenshot, Text, Reihe, Diagramm enthält.&#10;&#10;Automatisch generierte Beschreibung">
+            <a:extLst>
+              <a:ext uri="{FF2B5EF4-FFF2-40B4-BE49-F238E27FC236}">
+                <a16:creationId xmlns:a16="http://schemas.microsoft.com/office/drawing/2014/main" id="{1D516CD1-77AF-F842-89A6-2AB0B319AE62}"/>
+              </a:ext>
+            </a:extLst>
+          </p:cNvPr>
+          <p:cNvPicPr>
+            <a:picLocks noGrp="1" noChangeAspect="1"/>
+          </p:cNvPicPr>
+          <p:nvPr>
+            <p:ph idx="1"/>
+          </p:nvPr>
+        </p:nvPicPr>
+        <p:blipFill>
+          <a:blip r:embed="rId2">
+            <a:extLst>
+              <a:ext uri="{28A0092B-C50C-407E-A947-70E740481C1C}">
+                <a14:useLocalDpi xmlns:a14="http://schemas.microsoft.com/office/drawing/2010/main" val="0"/>
+              </a:ext>
+            </a:extLst>
+          </a:blip>
+          <a:stretch>
+            <a:fillRect/>
+          </a:stretch>
+        </p:blipFill>
+        <p:spPr>
+          <a:xfrm>
+            <a:off x="482009" y="2060539"/>
+            <a:ext cx="11495603" cy="2655255"/>
+          </a:xfrm>
+        </p:spPr>
+      </p:pic>
+      <p:sp>
+        <p:nvSpPr>
+          <p:cNvPr id="4" name="Fußzeilenplatzhalter 3">
+            <a:extLst>
+              <a:ext uri="{FF2B5EF4-FFF2-40B4-BE49-F238E27FC236}">
+                <a16:creationId xmlns:a16="http://schemas.microsoft.com/office/drawing/2014/main" id="{FD7E9FA4-3B81-7798-3F86-7DE52E93901F}"/>
+              </a:ext>
+            </a:extLst>
+          </p:cNvPr>
+          <p:cNvSpPr>
+            <a:spLocks noGrp="1"/>
+          </p:cNvSpPr>
+          <p:nvPr>
+            <p:ph type="ftr" sz="quarter" idx="11"/>
+          </p:nvPr>
+        </p:nvSpPr>
+        <p:spPr/>
+        <p:txBody>
+          <a:bodyPr/>
+          <a:lstStyle/>
+          <a:p>
             <a:r>
               <a:rPr lang="de-AT"/>
-              <a:t>Kostenabschätzung</a:t>
-            </a:r>
-          </a:p>
-        </p:txBody>
-      </p:sp>
-      <p:sp>
-        <p:nvSpPr>
-          <p:cNvPr id="3" name="Inhaltsplatzhalter 2">
+              <a:t>Diplomarbeit Name, Name</a:t>
+            </a:r>
+          </a:p>
+        </p:txBody>
+      </p:sp>
+      <p:sp>
+        <p:nvSpPr>
+          <p:cNvPr id="5" name="Foliennummernplatzhalter 4">
             <a:extLst>
               <a:ext uri="{FF2B5EF4-FFF2-40B4-BE49-F238E27FC236}">
-                <a16:creationId xmlns:a16="http://schemas.microsoft.com/office/drawing/2014/main" id="{A228378C-21E0-453B-B255-71BAC911E6C0}"/>
-              </a:ext>
-            </a:extLst>
-          </p:cNvPr>
-          <p:cNvSpPr>
-            <a:spLocks noGrp="1"/>
-          </p:cNvSpPr>
-          <p:nvPr>
-            <p:ph idx="1"/>
-          </p:nvPr>
-        </p:nvSpPr>
-        <p:spPr/>
-        <p:txBody>
-          <a:bodyPr/>
-          <a:lstStyle/>
-          <a:p>
-            <a:r>
-              <a:rPr lang="de-AT" dirty="0"/>
-              <a:t>Gehalt (nach Kollektivvertrag)</a:t>
-            </a:r>
-          </a:p>
-          <a:p>
-            <a:pPr lvl="1"/>
-            <a:r>
-              <a:rPr lang="en-US" b="0" i="0" dirty="0">
-                <a:solidFill>
-                  <a:srgbClr val="000000"/>
-                </a:solidFill>
-                <a:effectLst/>
-                <a:highlight>
-                  <a:srgbClr val="FFFFFF"/>
-                </a:highlight>
-                <a:latin typeface="DIN-Web-Pro"/>
-              </a:rPr>
-              <a:t>€ 2.192,25 pro Person</a:t>
-            </a:r>
-            <a:endParaRPr lang="de-AT" b="0" i="0" dirty="0">
-              <a:solidFill>
-                <a:srgbClr val="000000"/>
-              </a:solidFill>
-              <a:effectLst/>
-              <a:highlight>
-                <a:srgbClr val="FFFFFF"/>
-              </a:highlight>
-              <a:latin typeface="DIN-Web-Pro"/>
-            </a:endParaRPr>
-          </a:p>
-          <a:p>
-            <a:pPr lvl="1"/>
-            <a:r>
-              <a:rPr lang="de-AT" dirty="0">
-                <a:solidFill>
-                  <a:srgbClr val="000000"/>
-                </a:solidFill>
-                <a:highlight>
-                  <a:srgbClr val="FFFFFF"/>
-                </a:highlight>
-                <a:latin typeface="DIN-Web-Pro"/>
-              </a:rPr>
-              <a:t>€ 6.576,75 insgesamt</a:t>
-            </a:r>
-          </a:p>
-          <a:p>
-            <a:r>
-              <a:rPr lang="de-AT" dirty="0">
-                <a:solidFill>
-                  <a:srgbClr val="000000"/>
-                </a:solidFill>
-                <a:highlight>
-                  <a:srgbClr val="FFFFFF"/>
-                </a:highlight>
-                <a:latin typeface="DIN-Web-Pro"/>
-              </a:rPr>
-              <a:t>Hardware</a:t>
-            </a:r>
-          </a:p>
-          <a:p>
-            <a:pPr lvl="1"/>
-            <a:r>
-              <a:rPr lang="de-AT" dirty="0">
-                <a:solidFill>
-                  <a:srgbClr val="000000"/>
-                </a:solidFill>
-                <a:highlight>
-                  <a:srgbClr val="FFFFFF"/>
-                </a:highlight>
-                <a:latin typeface="DIN-Web-Pro"/>
-              </a:rPr>
-              <a:t>Wissende Kosten: € 70,86</a:t>
-            </a:r>
-          </a:p>
-          <a:p>
-            <a:pPr lvl="2"/>
-            <a:r>
-              <a:rPr lang="de-AT" dirty="0">
-                <a:solidFill>
-                  <a:srgbClr val="000000"/>
-                </a:solidFill>
-                <a:highlight>
-                  <a:srgbClr val="FFFFFF"/>
-                </a:highlight>
-                <a:latin typeface="DIN-Web-Pro"/>
-              </a:rPr>
-              <a:t>3 Prototypen je: € 23,62</a:t>
-            </a:r>
-          </a:p>
-          <a:p>
-            <a:pPr lvl="3"/>
-            <a:r>
-              <a:rPr lang="de-AT" dirty="0">
-                <a:solidFill>
-                  <a:srgbClr val="000000"/>
-                </a:solidFill>
-                <a:highlight>
-                  <a:srgbClr val="FFFFFF"/>
-                </a:highlight>
-                <a:latin typeface="DIN-Web-Pro"/>
-              </a:rPr>
-              <a:t>Esp32: € 13,89</a:t>
-            </a:r>
-          </a:p>
-          <a:p>
-            <a:pPr lvl="3"/>
-            <a:r>
-              <a:rPr lang="de-AT" dirty="0">
-                <a:solidFill>
-                  <a:srgbClr val="000000"/>
-                </a:solidFill>
-                <a:highlight>
-                  <a:srgbClr val="FFFFFF"/>
-                </a:highlight>
-                <a:latin typeface="DIN-Web-Pro"/>
-              </a:rPr>
-              <a:t>GPS-Sensor: € 1,11</a:t>
-            </a:r>
-          </a:p>
-          <a:p>
-            <a:pPr lvl="3"/>
-            <a:r>
-              <a:rPr lang="de-AT" dirty="0">
-                <a:solidFill>
-                  <a:srgbClr val="000000"/>
-                </a:solidFill>
-                <a:highlight>
-                  <a:srgbClr val="FFFFFF"/>
-                </a:highlight>
-                <a:latin typeface="DIN-Web-Pro"/>
-              </a:rPr>
-              <a:t>Vibrationssensor: € 2,72</a:t>
-            </a:r>
-          </a:p>
-          <a:p>
-            <a:pPr lvl="3"/>
-            <a:r>
-              <a:rPr lang="de-AT" dirty="0">
-                <a:solidFill>
-                  <a:srgbClr val="000000"/>
-                </a:solidFill>
-                <a:highlight>
-                  <a:srgbClr val="FFFFFF"/>
-                </a:highlight>
-                <a:latin typeface="DIN-Web-Pro"/>
-              </a:rPr>
-              <a:t>BME 280: € 5,90</a:t>
-            </a:r>
-          </a:p>
-          <a:p>
-            <a:pPr lvl="1"/>
-            <a:r>
-              <a:rPr lang="de-AT" dirty="0">
-                <a:solidFill>
-                  <a:srgbClr val="000000"/>
-                </a:solidFill>
-                <a:highlight>
-                  <a:srgbClr val="FFFFFF"/>
-                </a:highlight>
-                <a:latin typeface="DIN-Web-Pro"/>
-              </a:rPr>
-              <a:t>Maximale Kosten € 200,00</a:t>
-            </a:r>
-          </a:p>
-          <a:p>
-            <a:pPr marL="457200" lvl="1" indent="0">
-              <a:buNone/>
-            </a:pPr>
-            <a:endParaRPr lang="de-AT" dirty="0">
-              <a:solidFill>
-                <a:srgbClr val="000000"/>
-              </a:solidFill>
-              <a:highlight>
-                <a:srgbClr val="FFFFFF"/>
-              </a:highlight>
-              <a:latin typeface="DIN-Web-Pro"/>
-            </a:endParaRPr>
-          </a:p>
-        </p:txBody>
-      </p:sp>
-      <p:sp>
-        <p:nvSpPr>
-          <p:cNvPr id="4" name="Fußzeilenplatzhalter 3">
-            <a:extLst>
-              <a:ext uri="{FF2B5EF4-FFF2-40B4-BE49-F238E27FC236}">
-                <a16:creationId xmlns:a16="http://schemas.microsoft.com/office/drawing/2014/main" id="{8AADA028-308D-430B-A45B-407D875A2351}"/>
-              </a:ext>
-            </a:extLst>
-          </p:cNvPr>
-          <p:cNvSpPr>
-            <a:spLocks noGrp="1"/>
-          </p:cNvSpPr>
-          <p:nvPr>
-            <p:ph type="ftr" sz="quarter" idx="11"/>
-          </p:nvPr>
-        </p:nvSpPr>
-        <p:spPr/>
-        <p:txBody>
-          <a:bodyPr/>
-          <a:lstStyle/>
-          <a:p>
-            <a:r>
-              <a:rPr lang="de-AT"/>
-              <a:t>CONTRUDE Gekle, Kampl, Schrempf</a:t>
-            </a:r>
-          </a:p>
-        </p:txBody>
-      </p:sp>
-      <p:sp>
-        <p:nvSpPr>
-          <p:cNvPr id="5" name="Foliennummernplatzhalter 4">
-            <a:extLst>
-              <a:ext uri="{FF2B5EF4-FFF2-40B4-BE49-F238E27FC236}">
-                <a16:creationId xmlns:a16="http://schemas.microsoft.com/office/drawing/2014/main" id="{AB38338F-922C-40A7-B140-637B827703BF}"/>
+                <a16:creationId xmlns:a16="http://schemas.microsoft.com/office/drawing/2014/main" id="{5B038E27-DEEC-7AFD-5AA2-2E4F9F366D9D}"/>
               </a:ext>
             </a:extLst>
           </p:cNvPr>
@@ -6446,7 +6243,7 @@
     </p:spTree>
     <p:extLst>
       <p:ext uri="{BB962C8B-B14F-4D97-AF65-F5344CB8AC3E}">
-        <p14:creationId xmlns:p14="http://schemas.microsoft.com/office/powerpoint/2010/main" val="1447962708"/>
+        <p14:creationId xmlns:p14="http://schemas.microsoft.com/office/powerpoint/2010/main" val="2445627371"/>
       </p:ext>
     </p:extLst>
   </p:cSld>
@@ -6507,13 +6304,215 @@
           <a:lstStyle/>
           <a:p>
             <a:r>
-              <a:rPr lang="de-DE" dirty="0"/>
-              <a:t>PM – </a:t>
-            </a:r>
+              <a:rPr lang="de-DE"/>
+              <a:t>PM - </a:t>
+            </a:r>
+            <a:r>
+              <a:rPr lang="de-AT"/>
+              <a:t>Kostenabschätzung</a:t>
+            </a:r>
+          </a:p>
+        </p:txBody>
+      </p:sp>
+      <p:sp>
+        <p:nvSpPr>
+          <p:cNvPr id="3" name="Inhaltsplatzhalter 2">
+            <a:extLst>
+              <a:ext uri="{FF2B5EF4-FFF2-40B4-BE49-F238E27FC236}">
+                <a16:creationId xmlns:a16="http://schemas.microsoft.com/office/drawing/2014/main" id="{A228378C-21E0-453B-B255-71BAC911E6C0}"/>
+              </a:ext>
+            </a:extLst>
+          </p:cNvPr>
+          <p:cNvSpPr>
+            <a:spLocks noGrp="1"/>
+          </p:cNvSpPr>
+          <p:nvPr>
+            <p:ph idx="1"/>
+          </p:nvPr>
+        </p:nvSpPr>
+        <p:spPr/>
+        <p:txBody>
+          <a:bodyPr/>
+          <a:lstStyle/>
+          <a:p>
             <a:r>
               <a:rPr lang="de-AT" dirty="0"/>
-              <a:t>Wie wird es gelebt</a:t>
-            </a:r>
+              <a:t>Gehalt (nach Kollektivvertrag)</a:t>
+            </a:r>
+          </a:p>
+          <a:p>
+            <a:pPr lvl="1"/>
+            <a:r>
+              <a:rPr lang="en-US" b="0" i="0" dirty="0">
+                <a:solidFill>
+                  <a:srgbClr val="000000"/>
+                </a:solidFill>
+                <a:effectLst/>
+                <a:highlight>
+                  <a:srgbClr val="FFFFFF"/>
+                </a:highlight>
+                <a:latin typeface="DIN-Web-Pro"/>
+              </a:rPr>
+              <a:t>€ 2.192,25 pro Person</a:t>
+            </a:r>
+            <a:endParaRPr lang="de-AT" b="0" i="0" dirty="0">
+              <a:solidFill>
+                <a:srgbClr val="000000"/>
+              </a:solidFill>
+              <a:effectLst/>
+              <a:highlight>
+                <a:srgbClr val="FFFFFF"/>
+              </a:highlight>
+              <a:latin typeface="DIN-Web-Pro"/>
+            </a:endParaRPr>
+          </a:p>
+          <a:p>
+            <a:pPr lvl="1"/>
+            <a:r>
+              <a:rPr lang="de-AT" dirty="0">
+                <a:solidFill>
+                  <a:srgbClr val="000000"/>
+                </a:solidFill>
+                <a:highlight>
+                  <a:srgbClr val="FFFFFF"/>
+                </a:highlight>
+                <a:latin typeface="DIN-Web-Pro"/>
+              </a:rPr>
+              <a:t>€ 6.576,75 insgesamt</a:t>
+            </a:r>
+          </a:p>
+          <a:p>
+            <a:r>
+              <a:rPr lang="de-AT" dirty="0">
+                <a:solidFill>
+                  <a:srgbClr val="000000"/>
+                </a:solidFill>
+                <a:highlight>
+                  <a:srgbClr val="FFFFFF"/>
+                </a:highlight>
+                <a:latin typeface="DIN-Web-Pro"/>
+              </a:rPr>
+              <a:t>Hardware</a:t>
+            </a:r>
+          </a:p>
+          <a:p>
+            <a:pPr lvl="1"/>
+            <a:r>
+              <a:rPr lang="de-AT" dirty="0">
+                <a:solidFill>
+                  <a:srgbClr val="000000"/>
+                </a:solidFill>
+                <a:highlight>
+                  <a:srgbClr val="FFFFFF"/>
+                </a:highlight>
+                <a:latin typeface="DIN-Web-Pro"/>
+              </a:rPr>
+              <a:t>Wissende Kosten: € 70,86</a:t>
+            </a:r>
+          </a:p>
+          <a:p>
+            <a:pPr lvl="2"/>
+            <a:r>
+              <a:rPr lang="de-AT" dirty="0">
+                <a:solidFill>
+                  <a:srgbClr val="000000"/>
+                </a:solidFill>
+                <a:highlight>
+                  <a:srgbClr val="FFFFFF"/>
+                </a:highlight>
+                <a:latin typeface="DIN-Web-Pro"/>
+              </a:rPr>
+              <a:t>3 Prototypen je: € 23,62</a:t>
+            </a:r>
+          </a:p>
+          <a:p>
+            <a:pPr lvl="3"/>
+            <a:r>
+              <a:rPr lang="de-AT" dirty="0">
+                <a:solidFill>
+                  <a:srgbClr val="000000"/>
+                </a:solidFill>
+                <a:highlight>
+                  <a:srgbClr val="FFFFFF"/>
+                </a:highlight>
+                <a:latin typeface="DIN-Web-Pro"/>
+              </a:rPr>
+              <a:t>Esp32: € 13,89</a:t>
+            </a:r>
+          </a:p>
+          <a:p>
+            <a:pPr lvl="3"/>
+            <a:r>
+              <a:rPr lang="de-AT" dirty="0">
+                <a:solidFill>
+                  <a:srgbClr val="000000"/>
+                </a:solidFill>
+                <a:highlight>
+                  <a:srgbClr val="FFFFFF"/>
+                </a:highlight>
+                <a:latin typeface="DIN-Web-Pro"/>
+              </a:rPr>
+              <a:t>GPS-Sensor: € 1,11</a:t>
+            </a:r>
+          </a:p>
+          <a:p>
+            <a:pPr lvl="3"/>
+            <a:r>
+              <a:rPr lang="de-AT" dirty="0">
+                <a:solidFill>
+                  <a:srgbClr val="000000"/>
+                </a:solidFill>
+                <a:highlight>
+                  <a:srgbClr val="FFFFFF"/>
+                </a:highlight>
+                <a:latin typeface="DIN-Web-Pro"/>
+              </a:rPr>
+              <a:t>Vibrationssensor: € 2,72</a:t>
+            </a:r>
+          </a:p>
+          <a:p>
+            <a:pPr lvl="3"/>
+            <a:r>
+              <a:rPr lang="de-AT" dirty="0">
+                <a:solidFill>
+                  <a:srgbClr val="000000"/>
+                </a:solidFill>
+                <a:highlight>
+                  <a:srgbClr val="FFFFFF"/>
+                </a:highlight>
+                <a:latin typeface="DIN-Web-Pro"/>
+              </a:rPr>
+              <a:t>BME 280: € 5,90</a:t>
+            </a:r>
+          </a:p>
+          <a:p>
+            <a:pPr lvl="1"/>
+            <a:r>
+              <a:rPr lang="de-AT" dirty="0">
+                <a:solidFill>
+                  <a:srgbClr val="000000"/>
+                </a:solidFill>
+                <a:highlight>
+                  <a:srgbClr val="FFFFFF"/>
+                </a:highlight>
+                <a:latin typeface="DIN-Web-Pro"/>
+              </a:rPr>
+              <a:t>Maximale Kosten € 200,00</a:t>
+            </a:r>
+          </a:p>
+          <a:p>
+            <a:pPr marL="457200" lvl="1" indent="0">
+              <a:buNone/>
+            </a:pPr>
+            <a:endParaRPr lang="de-AT" dirty="0">
+              <a:solidFill>
+                <a:srgbClr val="000000"/>
+              </a:solidFill>
+              <a:highlight>
+                <a:srgbClr val="FFFFFF"/>
+              </a:highlight>
+              <a:latin typeface="DIN-Web-Pro"/>
+            </a:endParaRPr>
           </a:p>
         </p:txBody>
       </p:sp>
@@ -6539,7 +6538,7 @@
           <a:lstStyle/>
           <a:p>
             <a:r>
-              <a:rPr lang="de-AT" dirty="0"/>
+              <a:rPr lang="de-AT"/>
               <a:t>CONTRUDE Gekle, Kampl, Schrempf</a:t>
             </a:r>
           </a:p>
@@ -6570,6 +6569,138 @@
               <a:rPr lang="de-AT" smtClean="0"/>
               <a:pPr/>
               <a:t>15</a:t>
+            </a:fld>
+            <a:endParaRPr lang="de-AT"/>
+          </a:p>
+        </p:txBody>
+      </p:sp>
+    </p:spTree>
+    <p:extLst>
+      <p:ext uri="{BB962C8B-B14F-4D97-AF65-F5344CB8AC3E}">
+        <p14:creationId xmlns:p14="http://schemas.microsoft.com/office/powerpoint/2010/main" val="1447962708"/>
+      </p:ext>
+    </p:extLst>
+  </p:cSld>
+  <p:clrMapOvr>
+    <a:masterClrMapping/>
+  </p:clrMapOvr>
+  <mc:AlternateContent xmlns:mc="http://schemas.openxmlformats.org/markup-compatibility/2006" xmlns:p159="http://schemas.microsoft.com/office/powerpoint/2015/09/main">
+    <mc:Choice Requires="p159">
+      <p:transition xmlns:p14="http://schemas.microsoft.com/office/powerpoint/2010/main" spd="slow" p14:dur="2000">
+        <p159:morph option="byObject"/>
+      </p:transition>
+    </mc:Choice>
+    <mc:Fallback xmlns="">
+      <p:transition spd="slow">
+        <p:fade/>
+      </p:transition>
+    </mc:Fallback>
+  </mc:AlternateContent>
+</p:sld>
+</file>
+
+<file path=ppt/slides/slide16.xml><?xml version="1.0" encoding="utf-8"?>
+<p:sld xmlns:a="http://schemas.openxmlformats.org/drawingml/2006/main" xmlns:r="http://schemas.openxmlformats.org/officeDocument/2006/relationships" xmlns:p="http://schemas.openxmlformats.org/presentationml/2006/main">
+  <p:cSld>
+    <p:spTree>
+      <p:nvGrpSpPr>
+        <p:cNvPr id="1" name=""/>
+        <p:cNvGrpSpPr/>
+        <p:nvPr/>
+      </p:nvGrpSpPr>
+      <p:grpSpPr>
+        <a:xfrm>
+          <a:off x="0" y="0"/>
+          <a:ext cx="0" cy="0"/>
+          <a:chOff x="0" y="0"/>
+          <a:chExt cx="0" cy="0"/>
+        </a:xfrm>
+      </p:grpSpPr>
+      <p:sp>
+        <p:nvSpPr>
+          <p:cNvPr id="2" name="Titel 1">
+            <a:extLst>
+              <a:ext uri="{FF2B5EF4-FFF2-40B4-BE49-F238E27FC236}">
+                <a16:creationId xmlns:a16="http://schemas.microsoft.com/office/drawing/2014/main" id="{E496C6BA-99A1-43F4-92B8-B6D762EF0987}"/>
+              </a:ext>
+            </a:extLst>
+          </p:cNvPr>
+          <p:cNvSpPr>
+            <a:spLocks noGrp="1"/>
+          </p:cNvSpPr>
+          <p:nvPr>
+            <p:ph type="title"/>
+          </p:nvPr>
+        </p:nvSpPr>
+        <p:spPr/>
+        <p:txBody>
+          <a:bodyPr/>
+          <a:lstStyle/>
+          <a:p>
+            <a:r>
+              <a:rPr lang="de-DE" dirty="0"/>
+              <a:t>PM – </a:t>
+            </a:r>
+            <a:r>
+              <a:rPr lang="de-AT" dirty="0"/>
+              <a:t>Wie wird es gelebt</a:t>
+            </a:r>
+          </a:p>
+        </p:txBody>
+      </p:sp>
+      <p:sp>
+        <p:nvSpPr>
+          <p:cNvPr id="4" name="Fußzeilenplatzhalter 3">
+            <a:extLst>
+              <a:ext uri="{FF2B5EF4-FFF2-40B4-BE49-F238E27FC236}">
+                <a16:creationId xmlns:a16="http://schemas.microsoft.com/office/drawing/2014/main" id="{8AADA028-308D-430B-A45B-407D875A2351}"/>
+              </a:ext>
+            </a:extLst>
+          </p:cNvPr>
+          <p:cNvSpPr>
+            <a:spLocks noGrp="1"/>
+          </p:cNvSpPr>
+          <p:nvPr>
+            <p:ph type="ftr" sz="quarter" idx="11"/>
+          </p:nvPr>
+        </p:nvSpPr>
+        <p:spPr/>
+        <p:txBody>
+          <a:bodyPr/>
+          <a:lstStyle/>
+          <a:p>
+            <a:r>
+              <a:rPr lang="de-AT" dirty="0"/>
+              <a:t>CONTRUDE Gekle, Kampl, Schrempf</a:t>
+            </a:r>
+          </a:p>
+        </p:txBody>
+      </p:sp>
+      <p:sp>
+        <p:nvSpPr>
+          <p:cNvPr id="5" name="Foliennummernplatzhalter 4">
+            <a:extLst>
+              <a:ext uri="{FF2B5EF4-FFF2-40B4-BE49-F238E27FC236}">
+                <a16:creationId xmlns:a16="http://schemas.microsoft.com/office/drawing/2014/main" id="{AB38338F-922C-40A7-B140-637B827703BF}"/>
+              </a:ext>
+            </a:extLst>
+          </p:cNvPr>
+          <p:cNvSpPr>
+            <a:spLocks noGrp="1"/>
+          </p:cNvSpPr>
+          <p:nvPr>
+            <p:ph type="sldNum" sz="quarter" idx="12"/>
+          </p:nvPr>
+        </p:nvSpPr>
+        <p:spPr/>
+        <p:txBody>
+          <a:bodyPr/>
+          <a:lstStyle/>
+          <a:p>
+            <a:fld id="{7DCD6803-3BAA-44F6-A698-23D950C9713B}" type="slidenum">
+              <a:rPr lang="de-AT" smtClean="0"/>
+              <a:pPr/>
+              <a:t>16</a:t>
             </a:fld>
             <a:endParaRPr lang="de-AT"/>
           </a:p>
@@ -6614,13 +6745,13 @@
   <p:clrMapOvr>
     <a:masterClrMapping/>
   </p:clrMapOvr>
-  <mc:AlternateContent xmlns:mc="http://schemas.openxmlformats.org/markup-compatibility/2006">
-    <mc:Choice xmlns:p159="http://schemas.microsoft.com/office/powerpoint/2015/09/main" Requires="p159">
+  <mc:AlternateContent xmlns:mc="http://schemas.openxmlformats.org/markup-compatibility/2006" xmlns:p159="http://schemas.microsoft.com/office/powerpoint/2015/09/main">
+    <mc:Choice Requires="p159">
       <p:transition xmlns:p14="http://schemas.microsoft.com/office/powerpoint/2010/main" spd="slow" p14:dur="2000">
         <p159:morph option="byObject"/>
       </p:transition>
     </mc:Choice>
-    <mc:Fallback>
+    <mc:Fallback xmlns="">
       <p:transition spd="slow">
         <p:fade/>
       </p:transition>
@@ -6629,7 +6760,7 @@
 </p:sld>
 </file>
 
-<file path=ppt/slides/slide16.xml><?xml version="1.0" encoding="utf-8"?>
+<file path=ppt/slides/slide17.xml><?xml version="1.0" encoding="utf-8"?>
 <p:sld xmlns:a="http://schemas.openxmlformats.org/drawingml/2006/main" xmlns:r="http://schemas.openxmlformats.org/officeDocument/2006/relationships" xmlns:p="http://schemas.openxmlformats.org/presentationml/2006/main">
   <p:cSld>
     <p:spTree>
@@ -6739,7 +6870,7 @@
             <a:fld id="{7DCD6803-3BAA-44F6-A698-23D950C9713B}" type="slidenum">
               <a:rPr lang="de-AT" smtClean="0"/>
               <a:pPr/>
-              <a:t>16</a:t>
+              <a:t>17</a:t>
             </a:fld>
             <a:endParaRPr lang="de-AT"/>
           </a:p>
@@ -6800,7 +6931,7 @@
 </p:sld>
 </file>
 
-<file path=ppt/slides/slide17.xml><?xml version="1.0" encoding="utf-8"?>
+<file path=ppt/slides/slide18.xml><?xml version="1.0" encoding="utf-8"?>
 <p:sld xmlns:a="http://schemas.openxmlformats.org/drawingml/2006/main" xmlns:r="http://schemas.openxmlformats.org/officeDocument/2006/relationships" xmlns:p="http://schemas.openxmlformats.org/presentationml/2006/main">
   <p:cSld>
     <p:spTree>
@@ -6935,7 +7066,7 @@
             <a:fld id="{7DCD6803-3BAA-44F6-A698-23D950C9713B}" type="slidenum">
               <a:rPr lang="de-AT" smtClean="0"/>
               <a:pPr/>
-              <a:t>17</a:t>
+              <a:t>18</a:t>
             </a:fld>
             <a:endParaRPr lang="de-AT"/>
           </a:p>
@@ -6966,7 +7097,7 @@
 </p:sld>
 </file>
 
-<file path=ppt/slides/slide18.xml><?xml version="1.0" encoding="utf-8"?>
+<file path=ppt/slides/slide19.xml><?xml version="1.0" encoding="utf-8"?>
 <p:sld xmlns:a="http://schemas.openxmlformats.org/drawingml/2006/main" xmlns:r="http://schemas.openxmlformats.org/officeDocument/2006/relationships" xmlns:p="http://schemas.openxmlformats.org/presentationml/2006/main">
   <p:cSld>
     <p:spTree>
@@ -7074,16 +7205,16 @@
           <a:lstStyle/>
           <a:p>
             <a:r>
-              <a:rPr lang="de-AT"/>
-              <a:t>CONTRUDE</a:t>
-            </a:r>
-            <a:r>
-              <a:rPr lang="de-AT" b="0"/>
-              <a:t> </a:t>
-            </a:r>
-            <a:r>
-              <a:rPr lang="de-AT"/>
-              <a:t>Schrempf</a:t>
+              <a:rPr lang="de-AT" dirty="0"/>
+              <a:t>CONTRUDE </a:t>
+            </a:r>
+            <a:r>
+              <a:rPr lang="de-AT" dirty="0" err="1"/>
+              <a:t>Gekle</a:t>
+            </a:r>
+            <a:r>
+              <a:rPr lang="de-AT" dirty="0"/>
+              <a:t>, Kampl, Schrempf</a:t>
             </a:r>
           </a:p>
         </p:txBody>
@@ -7112,7 +7243,7 @@
             <a:fld id="{7DCD6803-3BAA-44F6-A698-23D950C9713B}" type="slidenum">
               <a:rPr lang="de-AT" smtClean="0"/>
               <a:pPr/>
-              <a:t>18</a:t>
+              <a:t>19</a:t>
             </a:fld>
             <a:endParaRPr lang="de-AT"/>
           </a:p>
@@ -7225,6 +7356,13 @@
           <a:p>
             <a:pPr lvl="1"/>
             <a:r>
+              <a:rPr lang="de-DE" dirty="0"/>
+              <a:t>n Waren werden beschädigt</a:t>
+            </a:r>
+          </a:p>
+          <a:p>
+            <a:pPr lvl="1"/>
+            <a:r>
               <a:rPr lang="en-US" dirty="0"/>
               <a:t>11.000 </a:t>
             </a:r>
@@ -7365,8 +7503,16 @@
           <a:lstStyle/>
           <a:p>
             <a:r>
-              <a:rPr lang="de-AT"/>
-              <a:t>Diplomarbeit Name, Name</a:t>
+              <a:rPr lang="de-AT" dirty="0"/>
+              <a:t>CONTRUDE </a:t>
+            </a:r>
+            <a:r>
+              <a:rPr lang="de-AT" dirty="0" err="1"/>
+              <a:t>Gekle</a:t>
+            </a:r>
+            <a:r>
+              <a:rPr lang="de-AT" dirty="0"/>
+              <a:t>, Kampl, Schrempf</a:t>
             </a:r>
           </a:p>
         </p:txBody>
@@ -7481,8 +7627,16 @@
           <a:lstStyle/>
           <a:p>
             <a:r>
-              <a:rPr lang="de-AT"/>
-              <a:t>CONTRUDE Gekle, Kampl, Schrempf</a:t>
+              <a:rPr lang="de-AT" dirty="0"/>
+              <a:t>CONTRUDE </a:t>
+            </a:r>
+            <a:r>
+              <a:rPr lang="de-AT" dirty="0" err="1"/>
+              <a:t>Gekle</a:t>
+            </a:r>
+            <a:r>
+              <a:rPr lang="de-AT" dirty="0"/>
+              <a:t>, Kampl, Schrempf</a:t>
             </a:r>
           </a:p>
         </p:txBody>
@@ -10276,12 +10430,16 @@
           <a:lstStyle/>
           <a:p>
             <a:r>
-              <a:rPr lang="de-AT">
-                <a:solidFill>
-                  <a:schemeClr val="bg1"/>
-                </a:solidFill>
-              </a:rPr>
-              <a:t>Diplomarbeit Name, Name</a:t>
+              <a:rPr lang="de-AT" dirty="0"/>
+              <a:t>CONTRUDE </a:t>
+            </a:r>
+            <a:r>
+              <a:rPr lang="de-AT" dirty="0" err="1"/>
+              <a:t>Gekle</a:t>
+            </a:r>
+            <a:r>
+              <a:rPr lang="de-AT" dirty="0"/>
+              <a:t>, Kampl, Schrempf</a:t>
             </a:r>
           </a:p>
         </p:txBody>

--- a/Diplomarbeit/doc/Presentations/DA-Präsentation2024_Erstpräsentation.pptx
+++ b/Diplomarbeit/doc/Presentations/DA-Präsentation2024_Erstpräsentation.pptx
@@ -254,7 +254,7 @@
             <a:fld id="{4597EA2D-D11E-4F11-940E-96FC3DC86B48}" type="datetimeFigureOut">
               <a:rPr lang="de-DE" smtClean="0"/>
               <a:pPr/>
-              <a:t>19.06.2024</a:t>
+              <a:t>20.06.2024</a:t>
             </a:fld>
             <a:endParaRPr lang="de-AT"/>
           </a:p>
@@ -421,7 +421,7 @@
             <a:fld id="{25FA59D5-1C02-4780-AF81-09ADAD492357}" type="datetimeFigureOut">
               <a:rPr lang="de-AT" smtClean="0"/>
               <a:pPr/>
-              <a:t>19.06.2024</a:t>
+              <a:t>20.06.2024</a:t>
             </a:fld>
             <a:endParaRPr lang="de-AT"/>
           </a:p>
@@ -1429,7 +1429,7 @@
           <a:p>
             <a:fld id="{903DBAB2-6CCA-40C7-8885-2C056A77E284}" type="datetime1">
               <a:rPr lang="de-AT" smtClean="0"/>
-              <a:t>19.06.2024</a:t>
+              <a:t>20.06.2024</a:t>
             </a:fld>
             <a:endParaRPr lang="de-AT"/>
           </a:p>
@@ -1784,7 +1784,7 @@
           <a:p>
             <a:fld id="{CFFB591F-AE7F-406B-977E-415D708CD05B}" type="datetime1">
               <a:rPr lang="de-AT" smtClean="0"/>
-              <a:t>19.06.2024</a:t>
+              <a:t>20.06.2024</a:t>
             </a:fld>
             <a:endParaRPr lang="de-AT"/>
           </a:p>
@@ -2264,7 +2264,7 @@
           <a:p>
             <a:fld id="{DDED4213-31A7-43A9-B381-650B72838F3D}" type="datetime1">
               <a:rPr lang="de-AT" smtClean="0"/>
-              <a:t>19.06.2024</a:t>
+              <a:t>20.06.2024</a:t>
             </a:fld>
             <a:endParaRPr lang="de-AT"/>
           </a:p>
@@ -2896,7 +2896,7 @@
           <a:p>
             <a:fld id="{73623C63-4118-48BA-956A-11DEEC1AA07D}" type="datetime1">
               <a:rPr lang="de-AT" smtClean="0"/>
-              <a:t>19.06.2024</a:t>
+              <a:t>20.06.2024</a:t>
             </a:fld>
             <a:endParaRPr lang="de-AT"/>
           </a:p>
@@ -3241,7 +3241,7 @@
           <a:p>
             <a:fld id="{D256D3EE-23A3-40C2-AAE3-0430D418E6CE}" type="datetime1">
               <a:rPr lang="de-AT" smtClean="0"/>
-              <a:t>19.06.2024</a:t>
+              <a:t>20.06.2024</a:t>
             </a:fld>
             <a:endParaRPr lang="de-AT"/>
           </a:p>
@@ -3437,7 +3437,7 @@
           <a:p>
             <a:fld id="{3FE2F795-10B4-41AA-AEDE-F815B308DCDB}" type="datetime1">
               <a:rPr lang="de-AT" smtClean="0"/>
-              <a:t>19.06.2024</a:t>
+              <a:t>20.06.2024</a:t>
             </a:fld>
             <a:endParaRPr lang="de-AT"/>
           </a:p>
@@ -3662,7 +3662,7 @@
           <a:p>
             <a:fld id="{03FB355E-663F-46F6-A58A-7E827B834F26}" type="datetime1">
               <a:rPr lang="de-AT" smtClean="0"/>
-              <a:t>19.06.2024</a:t>
+              <a:t>20.06.2024</a:t>
             </a:fld>
             <a:endParaRPr lang="de-AT"/>
           </a:p>
@@ -4192,7 +4192,7 @@
             <a:pPr algn="r"/>
             <a:fld id="{8EA2BAE2-6757-47A9-8E17-82B3704991C6}" type="datetime4">
               <a:rPr lang="de-AT" smtClean="0"/>
-              <a:t>19. Juni 2024</a:t>
+              <a:t>20. Juni 2024</a:t>
             </a:fld>
             <a:endParaRPr lang="de-AT"/>
           </a:p>
@@ -6036,7 +6036,7 @@
           <a:lstStyle/>
           <a:p>
             <a:r>
-              <a:rPr lang="de-AT"/>
+              <a:rPr lang="de-AT" dirty="0"/>
               <a:t>CONTRUDE Gekle, Kampl, Schrempf</a:t>
             </a:r>
           </a:p>
@@ -6137,22 +6137,76 @@
           <a:p>
             <a:r>
               <a:rPr lang="de-DE" dirty="0"/>
-              <a:t>PM – </a:t>
-            </a:r>
-            <a:r>
-              <a:rPr lang="de-DE"/>
-              <a:t>Meilensteine Gant-Diagramm</a:t>
-            </a:r>
-            <a:endParaRPr lang="en-US"/>
+              <a:t>PM – Meilensteine Gantt-Diagramm</a:t>
+            </a:r>
+            <a:endParaRPr lang="en-US" dirty="0"/>
+          </a:p>
+        </p:txBody>
+      </p:sp>
+      <p:sp>
+        <p:nvSpPr>
+          <p:cNvPr id="4" name="Fußzeilenplatzhalter 3">
+            <a:extLst>
+              <a:ext uri="{FF2B5EF4-FFF2-40B4-BE49-F238E27FC236}">
+                <a16:creationId xmlns:a16="http://schemas.microsoft.com/office/drawing/2014/main" id="{FD7E9FA4-3B81-7798-3F86-7DE52E93901F}"/>
+              </a:ext>
+            </a:extLst>
+          </p:cNvPr>
+          <p:cNvSpPr>
+            <a:spLocks noGrp="1"/>
+          </p:cNvSpPr>
+          <p:nvPr>
+            <p:ph type="ftr" sz="quarter" idx="11"/>
+          </p:nvPr>
+        </p:nvSpPr>
+        <p:spPr/>
+        <p:txBody>
+          <a:bodyPr/>
+          <a:lstStyle/>
+          <a:p>
+            <a:r>
+              <a:rPr lang="de-AT" dirty="0"/>
+              <a:t>CONTRUDE Gekle, Kampl, Schrempf</a:t>
+            </a:r>
+          </a:p>
+        </p:txBody>
+      </p:sp>
+      <p:sp>
+        <p:nvSpPr>
+          <p:cNvPr id="5" name="Foliennummernplatzhalter 4">
+            <a:extLst>
+              <a:ext uri="{FF2B5EF4-FFF2-40B4-BE49-F238E27FC236}">
+                <a16:creationId xmlns:a16="http://schemas.microsoft.com/office/drawing/2014/main" id="{5B038E27-DEEC-7AFD-5AA2-2E4F9F366D9D}"/>
+              </a:ext>
+            </a:extLst>
+          </p:cNvPr>
+          <p:cNvSpPr>
+            <a:spLocks noGrp="1"/>
+          </p:cNvSpPr>
+          <p:nvPr>
+            <p:ph type="sldNum" sz="quarter" idx="12"/>
+          </p:nvPr>
+        </p:nvSpPr>
+        <p:spPr/>
+        <p:txBody>
+          <a:bodyPr/>
+          <a:lstStyle/>
+          <a:p>
+            <a:fld id="{7DCD6803-3BAA-44F6-A698-23D950C9713B}" type="slidenum">
+              <a:rPr lang="de-AT" smtClean="0"/>
+              <a:pPr/>
+              <a:t>14</a:t>
+            </a:fld>
+            <a:endParaRPr lang="de-AT"/>
           </a:p>
         </p:txBody>
       </p:sp>
       <p:pic>
         <p:nvPicPr>
-          <p:cNvPr id="7" name="Inhaltsplatzhalter 6" descr="Ein Bild, das Screenshot, Text, Reihe, Diagramm enthält.&#10;&#10;Automatisch generierte Beschreibung">
+          <p:cNvPr id="9" name="Inhaltsplatzhalter 8">
             <a:extLst>
               <a:ext uri="{FF2B5EF4-FFF2-40B4-BE49-F238E27FC236}">
-                <a16:creationId xmlns:a16="http://schemas.microsoft.com/office/drawing/2014/main" id="{1D516CD1-77AF-F842-89A6-2AB0B319AE62}"/>
+                <a16:creationId xmlns:a16="http://schemas.microsoft.com/office/drawing/2014/main" id="{05B562F2-4FDD-D61E-05FD-799223D81774}"/>
               </a:ext>
             </a:extLst>
           </p:cNvPr>
@@ -6177,69 +6231,11 @@
         </p:blipFill>
         <p:spPr>
           <a:xfrm>
-            <a:off x="482009" y="2060539"/>
-            <a:ext cx="11495603" cy="2655255"/>
+            <a:off x="969158" y="2267550"/>
+            <a:ext cx="10613242" cy="2322899"/>
           </a:xfrm>
         </p:spPr>
       </p:pic>
-      <p:sp>
-        <p:nvSpPr>
-          <p:cNvPr id="4" name="Fußzeilenplatzhalter 3">
-            <a:extLst>
-              <a:ext uri="{FF2B5EF4-FFF2-40B4-BE49-F238E27FC236}">
-                <a16:creationId xmlns:a16="http://schemas.microsoft.com/office/drawing/2014/main" id="{FD7E9FA4-3B81-7798-3F86-7DE52E93901F}"/>
-              </a:ext>
-            </a:extLst>
-          </p:cNvPr>
-          <p:cNvSpPr>
-            <a:spLocks noGrp="1"/>
-          </p:cNvSpPr>
-          <p:nvPr>
-            <p:ph type="ftr" sz="quarter" idx="11"/>
-          </p:nvPr>
-        </p:nvSpPr>
-        <p:spPr/>
-        <p:txBody>
-          <a:bodyPr/>
-          <a:lstStyle/>
-          <a:p>
-            <a:r>
-              <a:rPr lang="de-AT"/>
-              <a:t>Diplomarbeit Name, Name</a:t>
-            </a:r>
-          </a:p>
-        </p:txBody>
-      </p:sp>
-      <p:sp>
-        <p:nvSpPr>
-          <p:cNvPr id="5" name="Foliennummernplatzhalter 4">
-            <a:extLst>
-              <a:ext uri="{FF2B5EF4-FFF2-40B4-BE49-F238E27FC236}">
-                <a16:creationId xmlns:a16="http://schemas.microsoft.com/office/drawing/2014/main" id="{5B038E27-DEEC-7AFD-5AA2-2E4F9F366D9D}"/>
-              </a:ext>
-            </a:extLst>
-          </p:cNvPr>
-          <p:cNvSpPr>
-            <a:spLocks noGrp="1"/>
-          </p:cNvSpPr>
-          <p:nvPr>
-            <p:ph type="sldNum" sz="quarter" idx="12"/>
-          </p:nvPr>
-        </p:nvSpPr>
-        <p:spPr/>
-        <p:txBody>
-          <a:bodyPr/>
-          <a:lstStyle/>
-          <a:p>
-            <a:fld id="{7DCD6803-3BAA-44F6-A698-23D950C9713B}" type="slidenum">
-              <a:rPr lang="de-AT" smtClean="0"/>
-              <a:pPr/>
-              <a:t>14</a:t>
-            </a:fld>
-            <a:endParaRPr lang="de-AT"/>
-          </a:p>
-        </p:txBody>
-      </p:sp>
     </p:spTree>
     <p:extLst>
       <p:ext uri="{BB962C8B-B14F-4D97-AF65-F5344CB8AC3E}">
@@ -6337,7 +6333,7 @@
           <a:p>
             <a:r>
               <a:rPr lang="de-AT" dirty="0"/>
-              <a:t>Gehalt (nach Kollektivvertrag)</a:t>
+              <a:t>Gehalt</a:t>
             </a:r>
           </a:p>
           <a:p>

--- a/Diplomarbeit/doc/Presentations/DA-Präsentation2024_Erstpräsentation.pptx
+++ b/Diplomarbeit/doc/Presentations/DA-Präsentation2024_Erstpräsentation.pptx
@@ -164,11 +164,353 @@
 <file path=ppt/revisionInfo.xml><?xml version="1.0" encoding="utf-8"?>
 <p1510:revInfo xmlns:a="http://schemas.openxmlformats.org/drawingml/2006/main" xmlns:r="http://schemas.openxmlformats.org/officeDocument/2006/relationships" xmlns:p1510="http://schemas.microsoft.com/office/powerpoint/2015/10/main">
   <p1510:revLst>
-    <p1510:client id="{1716306C-2B8C-459A-BBDB-FF6F14E5ED1D}" v="1353" dt="2024-05-30T14:47:45.429"/>
-    <p1510:client id="{8476E580-8AF5-46A6-9CDA-20A9570603F6}" v="667" dt="2024-05-30T14:55:07.549"/>
-    <p1510:client id="{C11B7DAD-4C93-4749-A727-7A62A86082A9}" v="208" dt="2024-05-30T14:51:57.137"/>
+    <p1510:client id="{471A55EF-552C-4C56-9006-996C359C77F2}" v="100" dt="2024-06-20T17:07:39.351"/>
+    <p1510:client id="{4F57753F-C091-4F8D-A94E-90E280820799}" v="32" dt="2024-06-20T16:58:45.535"/>
+    <p1510:client id="{72AE33B1-B0E3-49FE-ABA2-D44C1FF90581}" v="21" dt="2024-06-20T16:51:39.438"/>
+    <p1510:client id="{877E458E-2830-48BE-861D-71F57C303B75}" v="23" dt="2024-06-20T16:48:49.594"/>
+    <p1510:client id="{C31EE056-261C-469D-8615-8658228AB120}" v="15" dt="2024-06-20T10:24:08.311"/>
+    <p1510:client id="{E0A3C832-752A-425F-AE9E-F9650FBC4787}" v="1" dt="2024-06-21T07:00:26.134"/>
   </p1510:revLst>
 </p1510:revInfo>
+</file>
+
+<file path=ppt/changesInfos/changesInfo1.xml><?xml version="1.0" encoding="utf-8"?>
+<pc:chgInfo xmlns:a="http://schemas.openxmlformats.org/drawingml/2006/main" xmlns:r="http://schemas.openxmlformats.org/officeDocument/2006/relationships" xmlns:ac="http://schemas.microsoft.com/office/drawing/2013/main/command" xmlns:pc="http://schemas.microsoft.com/office/powerpoint/2013/main/command">
+  <pc:docChgLst>
+    <pc:chgData name="Kampl Maximilian" userId="S::201wita27@o365.htl-leoben.at::4918dfd5-1387-4640-93ab-d05016201330" providerId="AD" clId="Web-{877E458E-2830-48BE-861D-71F57C303B75}"/>
+    <pc:docChg chg="modSld">
+      <pc:chgData name="Kampl Maximilian" userId="S::201wita27@o365.htl-leoben.at::4918dfd5-1387-4640-93ab-d05016201330" providerId="AD" clId="Web-{877E458E-2830-48BE-861D-71F57C303B75}" dt="2024-06-20T16:48:49.531" v="21"/>
+      <pc:docMkLst>
+        <pc:docMk/>
+      </pc:docMkLst>
+      <pc:sldChg chg="addSp modSp">
+        <pc:chgData name="Kampl Maximilian" userId="S::201wita27@o365.htl-leoben.at::4918dfd5-1387-4640-93ab-d05016201330" providerId="AD" clId="Web-{877E458E-2830-48BE-861D-71F57C303B75}" dt="2024-06-20T16:48:49.531" v="21"/>
+        <pc:sldMkLst>
+          <pc:docMk/>
+          <pc:sldMk cId="2395814003" sldId="2593"/>
+        </pc:sldMkLst>
+        <pc:spChg chg="add mod">
+          <ac:chgData name="Kampl Maximilian" userId="S::201wita27@o365.htl-leoben.at::4918dfd5-1387-4640-93ab-d05016201330" providerId="AD" clId="Web-{877E458E-2830-48BE-861D-71F57C303B75}" dt="2024-06-20T16:48:49.531" v="21"/>
+          <ac:spMkLst>
+            <pc:docMk/>
+            <pc:sldMk cId="2395814003" sldId="2593"/>
+            <ac:spMk id="2" creationId="{73220638-C94E-09A1-A125-27B6E9EA2614}"/>
+          </ac:spMkLst>
+        </pc:spChg>
+      </pc:sldChg>
+      <pc:sldChg chg="addSp modSp">
+        <pc:chgData name="Kampl Maximilian" userId="S::201wita27@o365.htl-leoben.at::4918dfd5-1387-4640-93ab-d05016201330" providerId="AD" clId="Web-{877E458E-2830-48BE-861D-71F57C303B75}" dt="2024-06-20T16:47:23.228" v="15" actId="1076"/>
+        <pc:sldMkLst>
+          <pc:docMk/>
+          <pc:sldMk cId="1061074841" sldId="2596"/>
+        </pc:sldMkLst>
+        <pc:spChg chg="add mod">
+          <ac:chgData name="Kampl Maximilian" userId="S::201wita27@o365.htl-leoben.at::4918dfd5-1387-4640-93ab-d05016201330" providerId="AD" clId="Web-{877E458E-2830-48BE-861D-71F57C303B75}" dt="2024-06-20T16:47:23.228" v="15" actId="1076"/>
+          <ac:spMkLst>
+            <pc:docMk/>
+            <pc:sldMk cId="1061074841" sldId="2596"/>
+            <ac:spMk id="2" creationId="{548018E2-51E9-7B56-D95A-411BB36F543B}"/>
+          </ac:spMkLst>
+        </pc:spChg>
+      </pc:sldChg>
+    </pc:docChg>
+  </pc:docChgLst>
+  <pc:docChgLst>
+    <pc:chgData name="Kampl Maximilian" userId="S::201wita27@o365.htl-leoben.at::4918dfd5-1387-4640-93ab-d05016201330" providerId="AD" clId="Web-{C31EE056-261C-469D-8615-8658228AB120}"/>
+    <pc:docChg chg="modSld">
+      <pc:chgData name="Kampl Maximilian" userId="S::201wita27@o365.htl-leoben.at::4918dfd5-1387-4640-93ab-d05016201330" providerId="AD" clId="Web-{C31EE056-261C-469D-8615-8658228AB120}" dt="2024-06-20T10:24:08.311" v="13" actId="20577"/>
+      <pc:docMkLst>
+        <pc:docMk/>
+      </pc:docMkLst>
+      <pc:sldChg chg="modSp">
+        <pc:chgData name="Kampl Maximilian" userId="S::201wita27@o365.htl-leoben.at::4918dfd5-1387-4640-93ab-d05016201330" providerId="AD" clId="Web-{C31EE056-261C-469D-8615-8658228AB120}" dt="2024-06-20T10:22:42.011" v="6" actId="20577"/>
+        <pc:sldMkLst>
+          <pc:docMk/>
+          <pc:sldMk cId="1710119030" sldId="2582"/>
+        </pc:sldMkLst>
+        <pc:spChg chg="mod">
+          <ac:chgData name="Kampl Maximilian" userId="S::201wita27@o365.htl-leoben.at::4918dfd5-1387-4640-93ab-d05016201330" providerId="AD" clId="Web-{C31EE056-261C-469D-8615-8658228AB120}" dt="2024-06-20T10:22:42.011" v="6" actId="20577"/>
+          <ac:spMkLst>
+            <pc:docMk/>
+            <pc:sldMk cId="1710119030" sldId="2582"/>
+            <ac:spMk id="3" creationId="{00000000-0000-0000-0000-000000000000}"/>
+          </ac:spMkLst>
+        </pc:spChg>
+      </pc:sldChg>
+      <pc:sldChg chg="modSp">
+        <pc:chgData name="Kampl Maximilian" userId="S::201wita27@o365.htl-leoben.at::4918dfd5-1387-4640-93ab-d05016201330" providerId="AD" clId="Web-{C31EE056-261C-469D-8615-8658228AB120}" dt="2024-06-20T10:24:08.311" v="13" actId="20577"/>
+        <pc:sldMkLst>
+          <pc:docMk/>
+          <pc:sldMk cId="3563135345" sldId="2599"/>
+        </pc:sldMkLst>
+        <pc:spChg chg="mod">
+          <ac:chgData name="Kampl Maximilian" userId="S::201wita27@o365.htl-leoben.at::4918dfd5-1387-4640-93ab-d05016201330" providerId="AD" clId="Web-{C31EE056-261C-469D-8615-8658228AB120}" dt="2024-06-20T10:24:08.311" v="13" actId="20577"/>
+          <ac:spMkLst>
+            <pc:docMk/>
+            <pc:sldMk cId="3563135345" sldId="2599"/>
+            <ac:spMk id="3" creationId="{A1E194B9-AB3E-DD46-627F-B7836C81E6B2}"/>
+          </ac:spMkLst>
+        </pc:spChg>
+      </pc:sldChg>
+    </pc:docChg>
+  </pc:docChgLst>
+  <pc:docChgLst>
+    <pc:chgData name="Schrempf Marko" userId="b322b77b-e065-407b-8828-e2c3ed4a10a4" providerId="ADAL" clId="{72AE33B1-B0E3-49FE-ABA2-D44C1FF90581}"/>
+    <pc:docChg chg="undo custSel modSld">
+      <pc:chgData name="Schrempf Marko" userId="b322b77b-e065-407b-8828-e2c3ed4a10a4" providerId="ADAL" clId="{72AE33B1-B0E3-49FE-ABA2-D44C1FF90581}" dt="2024-06-20T16:51:39.438" v="23" actId="207"/>
+      <pc:docMkLst>
+        <pc:docMk/>
+      </pc:docMkLst>
+      <pc:sldChg chg="modSp mod">
+        <pc:chgData name="Schrempf Marko" userId="b322b77b-e065-407b-8828-e2c3ed4a10a4" providerId="ADAL" clId="{72AE33B1-B0E3-49FE-ABA2-D44C1FF90581}" dt="2024-06-20T16:44:37.825" v="2" actId="12"/>
+        <pc:sldMkLst>
+          <pc:docMk/>
+          <pc:sldMk cId="1710119030" sldId="2582"/>
+        </pc:sldMkLst>
+        <pc:spChg chg="mod">
+          <ac:chgData name="Schrempf Marko" userId="b322b77b-e065-407b-8828-e2c3ed4a10a4" providerId="ADAL" clId="{72AE33B1-B0E3-49FE-ABA2-D44C1FF90581}" dt="2024-06-20T16:44:37.825" v="2" actId="12"/>
+          <ac:spMkLst>
+            <pc:docMk/>
+            <pc:sldMk cId="1710119030" sldId="2582"/>
+            <ac:spMk id="3" creationId="{00000000-0000-0000-0000-000000000000}"/>
+          </ac:spMkLst>
+        </pc:spChg>
+      </pc:sldChg>
+      <pc:sldChg chg="addSp modSp mod">
+        <pc:chgData name="Schrempf Marko" userId="b322b77b-e065-407b-8828-e2c3ed4a10a4" providerId="ADAL" clId="{72AE33B1-B0E3-49FE-ABA2-D44C1FF90581}" dt="2024-06-20T16:50:49.478" v="21" actId="207"/>
+        <pc:sldMkLst>
+          <pc:docMk/>
+          <pc:sldMk cId="2395814003" sldId="2593"/>
+        </pc:sldMkLst>
+        <pc:spChg chg="mod">
+          <ac:chgData name="Schrempf Marko" userId="b322b77b-e065-407b-8828-e2c3ed4a10a4" providerId="ADAL" clId="{72AE33B1-B0E3-49FE-ABA2-D44C1FF90581}" dt="2024-06-20T16:50:34.097" v="17" actId="207"/>
+          <ac:spMkLst>
+            <pc:docMk/>
+            <pc:sldMk cId="2395814003" sldId="2593"/>
+            <ac:spMk id="2" creationId="{73220638-C94E-09A1-A125-27B6E9EA2614}"/>
+          </ac:spMkLst>
+        </pc:spChg>
+        <pc:spChg chg="add mod">
+          <ac:chgData name="Schrempf Marko" userId="b322b77b-e065-407b-8828-e2c3ed4a10a4" providerId="ADAL" clId="{72AE33B1-B0E3-49FE-ABA2-D44C1FF90581}" dt="2024-06-20T16:50:49.478" v="21" actId="207"/>
+          <ac:spMkLst>
+            <pc:docMk/>
+            <pc:sldMk cId="2395814003" sldId="2593"/>
+            <ac:spMk id="3" creationId="{C97886A7-1C8D-5B93-D340-C4190B2ABFB5}"/>
+          </ac:spMkLst>
+        </pc:spChg>
+      </pc:sldChg>
+      <pc:sldChg chg="modSp mod">
+        <pc:chgData name="Schrempf Marko" userId="b322b77b-e065-407b-8828-e2c3ed4a10a4" providerId="ADAL" clId="{72AE33B1-B0E3-49FE-ABA2-D44C1FF90581}" dt="2024-06-20T16:51:39.438" v="23" actId="207"/>
+        <pc:sldMkLst>
+          <pc:docMk/>
+          <pc:sldMk cId="1061074841" sldId="2596"/>
+        </pc:sldMkLst>
+        <pc:spChg chg="mod">
+          <ac:chgData name="Schrempf Marko" userId="b322b77b-e065-407b-8828-e2c3ed4a10a4" providerId="ADAL" clId="{72AE33B1-B0E3-49FE-ABA2-D44C1FF90581}" dt="2024-06-20T16:51:39.438" v="23" actId="207"/>
+          <ac:spMkLst>
+            <pc:docMk/>
+            <pc:sldMk cId="1061074841" sldId="2596"/>
+            <ac:spMk id="2" creationId="{548018E2-51E9-7B56-D95A-411BB36F543B}"/>
+          </ac:spMkLst>
+        </pc:spChg>
+      </pc:sldChg>
+      <pc:sldChg chg="modSp mod">
+        <pc:chgData name="Schrempf Marko" userId="b322b77b-e065-407b-8828-e2c3ed4a10a4" providerId="ADAL" clId="{72AE33B1-B0E3-49FE-ABA2-D44C1FF90581}" dt="2024-06-20T16:43:26.079" v="1" actId="1076"/>
+        <pc:sldMkLst>
+          <pc:docMk/>
+          <pc:sldMk cId="2445627371" sldId="2601"/>
+        </pc:sldMkLst>
+        <pc:picChg chg="mod">
+          <ac:chgData name="Schrempf Marko" userId="b322b77b-e065-407b-8828-e2c3ed4a10a4" providerId="ADAL" clId="{72AE33B1-B0E3-49FE-ABA2-D44C1FF90581}" dt="2024-06-20T16:43:26.079" v="1" actId="1076"/>
+          <ac:picMkLst>
+            <pc:docMk/>
+            <pc:sldMk cId="2445627371" sldId="2601"/>
+            <ac:picMk id="9" creationId="{05B562F2-4FDD-D61E-05FD-799223D81774}"/>
+          </ac:picMkLst>
+        </pc:picChg>
+      </pc:sldChg>
+    </pc:docChg>
+  </pc:docChgLst>
+  <pc:docChgLst>
+    <pc:chgData name="Gekle Luca" userId="fe49dc5a-8cfb-4661-a8b9-7b8a02fb2088" providerId="ADAL" clId="{4F57753F-C091-4F8D-A94E-90E280820799}"/>
+    <pc:docChg chg="custSel modSld">
+      <pc:chgData name="Gekle Luca" userId="fe49dc5a-8cfb-4661-a8b9-7b8a02fb2088" providerId="ADAL" clId="{4F57753F-C091-4F8D-A94E-90E280820799}" dt="2024-06-20T16:58:45.535" v="31" actId="14100"/>
+      <pc:docMkLst>
+        <pc:docMk/>
+      </pc:docMkLst>
+      <pc:sldChg chg="addSp delSp modSp mod delAnim">
+        <pc:chgData name="Gekle Luca" userId="fe49dc5a-8cfb-4661-a8b9-7b8a02fb2088" providerId="ADAL" clId="{4F57753F-C091-4F8D-A94E-90E280820799}" dt="2024-06-20T16:56:41.854" v="5" actId="1076"/>
+        <pc:sldMkLst>
+          <pc:docMk/>
+          <pc:sldMk cId="2395814003" sldId="2593"/>
+        </pc:sldMkLst>
+        <pc:spChg chg="del">
+          <ac:chgData name="Gekle Luca" userId="fe49dc5a-8cfb-4661-a8b9-7b8a02fb2088" providerId="ADAL" clId="{4F57753F-C091-4F8D-A94E-90E280820799}" dt="2024-06-20T16:56:33.168" v="3" actId="478"/>
+          <ac:spMkLst>
+            <pc:docMk/>
+            <pc:sldMk cId="2395814003" sldId="2593"/>
+            <ac:spMk id="2" creationId="{73220638-C94E-09A1-A125-27B6E9EA2614}"/>
+          </ac:spMkLst>
+        </pc:spChg>
+        <pc:spChg chg="del">
+          <ac:chgData name="Gekle Luca" userId="fe49dc5a-8cfb-4661-a8b9-7b8a02fb2088" providerId="ADAL" clId="{4F57753F-C091-4F8D-A94E-90E280820799}" dt="2024-06-20T16:56:32.642" v="2" actId="478"/>
+          <ac:spMkLst>
+            <pc:docMk/>
+            <pc:sldMk cId="2395814003" sldId="2593"/>
+            <ac:spMk id="3" creationId="{C97886A7-1C8D-5B93-D340-C4190B2ABFB5}"/>
+          </ac:spMkLst>
+        </pc:spChg>
+        <pc:spChg chg="add mod">
+          <ac:chgData name="Gekle Luca" userId="fe49dc5a-8cfb-4661-a8b9-7b8a02fb2088" providerId="ADAL" clId="{4F57753F-C091-4F8D-A94E-90E280820799}" dt="2024-06-20T16:56:41.854" v="5" actId="1076"/>
+          <ac:spMkLst>
+            <pc:docMk/>
+            <pc:sldMk cId="2395814003" sldId="2593"/>
+            <ac:spMk id="7" creationId="{AD5A939A-DEF8-2B3D-EFCE-6916509B6481}"/>
+          </ac:spMkLst>
+        </pc:spChg>
+      </pc:sldChg>
+      <pc:sldChg chg="addSp delSp modSp mod">
+        <pc:chgData name="Gekle Luca" userId="fe49dc5a-8cfb-4661-a8b9-7b8a02fb2088" providerId="ADAL" clId="{4F57753F-C091-4F8D-A94E-90E280820799}" dt="2024-06-20T16:58:45.535" v="31" actId="14100"/>
+        <pc:sldMkLst>
+          <pc:docMk/>
+          <pc:sldMk cId="1061074841" sldId="2596"/>
+        </pc:sldMkLst>
+        <pc:spChg chg="del">
+          <ac:chgData name="Gekle Luca" userId="fe49dc5a-8cfb-4661-a8b9-7b8a02fb2088" providerId="ADAL" clId="{4F57753F-C091-4F8D-A94E-90E280820799}" dt="2024-06-20T16:57:04.680" v="10" actId="478"/>
+          <ac:spMkLst>
+            <pc:docMk/>
+            <pc:sldMk cId="1061074841" sldId="2596"/>
+            <ac:spMk id="2" creationId="{548018E2-51E9-7B56-D95A-411BB36F543B}"/>
+          </ac:spMkLst>
+        </pc:spChg>
+        <pc:spChg chg="add mod">
+          <ac:chgData name="Gekle Luca" userId="fe49dc5a-8cfb-4661-a8b9-7b8a02fb2088" providerId="ADAL" clId="{4F57753F-C091-4F8D-A94E-90E280820799}" dt="2024-06-20T16:58:45.535" v="31" actId="14100"/>
+          <ac:spMkLst>
+            <pc:docMk/>
+            <pc:sldMk cId="1061074841" sldId="2596"/>
+            <ac:spMk id="8" creationId="{FA819621-8BF1-591F-8B76-4EBCE52388A8}"/>
+          </ac:spMkLst>
+        </pc:spChg>
+      </pc:sldChg>
+    </pc:docChg>
+  </pc:docChgLst>
+  <pc:docChgLst>
+    <pc:chgData name="Schrempf Marko" userId="b322b77b-e065-407b-8828-e2c3ed4a10a4" providerId="ADAL" clId="{E0A3C832-752A-425F-AE9E-F9650FBC4787}"/>
+    <pc:docChg chg="custSel modSld">
+      <pc:chgData name="Schrempf Marko" userId="b322b77b-e065-407b-8828-e2c3ed4a10a4" providerId="ADAL" clId="{E0A3C832-752A-425F-AE9E-F9650FBC4787}" dt="2024-06-21T07:00:46.565" v="8" actId="1076"/>
+      <pc:docMkLst>
+        <pc:docMk/>
+      </pc:docMkLst>
+      <pc:sldChg chg="addSp delSp modSp mod">
+        <pc:chgData name="Schrempf Marko" userId="b322b77b-e065-407b-8828-e2c3ed4a10a4" providerId="ADAL" clId="{E0A3C832-752A-425F-AE9E-F9650FBC4787}" dt="2024-06-21T07:00:46.565" v="8" actId="1076"/>
+        <pc:sldMkLst>
+          <pc:docMk/>
+          <pc:sldMk cId="2445627371" sldId="2601"/>
+        </pc:sldMkLst>
+        <pc:spChg chg="add del mod">
+          <ac:chgData name="Schrempf Marko" userId="b322b77b-e065-407b-8828-e2c3ed4a10a4" providerId="ADAL" clId="{E0A3C832-752A-425F-AE9E-F9650FBC4787}" dt="2024-06-21T07:00:26.134" v="1" actId="931"/>
+          <ac:spMkLst>
+            <pc:docMk/>
+            <pc:sldMk cId="2445627371" sldId="2601"/>
+            <ac:spMk id="6" creationId="{3A13A272-6F77-33AA-5684-957E2EFAE734}"/>
+          </ac:spMkLst>
+        </pc:spChg>
+        <pc:picChg chg="add mod">
+          <ac:chgData name="Schrempf Marko" userId="b322b77b-e065-407b-8828-e2c3ed4a10a4" providerId="ADAL" clId="{E0A3C832-752A-425F-AE9E-F9650FBC4787}" dt="2024-06-21T07:00:46.565" v="8" actId="1076"/>
+          <ac:picMkLst>
+            <pc:docMk/>
+            <pc:sldMk cId="2445627371" sldId="2601"/>
+            <ac:picMk id="8" creationId="{48CABA1A-8C5B-67B0-5EB4-BAD28F2E27CA}"/>
+          </ac:picMkLst>
+        </pc:picChg>
+        <pc:picChg chg="del">
+          <ac:chgData name="Schrempf Marko" userId="b322b77b-e065-407b-8828-e2c3ed4a10a4" providerId="ADAL" clId="{E0A3C832-752A-425F-AE9E-F9650FBC4787}" dt="2024-06-21T07:00:06.682" v="0" actId="478"/>
+          <ac:picMkLst>
+            <pc:docMk/>
+            <pc:sldMk cId="2445627371" sldId="2601"/>
+            <ac:picMk id="9" creationId="{05B562F2-4FDD-D61E-05FD-799223D81774}"/>
+          </ac:picMkLst>
+        </pc:picChg>
+      </pc:sldChg>
+    </pc:docChg>
+  </pc:docChgLst>
+  <pc:docChgLst>
+    <pc:chgData name="Kampl Maximilian" userId="4918dfd5-1387-4640-93ab-d05016201330" providerId="ADAL" clId="{471A55EF-552C-4C56-9006-996C359C77F2}"/>
+    <pc:docChg chg="modSld">
+      <pc:chgData name="Kampl Maximilian" userId="4918dfd5-1387-4640-93ab-d05016201330" providerId="ADAL" clId="{471A55EF-552C-4C56-9006-996C359C77F2}" dt="2024-06-20T17:15:30.910" v="101" actId="403"/>
+      <pc:docMkLst>
+        <pc:docMk/>
+      </pc:docMkLst>
+      <pc:sldChg chg="modSp mod">
+        <pc:chgData name="Kampl Maximilian" userId="4918dfd5-1387-4640-93ab-d05016201330" providerId="ADAL" clId="{471A55EF-552C-4C56-9006-996C359C77F2}" dt="2024-06-20T17:07:39.351" v="98" actId="20577"/>
+        <pc:sldMkLst>
+          <pc:docMk/>
+          <pc:sldMk cId="2929837528" sldId="2584"/>
+        </pc:sldMkLst>
+        <pc:spChg chg="mod">
+          <ac:chgData name="Kampl Maximilian" userId="4918dfd5-1387-4640-93ab-d05016201330" providerId="ADAL" clId="{471A55EF-552C-4C56-9006-996C359C77F2}" dt="2024-06-20T17:07:39.351" v="98" actId="20577"/>
+          <ac:spMkLst>
+            <pc:docMk/>
+            <pc:sldMk cId="2929837528" sldId="2584"/>
+            <ac:spMk id="3" creationId="{A228378C-21E0-453B-B255-71BAC911E6C0}"/>
+          </ac:spMkLst>
+        </pc:spChg>
+      </pc:sldChg>
+      <pc:sldChg chg="modSp mod">
+        <pc:chgData name="Kampl Maximilian" userId="4918dfd5-1387-4640-93ab-d05016201330" providerId="ADAL" clId="{471A55EF-552C-4C56-9006-996C359C77F2}" dt="2024-06-20T17:12:45.766" v="100"/>
+        <pc:sldMkLst>
+          <pc:docMk/>
+          <pc:sldMk cId="148161461" sldId="2591"/>
+        </pc:sldMkLst>
+        <pc:spChg chg="mod">
+          <ac:chgData name="Kampl Maximilian" userId="4918dfd5-1387-4640-93ab-d05016201330" providerId="ADAL" clId="{471A55EF-552C-4C56-9006-996C359C77F2}" dt="2024-06-20T17:12:45.766" v="100"/>
+          <ac:spMkLst>
+            <pc:docMk/>
+            <pc:sldMk cId="148161461" sldId="2591"/>
+            <ac:spMk id="3" creationId="{024F27B7-30D2-20B0-4444-C74E11AB2A8E}"/>
+          </ac:spMkLst>
+        </pc:spChg>
+      </pc:sldChg>
+      <pc:sldChg chg="modAnim">
+        <pc:chgData name="Kampl Maximilian" userId="4918dfd5-1387-4640-93ab-d05016201330" providerId="ADAL" clId="{471A55EF-552C-4C56-9006-996C359C77F2}" dt="2024-06-20T17:03:14.353" v="96"/>
+        <pc:sldMkLst>
+          <pc:docMk/>
+          <pc:sldMk cId="2395814003" sldId="2593"/>
+        </pc:sldMkLst>
+      </pc:sldChg>
+      <pc:sldChg chg="modSp mod">
+        <pc:chgData name="Kampl Maximilian" userId="4918dfd5-1387-4640-93ab-d05016201330" providerId="ADAL" clId="{471A55EF-552C-4C56-9006-996C359C77F2}" dt="2024-06-20T17:15:30.910" v="101" actId="403"/>
+        <pc:sldMkLst>
+          <pc:docMk/>
+          <pc:sldMk cId="1531555268" sldId="2598"/>
+        </pc:sldMkLst>
+        <pc:spChg chg="mod">
+          <ac:chgData name="Kampl Maximilian" userId="4918dfd5-1387-4640-93ab-d05016201330" providerId="ADAL" clId="{471A55EF-552C-4C56-9006-996C359C77F2}" dt="2024-06-20T17:15:30.910" v="101" actId="403"/>
+          <ac:spMkLst>
+            <pc:docMk/>
+            <pc:sldMk cId="1531555268" sldId="2598"/>
+            <ac:spMk id="11" creationId="{294659C0-537B-4E41-1DDA-E4A6658C91C4}"/>
+          </ac:spMkLst>
+        </pc:spChg>
+      </pc:sldChg>
+      <pc:sldChg chg="modSp mod">
+        <pc:chgData name="Kampl Maximilian" userId="4918dfd5-1387-4640-93ab-d05016201330" providerId="ADAL" clId="{471A55EF-552C-4C56-9006-996C359C77F2}" dt="2024-06-20T16:50:52.480" v="8" actId="20577"/>
+        <pc:sldMkLst>
+          <pc:docMk/>
+          <pc:sldMk cId="3563135345" sldId="2599"/>
+        </pc:sldMkLst>
+        <pc:spChg chg="mod">
+          <ac:chgData name="Kampl Maximilian" userId="4918dfd5-1387-4640-93ab-d05016201330" providerId="ADAL" clId="{471A55EF-552C-4C56-9006-996C359C77F2}" dt="2024-06-20T16:50:52.480" v="8" actId="20577"/>
+          <ac:spMkLst>
+            <pc:docMk/>
+            <pc:sldMk cId="3563135345" sldId="2599"/>
+            <ac:spMk id="3" creationId="{A1E194B9-AB3E-DD46-627F-B7836C81E6B2}"/>
+          </ac:spMkLst>
+        </pc:spChg>
+      </pc:sldChg>
+    </pc:docChg>
+  </pc:docChgLst>
+</pc:chgInfo>
 </file>
 
 <file path=ppt/handoutMasters/handoutMaster1.xml><?xml version="1.0" encoding="utf-8"?>
@@ -254,7 +596,7 @@
             <a:fld id="{4597EA2D-D11E-4F11-940E-96FC3DC86B48}" type="datetimeFigureOut">
               <a:rPr lang="de-DE" smtClean="0"/>
               <a:pPr/>
-              <a:t>20.06.2024</a:t>
+              <a:t>21.06.2024</a:t>
             </a:fld>
             <a:endParaRPr lang="de-AT"/>
           </a:p>
@@ -421,7 +763,7 @@
             <a:fld id="{25FA59D5-1C02-4780-AF81-09ADAD492357}" type="datetimeFigureOut">
               <a:rPr lang="de-AT" smtClean="0"/>
               <a:pPr/>
-              <a:t>20.06.2024</a:t>
+              <a:t>21.06.2024</a:t>
             </a:fld>
             <a:endParaRPr lang="de-AT"/>
           </a:p>
@@ -858,7 +1200,7 @@
           <a:lstStyle/>
           <a:p>
             <a:r>
-              <a:rPr lang="de-AT" dirty="0"/>
+              <a:rPr lang="de-AT"/>
               <a:t>Mündlich überliefert:</a:t>
             </a:r>
           </a:p>
@@ -868,7 +1210,7 @@
               <a:buChar char="•"/>
             </a:pPr>
             <a:r>
-              <a:rPr lang="de-AT" dirty="0"/>
+              <a:rPr lang="de-AT"/>
               <a:t>Motivation der Themenwahl</a:t>
             </a:r>
           </a:p>
@@ -878,7 +1220,7 @@
               <a:buChar char="•"/>
             </a:pPr>
             <a:r>
-              <a:rPr lang="de-AT" dirty="0"/>
+              <a:rPr lang="de-AT"/>
               <a:t>Erläuterung der Problemstellung</a:t>
             </a:r>
           </a:p>
@@ -888,7 +1230,7 @@
               <a:buChar char="•"/>
             </a:pPr>
             <a:r>
-              <a:rPr lang="de-AT" dirty="0"/>
+              <a:rPr lang="de-AT"/>
               <a:t>Erläuterung des Lösungsansatzes</a:t>
             </a:r>
           </a:p>
@@ -975,7 +1317,7 @@
           <a:bodyPr/>
           <a:lstStyle/>
           <a:p>
-            <a:endParaRPr lang="en-US" dirty="0"/>
+            <a:endParaRPr lang="en-US"/>
           </a:p>
         </p:txBody>
       </p:sp>
@@ -1060,7 +1402,7 @@
           <a:bodyPr/>
           <a:lstStyle/>
           <a:p>
-            <a:endParaRPr lang="en-US" dirty="0"/>
+            <a:endParaRPr lang="en-US"/>
           </a:p>
         </p:txBody>
       </p:sp>
@@ -1145,7 +1487,7 @@
           <a:bodyPr/>
           <a:lstStyle/>
           <a:p>
-            <a:endParaRPr lang="en-US" dirty="0"/>
+            <a:endParaRPr lang="en-US"/>
           </a:p>
         </p:txBody>
       </p:sp>
@@ -1230,7 +1572,7 @@
           <a:bodyPr/>
           <a:lstStyle/>
           <a:p>
-            <a:endParaRPr lang="en-US" dirty="0"/>
+            <a:endParaRPr lang="en-US"/>
           </a:p>
         </p:txBody>
       </p:sp>
@@ -1315,7 +1657,7 @@
           <a:bodyPr/>
           <a:lstStyle/>
           <a:p>
-            <a:endParaRPr lang="en-US" dirty="0"/>
+            <a:endParaRPr lang="en-US"/>
           </a:p>
         </p:txBody>
       </p:sp>
@@ -1429,7 +1771,7 @@
           <a:p>
             <a:fld id="{903DBAB2-6CCA-40C7-8885-2C056A77E284}" type="datetime1">
               <a:rPr lang="de-AT" smtClean="0"/>
-              <a:t>20.06.2024</a:t>
+              <a:t>21.06.2024</a:t>
             </a:fld>
             <a:endParaRPr lang="de-AT"/>
           </a:p>
@@ -1784,7 +2126,7 @@
           <a:p>
             <a:fld id="{CFFB591F-AE7F-406B-977E-415D708CD05B}" type="datetime1">
               <a:rPr lang="de-AT" smtClean="0"/>
-              <a:t>20.06.2024</a:t>
+              <a:t>21.06.2024</a:t>
             </a:fld>
             <a:endParaRPr lang="de-AT"/>
           </a:p>
@@ -2264,7 +2606,7 @@
           <a:p>
             <a:fld id="{DDED4213-31A7-43A9-B381-650B72838F3D}" type="datetime1">
               <a:rPr lang="de-AT" smtClean="0"/>
-              <a:t>20.06.2024</a:t>
+              <a:t>21.06.2024</a:t>
             </a:fld>
             <a:endParaRPr lang="de-AT"/>
           </a:p>
@@ -2896,7 +3238,7 @@
           <a:p>
             <a:fld id="{73623C63-4118-48BA-956A-11DEEC1AA07D}" type="datetime1">
               <a:rPr lang="de-AT" smtClean="0"/>
-              <a:t>20.06.2024</a:t>
+              <a:t>21.06.2024</a:t>
             </a:fld>
             <a:endParaRPr lang="de-AT"/>
           </a:p>
@@ -3241,7 +3583,7 @@
           <a:p>
             <a:fld id="{D256D3EE-23A3-40C2-AAE3-0430D418E6CE}" type="datetime1">
               <a:rPr lang="de-AT" smtClean="0"/>
-              <a:t>20.06.2024</a:t>
+              <a:t>21.06.2024</a:t>
             </a:fld>
             <a:endParaRPr lang="de-AT"/>
           </a:p>
@@ -3437,7 +3779,7 @@
           <a:p>
             <a:fld id="{3FE2F795-10B4-41AA-AEDE-F815B308DCDB}" type="datetime1">
               <a:rPr lang="de-AT" smtClean="0"/>
-              <a:t>20.06.2024</a:t>
+              <a:t>21.06.2024</a:t>
             </a:fld>
             <a:endParaRPr lang="de-AT"/>
           </a:p>
@@ -3662,7 +4004,7 @@
           <a:p>
             <a:fld id="{03FB355E-663F-46F6-A58A-7E827B834F26}" type="datetime1">
               <a:rPr lang="de-AT" smtClean="0"/>
-              <a:t>20.06.2024</a:t>
+              <a:t>21.06.2024</a:t>
             </a:fld>
             <a:endParaRPr lang="de-AT"/>
           </a:p>
@@ -4071,7 +4413,7 @@
           <a:lstStyle/>
           <a:p>
             <a:r>
-              <a:rPr lang="de-AT" sz="3200" b="1" dirty="0">
+              <a:rPr lang="de-AT" sz="3200" b="1">
                 <a:solidFill>
                   <a:srgbClr val="9BBB59"/>
                 </a:solidFill>
@@ -4079,14 +4421,14 @@
               <a:t>Container Tracking und Umweltdaten</a:t>
             </a:r>
             <a:br>
-              <a:rPr lang="de-AT" sz="3200" b="1" dirty="0">
+              <a:rPr lang="de-AT" sz="3200" b="1">
                 <a:solidFill>
                   <a:srgbClr val="9BBB59"/>
                 </a:solidFill>
               </a:rPr>
             </a:br>
             <a:r>
-              <a:rPr lang="de-AT" sz="3200" b="1" dirty="0">
+              <a:rPr lang="de-AT" sz="3200" b="1">
                 <a:solidFill>
                   <a:srgbClr val="9BBB59"/>
                 </a:solidFill>
@@ -4101,7 +4443,7 @@
               </a:spcBef>
               <a:defRPr/>
             </a:pPr>
-            <a:endParaRPr lang="de-DE" sz="3200" dirty="0">
+            <a:endParaRPr lang="de-DE" sz="3200">
               <a:solidFill>
                 <a:srgbClr val="0070C0"/>
               </a:solidFill>
@@ -4147,7 +4489,7 @@
           <a:p>
             <a:pPr algn="r"/>
             <a:r>
-              <a:rPr lang="nl-NL" sz="2000" dirty="0"/>
+              <a:rPr lang="nl-NL" sz="2000"/>
               <a:t>Luca A. Gekle, Maximilian S. Kampl, Marko D. Schrempf </a:t>
             </a:r>
           </a:p>
@@ -4192,7 +4534,7 @@
             <a:pPr algn="r"/>
             <a:fld id="{8EA2BAE2-6757-47A9-8E17-82B3704991C6}" type="datetime4">
               <a:rPr lang="de-AT" smtClean="0"/>
-              <a:t>20. Juni 2024</a:t>
+              <a:t>21. Juni 2024</a:t>
             </a:fld>
             <a:endParaRPr lang="de-AT"/>
           </a:p>
@@ -4621,7 +4963,7 @@
           <a:bodyPr rtlCol="0" anchor="ctr"/>
           <a:lstStyle/>
           <a:p>
-            <a:endParaRPr lang="de-AT" sz="1800" dirty="0">
+            <a:endParaRPr lang="de-AT" sz="1800">
               <a:solidFill>
                 <a:schemeClr val="bg1"/>
               </a:solidFill>
@@ -4651,15 +4993,15 @@
           <a:lstStyle/>
           <a:p>
             <a:r>
-              <a:rPr lang="de-AT" dirty="0"/>
+              <a:rPr lang="de-AT"/>
               <a:t>CONTRUDE </a:t>
             </a:r>
             <a:r>
-              <a:rPr lang="de-AT" dirty="0" err="1"/>
+              <a:rPr lang="de-AT" err="1"/>
               <a:t>Gekle</a:t>
             </a:r>
             <a:r>
-              <a:rPr lang="de-AT" dirty="0"/>
+              <a:rPr lang="de-AT"/>
               <a:t>, Kampl, Schrempf</a:t>
             </a:r>
           </a:p>
@@ -4762,7 +5104,7 @@
           <a:lstStyle/>
           <a:p>
             <a:r>
-              <a:rPr lang="de-AT" sz="2000" b="1" u="sng" dirty="0">
+              <a:rPr lang="de-AT" sz="2000" b="1" u="sng">
                 <a:solidFill>
                   <a:schemeClr val="bg1"/>
                 </a:solidFill>
@@ -4801,14 +5143,14 @@
           <a:lstStyle/>
           <a:p>
             <a:r>
-              <a:rPr lang="de-AT" sz="2000" dirty="0">
+              <a:rPr lang="de-AT" sz="2000">
                 <a:solidFill>
                   <a:schemeClr val="bg1"/>
                 </a:solidFill>
               </a:rPr>
               <a:t>Datenbanken</a:t>
             </a:r>
-            <a:endParaRPr lang="en-US" dirty="0"/>
+            <a:endParaRPr lang="en-US"/>
           </a:p>
         </p:txBody>
       </p:sp>
@@ -4841,14 +5183,14 @@
           <a:lstStyle/>
           <a:p>
             <a:r>
-              <a:rPr lang="de-AT" sz="2000" dirty="0">
+              <a:rPr lang="de-AT" sz="2000">
                 <a:solidFill>
                   <a:schemeClr val="bg1"/>
                 </a:solidFill>
               </a:rPr>
               <a:t>Server</a:t>
             </a:r>
-            <a:endParaRPr lang="en-US" dirty="0"/>
+            <a:endParaRPr lang="en-US"/>
           </a:p>
         </p:txBody>
       </p:sp>
@@ -4881,14 +5223,14 @@
           <a:lstStyle/>
           <a:p>
             <a:r>
-              <a:rPr lang="de-AT" sz="2000" dirty="0">
+              <a:rPr lang="de-AT" sz="2000">
                 <a:solidFill>
                   <a:schemeClr val="bg1"/>
                 </a:solidFill>
               </a:rPr>
               <a:t>REST</a:t>
             </a:r>
-            <a:endParaRPr lang="en-US" dirty="0">
+            <a:endParaRPr lang="en-US">
               <a:solidFill>
                 <a:schemeClr val="bg1"/>
               </a:solidFill>
@@ -4932,6 +5274,67 @@
           </a:prstGeom>
         </p:spPr>
       </p:pic>
+      <p:sp>
+        <p:nvSpPr>
+          <p:cNvPr id="8" name="Rechteck 7">
+            <a:extLst>
+              <a:ext uri="{FF2B5EF4-FFF2-40B4-BE49-F238E27FC236}">
+                <a16:creationId xmlns:a16="http://schemas.microsoft.com/office/drawing/2014/main" id="{FA819621-8BF1-591F-8B76-4EBCE52388A8}"/>
+              </a:ext>
+            </a:extLst>
+          </p:cNvPr>
+          <p:cNvSpPr/>
+          <p:nvPr/>
+        </p:nvSpPr>
+        <p:spPr>
+          <a:xfrm>
+            <a:off x="-65238" y="3879305"/>
+            <a:ext cx="1133089" cy="268309"/>
+          </a:xfrm>
+          <a:prstGeom prst="rect">
+            <a:avLst/>
+          </a:prstGeom>
+          <a:gradFill flip="none" rotWithShape="1">
+            <a:gsLst>
+              <a:gs pos="0">
+                <a:srgbClr val="0F0E0E"/>
+              </a:gs>
+              <a:gs pos="99000">
+                <a:srgbClr val="050505"/>
+              </a:gs>
+            </a:gsLst>
+            <a:lin ang="0" scaled="1"/>
+            <a:tileRect/>
+          </a:gradFill>
+          <a:ln>
+            <a:noFill/>
+          </a:ln>
+        </p:spPr>
+        <p:style>
+          <a:lnRef idx="2">
+            <a:schemeClr val="dk1">
+              <a:shade val="15000"/>
+            </a:schemeClr>
+          </a:lnRef>
+          <a:fillRef idx="1">
+            <a:schemeClr val="dk1"/>
+          </a:fillRef>
+          <a:effectRef idx="0">
+            <a:schemeClr val="dk1"/>
+          </a:effectRef>
+          <a:fontRef idx="minor">
+            <a:schemeClr val="lt1"/>
+          </a:fontRef>
+        </p:style>
+        <p:txBody>
+          <a:bodyPr rtlCol="0" anchor="ctr"/>
+          <a:lstStyle/>
+          <a:p>
+            <a:pPr algn="ctr"/>
+            <a:endParaRPr lang="en-US"/>
+          </a:p>
+        </p:txBody>
+      </p:sp>
     </p:spTree>
     <p:extLst>
       <p:ext uri="{BB962C8B-B14F-4D97-AF65-F5344CB8AC3E}">
@@ -5431,18 +5834,18 @@
           <a:lstStyle/>
           <a:p>
             <a:r>
-              <a:rPr lang="de-DE" dirty="0"/>
+              <a:rPr lang="de-DE"/>
               <a:t>REST API Design </a:t>
             </a:r>
             <a:r>
-              <a:rPr lang="de-DE" dirty="0" err="1"/>
+              <a:rPr lang="de-DE" err="1"/>
               <a:t>Rulebook</a:t>
             </a:r>
-            <a:endParaRPr lang="de-DE" dirty="0"/>
-          </a:p>
-          <a:p>
-            <a:r>
-              <a:rPr lang="de-DE" dirty="0" err="1">
+            <a:endParaRPr lang="de-DE"/>
+          </a:p>
+          <a:p>
+            <a:r>
+              <a:rPr lang="de-DE">
                 <a:solidFill>
                   <a:srgbClr val="002021"/>
                 </a:solidFill>
@@ -5451,24 +5854,12 @@
                 </a:highlight>
                 <a:latin typeface="Google Sans"/>
               </a:rPr>
-              <a:t>ChatGpt</a:t>
-            </a:r>
-            <a:r>
-              <a:rPr lang="de-DE" dirty="0">
-                <a:solidFill>
-                  <a:srgbClr val="002021"/>
-                </a:solidFill>
-                <a:highlight>
-                  <a:srgbClr val="FFFFFF"/>
-                </a:highlight>
-                <a:latin typeface="Google Sans"/>
-              </a:rPr>
-              <a:t>-Abfragen</a:t>
-            </a:r>
-          </a:p>
-          <a:p>
-            <a:r>
-              <a:rPr lang="de-DE" dirty="0">
+              <a:t>ChatGPT-Abfragen</a:t>
+            </a:r>
+          </a:p>
+          <a:p>
+            <a:r>
+              <a:rPr lang="de-DE">
                 <a:solidFill>
                   <a:srgbClr val="002021"/>
                 </a:solidFill>
@@ -5483,7 +5874,7 @@
           <a:p>
             <a:pPr lvl="1"/>
             <a:r>
-              <a:rPr lang="de-AT" dirty="0">
+              <a:rPr lang="de-AT">
                 <a:solidFill>
                   <a:srgbClr val="002021"/>
                 </a:solidFill>
@@ -5498,7 +5889,7 @@
           <a:p>
             <a:pPr lvl="1"/>
             <a:r>
-              <a:rPr lang="de-AT" dirty="0">
+              <a:rPr lang="de-AT">
                 <a:solidFill>
                   <a:srgbClr val="002021"/>
                 </a:solidFill>
@@ -5513,7 +5904,7 @@
           <a:p>
             <a:pPr lvl="1"/>
             <a:r>
-              <a:rPr lang="de-AT" dirty="0">
+              <a:rPr lang="de-AT">
                 <a:solidFill>
                   <a:srgbClr val="002021"/>
                 </a:solidFill>
@@ -5527,7 +5918,7 @@
           </a:p>
           <a:p>
             <a:pPr lvl="1"/>
-            <a:endParaRPr lang="de-AT" dirty="0">
+            <a:endParaRPr lang="de-AT">
               <a:solidFill>
                 <a:srgbClr val="002021"/>
               </a:solidFill>
@@ -5692,88 +6083,88 @@
           <a:lstStyle/>
           <a:p>
             <a:r>
-              <a:rPr lang="de-DE" dirty="0"/>
+              <a:rPr lang="de-DE"/>
               <a:t>2024-02-23: Genehmigung der DA</a:t>
             </a:r>
           </a:p>
           <a:p>
             <a:pPr lvl="1"/>
             <a:r>
-              <a:rPr lang="de-DE" dirty="0"/>
+              <a:rPr lang="de-DE"/>
               <a:t>Einreichen des Antrags durch die Schüler</a:t>
             </a:r>
           </a:p>
           <a:p>
             <a:pPr lvl="1"/>
             <a:r>
-              <a:rPr lang="de-DE" dirty="0"/>
+              <a:rPr lang="de-DE"/>
               <a:t>DA Dokumentation wurde ausgefüllt und unterschrieben</a:t>
             </a:r>
           </a:p>
           <a:p>
             <a:r>
-              <a:rPr lang="de-DE" dirty="0"/>
+              <a:rPr lang="de-DE"/>
               <a:t>2024-05-09: Projekthandbuch fertig</a:t>
             </a:r>
           </a:p>
           <a:p>
             <a:pPr lvl="1"/>
             <a:r>
-              <a:rPr lang="de-DE" dirty="0"/>
+              <a:rPr lang="de-DE"/>
               <a:t>Zielsetzung ausgefüllt</a:t>
             </a:r>
           </a:p>
           <a:p>
             <a:pPr lvl="1"/>
             <a:r>
-              <a:rPr lang="de-DE" dirty="0"/>
+              <a:rPr lang="de-DE"/>
               <a:t>Projektplan ausgefüllt</a:t>
             </a:r>
           </a:p>
           <a:p>
             <a:r>
-              <a:rPr lang="de-DE" dirty="0"/>
+              <a:rPr lang="de-DE"/>
               <a:t>2024-06-01: Hardware Komponenten Recherche abgeschlossen</a:t>
             </a:r>
           </a:p>
           <a:p>
             <a:pPr lvl="1"/>
             <a:r>
-              <a:rPr lang="de-DE" dirty="0"/>
+              <a:rPr lang="de-DE"/>
               <a:t>Bestimmung der Komponenten</a:t>
             </a:r>
           </a:p>
           <a:p>
             <a:pPr lvl="1"/>
             <a:r>
-              <a:rPr lang="de-DE" dirty="0"/>
+              <a:rPr lang="de-DE"/>
               <a:t>Preisrechnung</a:t>
             </a:r>
           </a:p>
           <a:p>
             <a:pPr lvl="1"/>
             <a:r>
-              <a:rPr lang="de-DE" dirty="0"/>
+              <a:rPr lang="de-DE"/>
               <a:t>Terminrechnung</a:t>
             </a:r>
           </a:p>
           <a:p>
             <a:r>
-              <a:rPr lang="de-DE" dirty="0"/>
+              <a:rPr lang="de-DE"/>
               <a:t>2024-06-17: Datenbanken fertig</a:t>
             </a:r>
           </a:p>
           <a:p>
             <a:pPr lvl="1"/>
             <a:r>
-              <a:rPr lang="de-DE" dirty="0"/>
+              <a:rPr lang="de-DE"/>
               <a:t>Allgemeine Container Informationen</a:t>
             </a:r>
           </a:p>
           <a:p>
             <a:pPr lvl="1"/>
             <a:r>
-              <a:rPr lang="de-DE" dirty="0"/>
+              <a:rPr lang="de-DE"/>
               <a:t>Sensor Daten</a:t>
             </a:r>
           </a:p>
@@ -5932,85 +6323,85 @@
           <a:lstStyle/>
           <a:p>
             <a:r>
-              <a:rPr lang="de-DE" dirty="0"/>
+              <a:rPr lang="de-DE"/>
               <a:t>2024-07-04: Fertige Server Architektur</a:t>
             </a:r>
           </a:p>
           <a:p>
             <a:pPr lvl="1"/>
             <a:r>
-              <a:rPr lang="de-DE" dirty="0"/>
+              <a:rPr lang="de-DE"/>
               <a:t>Server ist einsatzfähig</a:t>
             </a:r>
           </a:p>
           <a:p>
             <a:pPr lvl="1"/>
             <a:r>
-              <a:rPr lang="de-DE" dirty="0"/>
+              <a:rPr lang="de-DE"/>
               <a:t>REST-Schnittstelle</a:t>
             </a:r>
           </a:p>
           <a:p>
             <a:pPr lvl="1"/>
             <a:r>
-              <a:rPr lang="de-DE" dirty="0"/>
+              <a:rPr lang="de-DE"/>
               <a:t>Zugriff kann von überall gestattet werden</a:t>
             </a:r>
           </a:p>
           <a:p>
             <a:r>
-              <a:rPr lang="de-DE" dirty="0"/>
+              <a:rPr lang="de-DE"/>
               <a:t>2024-09-04: Prototyp ist funktionell</a:t>
             </a:r>
           </a:p>
           <a:p>
             <a:pPr lvl="1"/>
             <a:r>
-              <a:rPr lang="de-DE" dirty="0"/>
+              <a:rPr lang="de-DE"/>
               <a:t>Hardware Komponenten gekauft und geliefert</a:t>
             </a:r>
           </a:p>
           <a:p>
             <a:pPr lvl="1"/>
             <a:r>
-              <a:rPr lang="de-DE" dirty="0"/>
+              <a:rPr lang="de-DE"/>
               <a:t>Löten der Komponenten</a:t>
             </a:r>
           </a:p>
           <a:p>
             <a:pPr lvl="1"/>
             <a:r>
-              <a:rPr lang="de-DE" dirty="0"/>
+              <a:rPr lang="de-DE"/>
               <a:t>Datenübertragung mittels MQTT</a:t>
             </a:r>
           </a:p>
           <a:p>
             <a:r>
-              <a:rPr lang="de-DE" dirty="0"/>
+              <a:rPr lang="de-DE"/>
               <a:t>2025-01-31: Webanwendung funktionell</a:t>
             </a:r>
           </a:p>
           <a:p>
             <a:pPr lvl="1"/>
             <a:r>
-              <a:rPr lang="de-DE" dirty="0"/>
+              <a:rPr lang="de-DE"/>
               <a:t>Datenabfrage möglich</a:t>
             </a:r>
           </a:p>
           <a:p>
             <a:pPr lvl="1"/>
             <a:r>
-              <a:rPr lang="de-DE" dirty="0"/>
+              <a:rPr lang="de-DE"/>
               <a:t>Einloggen / Ausloggen möglich</a:t>
             </a:r>
           </a:p>
           <a:p>
             <a:pPr lvl="1"/>
             <a:r>
-              <a:rPr lang="de-DE" dirty="0"/>
+              <a:rPr lang="de-DE"/>
               <a:t>Ansprechendes GUI</a:t>
             </a:r>
-            <a:endParaRPr lang="de-AT" dirty="0"/>
+            <a:endParaRPr lang="de-AT"/>
           </a:p>
         </p:txBody>
       </p:sp>
@@ -6036,7 +6427,7 @@
           <a:lstStyle/>
           <a:p>
             <a:r>
-              <a:rPr lang="de-AT" dirty="0"/>
+              <a:rPr lang="de-AT"/>
               <a:t>CONTRUDE Gekle, Kampl, Schrempf</a:t>
             </a:r>
           </a:p>
@@ -6136,10 +6527,10 @@
           <a:lstStyle/>
           <a:p>
             <a:r>
-              <a:rPr lang="de-DE" dirty="0"/>
+              <a:rPr lang="de-DE"/>
               <a:t>PM – Meilensteine Gantt-Diagramm</a:t>
             </a:r>
-            <a:endParaRPr lang="en-US" dirty="0"/>
+            <a:endParaRPr lang="en-US"/>
           </a:p>
         </p:txBody>
       </p:sp>
@@ -6165,7 +6556,7 @@
           <a:lstStyle/>
           <a:p>
             <a:r>
-              <a:rPr lang="de-AT" dirty="0"/>
+              <a:rPr lang="de-AT"/>
               <a:t>CONTRUDE Gekle, Kampl, Schrempf</a:t>
             </a:r>
           </a:p>
@@ -6203,10 +6594,10 @@
       </p:sp>
       <p:pic>
         <p:nvPicPr>
-          <p:cNvPr id="9" name="Inhaltsplatzhalter 8">
+          <p:cNvPr id="8" name="Inhaltsplatzhalter 7">
             <a:extLst>
               <a:ext uri="{FF2B5EF4-FFF2-40B4-BE49-F238E27FC236}">
-                <a16:creationId xmlns:a16="http://schemas.microsoft.com/office/drawing/2014/main" id="{05B562F2-4FDD-D61E-05FD-799223D81774}"/>
+                <a16:creationId xmlns:a16="http://schemas.microsoft.com/office/drawing/2014/main" id="{48CABA1A-8C5B-67B0-5EB4-BAD28F2E27CA}"/>
               </a:ext>
             </a:extLst>
           </p:cNvPr>
@@ -6231,8 +6622,8 @@
         </p:blipFill>
         <p:spPr>
           <a:xfrm>
-            <a:off x="969158" y="2267550"/>
-            <a:ext cx="10613242" cy="2322899"/>
+            <a:off x="969158" y="2355661"/>
+            <a:ext cx="10613242" cy="2146678"/>
           </a:xfrm>
         </p:spPr>
       </p:pic>
@@ -6332,14 +6723,14 @@
           <a:lstStyle/>
           <a:p>
             <a:r>
-              <a:rPr lang="de-AT" dirty="0"/>
+              <a:rPr lang="de-AT"/>
               <a:t>Gehalt</a:t>
             </a:r>
           </a:p>
           <a:p>
             <a:pPr lvl="1"/>
             <a:r>
-              <a:rPr lang="en-US" b="0" i="0" dirty="0">
+              <a:rPr lang="en-US" b="0" i="0">
                 <a:solidFill>
                   <a:srgbClr val="000000"/>
                 </a:solidFill>
@@ -6351,7 +6742,7 @@
               </a:rPr>
               <a:t>€ 2.192,25 pro Person</a:t>
             </a:r>
-            <a:endParaRPr lang="de-AT" b="0" i="0" dirty="0">
+            <a:endParaRPr lang="de-AT" b="0" i="0">
               <a:solidFill>
                 <a:srgbClr val="000000"/>
               </a:solidFill>
@@ -6365,7 +6756,7 @@
           <a:p>
             <a:pPr lvl="1"/>
             <a:r>
-              <a:rPr lang="de-AT" dirty="0">
+              <a:rPr lang="de-AT">
                 <a:solidFill>
                   <a:srgbClr val="000000"/>
                 </a:solidFill>
@@ -6379,7 +6770,7 @@
           </a:p>
           <a:p>
             <a:r>
-              <a:rPr lang="de-AT" dirty="0">
+              <a:rPr lang="de-AT">
                 <a:solidFill>
                   <a:srgbClr val="000000"/>
                 </a:solidFill>
@@ -6394,7 +6785,7 @@
           <a:p>
             <a:pPr lvl="1"/>
             <a:r>
-              <a:rPr lang="de-AT" dirty="0">
+              <a:rPr lang="de-AT">
                 <a:solidFill>
                   <a:srgbClr val="000000"/>
                 </a:solidFill>
@@ -6409,7 +6800,7 @@
           <a:p>
             <a:pPr lvl="2"/>
             <a:r>
-              <a:rPr lang="de-AT" dirty="0">
+              <a:rPr lang="de-AT">
                 <a:solidFill>
                   <a:srgbClr val="000000"/>
                 </a:solidFill>
@@ -6424,7 +6815,7 @@
           <a:p>
             <a:pPr lvl="3"/>
             <a:r>
-              <a:rPr lang="de-AT" dirty="0">
+              <a:rPr lang="de-AT">
                 <a:solidFill>
                   <a:srgbClr val="000000"/>
                 </a:solidFill>
@@ -6439,7 +6830,7 @@
           <a:p>
             <a:pPr lvl="3"/>
             <a:r>
-              <a:rPr lang="de-AT" dirty="0">
+              <a:rPr lang="de-AT">
                 <a:solidFill>
                   <a:srgbClr val="000000"/>
                 </a:solidFill>
@@ -6454,7 +6845,7 @@
           <a:p>
             <a:pPr lvl="3"/>
             <a:r>
-              <a:rPr lang="de-AT" dirty="0">
+              <a:rPr lang="de-AT">
                 <a:solidFill>
                   <a:srgbClr val="000000"/>
                 </a:solidFill>
@@ -6469,7 +6860,7 @@
           <a:p>
             <a:pPr lvl="3"/>
             <a:r>
-              <a:rPr lang="de-AT" dirty="0">
+              <a:rPr lang="de-AT">
                 <a:solidFill>
                   <a:srgbClr val="000000"/>
                 </a:solidFill>
@@ -6484,7 +6875,7 @@
           <a:p>
             <a:pPr lvl="1"/>
             <a:r>
-              <a:rPr lang="de-AT" dirty="0">
+              <a:rPr lang="de-AT">
                 <a:solidFill>
                   <a:srgbClr val="000000"/>
                 </a:solidFill>
@@ -6500,7 +6891,7 @@
             <a:pPr marL="457200" lvl="1" indent="0">
               <a:buNone/>
             </a:pPr>
-            <a:endParaRPr lang="de-AT" dirty="0">
+            <a:endParaRPr lang="de-AT">
               <a:solidFill>
                 <a:srgbClr val="000000"/>
               </a:solidFill>
@@ -6634,11 +7025,11 @@
           <a:lstStyle/>
           <a:p>
             <a:r>
-              <a:rPr lang="de-DE" dirty="0"/>
+              <a:rPr lang="de-DE"/>
               <a:t>PM – </a:t>
             </a:r>
             <a:r>
-              <a:rPr lang="de-AT" dirty="0"/>
+              <a:rPr lang="de-AT"/>
               <a:t>Wie wird es gelebt</a:t>
             </a:r>
           </a:p>
@@ -6666,7 +7057,7 @@
           <a:lstStyle/>
           <a:p>
             <a:r>
-              <a:rPr lang="de-AT" dirty="0"/>
+              <a:rPr lang="de-AT"/>
               <a:t>CONTRUDE Gekle, Kampl, Schrempf</a:t>
             </a:r>
           </a:p>
@@ -6795,14 +7186,14 @@
           <a:lstStyle/>
           <a:p>
             <a:r>
-              <a:rPr lang="de-DE" dirty="0"/>
+              <a:rPr lang="de-DE"/>
               <a:t>PM – </a:t>
             </a:r>
             <a:r>
-              <a:rPr lang="de-AT" dirty="0"/>
+              <a:rPr lang="de-AT"/>
               <a:t>Wie wird es gelebt</a:t>
             </a:r>
-            <a:endParaRPr lang="en-US" dirty="0"/>
+            <a:endParaRPr lang="en-US"/>
           </a:p>
         </p:txBody>
       </p:sp>
@@ -6828,15 +7219,15 @@
           <a:lstStyle/>
           <a:p>
             <a:r>
-              <a:rPr lang="de-AT" dirty="0"/>
+              <a:rPr lang="de-AT"/>
               <a:t>CONTRUDE </a:t>
             </a:r>
             <a:r>
-              <a:rPr lang="de-AT" dirty="0" err="1"/>
+              <a:rPr lang="de-AT" err="1"/>
               <a:t>Gekle</a:t>
             </a:r>
             <a:r>
-              <a:rPr lang="de-AT" dirty="0"/>
+              <a:rPr lang="de-AT"/>
               <a:t>, Kampl, Schrempf</a:t>
             </a:r>
           </a:p>
@@ -6966,7 +7357,7 @@
           <a:lstStyle/>
           <a:p>
             <a:r>
-              <a:rPr lang="de-AT" dirty="0"/>
+              <a:rPr lang="de-AT"/>
               <a:t>Struktur</a:t>
             </a:r>
           </a:p>
@@ -7032,7 +7423,7 @@
           <a:lstStyle/>
           <a:p>
             <a:r>
-              <a:rPr lang="de-AT" dirty="0"/>
+              <a:rPr lang="de-AT"/>
               <a:t>CONTRUDE Gekle, Kampl, Schrempf</a:t>
             </a:r>
           </a:p>
@@ -7177,6 +7568,13 @@
               <a:t>Authentifizierungsserver</a:t>
             </a:r>
           </a:p>
+          <a:p>
+            <a:r>
+              <a:rPr lang="de-DE"/>
+              <a:t>Hardware Komponenten Recherche</a:t>
+            </a:r>
+            <a:endParaRPr lang="de-AT"/>
+          </a:p>
         </p:txBody>
       </p:sp>
       <p:sp>
@@ -7201,15 +7599,15 @@
           <a:lstStyle/>
           <a:p>
             <a:r>
-              <a:rPr lang="de-AT" dirty="0"/>
+              <a:rPr lang="de-AT"/>
               <a:t>CONTRUDE </a:t>
             </a:r>
             <a:r>
-              <a:rPr lang="de-AT" dirty="0" err="1"/>
+              <a:rPr lang="de-AT" err="1"/>
               <a:t>Gekle</a:t>
             </a:r>
             <a:r>
-              <a:rPr lang="de-AT" dirty="0"/>
+              <a:rPr lang="de-AT"/>
               <a:t>, Kampl, Schrempf</a:t>
             </a:r>
           </a:p>
@@ -7309,10 +7707,10 @@
           <a:lstStyle/>
           <a:p>
             <a:r>
-              <a:rPr lang="de-DE" dirty="0"/>
+              <a:rPr lang="de-DE"/>
               <a:t>Problem</a:t>
             </a:r>
-            <a:endParaRPr lang="en-US" dirty="0"/>
+            <a:endParaRPr lang="en-US"/>
           </a:p>
         </p:txBody>
       </p:sp>
@@ -7334,146 +7732,174 @@
         </p:nvSpPr>
         <p:spPr/>
         <p:txBody>
-          <a:bodyPr/>
+          <a:bodyPr vert="horz" lIns="91440" tIns="45720" rIns="91440" bIns="45720" rtlCol="0" anchor="t">
+            <a:normAutofit/>
+          </a:bodyPr>
           <a:lstStyle/>
           <a:p>
             <a:r>
-              <a:rPr lang="de-DE" dirty="0"/>
+              <a:rPr lang="de-DE"/>
               <a:t>Insgesamt werden 250 Millionen Container jährlich weltweit transportiert </a:t>
             </a:r>
             <a:r>
-              <a:rPr lang="de-DE" sz="1600" dirty="0">
+              <a:rPr lang="de-DE" sz="1600">
                 <a:hlinkClick r:id="rId2"/>
               </a:rPr>
               <a:t>[1]</a:t>
             </a:r>
-            <a:endParaRPr lang="de-DE" sz="1600" dirty="0"/>
+            <a:endParaRPr lang="de-DE" sz="1600"/>
           </a:p>
           <a:p>
             <a:pPr lvl="1"/>
             <a:r>
-              <a:rPr lang="de-DE" dirty="0"/>
-              <a:t>n Waren werden beschädigt</a:t>
-            </a:r>
-          </a:p>
-          <a:p>
-            <a:pPr lvl="1"/>
-            <a:r>
-              <a:rPr lang="en-US" dirty="0"/>
-              <a:t>11.000 </a:t>
-            </a:r>
-            <a:r>
-              <a:rPr lang="en-US" dirty="0" err="1"/>
-              <a:t>sind</a:t>
-            </a:r>
-            <a:r>
-              <a:rPr lang="en-US" dirty="0"/>
+              <a:rPr lang="de-DE"/>
+              <a:t>2500 Waren werden beschädigt</a:t>
+            </a:r>
+            <a:r>
+              <a:rPr lang="de-DE" sz="1600"/>
               <a:t> </a:t>
             </a:r>
             <a:r>
-              <a:rPr lang="de-DE" dirty="0"/>
-              <a:t>Temperatur</a:t>
-            </a:r>
-            <a:r>
-              <a:rPr lang="en-US" dirty="0" err="1"/>
-              <a:t>gesteuert</a:t>
-            </a:r>
-            <a:r>
-              <a:rPr lang="en-US" dirty="0"/>
-              <a:t> </a:t>
-            </a:r>
-            <a:r>
-              <a:rPr lang="en-US" sz="1600" dirty="0">
+              <a:rPr lang="en-US" sz="1600">
                 <a:hlinkClick r:id="rId3"/>
               </a:rPr>
               <a:t>[2]</a:t>
             </a:r>
-            <a:endParaRPr lang="en-US" sz="1600" dirty="0"/>
+            <a:endParaRPr lang="de-DE" sz="1600">
+              <a:cs typeface="Calibri"/>
+            </a:endParaRPr>
           </a:p>
           <a:p>
             <a:pPr lvl="1"/>
             <a:r>
-              <a:rPr lang="en-US" dirty="0"/>
+              <a:rPr lang="en-US">
+                <a:cs typeface="Calibri"/>
+              </a:rPr>
               <a:t>1566 </a:t>
             </a:r>
             <a:r>
-              <a:rPr lang="en-US" dirty="0" err="1"/>
+              <a:rPr lang="en-US" err="1">
+                <a:cs typeface="Calibri"/>
+              </a:rPr>
               <a:t>gehen</a:t>
             </a:r>
             <a:r>
-              <a:rPr lang="en-US" dirty="0"/>
+              <a:rPr lang="en-US">
+                <a:cs typeface="Calibri"/>
+              </a:rPr>
               <a:t> </a:t>
             </a:r>
             <a:r>
-              <a:rPr lang="en-US" dirty="0" err="1"/>
+              <a:rPr lang="en-US" err="1">
+                <a:cs typeface="Calibri"/>
+              </a:rPr>
               <a:t>verloren</a:t>
             </a:r>
             <a:r>
-              <a:rPr lang="en-US" dirty="0"/>
+              <a:rPr lang="en-US">
+                <a:cs typeface="Calibri"/>
+              </a:rPr>
               <a:t> </a:t>
             </a:r>
             <a:r>
-              <a:rPr lang="de-DE" sz="1600" dirty="0">
+              <a:rPr lang="de-DE" sz="1600">
+                <a:cs typeface="Calibri"/>
                 <a:hlinkClick r:id="rId2"/>
               </a:rPr>
               <a:t>[1]</a:t>
             </a:r>
-            <a:endParaRPr lang="en-US" sz="1600" dirty="0"/>
-          </a:p>
-          <a:p>
-            <a:r>
-              <a:rPr lang="en-US" dirty="0" err="1"/>
+            <a:endParaRPr lang="de-DE"/>
+          </a:p>
+          <a:p>
+            <a:pPr lvl="1"/>
+            <a:r>
+              <a:rPr lang="en-US"/>
+              <a:t>25% </a:t>
+            </a:r>
+            <a:r>
+              <a:rPr lang="en-US" err="1"/>
+              <a:t>sind</a:t>
+            </a:r>
+            <a:r>
+              <a:rPr lang="en-US"/>
+              <a:t> </a:t>
+            </a:r>
+            <a:r>
+              <a:rPr lang="de-DE"/>
+              <a:t>Temperatur</a:t>
+            </a:r>
+            <a:r>
+              <a:rPr lang="en-US" err="1"/>
+              <a:t>gesteuert</a:t>
+            </a:r>
+            <a:r>
+              <a:rPr lang="en-US"/>
+              <a:t> </a:t>
+            </a:r>
+            <a:r>
+              <a:rPr lang="en-US" sz="1600">
+                <a:hlinkClick r:id="rId4"/>
+              </a:rPr>
+              <a:t>[3]</a:t>
+            </a:r>
+            <a:endParaRPr lang="en-US" sz="1600">
+              <a:cs typeface="Calibri"/>
+            </a:endParaRPr>
+          </a:p>
+          <a:p>
+            <a:r>
+              <a:rPr lang="en-US" err="1"/>
               <a:t>Wir</a:t>
             </a:r>
             <a:r>
-              <a:rPr lang="en-US" dirty="0"/>
+              <a:rPr lang="en-US"/>
               <a:t> </a:t>
             </a:r>
             <a:r>
-              <a:rPr lang="en-US" dirty="0" err="1"/>
+              <a:rPr lang="en-US" err="1"/>
               <a:t>wollen</a:t>
             </a:r>
             <a:r>
-              <a:rPr lang="en-US" dirty="0"/>
+              <a:rPr lang="en-US"/>
               <a:t> es </a:t>
             </a:r>
             <a:r>
-              <a:rPr lang="en-US" dirty="0" err="1"/>
+              <a:rPr lang="en-US" err="1"/>
               <a:t>Kunden</a:t>
             </a:r>
             <a:r>
-              <a:rPr lang="en-US" dirty="0"/>
+              <a:rPr lang="en-US"/>
               <a:t> </a:t>
             </a:r>
             <a:r>
-              <a:rPr lang="en-US" dirty="0" err="1"/>
+              <a:rPr lang="en-US" err="1"/>
               <a:t>ermöglichen</a:t>
             </a:r>
             <a:r>
-              <a:rPr lang="en-US" dirty="0"/>
+              <a:rPr lang="en-US"/>
               <a:t> auf </a:t>
             </a:r>
             <a:r>
-              <a:rPr lang="en-US" dirty="0" err="1"/>
+              <a:rPr lang="en-US" err="1"/>
               <a:t>Extremfälle</a:t>
             </a:r>
             <a:r>
-              <a:rPr lang="en-US" dirty="0"/>
+              <a:rPr lang="en-US"/>
               <a:t> </a:t>
             </a:r>
             <a:r>
-              <a:rPr lang="en-US" dirty="0" err="1"/>
+              <a:rPr lang="en-US" err="1"/>
               <a:t>zu</a:t>
             </a:r>
             <a:r>
-              <a:rPr lang="en-US" dirty="0"/>
+              <a:rPr lang="en-US"/>
               <a:t> </a:t>
             </a:r>
             <a:r>
-              <a:rPr lang="en-US" dirty="0" err="1"/>
+              <a:rPr lang="en-US" err="1"/>
               <a:t>reagieren</a:t>
             </a:r>
-            <a:endParaRPr lang="en-US" dirty="0"/>
+            <a:endParaRPr lang="en-US"/>
           </a:p>
         </p:txBody>
       </p:sp>
@@ -7499,15 +7925,15 @@
           <a:lstStyle/>
           <a:p>
             <a:r>
-              <a:rPr lang="de-AT" dirty="0"/>
+              <a:rPr lang="de-AT"/>
               <a:t>CONTRUDE </a:t>
             </a:r>
             <a:r>
-              <a:rPr lang="de-AT" dirty="0" err="1"/>
+              <a:rPr lang="de-AT" err="1"/>
               <a:t>Gekle</a:t>
             </a:r>
             <a:r>
-              <a:rPr lang="de-AT" dirty="0"/>
+              <a:rPr lang="de-AT"/>
               <a:t>, Kampl, Schrempf</a:t>
             </a:r>
           </a:p>
@@ -7623,15 +8049,15 @@
           <a:lstStyle/>
           <a:p>
             <a:r>
-              <a:rPr lang="de-AT" dirty="0"/>
+              <a:rPr lang="de-AT"/>
               <a:t>CONTRUDE </a:t>
             </a:r>
             <a:r>
-              <a:rPr lang="de-AT" dirty="0" err="1"/>
+              <a:rPr lang="de-AT" err="1"/>
               <a:t>Gekle</a:t>
             </a:r>
             <a:r>
-              <a:rPr lang="de-AT" dirty="0"/>
+              <a:rPr lang="de-AT"/>
               <a:t>, Kampl, Schrempf</a:t>
             </a:r>
           </a:p>
@@ -7649,84 +8075,76 @@
         </p:nvSpPr>
         <p:spPr/>
         <p:txBody>
-          <a:bodyPr/>
+          <a:bodyPr vert="horz" lIns="91440" tIns="45720" rIns="91440" bIns="45720" rtlCol="0" anchor="t">
+            <a:normAutofit/>
+          </a:bodyPr>
           <a:lstStyle/>
           <a:p>
-            <a:pPr marL="0" indent="0">
-              <a:buNone/>
-            </a:pPr>
-            <a:r>
-              <a:rPr lang="de-AT" dirty="0"/>
+            <a:r>
+              <a:rPr lang="de-AT"/>
               <a:t>HTL Leoben</a:t>
             </a:r>
           </a:p>
           <a:p>
             <a:r>
-              <a:rPr lang="de-AT" dirty="0"/>
+              <a:rPr lang="de-AT"/>
               <a:t>Container Tracken</a:t>
             </a:r>
           </a:p>
           <a:p>
             <a:pPr lvl="1"/>
             <a:r>
-              <a:rPr lang="de-AT" dirty="0"/>
-              <a:t>Prototypen bauen (Kampl)</a:t>
+              <a:rPr lang="de-AT"/>
+              <a:t>Prototypen bauen </a:t>
             </a:r>
           </a:p>
           <a:p>
             <a:pPr lvl="1"/>
             <a:r>
-              <a:rPr lang="de-AT" dirty="0"/>
-              <a:t>Positionierung ermitteln (</a:t>
-            </a:r>
-            <a:r>
-              <a:rPr lang="de-AT" dirty="0" err="1"/>
-              <a:t>Gekle</a:t>
-            </a:r>
-            <a:r>
-              <a:rPr lang="de-AT" dirty="0"/>
-              <a:t>)</a:t>
-            </a:r>
-          </a:p>
-          <a:p>
-            <a:r>
-              <a:rPr lang="de-AT" dirty="0"/>
+              <a:rPr lang="de-AT"/>
+              <a:t>Positionierung ermitteln</a:t>
+            </a:r>
+            <a:endParaRPr lang="de-AT">
+              <a:cs typeface="Calibri"/>
+            </a:endParaRPr>
+          </a:p>
+          <a:p>
+            <a:r>
+              <a:rPr lang="de-AT"/>
               <a:t>Umweltdaten auslesen</a:t>
             </a:r>
           </a:p>
           <a:p>
             <a:pPr lvl="1"/>
             <a:r>
-              <a:rPr lang="de-AT" dirty="0"/>
-              <a:t>Daten persistieren (Schrempf)</a:t>
-            </a:r>
+              <a:rPr lang="de-AT"/>
+              <a:t>Daten persistieren </a:t>
+            </a:r>
+            <a:endParaRPr lang="de-AT">
+              <a:cs typeface="Calibri"/>
+            </a:endParaRPr>
           </a:p>
           <a:p>
             <a:pPr lvl="1"/>
             <a:r>
-              <a:rPr lang="de-AT" dirty="0"/>
-              <a:t>Daten in Webanwendung anzeigen (</a:t>
-            </a:r>
-            <a:r>
-              <a:rPr lang="de-AT" dirty="0" err="1"/>
-              <a:t>Gekle</a:t>
-            </a:r>
-            <a:r>
-              <a:rPr lang="de-AT" dirty="0"/>
-              <a:t>)</a:t>
-            </a:r>
+              <a:rPr lang="de-AT"/>
+              <a:t>Daten in Webanwendung anzeigen </a:t>
+            </a:r>
+            <a:endParaRPr lang="de-AT">
+              <a:cs typeface="Calibri"/>
+            </a:endParaRPr>
           </a:p>
           <a:p>
             <a:pPr lvl="1"/>
-            <a:endParaRPr lang="de-AT" dirty="0"/>
+            <a:endParaRPr lang="de-AT"/>
           </a:p>
           <a:p>
             <a:pPr lvl="1"/>
-            <a:endParaRPr lang="de-AT" dirty="0"/>
+            <a:endParaRPr lang="de-AT"/>
           </a:p>
           <a:p>
             <a:pPr lvl="1"/>
-            <a:endParaRPr lang="de-AT" dirty="0"/>
+            <a:endParaRPr lang="de-AT"/>
           </a:p>
         </p:txBody>
       </p:sp>
@@ -7834,15 +8252,15 @@
           <a:lstStyle/>
           <a:p>
             <a:r>
-              <a:rPr lang="de-AT" dirty="0"/>
+              <a:rPr lang="de-AT"/>
               <a:t>CONTRUDE </a:t>
             </a:r>
             <a:r>
-              <a:rPr lang="de-AT" dirty="0" err="1"/>
+              <a:rPr lang="de-AT" err="1"/>
               <a:t>Gekle</a:t>
             </a:r>
             <a:r>
-              <a:rPr lang="de-AT" dirty="0"/>
+              <a:rPr lang="de-AT"/>
               <a:t>, Kampl, Schrempf</a:t>
             </a:r>
           </a:p>
@@ -8013,15 +8431,15 @@
           <a:lstStyle/>
           <a:p>
             <a:r>
-              <a:rPr lang="de-AT" dirty="0"/>
+              <a:rPr lang="de-AT"/>
               <a:t>CONTRUDE </a:t>
             </a:r>
             <a:r>
-              <a:rPr lang="de-AT" dirty="0" err="1"/>
+              <a:rPr lang="de-AT" err="1"/>
               <a:t>Gekle</a:t>
             </a:r>
             <a:r>
-              <a:rPr lang="de-AT" dirty="0"/>
+              <a:rPr lang="de-AT"/>
               <a:t>, Kampl, Schrempf</a:t>
             </a:r>
           </a:p>
@@ -8123,7 +8541,7 @@
           <a:lstStyle/>
           <a:p>
             <a:r>
-              <a:rPr lang="de-AT" dirty="0"/>
+              <a:rPr lang="de-AT"/>
               <a:t>Aufgabenverteilung</a:t>
             </a:r>
           </a:p>
@@ -8170,6 +8588,67 @@
           </a:prstGeom>
         </p:spPr>
       </p:pic>
+      <p:sp>
+        <p:nvSpPr>
+          <p:cNvPr id="7" name="Rechteck 6">
+            <a:extLst>
+              <a:ext uri="{FF2B5EF4-FFF2-40B4-BE49-F238E27FC236}">
+                <a16:creationId xmlns:a16="http://schemas.microsoft.com/office/drawing/2014/main" id="{AD5A939A-DEF8-2B3D-EFCE-6916509B6481}"/>
+              </a:ext>
+            </a:extLst>
+          </p:cNvPr>
+          <p:cNvSpPr/>
+          <p:nvPr/>
+        </p:nvSpPr>
+        <p:spPr>
+          <a:xfrm>
+            <a:off x="1142715" y="5087287"/>
+            <a:ext cx="704851" cy="113106"/>
+          </a:xfrm>
+          <a:prstGeom prst="rect">
+            <a:avLst/>
+          </a:prstGeom>
+          <a:gradFill flip="none" rotWithShape="1">
+            <a:gsLst>
+              <a:gs pos="0">
+                <a:srgbClr val="1B1A1A"/>
+              </a:gs>
+              <a:gs pos="99000">
+                <a:srgbClr val="050505"/>
+              </a:gs>
+            </a:gsLst>
+            <a:lin ang="0" scaled="1"/>
+            <a:tileRect/>
+          </a:gradFill>
+          <a:ln>
+            <a:noFill/>
+          </a:ln>
+        </p:spPr>
+        <p:style>
+          <a:lnRef idx="2">
+            <a:schemeClr val="dk1">
+              <a:shade val="15000"/>
+            </a:schemeClr>
+          </a:lnRef>
+          <a:fillRef idx="1">
+            <a:schemeClr val="dk1"/>
+          </a:fillRef>
+          <a:effectRef idx="0">
+            <a:schemeClr val="dk1"/>
+          </a:effectRef>
+          <a:fontRef idx="minor">
+            <a:schemeClr val="lt1"/>
+          </a:fontRef>
+        </p:style>
+        <p:txBody>
+          <a:bodyPr rtlCol="0" anchor="ctr"/>
+          <a:lstStyle/>
+          <a:p>
+            <a:pPr algn="ctr"/>
+            <a:endParaRPr lang="en-US"/>
+          </a:p>
+        </p:txBody>
+      </p:sp>
     </p:spTree>
     <p:extLst>
       <p:ext uri="{BB962C8B-B14F-4D97-AF65-F5344CB8AC3E}">
@@ -8302,6 +8781,79 @@
                                   </p:childTnLst>
                                 </p:cTn>
                               </p:par>
+                              <p:par>
+                                <p:cTn id="11" presetID="2" presetClass="entr" presetSubtype="2" fill="hold" grpId="0" nodeType="withEffect">
+                                  <p:stCondLst>
+                                    <p:cond delay="120"/>
+                                  </p:stCondLst>
+                                  <p:childTnLst>
+                                    <p:set>
+                                      <p:cBhvr>
+                                        <p:cTn id="12" dur="1" fill="hold">
+                                          <p:stCondLst>
+                                            <p:cond delay="0"/>
+                                          </p:stCondLst>
+                                        </p:cTn>
+                                        <p:tgtEl>
+                                          <p:spTgt spid="7"/>
+                                        </p:tgtEl>
+                                        <p:attrNameLst>
+                                          <p:attrName>style.visibility</p:attrName>
+                                        </p:attrNameLst>
+                                      </p:cBhvr>
+                                      <p:to>
+                                        <p:strVal val="visible"/>
+                                      </p:to>
+                                    </p:set>
+                                    <p:anim calcmode="lin" valueType="num">
+                                      <p:cBhvr additive="base">
+                                        <p:cTn id="13" dur="2880" fill="hold"/>
+                                        <p:tgtEl>
+                                          <p:spTgt spid="7"/>
+                                        </p:tgtEl>
+                                        <p:attrNameLst>
+                                          <p:attrName>ppt_x</p:attrName>
+                                        </p:attrNameLst>
+                                      </p:cBhvr>
+                                      <p:tavLst>
+                                        <p:tav tm="0">
+                                          <p:val>
+                                            <p:strVal val="1+#ppt_w/2"/>
+                                          </p:val>
+                                        </p:tav>
+                                        <p:tav tm="100000">
+                                          <p:val>
+                                            <p:strVal val="#ppt_x"/>
+                                          </p:val>
+                                        </p:tav>
+                                      </p:tavLst>
+                                    </p:anim>
+                                    <p:anim calcmode="lin" valueType="num">
+                                      <p:cBhvr additive="base">
+                                        <p:cTn id="14" dur="2880" fill="hold"/>
+                                        <p:tgtEl>
+                                          <p:spTgt spid="7"/>
+                                        </p:tgtEl>
+                                        <p:attrNameLst>
+                                          <p:attrName>ppt_y</p:attrName>
+                                        </p:attrNameLst>
+                                      </p:cBhvr>
+                                      <p:tavLst>
+                                        <p:tav tm="0">
+                                          <p:val>
+                                            <p:strVal val="#ppt_y"/>
+                                          </p:val>
+                                        </p:tav>
+                                        <p:tav tm="100000">
+                                          <p:val>
+                                            <p:strVal val="#ppt_y"/>
+                                          </p:val>
+                                        </p:tav>
+                                      </p:tavLst>
+                                    </p:anim>
+                                  </p:childTnLst>
+                                </p:cTn>
+                              </p:par>
                             </p:childTnLst>
                           </p:cTn>
                         </p:par>
@@ -8327,7 +8879,7 @@
             </p:seq>
             <p:audio>
               <p:cMediaNode showWhenStopped="0">
-                <p:cTn id="11" fill="hold" display="0">
+                <p:cTn id="15" fill="hold" display="0">
                   <p:stCondLst>
                     <p:cond delay="indefinite"/>
                   </p:stCondLst>
@@ -8348,6 +8900,9 @@
         </p:cTn>
       </p:par>
     </p:tnLst>
+    <p:bldLst>
+      <p:bldP spid="7" grpId="0" animBg="1"/>
+    </p:bldLst>
   </p:timing>
 </p:sld>
 </file>
@@ -8391,15 +8946,15 @@
           <a:lstStyle/>
           <a:p>
             <a:r>
-              <a:rPr lang="de-AT" dirty="0"/>
+              <a:rPr lang="de-AT"/>
               <a:t>CONTRUDE </a:t>
             </a:r>
             <a:r>
-              <a:rPr lang="de-AT" dirty="0" err="1"/>
+              <a:rPr lang="de-AT" err="1"/>
               <a:t>Gekle</a:t>
             </a:r>
             <a:r>
-              <a:rPr lang="de-AT" dirty="0"/>
+              <a:rPr lang="de-AT"/>
               <a:t>, Kampl, Schrempf</a:t>
             </a:r>
           </a:p>
@@ -8493,11 +9048,6 @@
               </a:rPr>
               <a:t>Luca Alexander Gekle</a:t>
             </a:r>
-            <a:endParaRPr lang="de-AT" sz="1800" dirty="0">
-              <a:solidFill>
-                <a:schemeClr val="bg1"/>
-              </a:solidFill>
-            </a:endParaRPr>
           </a:p>
         </p:txBody>
       </p:sp>
@@ -8569,7 +9119,7 @@
           <a:p>
             <a:pPr lvl="1"/>
             <a:r>
-              <a:rPr lang="de-AT" sz="2000" u="sng" dirty="0">
+              <a:rPr lang="de-AT" sz="2000" u="sng">
                 <a:solidFill>
                   <a:schemeClr val="bg1"/>
                 </a:solidFill>
@@ -8608,7 +9158,7 @@
           <a:lstStyle/>
           <a:p>
             <a:r>
-              <a:rPr lang="de-AT" sz="2800" b="1" u="sng" dirty="0">
+              <a:rPr lang="de-AT" sz="2800" b="1" u="sng">
                 <a:solidFill>
                   <a:schemeClr val="bg1"/>
                 </a:solidFill>
@@ -8616,14 +9166,14 @@
               <a:t>Luca A. </a:t>
             </a:r>
             <a:r>
-              <a:rPr lang="de-AT" sz="2800" b="1" u="sng" dirty="0" err="1">
+              <a:rPr lang="de-AT" sz="2800" b="1" u="sng" err="1">
                 <a:solidFill>
                   <a:schemeClr val="bg1"/>
                 </a:solidFill>
               </a:rPr>
               <a:t>Gekle</a:t>
             </a:r>
-            <a:endParaRPr lang="de-AT" sz="2800" b="1" u="sng" dirty="0">
+            <a:endParaRPr lang="de-AT" sz="2800" b="1" u="sng">
               <a:solidFill>
                 <a:schemeClr val="bg1"/>
               </a:solidFill>
@@ -8661,14 +9211,14 @@
           <a:p>
             <a:pPr lvl="1"/>
             <a:r>
-              <a:rPr lang="de-AT" sz="2000" u="sng" dirty="0">
+              <a:rPr lang="de-AT" sz="2000" u="sng">
                 <a:solidFill>
                   <a:schemeClr val="bg1"/>
                 </a:solidFill>
               </a:rPr>
               <a:t>Webanwendung</a:t>
             </a:r>
-            <a:endParaRPr lang="de-AT" sz="1800" u="sng" dirty="0">
+            <a:endParaRPr lang="de-AT" sz="1800" u="sng">
               <a:solidFill>
                 <a:schemeClr val="bg1"/>
               </a:solidFill>
@@ -8705,14 +9255,14 @@
           <a:lstStyle/>
           <a:p>
             <a:r>
-              <a:rPr lang="de-AT" sz="2000" u="sng" dirty="0">
+              <a:rPr lang="de-AT" sz="2000" u="sng">
                 <a:solidFill>
                   <a:schemeClr val="bg1"/>
                 </a:solidFill>
               </a:rPr>
               <a:t>Positionsalgorithmus</a:t>
             </a:r>
-            <a:endParaRPr lang="en-US" u="sng" dirty="0"/>
+            <a:endParaRPr lang="en-US" u="sng"/>
           </a:p>
         </p:txBody>
       </p:sp>
@@ -9346,11 +9896,6 @@
               </a:rPr>
               <a:t>Luca Alexander Gekle</a:t>
             </a:r>
-            <a:endParaRPr lang="de-AT" sz="1800" dirty="0">
-              <a:solidFill>
-                <a:schemeClr val="bg1"/>
-              </a:solidFill>
-            </a:endParaRPr>
           </a:p>
         </p:txBody>
       </p:sp>
@@ -9376,15 +9921,15 @@
           <a:lstStyle/>
           <a:p>
             <a:r>
-              <a:rPr lang="de-AT" dirty="0"/>
+              <a:rPr lang="de-AT"/>
               <a:t>CONTRUDE </a:t>
             </a:r>
             <a:r>
-              <a:rPr lang="de-AT" dirty="0" err="1"/>
+              <a:rPr lang="de-AT" err="1"/>
               <a:t>Gekle</a:t>
             </a:r>
             <a:r>
-              <a:rPr lang="de-AT" dirty="0"/>
+              <a:rPr lang="de-AT"/>
               <a:t>, Kampl, Schrempf</a:t>
             </a:r>
           </a:p>
@@ -9542,7 +10087,7 @@
           <a:lstStyle/>
           <a:p>
             <a:r>
-              <a:rPr lang="de-AT" sz="2000" b="1" u="sng" dirty="0">
+              <a:rPr lang="de-AT" sz="2000" b="1" u="sng">
                 <a:solidFill>
                   <a:schemeClr val="bg1"/>
                 </a:solidFill>
@@ -9581,14 +10126,14 @@
           <a:lstStyle/>
           <a:p>
             <a:r>
-              <a:rPr lang="de-AT" sz="2000" dirty="0">
+              <a:rPr lang="de-AT" sz="2000">
                 <a:solidFill>
                   <a:schemeClr val="bg1"/>
                 </a:solidFill>
               </a:rPr>
               <a:t>Hardware</a:t>
             </a:r>
-            <a:endParaRPr lang="en-US" dirty="0"/>
+            <a:endParaRPr lang="en-US"/>
           </a:p>
         </p:txBody>
       </p:sp>
@@ -9621,14 +10166,14 @@
           <a:lstStyle/>
           <a:p>
             <a:r>
-              <a:rPr lang="de-AT" sz="2000" dirty="0">
+              <a:rPr lang="de-AT" sz="2000">
                 <a:solidFill>
                   <a:schemeClr val="bg1"/>
                 </a:solidFill>
               </a:rPr>
               <a:t>Sensorik</a:t>
             </a:r>
-            <a:endParaRPr lang="en-US" dirty="0"/>
+            <a:endParaRPr lang="en-US"/>
           </a:p>
         </p:txBody>
       </p:sp>
@@ -9661,14 +10206,14 @@
           <a:lstStyle/>
           <a:p>
             <a:r>
-              <a:rPr lang="de-AT" sz="2000" dirty="0">
+              <a:rPr lang="de-AT" sz="2000">
                 <a:solidFill>
                   <a:schemeClr val="bg1"/>
                 </a:solidFill>
               </a:rPr>
               <a:t>MQTT</a:t>
             </a:r>
-            <a:endParaRPr lang="en-US" dirty="0"/>
+            <a:endParaRPr lang="en-US"/>
           </a:p>
         </p:txBody>
       </p:sp>
@@ -9970,11 +10515,6 @@
               </a:rPr>
               <a:t>Luca Alexander Gekle</a:t>
             </a:r>
-            <a:endParaRPr lang="de-AT" sz="1800" dirty="0">
-              <a:solidFill>
-                <a:schemeClr val="bg1"/>
-              </a:solidFill>
-            </a:endParaRPr>
           </a:p>
         </p:txBody>
       </p:sp>
@@ -10000,15 +10540,15 @@
           <a:lstStyle/>
           <a:p>
             <a:r>
-              <a:rPr lang="de-AT" dirty="0"/>
+              <a:rPr lang="de-AT"/>
               <a:t>CONTRUDE </a:t>
             </a:r>
             <a:r>
-              <a:rPr lang="de-AT" dirty="0" err="1"/>
+              <a:rPr lang="de-AT" err="1"/>
               <a:t>Gekle</a:t>
             </a:r>
             <a:r>
-              <a:rPr lang="de-AT" dirty="0"/>
+              <a:rPr lang="de-AT"/>
               <a:t>, Kampl, Schrempf</a:t>
             </a:r>
           </a:p>
@@ -10166,7 +10706,7 @@
           <a:lstStyle/>
           <a:p>
             <a:r>
-              <a:rPr lang="de-AT" sz="2000" b="1" u="sng" dirty="0">
+              <a:rPr lang="de-AT" sz="2000" b="1" u="sng">
                 <a:solidFill>
                   <a:schemeClr val="bg1"/>
                 </a:solidFill>
@@ -10205,14 +10745,14 @@
           <a:lstStyle/>
           <a:p>
             <a:r>
-              <a:rPr lang="de-AT" sz="2000" dirty="0">
+              <a:rPr lang="de-AT" sz="2000">
                 <a:solidFill>
                   <a:schemeClr val="bg1"/>
                 </a:solidFill>
               </a:rPr>
               <a:t>Hardware</a:t>
             </a:r>
-            <a:endParaRPr lang="en-US" dirty="0"/>
+            <a:endParaRPr lang="en-US"/>
           </a:p>
         </p:txBody>
       </p:sp>
@@ -10245,14 +10785,14 @@
           <a:lstStyle/>
           <a:p>
             <a:r>
-              <a:rPr lang="de-AT" sz="2000" dirty="0">
+              <a:rPr lang="de-AT" sz="2000">
                 <a:solidFill>
                   <a:schemeClr val="bg1"/>
                 </a:solidFill>
               </a:rPr>
               <a:t>Sensorik</a:t>
             </a:r>
-            <a:endParaRPr lang="en-US" dirty="0"/>
+            <a:endParaRPr lang="en-US"/>
           </a:p>
         </p:txBody>
       </p:sp>
@@ -10285,14 +10825,14 @@
           <a:lstStyle/>
           <a:p>
             <a:r>
-              <a:rPr lang="de-AT" sz="2000" dirty="0">
+              <a:rPr lang="de-AT" sz="2000">
                 <a:solidFill>
                   <a:schemeClr val="bg1"/>
                 </a:solidFill>
               </a:rPr>
               <a:t>MQTT</a:t>
             </a:r>
-            <a:endParaRPr lang="en-US" dirty="0"/>
+            <a:endParaRPr lang="en-US"/>
           </a:p>
         </p:txBody>
       </p:sp>
@@ -10396,11 +10936,6 @@
               </a:rPr>
               <a:t>Luca Alexander Gekle</a:t>
             </a:r>
-            <a:endParaRPr lang="de-AT" sz="1800" dirty="0">
-              <a:solidFill>
-                <a:schemeClr val="bg1"/>
-              </a:solidFill>
-            </a:endParaRPr>
           </a:p>
         </p:txBody>
       </p:sp>
@@ -10426,15 +10961,15 @@
           <a:lstStyle/>
           <a:p>
             <a:r>
-              <a:rPr lang="de-AT" dirty="0"/>
+              <a:rPr lang="de-AT"/>
               <a:t>CONTRUDE </a:t>
             </a:r>
             <a:r>
-              <a:rPr lang="de-AT" dirty="0" err="1"/>
+              <a:rPr lang="de-AT" err="1"/>
               <a:t>Gekle</a:t>
             </a:r>
             <a:r>
-              <a:rPr lang="de-AT" dirty="0"/>
+              <a:rPr lang="de-AT"/>
               <a:t>, Kampl, Schrempf</a:t>
             </a:r>
           </a:p>
@@ -10578,7 +11113,7 @@
         <p:spPr>
           <a:xfrm>
             <a:off x="4202226" y="4547416"/>
-            <a:ext cx="2800153" cy="369332"/>
+            <a:ext cx="2800153" cy="400110"/>
           </a:xfrm>
           <a:prstGeom prst="rect">
             <a:avLst/>
@@ -10592,7 +11127,7 @@
           <a:lstStyle/>
           <a:p>
             <a:r>
-              <a:rPr lang="de-AT" b="1" u="sng" dirty="0">
+              <a:rPr lang="de-AT" sz="2000" b="1" u="sng">
                 <a:solidFill>
                   <a:schemeClr val="bg1"/>
                 </a:solidFill>
@@ -10631,14 +11166,14 @@
           <a:lstStyle/>
           <a:p>
             <a:r>
-              <a:rPr lang="de-AT" sz="2000" dirty="0">
+              <a:rPr lang="de-AT" sz="2000">
                 <a:solidFill>
                   <a:schemeClr val="bg1"/>
                 </a:solidFill>
               </a:rPr>
               <a:t>Hardware</a:t>
             </a:r>
-            <a:endParaRPr lang="en-US" dirty="0"/>
+            <a:endParaRPr lang="en-US"/>
           </a:p>
         </p:txBody>
       </p:sp>
@@ -10671,14 +11206,14 @@
           <a:lstStyle/>
           <a:p>
             <a:r>
-              <a:rPr lang="de-AT" sz="2000" dirty="0">
+              <a:rPr lang="de-AT" sz="2000">
                 <a:solidFill>
                   <a:schemeClr val="bg1"/>
                 </a:solidFill>
               </a:rPr>
               <a:t>Sensorik</a:t>
             </a:r>
-            <a:endParaRPr lang="en-US" dirty="0"/>
+            <a:endParaRPr lang="en-US"/>
           </a:p>
         </p:txBody>
       </p:sp>
@@ -10711,14 +11246,14 @@
           <a:lstStyle/>
           <a:p>
             <a:r>
-              <a:rPr lang="de-AT" sz="2000" dirty="0">
+              <a:rPr lang="de-AT" sz="2000">
                 <a:solidFill>
                   <a:schemeClr val="bg1"/>
                 </a:solidFill>
               </a:rPr>
               <a:t>MQTT</a:t>
             </a:r>
-            <a:endParaRPr lang="en-US" dirty="0"/>
+            <a:endParaRPr lang="en-US"/>
           </a:p>
         </p:txBody>
       </p:sp>
@@ -11610,18 +12145,48 @@
 </file>
 
 <file path=customXml/item2.xml><?xml version="1.0" encoding="utf-8"?>
-<ct:contentTypeSchema xmlns:ct="http://schemas.microsoft.com/office/2006/metadata/contentType" xmlns:ma="http://schemas.microsoft.com/office/2006/metadata/properties/metaAttributes" ct:_="" ma:_="" ma:contentTypeName="Dokument" ma:contentTypeID="0x010100B5F8F8BE0F772449AA3E28E2051A517F" ma:contentTypeVersion="0" ma:contentTypeDescription="Ein neues Dokument erstellen." ma:contentTypeScope="" ma:versionID="0d260f8c1711e932026baa77adf35126">
-  <xsd:schema xmlns:xsd="http://www.w3.org/2001/XMLSchema" xmlns:xs="http://www.w3.org/2001/XMLSchema" xmlns:p="http://schemas.microsoft.com/office/2006/metadata/properties" targetNamespace="http://schemas.microsoft.com/office/2006/metadata/properties" ma:root="true" ma:fieldsID="10627edd4f09c1f414843cf0643fb7ba">
+<ct:contentTypeSchema xmlns:ct="http://schemas.microsoft.com/office/2006/metadata/contentType" xmlns:ma="http://schemas.microsoft.com/office/2006/metadata/properties/metaAttributes" ct:_="" ma:_="" ma:contentTypeName="Dokument" ma:contentTypeID="0x010100AEC342486E2AC5419469D1A36EC3682B" ma:contentTypeVersion="4" ma:contentTypeDescription="Ein neues Dokument erstellen." ma:contentTypeScope="" ma:versionID="3fa14d8831e4b125e814b54aaa4122bb">
+  <xsd:schema xmlns:xsd="http://www.w3.org/2001/XMLSchema" xmlns:xs="http://www.w3.org/2001/XMLSchema" xmlns:p="http://schemas.microsoft.com/office/2006/metadata/properties" xmlns:ns2="025117e9-99fa-48ff-aab4-bb37753ec9db" targetNamespace="http://schemas.microsoft.com/office/2006/metadata/properties" ma:root="true" ma:fieldsID="c273f986753a84b21935896d46e76ffa" ns2:_="">
+    <xsd:import namespace="025117e9-99fa-48ff-aab4-bb37753ec9db"/>
     <xsd:element name="properties">
       <xsd:complexType>
         <xsd:sequence>
           <xsd:element name="documentManagement">
             <xsd:complexType>
-              <xsd:all/>
+              <xsd:all>
+                <xsd:element ref="ns2:MediaServiceMetadata" minOccurs="0"/>
+                <xsd:element ref="ns2:MediaServiceFastMetadata" minOccurs="0"/>
+                <xsd:element ref="ns2:MediaServiceSearchProperties" minOccurs="0"/>
+                <xsd:element ref="ns2:MediaServiceObjectDetectorVersions" minOccurs="0"/>
+              </xsd:all>
             </xsd:complexType>
           </xsd:element>
         </xsd:sequence>
       </xsd:complexType>
+    </xsd:element>
+  </xsd:schema>
+  <xsd:schema xmlns:xsd="http://www.w3.org/2001/XMLSchema" xmlns:xs="http://www.w3.org/2001/XMLSchema" xmlns:dms="http://schemas.microsoft.com/office/2006/documentManagement/types" xmlns:pc="http://schemas.microsoft.com/office/infopath/2007/PartnerControls" targetNamespace="025117e9-99fa-48ff-aab4-bb37753ec9db" elementFormDefault="qualified">
+    <xsd:import namespace="http://schemas.microsoft.com/office/2006/documentManagement/types"/>
+    <xsd:import namespace="http://schemas.microsoft.com/office/infopath/2007/PartnerControls"/>
+    <xsd:element name="MediaServiceMetadata" ma:index="8" nillable="true" ma:displayName="MediaServiceMetadata" ma:hidden="true" ma:internalName="MediaServiceMetadata" ma:readOnly="true">
+      <xsd:simpleType>
+        <xsd:restriction base="dms:Note"/>
+      </xsd:simpleType>
+    </xsd:element>
+    <xsd:element name="MediaServiceFastMetadata" ma:index="9" nillable="true" ma:displayName="MediaServiceFastMetadata" ma:hidden="true" ma:internalName="MediaServiceFastMetadata" ma:readOnly="true">
+      <xsd:simpleType>
+        <xsd:restriction base="dms:Note"/>
+      </xsd:simpleType>
+    </xsd:element>
+    <xsd:element name="MediaServiceSearchProperties" ma:index="10" nillable="true" ma:displayName="MediaServiceSearchProperties" ma:hidden="true" ma:internalName="MediaServiceSearchProperties" ma:readOnly="true">
+      <xsd:simpleType>
+        <xsd:restriction base="dms:Note"/>
+      </xsd:simpleType>
+    </xsd:element>
+    <xsd:element name="MediaServiceObjectDetectorVersions" ma:index="11" nillable="true" ma:displayName="MediaServiceObjectDetectorVersions" ma:hidden="true" ma:indexed="true" ma:internalName="MediaServiceObjectDetectorVersions" ma:readOnly="true">
+      <xsd:simpleType>
+        <xsd:restriction base="dms:Text"/>
+      </xsd:simpleType>
     </xsd:element>
   </xsd:schema>
   <xsd:schema xmlns="http://schemas.openxmlformats.org/package/2006/metadata/core-properties" xmlns:xsd="http://www.w3.org/2001/XMLSchema" xmlns:xsi="http://www.w3.org/2001/XMLSchema-instance" xmlns:dc="http://purl.org/dc/elements/1.1/" xmlns:dcterms="http://purl.org/dc/terms/" xmlns:odoc="http://schemas.microsoft.com/internal/obd" targetNamespace="http://schemas.openxmlformats.org/package/2006/metadata/core-properties" elementFormDefault="qualified" attributeFormDefault="unqualified" blockDefault="#all">
@@ -11738,11 +12303,13 @@
 </file>
 
 <file path=customXml/itemProps2.xml><?xml version="1.0" encoding="utf-8"?>
-<ds:datastoreItem xmlns:ds="http://schemas.openxmlformats.org/officeDocument/2006/customXml" ds:itemID="{52C214F1-4297-4767-8275-0DA039616A9F}">
+<ds:datastoreItem xmlns:ds="http://schemas.openxmlformats.org/officeDocument/2006/customXml" ds:itemID="{112BE4CD-0DD7-4283-8B22-B94F084D1F44}">
   <ds:schemaRefs>
+    <ds:schemaRef ds:uri="025117e9-99fa-48ff-aab4-bb37753ec9db"/>
     <ds:schemaRef ds:uri="http://purl.org/dc/elements/1.1/"/>
     <ds:schemaRef ds:uri="http://purl.org/dc/terms/"/>
     <ds:schemaRef ds:uri="http://schemas.microsoft.com/internal/obd"/>
+    <ds:schemaRef ds:uri="http://schemas.microsoft.com/office/2006/documentManagement/types"/>
     <ds:schemaRef ds:uri="http://schemas.microsoft.com/office/2006/metadata/contentType"/>
     <ds:schemaRef ds:uri="http://schemas.microsoft.com/office/2006/metadata/properties"/>
     <ds:schemaRef ds:uri="http://schemas.microsoft.com/office/2006/metadata/properties/metaAttributes"/>
@@ -11756,14 +12323,15 @@
 <file path=customXml/itemProps3.xml><?xml version="1.0" encoding="utf-8"?>
 <ds:datastoreItem xmlns:ds="http://schemas.openxmlformats.org/officeDocument/2006/customXml" ds:itemID="{91B09AE3-FA1D-40C8-A6CE-A2D9F55131C8}">
   <ds:schemaRefs>
+    <ds:schemaRef ds:uri="http://schemas.microsoft.com/office/2006/metadata/properties"/>
+    <ds:schemaRef ds:uri="http://www.w3.org/XML/1998/namespace"/>
+    <ds:schemaRef ds:uri="http://purl.org/dc/elements/1.1/"/>
+    <ds:schemaRef ds:uri="http://schemas.openxmlformats.org/package/2006/metadata/core-properties"/>
     <ds:schemaRef ds:uri="http://purl.org/dc/dcmitype/"/>
-    <ds:schemaRef ds:uri="http://purl.org/dc/elements/1.1/"/>
+    <ds:schemaRef ds:uri="http://schemas.microsoft.com/office/infopath/2007/PartnerControls"/>
+    <ds:schemaRef ds:uri="http://schemas.microsoft.com/office/2006/documentManagement/types"/>
     <ds:schemaRef ds:uri="http://purl.org/dc/terms/"/>
-    <ds:schemaRef ds:uri="http://schemas.microsoft.com/office/2006/documentManagement/types"/>
-    <ds:schemaRef ds:uri="http://schemas.microsoft.com/office/2006/metadata/properties"/>
-    <ds:schemaRef ds:uri="http://schemas.microsoft.com/office/infopath/2007/PartnerControls"/>
-    <ds:schemaRef ds:uri="http://schemas.openxmlformats.org/package/2006/metadata/core-properties"/>
-    <ds:schemaRef ds:uri="http://www.w3.org/XML/1998/namespace"/>
+    <ds:schemaRef ds:uri="025117e9-99fa-48ff-aab4-bb37753ec9db"/>
   </ds:schemaRefs>
 </ds:datastoreItem>
 </file>
--- a/Diplomarbeit/doc/Presentations/DA-Präsentation2024_Erstpräsentation.pptx
+++ b/Diplomarbeit/doc/Presentations/DA-Präsentation2024_Erstpräsentation.pptx
@@ -176,45 +176,6 @@
 
 <file path=ppt/changesInfos/changesInfo1.xml><?xml version="1.0" encoding="utf-8"?>
 <pc:chgInfo xmlns:a="http://schemas.openxmlformats.org/drawingml/2006/main" xmlns:r="http://schemas.openxmlformats.org/officeDocument/2006/relationships" xmlns:ac="http://schemas.microsoft.com/office/drawing/2013/main/command" xmlns:pc="http://schemas.microsoft.com/office/powerpoint/2013/main/command">
-  <pc:docChgLst>
-    <pc:chgData name="Kampl Maximilian" userId="S::201wita27@o365.htl-leoben.at::4918dfd5-1387-4640-93ab-d05016201330" providerId="AD" clId="Web-{877E458E-2830-48BE-861D-71F57C303B75}"/>
-    <pc:docChg chg="modSld">
-      <pc:chgData name="Kampl Maximilian" userId="S::201wita27@o365.htl-leoben.at::4918dfd5-1387-4640-93ab-d05016201330" providerId="AD" clId="Web-{877E458E-2830-48BE-861D-71F57C303B75}" dt="2024-06-20T16:48:49.531" v="21"/>
-      <pc:docMkLst>
-        <pc:docMk/>
-      </pc:docMkLst>
-      <pc:sldChg chg="addSp modSp">
-        <pc:chgData name="Kampl Maximilian" userId="S::201wita27@o365.htl-leoben.at::4918dfd5-1387-4640-93ab-d05016201330" providerId="AD" clId="Web-{877E458E-2830-48BE-861D-71F57C303B75}" dt="2024-06-20T16:48:49.531" v="21"/>
-        <pc:sldMkLst>
-          <pc:docMk/>
-          <pc:sldMk cId="2395814003" sldId="2593"/>
-        </pc:sldMkLst>
-        <pc:spChg chg="add mod">
-          <ac:chgData name="Kampl Maximilian" userId="S::201wita27@o365.htl-leoben.at::4918dfd5-1387-4640-93ab-d05016201330" providerId="AD" clId="Web-{877E458E-2830-48BE-861D-71F57C303B75}" dt="2024-06-20T16:48:49.531" v="21"/>
-          <ac:spMkLst>
-            <pc:docMk/>
-            <pc:sldMk cId="2395814003" sldId="2593"/>
-            <ac:spMk id="2" creationId="{73220638-C94E-09A1-A125-27B6E9EA2614}"/>
-          </ac:spMkLst>
-        </pc:spChg>
-      </pc:sldChg>
-      <pc:sldChg chg="addSp modSp">
-        <pc:chgData name="Kampl Maximilian" userId="S::201wita27@o365.htl-leoben.at::4918dfd5-1387-4640-93ab-d05016201330" providerId="AD" clId="Web-{877E458E-2830-48BE-861D-71F57C303B75}" dt="2024-06-20T16:47:23.228" v="15" actId="1076"/>
-        <pc:sldMkLst>
-          <pc:docMk/>
-          <pc:sldMk cId="1061074841" sldId="2596"/>
-        </pc:sldMkLst>
-        <pc:spChg chg="add mod">
-          <ac:chgData name="Kampl Maximilian" userId="S::201wita27@o365.htl-leoben.at::4918dfd5-1387-4640-93ab-d05016201330" providerId="AD" clId="Web-{877E458E-2830-48BE-861D-71F57C303B75}" dt="2024-06-20T16:47:23.228" v="15" actId="1076"/>
-          <ac:spMkLst>
-            <pc:docMk/>
-            <pc:sldMk cId="1061074841" sldId="2596"/>
-            <ac:spMk id="2" creationId="{548018E2-51E9-7B56-D95A-411BB36F543B}"/>
-          </ac:spMkLst>
-        </pc:spChg>
-      </pc:sldChg>
-    </pc:docChg>
-  </pc:docChgLst>
   <pc:docChgLst>
     <pc:chgData name="Kampl Maximilian" userId="S::201wita27@o365.htl-leoben.at::4918dfd5-1387-4640-93ab-d05016201330" providerId="AD" clId="Web-{C31EE056-261C-469D-8615-8658228AB120}"/>
     <pc:docChg chg="modSld">
@@ -435,6 +396,45 @@
     </pc:docChg>
   </pc:docChgLst>
   <pc:docChgLst>
+    <pc:chgData name="Kampl Maximilian" userId="S::201wita27@o365.htl-leoben.at::4918dfd5-1387-4640-93ab-d05016201330" providerId="AD" clId="Web-{877E458E-2830-48BE-861D-71F57C303B75}"/>
+    <pc:docChg chg="modSld">
+      <pc:chgData name="Kampl Maximilian" userId="S::201wita27@o365.htl-leoben.at::4918dfd5-1387-4640-93ab-d05016201330" providerId="AD" clId="Web-{877E458E-2830-48BE-861D-71F57C303B75}" dt="2024-06-20T16:48:49.531" v="21"/>
+      <pc:docMkLst>
+        <pc:docMk/>
+      </pc:docMkLst>
+      <pc:sldChg chg="addSp modSp">
+        <pc:chgData name="Kampl Maximilian" userId="S::201wita27@o365.htl-leoben.at::4918dfd5-1387-4640-93ab-d05016201330" providerId="AD" clId="Web-{877E458E-2830-48BE-861D-71F57C303B75}" dt="2024-06-20T16:48:49.531" v="21"/>
+        <pc:sldMkLst>
+          <pc:docMk/>
+          <pc:sldMk cId="2395814003" sldId="2593"/>
+        </pc:sldMkLst>
+        <pc:spChg chg="add mod">
+          <ac:chgData name="Kampl Maximilian" userId="S::201wita27@o365.htl-leoben.at::4918dfd5-1387-4640-93ab-d05016201330" providerId="AD" clId="Web-{877E458E-2830-48BE-861D-71F57C303B75}" dt="2024-06-20T16:48:49.531" v="21"/>
+          <ac:spMkLst>
+            <pc:docMk/>
+            <pc:sldMk cId="2395814003" sldId="2593"/>
+            <ac:spMk id="2" creationId="{73220638-C94E-09A1-A125-27B6E9EA2614}"/>
+          </ac:spMkLst>
+        </pc:spChg>
+      </pc:sldChg>
+      <pc:sldChg chg="addSp modSp">
+        <pc:chgData name="Kampl Maximilian" userId="S::201wita27@o365.htl-leoben.at::4918dfd5-1387-4640-93ab-d05016201330" providerId="AD" clId="Web-{877E458E-2830-48BE-861D-71F57C303B75}" dt="2024-06-20T16:47:23.228" v="15" actId="1076"/>
+        <pc:sldMkLst>
+          <pc:docMk/>
+          <pc:sldMk cId="1061074841" sldId="2596"/>
+        </pc:sldMkLst>
+        <pc:spChg chg="add mod">
+          <ac:chgData name="Kampl Maximilian" userId="S::201wita27@o365.htl-leoben.at::4918dfd5-1387-4640-93ab-d05016201330" providerId="AD" clId="Web-{877E458E-2830-48BE-861D-71F57C303B75}" dt="2024-06-20T16:47:23.228" v="15" actId="1076"/>
+          <ac:spMkLst>
+            <pc:docMk/>
+            <pc:sldMk cId="1061074841" sldId="2596"/>
+            <ac:spMk id="2" creationId="{548018E2-51E9-7B56-D95A-411BB36F543B}"/>
+          </ac:spMkLst>
+        </pc:spChg>
+      </pc:sldChg>
+    </pc:docChg>
+  </pc:docChgLst>
+  <pc:docChgLst>
     <pc:chgData name="Kampl Maximilian" userId="4918dfd5-1387-4640-93ab-d05016201330" providerId="ADAL" clId="{471A55EF-552C-4C56-9006-996C359C77F2}"/>
     <pc:docChg chg="modSld">
       <pc:chgData name="Kampl Maximilian" userId="4918dfd5-1387-4640-93ab-d05016201330" providerId="ADAL" clId="{471A55EF-552C-4C56-9006-996C359C77F2}" dt="2024-06-20T17:15:30.910" v="101" actId="403"/>
@@ -596,7 +596,7 @@
             <a:fld id="{4597EA2D-D11E-4F11-940E-96FC3DC86B48}" type="datetimeFigureOut">
               <a:rPr lang="de-DE" smtClean="0"/>
               <a:pPr/>
-              <a:t>21.06.2024</a:t>
+              <a:t>21.10.2024</a:t>
             </a:fld>
             <a:endParaRPr lang="de-AT"/>
           </a:p>
@@ -763,7 +763,7 @@
             <a:fld id="{25FA59D5-1C02-4780-AF81-09ADAD492357}" type="datetimeFigureOut">
               <a:rPr lang="de-AT" smtClean="0"/>
               <a:pPr/>
-              <a:t>21.06.2024</a:t>
+              <a:t>21.10.2024</a:t>
             </a:fld>
             <a:endParaRPr lang="de-AT"/>
           </a:p>
@@ -1771,7 +1771,7 @@
           <a:p>
             <a:fld id="{903DBAB2-6CCA-40C7-8885-2C056A77E284}" type="datetime1">
               <a:rPr lang="de-AT" smtClean="0"/>
-              <a:t>21.06.2024</a:t>
+              <a:t>21.10.2024</a:t>
             </a:fld>
             <a:endParaRPr lang="de-AT"/>
           </a:p>
@@ -2126,7 +2126,7 @@
           <a:p>
             <a:fld id="{CFFB591F-AE7F-406B-977E-415D708CD05B}" type="datetime1">
               <a:rPr lang="de-AT" smtClean="0"/>
-              <a:t>21.06.2024</a:t>
+              <a:t>21.10.2024</a:t>
             </a:fld>
             <a:endParaRPr lang="de-AT"/>
           </a:p>
@@ -2606,7 +2606,7 @@
           <a:p>
             <a:fld id="{DDED4213-31A7-43A9-B381-650B72838F3D}" type="datetime1">
               <a:rPr lang="de-AT" smtClean="0"/>
-              <a:t>21.06.2024</a:t>
+              <a:t>21.10.2024</a:t>
             </a:fld>
             <a:endParaRPr lang="de-AT"/>
           </a:p>
@@ -3238,7 +3238,7 @@
           <a:p>
             <a:fld id="{73623C63-4118-48BA-956A-11DEEC1AA07D}" type="datetime1">
               <a:rPr lang="de-AT" smtClean="0"/>
-              <a:t>21.06.2024</a:t>
+              <a:t>21.10.2024</a:t>
             </a:fld>
             <a:endParaRPr lang="de-AT"/>
           </a:p>
@@ -3583,7 +3583,7 @@
           <a:p>
             <a:fld id="{D256D3EE-23A3-40C2-AAE3-0430D418E6CE}" type="datetime1">
               <a:rPr lang="de-AT" smtClean="0"/>
-              <a:t>21.06.2024</a:t>
+              <a:t>21.10.2024</a:t>
             </a:fld>
             <a:endParaRPr lang="de-AT"/>
           </a:p>
@@ -3779,7 +3779,7 @@
           <a:p>
             <a:fld id="{3FE2F795-10B4-41AA-AEDE-F815B308DCDB}" type="datetime1">
               <a:rPr lang="de-AT" smtClean="0"/>
-              <a:t>21.06.2024</a:t>
+              <a:t>21.10.2024</a:t>
             </a:fld>
             <a:endParaRPr lang="de-AT"/>
           </a:p>
@@ -4004,7 +4004,7 @@
           <a:p>
             <a:fld id="{03FB355E-663F-46F6-A58A-7E827B834F26}" type="datetime1">
               <a:rPr lang="de-AT" smtClean="0"/>
-              <a:t>21.06.2024</a:t>
+              <a:t>21.10.2024</a:t>
             </a:fld>
             <a:endParaRPr lang="de-AT"/>
           </a:p>
@@ -4534,7 +4534,7 @@
             <a:pPr algn="r"/>
             <a:fld id="{8EA2BAE2-6757-47A9-8E17-82B3704991C6}" type="datetime4">
               <a:rPr lang="de-AT" smtClean="0"/>
-              <a:t>21. Juni 2024</a:t>
+              <a:t>21. Oktober 2024</a:t>
             </a:fld>
             <a:endParaRPr lang="de-AT"/>
           </a:p>
@@ -8284,60 +8284,60 @@
           <a:lstStyle/>
           <a:p>
             <a:r>
-              <a:rPr lang="de-DE"/>
+              <a:rPr lang="de-DE" dirty="0"/>
               <a:t>Auslesen der Umweltdaten</a:t>
             </a:r>
           </a:p>
           <a:p>
             <a:pPr lvl="1"/>
             <a:r>
-              <a:rPr lang="de-DE"/>
+              <a:rPr lang="de-DE" dirty="0"/>
               <a:t>Temperatur, Luftfeuchtigkeit und -druck, Erschütterung</a:t>
             </a:r>
           </a:p>
           <a:p>
             <a:r>
-              <a:rPr lang="de-DE"/>
+              <a:rPr lang="de-DE" dirty="0"/>
               <a:t>Bau von 3 Prototypen welche</a:t>
             </a:r>
           </a:p>
           <a:p>
             <a:pPr lvl="1"/>
             <a:r>
-              <a:rPr lang="de-DE"/>
+              <a:rPr lang="de-DE" dirty="0"/>
               <a:t>Umweltdaten auslesen</a:t>
             </a:r>
           </a:p>
           <a:p>
             <a:pPr lvl="1"/>
             <a:r>
-              <a:rPr lang="de-DE"/>
+              <a:rPr lang="de-DE" dirty="0"/>
               <a:t>Position aussenden mittels Bluetooth</a:t>
             </a:r>
           </a:p>
           <a:p>
             <a:pPr lvl="1"/>
             <a:r>
-              <a:rPr lang="de-DE"/>
+              <a:rPr lang="de-DE" dirty="0"/>
               <a:t>Daten senden mittels MQTT</a:t>
             </a:r>
           </a:p>
           <a:p>
             <a:r>
-              <a:rPr lang="de-DE"/>
+              <a:rPr lang="de-DE" dirty="0"/>
               <a:t>Tracken von Container mittels GPS</a:t>
             </a:r>
           </a:p>
           <a:p>
             <a:r>
-              <a:rPr lang="de-DE"/>
+              <a:rPr lang="de-DE" dirty="0"/>
               <a:t>Ermittlung der Position der Container durch Dijkstra Algorithmus</a:t>
             </a:r>
           </a:p>
           <a:p>
             <a:pPr lvl="1"/>
             <a:r>
-              <a:rPr lang="de-DE"/>
+              <a:rPr lang="de-DE" dirty="0"/>
               <a:t>Verminderung der Falschplatzierung, von Containern, auf nahezu 5%</a:t>
             </a:r>
           </a:p>
@@ -12136,15 +12136,6 @@
 </file>
 
 <file path=customXml/item1.xml><?xml version="1.0" encoding="utf-8"?>
-<?mso-contentType ?>
-<FormTemplates xmlns="http://schemas.microsoft.com/sharepoint/v3/contenttype/forms">
-  <Display>DocumentLibraryForm</Display>
-  <Edit>DocumentLibraryForm</Edit>
-  <New>DocumentLibraryForm</New>
-</FormTemplates>
-</file>
-
-<file path=customXml/item2.xml><?xml version="1.0" encoding="utf-8"?>
 <ct:contentTypeSchema xmlns:ct="http://schemas.microsoft.com/office/2006/metadata/contentType" xmlns:ma="http://schemas.microsoft.com/office/2006/metadata/properties/metaAttributes" ct:_="" ma:_="" ma:contentTypeName="Dokument" ma:contentTypeID="0x010100AEC342486E2AC5419469D1A36EC3682B" ma:contentTypeVersion="4" ma:contentTypeDescription="Ein neues Dokument erstellen." ma:contentTypeScope="" ma:versionID="3fa14d8831e4b125e814b54aaa4122bb">
   <xsd:schema xmlns:xsd="http://www.w3.org/2001/XMLSchema" xmlns:xs="http://www.w3.org/2001/XMLSchema" xmlns:p="http://schemas.microsoft.com/office/2006/metadata/properties" xmlns:ns2="025117e9-99fa-48ff-aab4-bb37753ec9db" targetNamespace="http://schemas.microsoft.com/office/2006/metadata/properties" ma:root="true" ma:fieldsID="c273f986753a84b21935896d46e76ffa" ns2:_="">
     <xsd:import namespace="025117e9-99fa-48ff-aab4-bb37753ec9db"/>
@@ -12288,6 +12279,15 @@
 </ct:contentTypeSchema>
 </file>
 
+<file path=customXml/item2.xml><?xml version="1.0" encoding="utf-8"?>
+<?mso-contentType ?>
+<FormTemplates xmlns="http://schemas.microsoft.com/sharepoint/v3/contenttype/forms">
+  <Display>DocumentLibraryForm</Display>
+  <Edit>DocumentLibraryForm</Edit>
+  <New>DocumentLibraryForm</New>
+</FormTemplates>
+</file>
+
 <file path=customXml/item3.xml><?xml version="1.0" encoding="utf-8"?>
 <p:properties xmlns:p="http://schemas.microsoft.com/office/2006/metadata/properties" xmlns:xsi="http://www.w3.org/2001/XMLSchema-instance" xmlns:pc="http://schemas.microsoft.com/office/infopath/2007/PartnerControls">
   <documentManagement/>
@@ -12295,14 +12295,6 @@
 </file>
 
 <file path=customXml/itemProps1.xml><?xml version="1.0" encoding="utf-8"?>
-<ds:datastoreItem xmlns:ds="http://schemas.openxmlformats.org/officeDocument/2006/customXml" ds:itemID="{A62B322D-2084-418A-8960-B074ADC5B6DB}">
-  <ds:schemaRefs>
-    <ds:schemaRef ds:uri="http://schemas.microsoft.com/sharepoint/v3/contenttype/forms"/>
-  </ds:schemaRefs>
-</ds:datastoreItem>
-</file>
-
-<file path=customXml/itemProps2.xml><?xml version="1.0" encoding="utf-8"?>
 <ds:datastoreItem xmlns:ds="http://schemas.openxmlformats.org/officeDocument/2006/customXml" ds:itemID="{112BE4CD-0DD7-4283-8B22-B94F084D1F44}">
   <ds:schemaRefs>
     <ds:schemaRef ds:uri="025117e9-99fa-48ff-aab4-bb37753ec9db"/>
@@ -12316,6 +12308,14 @@
     <ds:schemaRef ds:uri="http://schemas.microsoft.com/office/infopath/2007/PartnerControls"/>
     <ds:schemaRef ds:uri="http://schemas.openxmlformats.org/package/2006/metadata/core-properties"/>
     <ds:schemaRef ds:uri="http://www.w3.org/2001/XMLSchema"/>
+  </ds:schemaRefs>
+</ds:datastoreItem>
+</file>
+
+<file path=customXml/itemProps2.xml><?xml version="1.0" encoding="utf-8"?>
+<ds:datastoreItem xmlns:ds="http://schemas.openxmlformats.org/officeDocument/2006/customXml" ds:itemID="{A62B322D-2084-418A-8960-B074ADC5B6DB}">
+  <ds:schemaRefs>
+    <ds:schemaRef ds:uri="http://schemas.microsoft.com/sharepoint/v3/contenttype/forms"/>
   </ds:schemaRefs>
 </ds:datastoreItem>
 </file>
